--- a/Overview/Bank Loan PPT Power BI.pptx
+++ b/Overview/Bank Loan PPT Power BI.pptx
@@ -150,7 +150,7 @@
           <p:cNvPr id="2" name="Title 1">
             <a:extLst>
               <a:ext uri="{FF2B5EF4-FFF2-40B4-BE49-F238E27FC236}">
-                <a16:creationId xmlns:a16="http://schemas.microsoft.com/office/drawing/2014/main" id="{820CDBFA-3603-645A-9EB2-BF18E33B1A06}"/>
+                <a16:creationId xmlns="" xmlns:a16="http://schemas.microsoft.com/office/drawing/2014/main" id="{820CDBFA-3603-645A-9EB2-BF18E33B1A06}"/>
               </a:ext>
             </a:extLst>
           </p:cNvPr>
@@ -188,7 +188,7 @@
           <p:cNvPr id="3" name="Subtitle 2">
             <a:extLst>
               <a:ext uri="{FF2B5EF4-FFF2-40B4-BE49-F238E27FC236}">
-                <a16:creationId xmlns:a16="http://schemas.microsoft.com/office/drawing/2014/main" id="{623B8327-55E4-1536-B4F6-FBD74A1753EC}"/>
+                <a16:creationId xmlns="" xmlns:a16="http://schemas.microsoft.com/office/drawing/2014/main" id="{623B8327-55E4-1536-B4F6-FBD74A1753EC}"/>
               </a:ext>
             </a:extLst>
           </p:cNvPr>
@@ -259,7 +259,7 @@
           <p:cNvPr id="4" name="Date Placeholder 3">
             <a:extLst>
               <a:ext uri="{FF2B5EF4-FFF2-40B4-BE49-F238E27FC236}">
-                <a16:creationId xmlns:a16="http://schemas.microsoft.com/office/drawing/2014/main" id="{F715BB0C-9460-BD86-EFB3-AB6659C26DE0}"/>
+                <a16:creationId xmlns="" xmlns:a16="http://schemas.microsoft.com/office/drawing/2014/main" id="{F715BB0C-9460-BD86-EFB3-AB6659C26DE0}"/>
               </a:ext>
             </a:extLst>
           </p:cNvPr>
@@ -277,7 +277,7 @@
           <a:p>
             <a:fld id="{7B289A56-B7BF-4EE2-A684-7373F14AFF3B}" type="datetimeFigureOut">
               <a:rPr lang="en-IN" smtClean="0"/>
-              <a:t>07-10-2023</a:t>
+              <a:t>25-12-2025</a:t>
             </a:fld>
             <a:endParaRPr lang="en-IN"/>
           </a:p>
@@ -288,7 +288,7 @@
           <p:cNvPr id="5" name="Footer Placeholder 4">
             <a:extLst>
               <a:ext uri="{FF2B5EF4-FFF2-40B4-BE49-F238E27FC236}">
-                <a16:creationId xmlns:a16="http://schemas.microsoft.com/office/drawing/2014/main" id="{302C60DD-6F9A-8C55-2C9B-5C4E70AD6AD0}"/>
+                <a16:creationId xmlns="" xmlns:a16="http://schemas.microsoft.com/office/drawing/2014/main" id="{302C60DD-6F9A-8C55-2C9B-5C4E70AD6AD0}"/>
               </a:ext>
             </a:extLst>
           </p:cNvPr>
@@ -313,7 +313,7 @@
           <p:cNvPr id="6" name="Slide Number Placeholder 5">
             <a:extLst>
               <a:ext uri="{FF2B5EF4-FFF2-40B4-BE49-F238E27FC236}">
-                <a16:creationId xmlns:a16="http://schemas.microsoft.com/office/drawing/2014/main" id="{C3D434C2-C539-549B-C05C-B98518AC5860}"/>
+                <a16:creationId xmlns="" xmlns:a16="http://schemas.microsoft.com/office/drawing/2014/main" id="{C3D434C2-C539-549B-C05C-B98518AC5860}"/>
               </a:ext>
             </a:extLst>
           </p:cNvPr>
@@ -372,7 +372,7 @@
           <p:cNvPr id="2" name="Title 1">
             <a:extLst>
               <a:ext uri="{FF2B5EF4-FFF2-40B4-BE49-F238E27FC236}">
-                <a16:creationId xmlns:a16="http://schemas.microsoft.com/office/drawing/2014/main" id="{F8BC7D78-8517-28DA-A27A-D8FFDBD25017}"/>
+                <a16:creationId xmlns="" xmlns:a16="http://schemas.microsoft.com/office/drawing/2014/main" id="{F8BC7D78-8517-28DA-A27A-D8FFDBD25017}"/>
               </a:ext>
             </a:extLst>
           </p:cNvPr>
@@ -401,7 +401,7 @@
           <p:cNvPr id="3" name="Vertical Text Placeholder 2">
             <a:extLst>
               <a:ext uri="{FF2B5EF4-FFF2-40B4-BE49-F238E27FC236}">
-                <a16:creationId xmlns:a16="http://schemas.microsoft.com/office/drawing/2014/main" id="{DE0457C4-E215-0637-C3AF-8C3D1FCBF2F5}"/>
+                <a16:creationId xmlns="" xmlns:a16="http://schemas.microsoft.com/office/drawing/2014/main" id="{DE0457C4-E215-0637-C3AF-8C3D1FCBF2F5}"/>
               </a:ext>
             </a:extLst>
           </p:cNvPr>
@@ -459,7 +459,7 @@
           <p:cNvPr id="4" name="Date Placeholder 3">
             <a:extLst>
               <a:ext uri="{FF2B5EF4-FFF2-40B4-BE49-F238E27FC236}">
-                <a16:creationId xmlns:a16="http://schemas.microsoft.com/office/drawing/2014/main" id="{70202C78-9EFE-DF28-A614-944782ADBFAD}"/>
+                <a16:creationId xmlns="" xmlns:a16="http://schemas.microsoft.com/office/drawing/2014/main" id="{70202C78-9EFE-DF28-A614-944782ADBFAD}"/>
               </a:ext>
             </a:extLst>
           </p:cNvPr>
@@ -477,7 +477,7 @@
           <a:p>
             <a:fld id="{7B289A56-B7BF-4EE2-A684-7373F14AFF3B}" type="datetimeFigureOut">
               <a:rPr lang="en-IN" smtClean="0"/>
-              <a:t>07-10-2023</a:t>
+              <a:t>25-12-2025</a:t>
             </a:fld>
             <a:endParaRPr lang="en-IN"/>
           </a:p>
@@ -488,7 +488,7 @@
           <p:cNvPr id="5" name="Footer Placeholder 4">
             <a:extLst>
               <a:ext uri="{FF2B5EF4-FFF2-40B4-BE49-F238E27FC236}">
-                <a16:creationId xmlns:a16="http://schemas.microsoft.com/office/drawing/2014/main" id="{A01652D1-928F-44A9-D700-AA5F4C04F834}"/>
+                <a16:creationId xmlns="" xmlns:a16="http://schemas.microsoft.com/office/drawing/2014/main" id="{A01652D1-928F-44A9-D700-AA5F4C04F834}"/>
               </a:ext>
             </a:extLst>
           </p:cNvPr>
@@ -513,7 +513,7 @@
           <p:cNvPr id="6" name="Slide Number Placeholder 5">
             <a:extLst>
               <a:ext uri="{FF2B5EF4-FFF2-40B4-BE49-F238E27FC236}">
-                <a16:creationId xmlns:a16="http://schemas.microsoft.com/office/drawing/2014/main" id="{7E23B83E-DE60-62A4-DDC6-0166638EFBB9}"/>
+                <a16:creationId xmlns="" xmlns:a16="http://schemas.microsoft.com/office/drawing/2014/main" id="{7E23B83E-DE60-62A4-DDC6-0166638EFBB9}"/>
               </a:ext>
             </a:extLst>
           </p:cNvPr>
@@ -572,7 +572,7 @@
           <p:cNvPr id="2" name="Vertical Title 1">
             <a:extLst>
               <a:ext uri="{FF2B5EF4-FFF2-40B4-BE49-F238E27FC236}">
-                <a16:creationId xmlns:a16="http://schemas.microsoft.com/office/drawing/2014/main" id="{6C2510F1-7BC3-31D7-0266-19EAE7F79718}"/>
+                <a16:creationId xmlns="" xmlns:a16="http://schemas.microsoft.com/office/drawing/2014/main" id="{6C2510F1-7BC3-31D7-0266-19EAE7F79718}"/>
               </a:ext>
             </a:extLst>
           </p:cNvPr>
@@ -606,7 +606,7 @@
           <p:cNvPr id="3" name="Vertical Text Placeholder 2">
             <a:extLst>
               <a:ext uri="{FF2B5EF4-FFF2-40B4-BE49-F238E27FC236}">
-                <a16:creationId xmlns:a16="http://schemas.microsoft.com/office/drawing/2014/main" id="{89A19C68-55AF-AAF3-C65B-31A5C1D0EB0B}"/>
+                <a16:creationId xmlns="" xmlns:a16="http://schemas.microsoft.com/office/drawing/2014/main" id="{89A19C68-55AF-AAF3-C65B-31A5C1D0EB0B}"/>
               </a:ext>
             </a:extLst>
           </p:cNvPr>
@@ -669,7 +669,7 @@
           <p:cNvPr id="4" name="Date Placeholder 3">
             <a:extLst>
               <a:ext uri="{FF2B5EF4-FFF2-40B4-BE49-F238E27FC236}">
-                <a16:creationId xmlns:a16="http://schemas.microsoft.com/office/drawing/2014/main" id="{532AE636-CB51-D73D-DDB9-04342DEBA867}"/>
+                <a16:creationId xmlns="" xmlns:a16="http://schemas.microsoft.com/office/drawing/2014/main" id="{532AE636-CB51-D73D-DDB9-04342DEBA867}"/>
               </a:ext>
             </a:extLst>
           </p:cNvPr>
@@ -687,7 +687,7 @@
           <a:p>
             <a:fld id="{7B289A56-B7BF-4EE2-A684-7373F14AFF3B}" type="datetimeFigureOut">
               <a:rPr lang="en-IN" smtClean="0"/>
-              <a:t>07-10-2023</a:t>
+              <a:t>25-12-2025</a:t>
             </a:fld>
             <a:endParaRPr lang="en-IN"/>
           </a:p>
@@ -698,7 +698,7 @@
           <p:cNvPr id="5" name="Footer Placeholder 4">
             <a:extLst>
               <a:ext uri="{FF2B5EF4-FFF2-40B4-BE49-F238E27FC236}">
-                <a16:creationId xmlns:a16="http://schemas.microsoft.com/office/drawing/2014/main" id="{24ABDAD9-6500-E41D-1CBB-7FC9126F688B}"/>
+                <a16:creationId xmlns="" xmlns:a16="http://schemas.microsoft.com/office/drawing/2014/main" id="{24ABDAD9-6500-E41D-1CBB-7FC9126F688B}"/>
               </a:ext>
             </a:extLst>
           </p:cNvPr>
@@ -723,7 +723,7 @@
           <p:cNvPr id="6" name="Slide Number Placeholder 5">
             <a:extLst>
               <a:ext uri="{FF2B5EF4-FFF2-40B4-BE49-F238E27FC236}">
-                <a16:creationId xmlns:a16="http://schemas.microsoft.com/office/drawing/2014/main" id="{1C568266-F247-C64C-3559-6A0C24440CE4}"/>
+                <a16:creationId xmlns="" xmlns:a16="http://schemas.microsoft.com/office/drawing/2014/main" id="{1C568266-F247-C64C-3559-6A0C24440CE4}"/>
               </a:ext>
             </a:extLst>
           </p:cNvPr>
@@ -782,7 +782,7 @@
           <p:cNvPr id="2" name="Title 1">
             <a:extLst>
               <a:ext uri="{FF2B5EF4-FFF2-40B4-BE49-F238E27FC236}">
-                <a16:creationId xmlns:a16="http://schemas.microsoft.com/office/drawing/2014/main" id="{7D661F88-B833-1200-D3CF-EE837B0825B8}"/>
+                <a16:creationId xmlns="" xmlns:a16="http://schemas.microsoft.com/office/drawing/2014/main" id="{7D661F88-B833-1200-D3CF-EE837B0825B8}"/>
               </a:ext>
             </a:extLst>
           </p:cNvPr>
@@ -811,7 +811,7 @@
           <p:cNvPr id="3" name="Content Placeholder 2">
             <a:extLst>
               <a:ext uri="{FF2B5EF4-FFF2-40B4-BE49-F238E27FC236}">
-                <a16:creationId xmlns:a16="http://schemas.microsoft.com/office/drawing/2014/main" id="{9CC8CB8E-71BD-E0B3-64CF-7417B33BCE6E}"/>
+                <a16:creationId xmlns="" xmlns:a16="http://schemas.microsoft.com/office/drawing/2014/main" id="{9CC8CB8E-71BD-E0B3-64CF-7417B33BCE6E}"/>
               </a:ext>
             </a:extLst>
           </p:cNvPr>
@@ -869,7 +869,7 @@
           <p:cNvPr id="4" name="Date Placeholder 3">
             <a:extLst>
               <a:ext uri="{FF2B5EF4-FFF2-40B4-BE49-F238E27FC236}">
-                <a16:creationId xmlns:a16="http://schemas.microsoft.com/office/drawing/2014/main" id="{927AA232-E33E-8A21-389D-F57473CF39A9}"/>
+                <a16:creationId xmlns="" xmlns:a16="http://schemas.microsoft.com/office/drawing/2014/main" id="{927AA232-E33E-8A21-389D-F57473CF39A9}"/>
               </a:ext>
             </a:extLst>
           </p:cNvPr>
@@ -887,7 +887,7 @@
           <a:p>
             <a:fld id="{7B289A56-B7BF-4EE2-A684-7373F14AFF3B}" type="datetimeFigureOut">
               <a:rPr lang="en-IN" smtClean="0"/>
-              <a:t>07-10-2023</a:t>
+              <a:t>25-12-2025</a:t>
             </a:fld>
             <a:endParaRPr lang="en-IN"/>
           </a:p>
@@ -898,7 +898,7 @@
           <p:cNvPr id="5" name="Footer Placeholder 4">
             <a:extLst>
               <a:ext uri="{FF2B5EF4-FFF2-40B4-BE49-F238E27FC236}">
-                <a16:creationId xmlns:a16="http://schemas.microsoft.com/office/drawing/2014/main" id="{033C86FC-555E-1772-0A31-2E81D8C8475A}"/>
+                <a16:creationId xmlns="" xmlns:a16="http://schemas.microsoft.com/office/drawing/2014/main" id="{033C86FC-555E-1772-0A31-2E81D8C8475A}"/>
               </a:ext>
             </a:extLst>
           </p:cNvPr>
@@ -923,7 +923,7 @@
           <p:cNvPr id="6" name="Slide Number Placeholder 5">
             <a:extLst>
               <a:ext uri="{FF2B5EF4-FFF2-40B4-BE49-F238E27FC236}">
-                <a16:creationId xmlns:a16="http://schemas.microsoft.com/office/drawing/2014/main" id="{A4983072-3545-FC11-E0FE-8FC24CF2E220}"/>
+                <a16:creationId xmlns="" xmlns:a16="http://schemas.microsoft.com/office/drawing/2014/main" id="{A4983072-3545-FC11-E0FE-8FC24CF2E220}"/>
               </a:ext>
             </a:extLst>
           </p:cNvPr>
@@ -982,7 +982,7 @@
           <p:cNvPr id="2" name="Title 1">
             <a:extLst>
               <a:ext uri="{FF2B5EF4-FFF2-40B4-BE49-F238E27FC236}">
-                <a16:creationId xmlns:a16="http://schemas.microsoft.com/office/drawing/2014/main" id="{BE07C800-8FF8-1209-480E-6D31FB4B1651}"/>
+                <a16:creationId xmlns="" xmlns:a16="http://schemas.microsoft.com/office/drawing/2014/main" id="{BE07C800-8FF8-1209-480E-6D31FB4B1651}"/>
               </a:ext>
             </a:extLst>
           </p:cNvPr>
@@ -1020,7 +1020,7 @@
           <p:cNvPr id="3" name="Text Placeholder 2">
             <a:extLst>
               <a:ext uri="{FF2B5EF4-FFF2-40B4-BE49-F238E27FC236}">
-                <a16:creationId xmlns:a16="http://schemas.microsoft.com/office/drawing/2014/main" id="{4BA770BE-4704-DD13-E41C-FDF47C5AC46A}"/>
+                <a16:creationId xmlns="" xmlns:a16="http://schemas.microsoft.com/office/drawing/2014/main" id="{4BA770BE-4704-DD13-E41C-FDF47C5AC46A}"/>
               </a:ext>
             </a:extLst>
           </p:cNvPr>
@@ -1145,7 +1145,7 @@
           <p:cNvPr id="4" name="Date Placeholder 3">
             <a:extLst>
               <a:ext uri="{FF2B5EF4-FFF2-40B4-BE49-F238E27FC236}">
-                <a16:creationId xmlns:a16="http://schemas.microsoft.com/office/drawing/2014/main" id="{1CAB303D-4232-4156-EED1-1723C75B0ABD}"/>
+                <a16:creationId xmlns="" xmlns:a16="http://schemas.microsoft.com/office/drawing/2014/main" id="{1CAB303D-4232-4156-EED1-1723C75B0ABD}"/>
               </a:ext>
             </a:extLst>
           </p:cNvPr>
@@ -1163,7 +1163,7 @@
           <a:p>
             <a:fld id="{7B289A56-B7BF-4EE2-A684-7373F14AFF3B}" type="datetimeFigureOut">
               <a:rPr lang="en-IN" smtClean="0"/>
-              <a:t>07-10-2023</a:t>
+              <a:t>25-12-2025</a:t>
             </a:fld>
             <a:endParaRPr lang="en-IN"/>
           </a:p>
@@ -1174,7 +1174,7 @@
           <p:cNvPr id="5" name="Footer Placeholder 4">
             <a:extLst>
               <a:ext uri="{FF2B5EF4-FFF2-40B4-BE49-F238E27FC236}">
-                <a16:creationId xmlns:a16="http://schemas.microsoft.com/office/drawing/2014/main" id="{674DEFFC-4535-7746-363E-449CCC413064}"/>
+                <a16:creationId xmlns="" xmlns:a16="http://schemas.microsoft.com/office/drawing/2014/main" id="{674DEFFC-4535-7746-363E-449CCC413064}"/>
               </a:ext>
             </a:extLst>
           </p:cNvPr>
@@ -1199,7 +1199,7 @@
           <p:cNvPr id="6" name="Slide Number Placeholder 5">
             <a:extLst>
               <a:ext uri="{FF2B5EF4-FFF2-40B4-BE49-F238E27FC236}">
-                <a16:creationId xmlns:a16="http://schemas.microsoft.com/office/drawing/2014/main" id="{B23B1815-6E61-12F0-67C6-5391B7A7EA22}"/>
+                <a16:creationId xmlns="" xmlns:a16="http://schemas.microsoft.com/office/drawing/2014/main" id="{B23B1815-6E61-12F0-67C6-5391B7A7EA22}"/>
               </a:ext>
             </a:extLst>
           </p:cNvPr>
@@ -1258,7 +1258,7 @@
           <p:cNvPr id="2" name="Title 1">
             <a:extLst>
               <a:ext uri="{FF2B5EF4-FFF2-40B4-BE49-F238E27FC236}">
-                <a16:creationId xmlns:a16="http://schemas.microsoft.com/office/drawing/2014/main" id="{F71973CA-2221-B6BA-247A-67888D17E141}"/>
+                <a16:creationId xmlns="" xmlns:a16="http://schemas.microsoft.com/office/drawing/2014/main" id="{F71973CA-2221-B6BA-247A-67888D17E141}"/>
               </a:ext>
             </a:extLst>
           </p:cNvPr>
@@ -1287,7 +1287,7 @@
           <p:cNvPr id="3" name="Content Placeholder 2">
             <a:extLst>
               <a:ext uri="{FF2B5EF4-FFF2-40B4-BE49-F238E27FC236}">
-                <a16:creationId xmlns:a16="http://schemas.microsoft.com/office/drawing/2014/main" id="{D8A66AE0-2950-2E07-2ADF-40ECF430F5B4}"/>
+                <a16:creationId xmlns="" xmlns:a16="http://schemas.microsoft.com/office/drawing/2014/main" id="{D8A66AE0-2950-2E07-2ADF-40ECF430F5B4}"/>
               </a:ext>
             </a:extLst>
           </p:cNvPr>
@@ -1350,7 +1350,7 @@
           <p:cNvPr id="4" name="Content Placeholder 3">
             <a:extLst>
               <a:ext uri="{FF2B5EF4-FFF2-40B4-BE49-F238E27FC236}">
-                <a16:creationId xmlns:a16="http://schemas.microsoft.com/office/drawing/2014/main" id="{5B1802A0-C2B1-90B6-E2F4-4DA17A2E1DDC}"/>
+                <a16:creationId xmlns="" xmlns:a16="http://schemas.microsoft.com/office/drawing/2014/main" id="{5B1802A0-C2B1-90B6-E2F4-4DA17A2E1DDC}"/>
               </a:ext>
             </a:extLst>
           </p:cNvPr>
@@ -1413,7 +1413,7 @@
           <p:cNvPr id="5" name="Date Placeholder 4">
             <a:extLst>
               <a:ext uri="{FF2B5EF4-FFF2-40B4-BE49-F238E27FC236}">
-                <a16:creationId xmlns:a16="http://schemas.microsoft.com/office/drawing/2014/main" id="{21FC01AE-CCB7-63D9-CBBB-F645B0F4EA84}"/>
+                <a16:creationId xmlns="" xmlns:a16="http://schemas.microsoft.com/office/drawing/2014/main" id="{21FC01AE-CCB7-63D9-CBBB-F645B0F4EA84}"/>
               </a:ext>
             </a:extLst>
           </p:cNvPr>
@@ -1431,7 +1431,7 @@
           <a:p>
             <a:fld id="{7B289A56-B7BF-4EE2-A684-7373F14AFF3B}" type="datetimeFigureOut">
               <a:rPr lang="en-IN" smtClean="0"/>
-              <a:t>07-10-2023</a:t>
+              <a:t>25-12-2025</a:t>
             </a:fld>
             <a:endParaRPr lang="en-IN"/>
           </a:p>
@@ -1442,7 +1442,7 @@
           <p:cNvPr id="6" name="Footer Placeholder 5">
             <a:extLst>
               <a:ext uri="{FF2B5EF4-FFF2-40B4-BE49-F238E27FC236}">
-                <a16:creationId xmlns:a16="http://schemas.microsoft.com/office/drawing/2014/main" id="{FFE62A61-4168-26CC-93B3-683820DDEF9B}"/>
+                <a16:creationId xmlns="" xmlns:a16="http://schemas.microsoft.com/office/drawing/2014/main" id="{FFE62A61-4168-26CC-93B3-683820DDEF9B}"/>
               </a:ext>
             </a:extLst>
           </p:cNvPr>
@@ -1467,7 +1467,7 @@
           <p:cNvPr id="7" name="Slide Number Placeholder 6">
             <a:extLst>
               <a:ext uri="{FF2B5EF4-FFF2-40B4-BE49-F238E27FC236}">
-                <a16:creationId xmlns:a16="http://schemas.microsoft.com/office/drawing/2014/main" id="{4634E477-B40D-8D3E-6DC2-1AC9B036FDE7}"/>
+                <a16:creationId xmlns="" xmlns:a16="http://schemas.microsoft.com/office/drawing/2014/main" id="{4634E477-B40D-8D3E-6DC2-1AC9B036FDE7}"/>
               </a:ext>
             </a:extLst>
           </p:cNvPr>
@@ -1526,7 +1526,7 @@
           <p:cNvPr id="2" name="Title 1">
             <a:extLst>
               <a:ext uri="{FF2B5EF4-FFF2-40B4-BE49-F238E27FC236}">
-                <a16:creationId xmlns:a16="http://schemas.microsoft.com/office/drawing/2014/main" id="{44865982-7856-A120-897F-D70473069296}"/>
+                <a16:creationId xmlns="" xmlns:a16="http://schemas.microsoft.com/office/drawing/2014/main" id="{44865982-7856-A120-897F-D70473069296}"/>
               </a:ext>
             </a:extLst>
           </p:cNvPr>
@@ -1560,7 +1560,7 @@
           <p:cNvPr id="3" name="Text Placeholder 2">
             <a:extLst>
               <a:ext uri="{FF2B5EF4-FFF2-40B4-BE49-F238E27FC236}">
-                <a16:creationId xmlns:a16="http://schemas.microsoft.com/office/drawing/2014/main" id="{538D52EB-C6C9-14DB-C39F-05A13FAA7FA8}"/>
+                <a16:creationId xmlns="" xmlns:a16="http://schemas.microsoft.com/office/drawing/2014/main" id="{538D52EB-C6C9-14DB-C39F-05A13FAA7FA8}"/>
               </a:ext>
             </a:extLst>
           </p:cNvPr>
@@ -1631,7 +1631,7 @@
           <p:cNvPr id="4" name="Content Placeholder 3">
             <a:extLst>
               <a:ext uri="{FF2B5EF4-FFF2-40B4-BE49-F238E27FC236}">
-                <a16:creationId xmlns:a16="http://schemas.microsoft.com/office/drawing/2014/main" id="{2F9939C4-C3A8-5DC6-5A03-4E06E5BD6A5F}"/>
+                <a16:creationId xmlns="" xmlns:a16="http://schemas.microsoft.com/office/drawing/2014/main" id="{2F9939C4-C3A8-5DC6-5A03-4E06E5BD6A5F}"/>
               </a:ext>
             </a:extLst>
           </p:cNvPr>
@@ -1694,7 +1694,7 @@
           <p:cNvPr id="5" name="Text Placeholder 4">
             <a:extLst>
               <a:ext uri="{FF2B5EF4-FFF2-40B4-BE49-F238E27FC236}">
-                <a16:creationId xmlns:a16="http://schemas.microsoft.com/office/drawing/2014/main" id="{94451D85-6826-075A-E2DD-716FBE57BE32}"/>
+                <a16:creationId xmlns="" xmlns:a16="http://schemas.microsoft.com/office/drawing/2014/main" id="{94451D85-6826-075A-E2DD-716FBE57BE32}"/>
               </a:ext>
             </a:extLst>
           </p:cNvPr>
@@ -1765,7 +1765,7 @@
           <p:cNvPr id="6" name="Content Placeholder 5">
             <a:extLst>
               <a:ext uri="{FF2B5EF4-FFF2-40B4-BE49-F238E27FC236}">
-                <a16:creationId xmlns:a16="http://schemas.microsoft.com/office/drawing/2014/main" id="{DCA66085-DC5D-ED87-50D6-6609036B971C}"/>
+                <a16:creationId xmlns="" xmlns:a16="http://schemas.microsoft.com/office/drawing/2014/main" id="{DCA66085-DC5D-ED87-50D6-6609036B971C}"/>
               </a:ext>
             </a:extLst>
           </p:cNvPr>
@@ -1828,7 +1828,7 @@
           <p:cNvPr id="7" name="Date Placeholder 6">
             <a:extLst>
               <a:ext uri="{FF2B5EF4-FFF2-40B4-BE49-F238E27FC236}">
-                <a16:creationId xmlns:a16="http://schemas.microsoft.com/office/drawing/2014/main" id="{DB8002D5-A8B9-4663-693D-13244095A09D}"/>
+                <a16:creationId xmlns="" xmlns:a16="http://schemas.microsoft.com/office/drawing/2014/main" id="{DB8002D5-A8B9-4663-693D-13244095A09D}"/>
               </a:ext>
             </a:extLst>
           </p:cNvPr>
@@ -1846,7 +1846,7 @@
           <a:p>
             <a:fld id="{7B289A56-B7BF-4EE2-A684-7373F14AFF3B}" type="datetimeFigureOut">
               <a:rPr lang="en-IN" smtClean="0"/>
-              <a:t>07-10-2023</a:t>
+              <a:t>25-12-2025</a:t>
             </a:fld>
             <a:endParaRPr lang="en-IN"/>
           </a:p>
@@ -1857,7 +1857,7 @@
           <p:cNvPr id="8" name="Footer Placeholder 7">
             <a:extLst>
               <a:ext uri="{FF2B5EF4-FFF2-40B4-BE49-F238E27FC236}">
-                <a16:creationId xmlns:a16="http://schemas.microsoft.com/office/drawing/2014/main" id="{9A5C1A38-7DB7-27B3-EE2B-0FA8A1EA1472}"/>
+                <a16:creationId xmlns="" xmlns:a16="http://schemas.microsoft.com/office/drawing/2014/main" id="{9A5C1A38-7DB7-27B3-EE2B-0FA8A1EA1472}"/>
               </a:ext>
             </a:extLst>
           </p:cNvPr>
@@ -1882,7 +1882,7 @@
           <p:cNvPr id="9" name="Slide Number Placeholder 8">
             <a:extLst>
               <a:ext uri="{FF2B5EF4-FFF2-40B4-BE49-F238E27FC236}">
-                <a16:creationId xmlns:a16="http://schemas.microsoft.com/office/drawing/2014/main" id="{69C0E241-9EDE-42DD-B32D-8D7A25957E41}"/>
+                <a16:creationId xmlns="" xmlns:a16="http://schemas.microsoft.com/office/drawing/2014/main" id="{69C0E241-9EDE-42DD-B32D-8D7A25957E41}"/>
               </a:ext>
             </a:extLst>
           </p:cNvPr>
@@ -1941,7 +1941,7 @@
           <p:cNvPr id="2" name="Title 1">
             <a:extLst>
               <a:ext uri="{FF2B5EF4-FFF2-40B4-BE49-F238E27FC236}">
-                <a16:creationId xmlns:a16="http://schemas.microsoft.com/office/drawing/2014/main" id="{B2A3C722-C2C3-AD81-3B33-252378421D3E}"/>
+                <a16:creationId xmlns="" xmlns:a16="http://schemas.microsoft.com/office/drawing/2014/main" id="{B2A3C722-C2C3-AD81-3B33-252378421D3E}"/>
               </a:ext>
             </a:extLst>
           </p:cNvPr>
@@ -1970,7 +1970,7 @@
           <p:cNvPr id="3" name="Date Placeholder 2">
             <a:extLst>
               <a:ext uri="{FF2B5EF4-FFF2-40B4-BE49-F238E27FC236}">
-                <a16:creationId xmlns:a16="http://schemas.microsoft.com/office/drawing/2014/main" id="{CF7C2B20-69F1-93CB-4468-49A7AC79F6BE}"/>
+                <a16:creationId xmlns="" xmlns:a16="http://schemas.microsoft.com/office/drawing/2014/main" id="{CF7C2B20-69F1-93CB-4468-49A7AC79F6BE}"/>
               </a:ext>
             </a:extLst>
           </p:cNvPr>
@@ -1988,7 +1988,7 @@
           <a:p>
             <a:fld id="{7B289A56-B7BF-4EE2-A684-7373F14AFF3B}" type="datetimeFigureOut">
               <a:rPr lang="en-IN" smtClean="0"/>
-              <a:t>07-10-2023</a:t>
+              <a:t>25-12-2025</a:t>
             </a:fld>
             <a:endParaRPr lang="en-IN"/>
           </a:p>
@@ -1999,7 +1999,7 @@
           <p:cNvPr id="4" name="Footer Placeholder 3">
             <a:extLst>
               <a:ext uri="{FF2B5EF4-FFF2-40B4-BE49-F238E27FC236}">
-                <a16:creationId xmlns:a16="http://schemas.microsoft.com/office/drawing/2014/main" id="{E4F5AEDF-21FC-20A9-A97C-010FF7361913}"/>
+                <a16:creationId xmlns="" xmlns:a16="http://schemas.microsoft.com/office/drawing/2014/main" id="{E4F5AEDF-21FC-20A9-A97C-010FF7361913}"/>
               </a:ext>
             </a:extLst>
           </p:cNvPr>
@@ -2024,7 +2024,7 @@
           <p:cNvPr id="5" name="Slide Number Placeholder 4">
             <a:extLst>
               <a:ext uri="{FF2B5EF4-FFF2-40B4-BE49-F238E27FC236}">
-                <a16:creationId xmlns:a16="http://schemas.microsoft.com/office/drawing/2014/main" id="{54A905B7-E5B8-FCA6-C612-AD126D9F070F}"/>
+                <a16:creationId xmlns="" xmlns:a16="http://schemas.microsoft.com/office/drawing/2014/main" id="{54A905B7-E5B8-FCA6-C612-AD126D9F070F}"/>
               </a:ext>
             </a:extLst>
           </p:cNvPr>
@@ -2083,7 +2083,7 @@
           <p:cNvPr id="2" name="Date Placeholder 1">
             <a:extLst>
               <a:ext uri="{FF2B5EF4-FFF2-40B4-BE49-F238E27FC236}">
-                <a16:creationId xmlns:a16="http://schemas.microsoft.com/office/drawing/2014/main" id="{B75F24FB-A0D9-0867-6BDA-FAA10E8AFA24}"/>
+                <a16:creationId xmlns="" xmlns:a16="http://schemas.microsoft.com/office/drawing/2014/main" id="{B75F24FB-A0D9-0867-6BDA-FAA10E8AFA24}"/>
               </a:ext>
             </a:extLst>
           </p:cNvPr>
@@ -2101,7 +2101,7 @@
           <a:p>
             <a:fld id="{7B289A56-B7BF-4EE2-A684-7373F14AFF3B}" type="datetimeFigureOut">
               <a:rPr lang="en-IN" smtClean="0"/>
-              <a:t>07-10-2023</a:t>
+              <a:t>25-12-2025</a:t>
             </a:fld>
             <a:endParaRPr lang="en-IN"/>
           </a:p>
@@ -2112,7 +2112,7 @@
           <p:cNvPr id="3" name="Footer Placeholder 2">
             <a:extLst>
               <a:ext uri="{FF2B5EF4-FFF2-40B4-BE49-F238E27FC236}">
-                <a16:creationId xmlns:a16="http://schemas.microsoft.com/office/drawing/2014/main" id="{0528FC46-75DF-0D30-C8E5-88F2C536162A}"/>
+                <a16:creationId xmlns="" xmlns:a16="http://schemas.microsoft.com/office/drawing/2014/main" id="{0528FC46-75DF-0D30-C8E5-88F2C536162A}"/>
               </a:ext>
             </a:extLst>
           </p:cNvPr>
@@ -2137,7 +2137,7 @@
           <p:cNvPr id="4" name="Slide Number Placeholder 3">
             <a:extLst>
               <a:ext uri="{FF2B5EF4-FFF2-40B4-BE49-F238E27FC236}">
-                <a16:creationId xmlns:a16="http://schemas.microsoft.com/office/drawing/2014/main" id="{5FCC571C-B718-3EBF-2B95-85CEF876BE72}"/>
+                <a16:creationId xmlns="" xmlns:a16="http://schemas.microsoft.com/office/drawing/2014/main" id="{5FCC571C-B718-3EBF-2B95-85CEF876BE72}"/>
               </a:ext>
             </a:extLst>
           </p:cNvPr>
@@ -2196,7 +2196,7 @@
           <p:cNvPr id="2" name="Title 1">
             <a:extLst>
               <a:ext uri="{FF2B5EF4-FFF2-40B4-BE49-F238E27FC236}">
-                <a16:creationId xmlns:a16="http://schemas.microsoft.com/office/drawing/2014/main" id="{FF9056D2-DEB1-30AE-51E1-EE91F66CAD3F}"/>
+                <a16:creationId xmlns="" xmlns:a16="http://schemas.microsoft.com/office/drawing/2014/main" id="{FF9056D2-DEB1-30AE-51E1-EE91F66CAD3F}"/>
               </a:ext>
             </a:extLst>
           </p:cNvPr>
@@ -2234,7 +2234,7 @@
           <p:cNvPr id="3" name="Content Placeholder 2">
             <a:extLst>
               <a:ext uri="{FF2B5EF4-FFF2-40B4-BE49-F238E27FC236}">
-                <a16:creationId xmlns:a16="http://schemas.microsoft.com/office/drawing/2014/main" id="{425EAE68-FA8B-41E2-E3FB-36A46A154662}"/>
+                <a16:creationId xmlns="" xmlns:a16="http://schemas.microsoft.com/office/drawing/2014/main" id="{425EAE68-FA8B-41E2-E3FB-36A46A154662}"/>
               </a:ext>
             </a:extLst>
           </p:cNvPr>
@@ -2325,7 +2325,7 @@
           <p:cNvPr id="4" name="Text Placeholder 3">
             <a:extLst>
               <a:ext uri="{FF2B5EF4-FFF2-40B4-BE49-F238E27FC236}">
-                <a16:creationId xmlns:a16="http://schemas.microsoft.com/office/drawing/2014/main" id="{573C4BCD-7C3D-22E6-24BE-7467A7592257}"/>
+                <a16:creationId xmlns="" xmlns:a16="http://schemas.microsoft.com/office/drawing/2014/main" id="{573C4BCD-7C3D-22E6-24BE-7467A7592257}"/>
               </a:ext>
             </a:extLst>
           </p:cNvPr>
@@ -2396,7 +2396,7 @@
           <p:cNvPr id="5" name="Date Placeholder 4">
             <a:extLst>
               <a:ext uri="{FF2B5EF4-FFF2-40B4-BE49-F238E27FC236}">
-                <a16:creationId xmlns:a16="http://schemas.microsoft.com/office/drawing/2014/main" id="{0643662B-AE05-9268-0E56-CD679C6B26ED}"/>
+                <a16:creationId xmlns="" xmlns:a16="http://schemas.microsoft.com/office/drawing/2014/main" id="{0643662B-AE05-9268-0E56-CD679C6B26ED}"/>
               </a:ext>
             </a:extLst>
           </p:cNvPr>
@@ -2414,7 +2414,7 @@
           <a:p>
             <a:fld id="{7B289A56-B7BF-4EE2-A684-7373F14AFF3B}" type="datetimeFigureOut">
               <a:rPr lang="en-IN" smtClean="0"/>
-              <a:t>07-10-2023</a:t>
+              <a:t>25-12-2025</a:t>
             </a:fld>
             <a:endParaRPr lang="en-IN"/>
           </a:p>
@@ -2425,7 +2425,7 @@
           <p:cNvPr id="6" name="Footer Placeholder 5">
             <a:extLst>
               <a:ext uri="{FF2B5EF4-FFF2-40B4-BE49-F238E27FC236}">
-                <a16:creationId xmlns:a16="http://schemas.microsoft.com/office/drawing/2014/main" id="{A6C6A849-17CD-A798-9990-6220B27F19B8}"/>
+                <a16:creationId xmlns="" xmlns:a16="http://schemas.microsoft.com/office/drawing/2014/main" id="{A6C6A849-17CD-A798-9990-6220B27F19B8}"/>
               </a:ext>
             </a:extLst>
           </p:cNvPr>
@@ -2450,7 +2450,7 @@
           <p:cNvPr id="7" name="Slide Number Placeholder 6">
             <a:extLst>
               <a:ext uri="{FF2B5EF4-FFF2-40B4-BE49-F238E27FC236}">
-                <a16:creationId xmlns:a16="http://schemas.microsoft.com/office/drawing/2014/main" id="{F18D7318-CA5C-54BF-3E83-9C37673518A4}"/>
+                <a16:creationId xmlns="" xmlns:a16="http://schemas.microsoft.com/office/drawing/2014/main" id="{F18D7318-CA5C-54BF-3E83-9C37673518A4}"/>
               </a:ext>
             </a:extLst>
           </p:cNvPr>
@@ -2509,7 +2509,7 @@
           <p:cNvPr id="2" name="Title 1">
             <a:extLst>
               <a:ext uri="{FF2B5EF4-FFF2-40B4-BE49-F238E27FC236}">
-                <a16:creationId xmlns:a16="http://schemas.microsoft.com/office/drawing/2014/main" id="{F3EA8056-573E-5E0D-778E-4DE41CB98783}"/>
+                <a16:creationId xmlns="" xmlns:a16="http://schemas.microsoft.com/office/drawing/2014/main" id="{F3EA8056-573E-5E0D-778E-4DE41CB98783}"/>
               </a:ext>
             </a:extLst>
           </p:cNvPr>
@@ -2547,7 +2547,7 @@
           <p:cNvPr id="3" name="Picture Placeholder 2">
             <a:extLst>
               <a:ext uri="{FF2B5EF4-FFF2-40B4-BE49-F238E27FC236}">
-                <a16:creationId xmlns:a16="http://schemas.microsoft.com/office/drawing/2014/main" id="{49A09817-F19E-6A4F-5FF8-2F3D3AAF117F}"/>
+                <a16:creationId xmlns="" xmlns:a16="http://schemas.microsoft.com/office/drawing/2014/main" id="{49A09817-F19E-6A4F-5FF8-2F3D3AAF117F}"/>
               </a:ext>
             </a:extLst>
           </p:cNvPr>
@@ -2614,7 +2614,7 @@
           <p:cNvPr id="4" name="Text Placeholder 3">
             <a:extLst>
               <a:ext uri="{FF2B5EF4-FFF2-40B4-BE49-F238E27FC236}">
-                <a16:creationId xmlns:a16="http://schemas.microsoft.com/office/drawing/2014/main" id="{65E0419C-229C-2594-B804-6EA900883037}"/>
+                <a16:creationId xmlns="" xmlns:a16="http://schemas.microsoft.com/office/drawing/2014/main" id="{65E0419C-229C-2594-B804-6EA900883037}"/>
               </a:ext>
             </a:extLst>
           </p:cNvPr>
@@ -2685,7 +2685,7 @@
           <p:cNvPr id="5" name="Date Placeholder 4">
             <a:extLst>
               <a:ext uri="{FF2B5EF4-FFF2-40B4-BE49-F238E27FC236}">
-                <a16:creationId xmlns:a16="http://schemas.microsoft.com/office/drawing/2014/main" id="{1F38213C-4F0F-7E55-13F1-BAAD409512C6}"/>
+                <a16:creationId xmlns="" xmlns:a16="http://schemas.microsoft.com/office/drawing/2014/main" id="{1F38213C-4F0F-7E55-13F1-BAAD409512C6}"/>
               </a:ext>
             </a:extLst>
           </p:cNvPr>
@@ -2703,7 +2703,7 @@
           <a:p>
             <a:fld id="{7B289A56-B7BF-4EE2-A684-7373F14AFF3B}" type="datetimeFigureOut">
               <a:rPr lang="en-IN" smtClean="0"/>
-              <a:t>07-10-2023</a:t>
+              <a:t>25-12-2025</a:t>
             </a:fld>
             <a:endParaRPr lang="en-IN"/>
           </a:p>
@@ -2714,7 +2714,7 @@
           <p:cNvPr id="6" name="Footer Placeholder 5">
             <a:extLst>
               <a:ext uri="{FF2B5EF4-FFF2-40B4-BE49-F238E27FC236}">
-                <a16:creationId xmlns:a16="http://schemas.microsoft.com/office/drawing/2014/main" id="{F47548F3-EEE0-2CB0-0510-48D1CC2F1AAE}"/>
+                <a16:creationId xmlns="" xmlns:a16="http://schemas.microsoft.com/office/drawing/2014/main" id="{F47548F3-EEE0-2CB0-0510-48D1CC2F1AAE}"/>
               </a:ext>
             </a:extLst>
           </p:cNvPr>
@@ -2739,7 +2739,7 @@
           <p:cNvPr id="7" name="Slide Number Placeholder 6">
             <a:extLst>
               <a:ext uri="{FF2B5EF4-FFF2-40B4-BE49-F238E27FC236}">
-                <a16:creationId xmlns:a16="http://schemas.microsoft.com/office/drawing/2014/main" id="{62F2A5B8-D47F-A235-0038-FCFC9CC9015F}"/>
+                <a16:creationId xmlns="" xmlns:a16="http://schemas.microsoft.com/office/drawing/2014/main" id="{62F2A5B8-D47F-A235-0038-FCFC9CC9015F}"/>
               </a:ext>
             </a:extLst>
           </p:cNvPr>
@@ -2803,7 +2803,7 @@
           <p:cNvPr id="2" name="Title Placeholder 1">
             <a:extLst>
               <a:ext uri="{FF2B5EF4-FFF2-40B4-BE49-F238E27FC236}">
-                <a16:creationId xmlns:a16="http://schemas.microsoft.com/office/drawing/2014/main" id="{2B916DC5-6480-E0BC-F1F7-D7E605F29628}"/>
+                <a16:creationId xmlns="" xmlns:a16="http://schemas.microsoft.com/office/drawing/2014/main" id="{2B916DC5-6480-E0BC-F1F7-D7E605F29628}"/>
               </a:ext>
             </a:extLst>
           </p:cNvPr>
@@ -2842,7 +2842,7 @@
           <p:cNvPr id="3" name="Text Placeholder 2">
             <a:extLst>
               <a:ext uri="{FF2B5EF4-FFF2-40B4-BE49-F238E27FC236}">
-                <a16:creationId xmlns:a16="http://schemas.microsoft.com/office/drawing/2014/main" id="{5E45A303-F574-AA86-3F6C-B592CDEE8AE5}"/>
+                <a16:creationId xmlns="" xmlns:a16="http://schemas.microsoft.com/office/drawing/2014/main" id="{5E45A303-F574-AA86-3F6C-B592CDEE8AE5}"/>
               </a:ext>
             </a:extLst>
           </p:cNvPr>
@@ -2910,7 +2910,7 @@
           <p:cNvPr id="4" name="Date Placeholder 3">
             <a:extLst>
               <a:ext uri="{FF2B5EF4-FFF2-40B4-BE49-F238E27FC236}">
-                <a16:creationId xmlns:a16="http://schemas.microsoft.com/office/drawing/2014/main" id="{E5335D02-92E6-CE42-BFE8-8029C2A42A48}"/>
+                <a16:creationId xmlns="" xmlns:a16="http://schemas.microsoft.com/office/drawing/2014/main" id="{E5335D02-92E6-CE42-BFE8-8029C2A42A48}"/>
               </a:ext>
             </a:extLst>
           </p:cNvPr>
@@ -2946,7 +2946,7 @@
           <a:p>
             <a:fld id="{7B289A56-B7BF-4EE2-A684-7373F14AFF3B}" type="datetimeFigureOut">
               <a:rPr lang="en-IN" smtClean="0"/>
-              <a:t>07-10-2023</a:t>
+              <a:t>25-12-2025</a:t>
             </a:fld>
             <a:endParaRPr lang="en-IN"/>
           </a:p>
@@ -2957,7 +2957,7 @@
           <p:cNvPr id="5" name="Footer Placeholder 4">
             <a:extLst>
               <a:ext uri="{FF2B5EF4-FFF2-40B4-BE49-F238E27FC236}">
-                <a16:creationId xmlns:a16="http://schemas.microsoft.com/office/drawing/2014/main" id="{8B90A4AE-F6D4-1200-163D-1FE1D2E81FC8}"/>
+                <a16:creationId xmlns="" xmlns:a16="http://schemas.microsoft.com/office/drawing/2014/main" id="{8B90A4AE-F6D4-1200-163D-1FE1D2E81FC8}"/>
               </a:ext>
             </a:extLst>
           </p:cNvPr>
@@ -3000,7 +3000,7 @@
           <p:cNvPr id="6" name="Slide Number Placeholder 5">
             <a:extLst>
               <a:ext uri="{FF2B5EF4-FFF2-40B4-BE49-F238E27FC236}">
-                <a16:creationId xmlns:a16="http://schemas.microsoft.com/office/drawing/2014/main" id="{7EAA569D-EF3A-0E41-7F3B-0EDD07E67EED}"/>
+                <a16:creationId xmlns="" xmlns:a16="http://schemas.microsoft.com/office/drawing/2014/main" id="{7EAA569D-EF3A-0E41-7F3B-0EDD07E67EED}"/>
               </a:ext>
             </a:extLst>
           </p:cNvPr>
@@ -3378,7 +3378,7 @@
           <p:cNvPr id="13" name="TextBox 12">
             <a:extLst>
               <a:ext uri="{FF2B5EF4-FFF2-40B4-BE49-F238E27FC236}">
-                <a16:creationId xmlns:a16="http://schemas.microsoft.com/office/drawing/2014/main" id="{EFD37F5C-B498-7E9E-7268-B898BED7C5C1}"/>
+                <a16:creationId xmlns="" xmlns:a16="http://schemas.microsoft.com/office/drawing/2014/main" id="{EFD37F5C-B498-7E9E-7268-B898BED7C5C1}"/>
               </a:ext>
             </a:extLst>
           </p:cNvPr>
@@ -3403,7 +3403,7 @@
           <a:p>
             <a:pPr algn="ctr"/>
             <a:r>
-              <a:rPr lang="en-IN" sz="6000" dirty="0">
+              <a:rPr lang="en-IN" sz="6000" dirty="0" smtClean="0">
                 <a:solidFill>
                   <a:schemeClr val="accent5">
                     <a:lumMod val="20000"/>
@@ -3412,17 +3412,17 @@
                 </a:solidFill>
                 <a:latin typeface="Lato Black" panose="020F0A02020204030203" pitchFamily="34" charset="0"/>
               </a:rPr>
-              <a:t>MS SQL SERVER</a:t>
+              <a:t>MYSQL </a:t>
             </a:r>
           </a:p>
         </p:txBody>
       </p:sp>
       <p:pic>
         <p:nvPicPr>
-          <p:cNvPr id="15" name="Picture 12" descr="Sql server - Free logo icons">
-            <a:extLst>
-              <a:ext uri="{FF2B5EF4-FFF2-40B4-BE49-F238E27FC236}">
-                <a16:creationId xmlns:a16="http://schemas.microsoft.com/office/drawing/2014/main" id="{F41865F3-DE1B-AB07-633A-FDEB072AE684}"/>
+          <p:cNvPr id="16" name="Picture 14" descr="Logo Mysql PNG Images, Free Download - Free Transparent PNG Logos">
+            <a:extLst>
+              <a:ext uri="{FF2B5EF4-FFF2-40B4-BE49-F238E27FC236}">
+                <a16:creationId xmlns="" xmlns:a16="http://schemas.microsoft.com/office/drawing/2014/main" id="{CA1D7C9D-9E08-9075-9F65-42DE06B424DF}"/>
               </a:ext>
             </a:extLst>
           </p:cNvPr>
@@ -3432,14 +3432,7 @@
           <p:nvPr/>
         </p:nvPicPr>
         <p:blipFill>
-          <a:blip r:embed="rId2">
-            <a:duotone>
-              <a:schemeClr val="accent4">
-                <a:shade val="45000"/>
-                <a:satMod val="135000"/>
-              </a:schemeClr>
-              <a:prstClr val="white"/>
-            </a:duotone>
+          <a:blip r:embed="rId2" cstate="print">
             <a:extLst>
               <a:ext uri="{28A0092B-C50C-407E-A947-70E740481C1C}">
                 <a14:useLocalDpi xmlns:a14="http://schemas.microsoft.com/office/drawing/2010/main" val="0"/>
@@ -3453,8 +3446,8 @@
         </p:blipFill>
         <p:spPr bwMode="auto">
           <a:xfrm>
-            <a:off x="6535406" y="4765145"/>
-            <a:ext cx="1935214" cy="1935214"/>
+            <a:off x="5255874" y="4951406"/>
+            <a:ext cx="1679450" cy="1761832"/>
           </a:xfrm>
           <a:prstGeom prst="rect">
             <a:avLst/>
@@ -3471,59 +3464,52 @@
           </a:extLst>
         </p:spPr>
       </p:pic>
-      <p:pic>
-        <p:nvPicPr>
-          <p:cNvPr id="16" name="Picture 14" descr="Logo Mysql PNG Images, Free Download - Free Transparent PNG Logos">
-            <a:extLst>
-              <a:ext uri="{FF2B5EF4-FFF2-40B4-BE49-F238E27FC236}">
-                <a16:creationId xmlns:a16="http://schemas.microsoft.com/office/drawing/2014/main" id="{CA1D7C9D-9E08-9075-9F65-42DE06B424DF}"/>
-              </a:ext>
-            </a:extLst>
-          </p:cNvPr>
-          <p:cNvPicPr>
-            <a:picLocks noChangeAspect="1" noChangeArrowheads="1"/>
-          </p:cNvPicPr>
+      <p:sp>
+        <p:nvSpPr>
+          <p:cNvPr id="17" name="TextBox 16">
+            <a:extLst>
+              <a:ext uri="{FF2B5EF4-FFF2-40B4-BE49-F238E27FC236}">
+                <a16:creationId xmlns="" xmlns:a16="http://schemas.microsoft.com/office/drawing/2014/main" id="{23AE5A38-1C90-91C3-C264-017362FE588D}"/>
+              </a:ext>
+            </a:extLst>
+          </p:cNvPr>
+          <p:cNvSpPr txBox="1"/>
           <p:nvPr/>
-        </p:nvPicPr>
-        <p:blipFill>
-          <a:blip r:embed="rId3">
-            <a:extLst>
-              <a:ext uri="{28A0092B-C50C-407E-A947-70E740481C1C}">
-                <a14:useLocalDpi xmlns:a14="http://schemas.microsoft.com/office/drawing/2010/main" val="0"/>
-              </a:ext>
-            </a:extLst>
-          </a:blip>
-          <a:srcRect/>
-          <a:stretch>
-            <a:fillRect/>
-          </a:stretch>
-        </p:blipFill>
-        <p:spPr bwMode="auto">
-          <a:xfrm>
-            <a:off x="3598026" y="4938527"/>
-            <a:ext cx="1679450" cy="1761832"/>
+        </p:nvSpPr>
+        <p:spPr>
+          <a:xfrm>
+            <a:off x="4990697" y="2194695"/>
+            <a:ext cx="2209804" cy="830997"/>
           </a:xfrm>
           <a:prstGeom prst="rect">
             <a:avLst/>
           </a:prstGeom>
           <a:noFill/>
-          <a:extLst>
-            <a:ext uri="{909E8E84-426E-40DD-AFC4-6F175D3DCCD1}">
-              <a14:hiddenFill xmlns:a14="http://schemas.microsoft.com/office/drawing/2010/main">
-                <a:solidFill>
-                  <a:srgbClr val="FFFFFF"/>
-                </a:solidFill>
-              </a14:hiddenFill>
-            </a:ext>
-          </a:extLst>
-        </p:spPr>
-      </p:pic>
-      <p:sp>
-        <p:nvSpPr>
-          <p:cNvPr id="17" name="TextBox 16">
-            <a:extLst>
-              <a:ext uri="{FF2B5EF4-FFF2-40B4-BE49-F238E27FC236}">
-                <a16:creationId xmlns:a16="http://schemas.microsoft.com/office/drawing/2014/main" id="{23AE5A38-1C90-91C3-C264-017362FE588D}"/>
+        </p:spPr>
+        <p:txBody>
+          <a:bodyPr wrap="square" rtlCol="0">
+            <a:spAutoFit/>
+          </a:bodyPr>
+          <a:lstStyle/>
+          <a:p>
+            <a:r>
+              <a:rPr lang="en-IN" sz="4800" dirty="0">
+                <a:solidFill>
+                  <a:srgbClr val="92D050"/>
+                </a:solidFill>
+                <a:latin typeface="Lato Black" panose="020F0A02020204030203" pitchFamily="34" charset="0"/>
+              </a:rPr>
+              <a:t>PART 1</a:t>
+            </a:r>
+          </a:p>
+        </p:txBody>
+      </p:sp>
+      <p:sp>
+        <p:nvSpPr>
+          <p:cNvPr id="18" name="TextBox 17">
+            <a:extLst>
+              <a:ext uri="{FF2B5EF4-FFF2-40B4-BE49-F238E27FC236}">
+                <a16:creationId xmlns="" xmlns:a16="http://schemas.microsoft.com/office/drawing/2014/main" id="{01F6CB98-36C5-38E5-0DF0-29D3168418DC}"/>
               </a:ext>
             </a:extLst>
           </p:cNvPr>
@@ -3532,8 +3518,8 @@
         </p:nvSpPr>
         <p:spPr>
           <a:xfrm>
-            <a:off x="4990697" y="2194695"/>
-            <a:ext cx="2209804" cy="830997"/>
+            <a:off x="0" y="157641"/>
+            <a:ext cx="12192000" cy="646331"/>
           </a:xfrm>
           <a:prstGeom prst="rect">
             <a:avLst/>
@@ -3546,24 +3532,37 @@
           </a:bodyPr>
           <a:lstStyle/>
           <a:p>
-            <a:r>
-              <a:rPr lang="en-IN" sz="4800" dirty="0">
-                <a:solidFill>
-                  <a:srgbClr val="92D050"/>
+            <a:pPr algn="ctr"/>
+            <a:r>
+              <a:rPr lang="en-IN" sz="3600" dirty="0">
+                <a:solidFill>
+                  <a:schemeClr val="accent4">
+                    <a:lumMod val="60000"/>
+                    <a:lumOff val="40000"/>
+                  </a:schemeClr>
                 </a:solidFill>
                 <a:latin typeface="Lato Black" panose="020F0A02020204030203" pitchFamily="34" charset="0"/>
               </a:rPr>
-              <a:t>PART 1</a:t>
-            </a:r>
-          </a:p>
-        </p:txBody>
-      </p:sp>
-      <p:sp>
-        <p:nvSpPr>
-          <p:cNvPr id="18" name="TextBox 17">
-            <a:extLst>
-              <a:ext uri="{FF2B5EF4-FFF2-40B4-BE49-F238E27FC236}">
-                <a16:creationId xmlns:a16="http://schemas.microsoft.com/office/drawing/2014/main" id="{01F6CB98-36C5-38E5-0DF0-29D3168418DC}"/>
+              <a:t>DATA ANALYST </a:t>
+            </a:r>
+            <a:r>
+              <a:rPr lang="en-IN" sz="3600" dirty="0">
+                <a:solidFill>
+                  <a:schemeClr val="bg1"/>
+                </a:solidFill>
+                <a:latin typeface="Lato Black" panose="020F0A02020204030203" pitchFamily="34" charset="0"/>
+              </a:rPr>
+              <a:t>PORTFOLIO PROJECT</a:t>
+            </a:r>
+          </a:p>
+        </p:txBody>
+      </p:sp>
+      <p:sp>
+        <p:nvSpPr>
+          <p:cNvPr id="19" name="TextBox 18">
+            <a:extLst>
+              <a:ext uri="{FF2B5EF4-FFF2-40B4-BE49-F238E27FC236}">
+                <a16:creationId xmlns="" xmlns:a16="http://schemas.microsoft.com/office/drawing/2014/main" id="{E8907EC3-CB54-081F-6806-59FB3EDC3F65}"/>
               </a:ext>
             </a:extLst>
           </p:cNvPr>
@@ -3572,8 +3571,8 @@
         </p:nvSpPr>
         <p:spPr>
           <a:xfrm>
-            <a:off x="0" y="157641"/>
-            <a:ext cx="12192000" cy="646331"/>
+            <a:off x="475491" y="1102030"/>
+            <a:ext cx="11240219" cy="1015663"/>
           </a:xfrm>
           <a:prstGeom prst="rect">
             <a:avLst/>
@@ -3588,59 +3587,6 @@
           <a:p>
             <a:pPr algn="ctr"/>
             <a:r>
-              <a:rPr lang="en-IN" sz="3600" dirty="0">
-                <a:solidFill>
-                  <a:schemeClr val="accent4">
-                    <a:lumMod val="60000"/>
-                    <a:lumOff val="40000"/>
-                  </a:schemeClr>
-                </a:solidFill>
-                <a:latin typeface="Lato Black" panose="020F0A02020204030203" pitchFamily="34" charset="0"/>
-              </a:rPr>
-              <a:t>DATA ANALYST </a:t>
-            </a:r>
-            <a:r>
-              <a:rPr lang="en-IN" sz="3600" dirty="0">
-                <a:solidFill>
-                  <a:schemeClr val="bg1"/>
-                </a:solidFill>
-                <a:latin typeface="Lato Black" panose="020F0A02020204030203" pitchFamily="34" charset="0"/>
-              </a:rPr>
-              <a:t>PORTFOLIO PROJECT</a:t>
-            </a:r>
-          </a:p>
-        </p:txBody>
-      </p:sp>
-      <p:sp>
-        <p:nvSpPr>
-          <p:cNvPr id="19" name="TextBox 18">
-            <a:extLst>
-              <a:ext uri="{FF2B5EF4-FFF2-40B4-BE49-F238E27FC236}">
-                <a16:creationId xmlns:a16="http://schemas.microsoft.com/office/drawing/2014/main" id="{E8907EC3-CB54-081F-6806-59FB3EDC3F65}"/>
-              </a:ext>
-            </a:extLst>
-          </p:cNvPr>
-          <p:cNvSpPr txBox="1"/>
-          <p:nvPr/>
-        </p:nvSpPr>
-        <p:spPr>
-          <a:xfrm>
-            <a:off x="475491" y="1102030"/>
-            <a:ext cx="11240219" cy="1015663"/>
-          </a:xfrm>
-          <a:prstGeom prst="rect">
-            <a:avLst/>
-          </a:prstGeom>
-          <a:noFill/>
-        </p:spPr>
-        <p:txBody>
-          <a:bodyPr wrap="square" rtlCol="0">
-            <a:spAutoFit/>
-          </a:bodyPr>
-          <a:lstStyle/>
-          <a:p>
-            <a:pPr algn="ctr"/>
-            <a:r>
               <a:rPr lang="en-IN" sz="6000" dirty="0">
                 <a:solidFill>
                   <a:srgbClr val="FFFF00"/>
@@ -3657,7 +3603,7 @@
           <p:cNvPr id="20" name="Picture 19">
             <a:extLst>
               <a:ext uri="{FF2B5EF4-FFF2-40B4-BE49-F238E27FC236}">
-                <a16:creationId xmlns:a16="http://schemas.microsoft.com/office/drawing/2014/main" id="{FE325C91-5367-908E-9FBA-338517C802F7}"/>
+                <a16:creationId xmlns="" xmlns:a16="http://schemas.microsoft.com/office/drawing/2014/main" id="{FE325C91-5367-908E-9FBA-338517C802F7}"/>
               </a:ext>
             </a:extLst>
           </p:cNvPr>
@@ -3667,7 +3613,7 @@
           <p:nvPr/>
         </p:nvPicPr>
         <p:blipFill>
-          <a:blip r:embed="rId4">
+          <a:blip r:embed="rId3" cstate="print">
             <a:duotone>
               <a:prstClr val="black"/>
               <a:schemeClr val="accent4">
@@ -3706,7 +3652,7 @@
     <a:masterClrMapping/>
   </p:clrMapOvr>
   <mc:AlternateContent xmlns:mc="http://schemas.openxmlformats.org/markup-compatibility/2006">
-    <mc:Choice xmlns:p159="http://schemas.microsoft.com/office/powerpoint/2015/09/main" Requires="p159">
+    <mc:Choice xmlns="" xmlns:p159="http://schemas.microsoft.com/office/powerpoint/2015/09/main" Requires="p159">
       <p:transition xmlns:p14="http://schemas.microsoft.com/office/powerpoint/2010/main" spd="slow" p14:dur="2000">
         <p159:morph option="byObject"/>
       </p:transition>
@@ -3752,7 +3698,7 @@
           <p:cNvPr id="5" name="TextBox 4">
             <a:extLst>
               <a:ext uri="{FF2B5EF4-FFF2-40B4-BE49-F238E27FC236}">
-                <a16:creationId xmlns:a16="http://schemas.microsoft.com/office/drawing/2014/main" id="{CB8C99B5-5307-E4E4-0E72-DE3504B0A583}"/>
+                <a16:creationId xmlns="" xmlns:a16="http://schemas.microsoft.com/office/drawing/2014/main" id="{CB8C99B5-5307-E4E4-0E72-DE3504B0A583}"/>
               </a:ext>
             </a:extLst>
           </p:cNvPr>
@@ -3794,7 +3740,7 @@
           <p:cNvPr id="6" name="Picture 5">
             <a:extLst>
               <a:ext uri="{FF2B5EF4-FFF2-40B4-BE49-F238E27FC236}">
-                <a16:creationId xmlns:a16="http://schemas.microsoft.com/office/drawing/2014/main" id="{EE843937-0252-6408-B4D5-06B6D9531E56}"/>
+                <a16:creationId xmlns="" xmlns:a16="http://schemas.microsoft.com/office/drawing/2014/main" id="{EE843937-0252-6408-B4D5-06B6D9531E56}"/>
               </a:ext>
             </a:extLst>
           </p:cNvPr>
@@ -3804,7 +3750,7 @@
           <p:nvPr/>
         </p:nvPicPr>
         <p:blipFill>
-          <a:blip r:embed="rId2">
+          <a:blip r:embed="rId2" cstate="print">
             <a:extLst>
               <a:ext uri="{28A0092B-C50C-407E-A947-70E740481C1C}">
                 <a14:useLocalDpi xmlns:a14="http://schemas.microsoft.com/office/drawing/2010/main" val="0"/>
@@ -3831,7 +3777,7 @@
           <p:cNvPr id="4" name="Picture 3">
             <a:extLst>
               <a:ext uri="{FF2B5EF4-FFF2-40B4-BE49-F238E27FC236}">
-                <a16:creationId xmlns:a16="http://schemas.microsoft.com/office/drawing/2014/main" id="{A90D7939-6504-7430-B6E9-29AEB10BAE2E}"/>
+                <a16:creationId xmlns="" xmlns:a16="http://schemas.microsoft.com/office/drawing/2014/main" id="{A90D7939-6504-7430-B6E9-29AEB10BAE2E}"/>
               </a:ext>
             </a:extLst>
           </p:cNvPr>
@@ -3861,7 +3807,7 @@
           <p:cNvPr id="7" name="Picture 6">
             <a:extLst>
               <a:ext uri="{FF2B5EF4-FFF2-40B4-BE49-F238E27FC236}">
-                <a16:creationId xmlns:a16="http://schemas.microsoft.com/office/drawing/2014/main" id="{03BC04EE-8041-7D9D-CA19-298D68483000}"/>
+                <a16:creationId xmlns="" xmlns:a16="http://schemas.microsoft.com/office/drawing/2014/main" id="{03BC04EE-8041-7D9D-CA19-298D68483000}"/>
               </a:ext>
             </a:extLst>
           </p:cNvPr>
@@ -3871,7 +3817,7 @@
           <p:nvPr/>
         </p:nvPicPr>
         <p:blipFill>
-          <a:blip r:embed="rId4">
+          <a:blip r:embed="rId4" cstate="print">
             <a:duotone>
               <a:prstClr val="black"/>
               <a:schemeClr val="accent4">
@@ -3947,7 +3893,7 @@
           <p:cNvPr id="2" name="TextBox 1">
             <a:extLst>
               <a:ext uri="{FF2B5EF4-FFF2-40B4-BE49-F238E27FC236}">
-                <a16:creationId xmlns:a16="http://schemas.microsoft.com/office/drawing/2014/main" id="{F2186767-6DBF-43ED-0334-E389A8026F75}"/>
+                <a16:creationId xmlns="" xmlns:a16="http://schemas.microsoft.com/office/drawing/2014/main" id="{F2186767-6DBF-43ED-0334-E389A8026F75}"/>
               </a:ext>
             </a:extLst>
           </p:cNvPr>
@@ -3956,7 +3902,7 @@
         </p:nvSpPr>
         <p:spPr>
           <a:xfrm>
-            <a:off x="127778" y="57150"/>
+            <a:off x="127778" y="18514"/>
             <a:ext cx="9397221" cy="584775"/>
           </a:xfrm>
           <a:prstGeom prst="rect">
@@ -3999,7 +3945,7 @@
           <p:cNvPr id="7" name="Picture 6">
             <a:extLst>
               <a:ext uri="{FF2B5EF4-FFF2-40B4-BE49-F238E27FC236}">
-                <a16:creationId xmlns:a16="http://schemas.microsoft.com/office/drawing/2014/main" id="{4F56E1CB-C23A-8E6C-4322-BE518ECDDE56}"/>
+                <a16:creationId xmlns="" xmlns:a16="http://schemas.microsoft.com/office/drawing/2014/main" id="{4F56E1CB-C23A-8E6C-4322-BE518ECDDE56}"/>
               </a:ext>
             </a:extLst>
           </p:cNvPr>
@@ -4009,7 +3955,7 @@
           <p:nvPr/>
         </p:nvPicPr>
         <p:blipFill>
-          <a:blip r:embed="rId2">
+          <a:blip r:embed="rId2" cstate="print">
             <a:duotone>
               <a:prstClr val="black"/>
               <a:schemeClr val="accent4">
@@ -4042,7 +3988,7 @@
           <p:cNvPr id="3" name="TextBox 2">
             <a:extLst>
               <a:ext uri="{FF2B5EF4-FFF2-40B4-BE49-F238E27FC236}">
-                <a16:creationId xmlns:a16="http://schemas.microsoft.com/office/drawing/2014/main" id="{1058CA99-5896-CF6F-E3D9-47410F2EEA1D}"/>
+                <a16:creationId xmlns="" xmlns:a16="http://schemas.microsoft.com/office/drawing/2014/main" id="{1058CA99-5896-CF6F-E3D9-47410F2EEA1D}"/>
               </a:ext>
             </a:extLst>
           </p:cNvPr>
@@ -4106,7 +4052,7 @@
           <p:cNvPr id="4" name="TextBox 3">
             <a:extLst>
               <a:ext uri="{FF2B5EF4-FFF2-40B4-BE49-F238E27FC236}">
-                <a16:creationId xmlns:a16="http://schemas.microsoft.com/office/drawing/2014/main" id="{0E3EF215-20BB-527A-E72D-12F6F9355EC2}"/>
+                <a16:creationId xmlns="" xmlns:a16="http://schemas.microsoft.com/office/drawing/2014/main" id="{0E3EF215-20BB-527A-E72D-12F6F9355EC2}"/>
               </a:ext>
             </a:extLst>
           </p:cNvPr>
@@ -4398,7 +4344,7 @@
           <p:cNvPr id="2" name="TextBox 1">
             <a:extLst>
               <a:ext uri="{FF2B5EF4-FFF2-40B4-BE49-F238E27FC236}">
-                <a16:creationId xmlns:a16="http://schemas.microsoft.com/office/drawing/2014/main" id="{F2186767-6DBF-43ED-0334-E389A8026F75}"/>
+                <a16:creationId xmlns="" xmlns:a16="http://schemas.microsoft.com/office/drawing/2014/main" id="{F2186767-6DBF-43ED-0334-E389A8026F75}"/>
               </a:ext>
             </a:extLst>
           </p:cNvPr>
@@ -4450,7 +4396,7 @@
           <p:cNvPr id="7" name="Picture 6">
             <a:extLst>
               <a:ext uri="{FF2B5EF4-FFF2-40B4-BE49-F238E27FC236}">
-                <a16:creationId xmlns:a16="http://schemas.microsoft.com/office/drawing/2014/main" id="{4F56E1CB-C23A-8E6C-4322-BE518ECDDE56}"/>
+                <a16:creationId xmlns="" xmlns:a16="http://schemas.microsoft.com/office/drawing/2014/main" id="{4F56E1CB-C23A-8E6C-4322-BE518ECDDE56}"/>
               </a:ext>
             </a:extLst>
           </p:cNvPr>
@@ -4460,7 +4406,7 @@
           <p:nvPr/>
         </p:nvPicPr>
         <p:blipFill>
-          <a:blip r:embed="rId2">
+          <a:blip r:embed="rId2" cstate="print">
             <a:duotone>
               <a:prstClr val="black"/>
               <a:schemeClr val="accent4">
@@ -4493,7 +4439,7 @@
           <p:cNvPr id="3" name="TextBox 2">
             <a:extLst>
               <a:ext uri="{FF2B5EF4-FFF2-40B4-BE49-F238E27FC236}">
-                <a16:creationId xmlns:a16="http://schemas.microsoft.com/office/drawing/2014/main" id="{1058CA99-5896-CF6F-E3D9-47410F2EEA1D}"/>
+                <a16:creationId xmlns="" xmlns:a16="http://schemas.microsoft.com/office/drawing/2014/main" id="{1058CA99-5896-CF6F-E3D9-47410F2EEA1D}"/>
               </a:ext>
             </a:extLst>
           </p:cNvPr>
@@ -4557,7 +4503,7 @@
           <p:cNvPr id="4" name="TextBox 3">
             <a:extLst>
               <a:ext uri="{FF2B5EF4-FFF2-40B4-BE49-F238E27FC236}">
-                <a16:creationId xmlns:a16="http://schemas.microsoft.com/office/drawing/2014/main" id="{0E3EF215-20BB-527A-E72D-12F6F9355EC2}"/>
+                <a16:creationId xmlns="" xmlns:a16="http://schemas.microsoft.com/office/drawing/2014/main" id="{0E3EF215-20BB-527A-E72D-12F6F9355EC2}"/>
               </a:ext>
             </a:extLst>
           </p:cNvPr>
@@ -4744,7 +4690,7 @@
           <p:cNvPr id="5" name="TextBox 4">
             <a:extLst>
               <a:ext uri="{FF2B5EF4-FFF2-40B4-BE49-F238E27FC236}">
-                <a16:creationId xmlns:a16="http://schemas.microsoft.com/office/drawing/2014/main" id="{1BC36B1B-46BC-47F8-6C86-7B04F62B2F7F}"/>
+                <a16:creationId xmlns="" xmlns:a16="http://schemas.microsoft.com/office/drawing/2014/main" id="{1BC36B1B-46BC-47F8-6C86-7B04F62B2F7F}"/>
               </a:ext>
             </a:extLst>
           </p:cNvPr>
@@ -4902,7 +4848,7 @@
           <p:cNvPr id="6" name="TextBox 5">
             <a:extLst>
               <a:ext uri="{FF2B5EF4-FFF2-40B4-BE49-F238E27FC236}">
-                <a16:creationId xmlns:a16="http://schemas.microsoft.com/office/drawing/2014/main" id="{E5340642-52BE-80AC-4C5E-F8F223F9BB8F}"/>
+                <a16:creationId xmlns="" xmlns:a16="http://schemas.microsoft.com/office/drawing/2014/main" id="{E5340642-52BE-80AC-4C5E-F8F223F9BB8F}"/>
               </a:ext>
             </a:extLst>
           </p:cNvPr>
@@ -5022,7 +4968,7 @@
           <p:cNvPr id="2" name="TextBox 1">
             <a:extLst>
               <a:ext uri="{FF2B5EF4-FFF2-40B4-BE49-F238E27FC236}">
-                <a16:creationId xmlns:a16="http://schemas.microsoft.com/office/drawing/2014/main" id="{F2186767-6DBF-43ED-0334-E389A8026F75}"/>
+                <a16:creationId xmlns="" xmlns:a16="http://schemas.microsoft.com/office/drawing/2014/main" id="{F2186767-6DBF-43ED-0334-E389A8026F75}"/>
               </a:ext>
             </a:extLst>
           </p:cNvPr>
@@ -5074,7 +5020,7 @@
           <p:cNvPr id="7" name="Picture 6">
             <a:extLst>
               <a:ext uri="{FF2B5EF4-FFF2-40B4-BE49-F238E27FC236}">
-                <a16:creationId xmlns:a16="http://schemas.microsoft.com/office/drawing/2014/main" id="{4F56E1CB-C23A-8E6C-4322-BE518ECDDE56}"/>
+                <a16:creationId xmlns="" xmlns:a16="http://schemas.microsoft.com/office/drawing/2014/main" id="{4F56E1CB-C23A-8E6C-4322-BE518ECDDE56}"/>
               </a:ext>
             </a:extLst>
           </p:cNvPr>
@@ -5084,7 +5030,7 @@
           <p:nvPr/>
         </p:nvPicPr>
         <p:blipFill>
-          <a:blip r:embed="rId2">
+          <a:blip r:embed="rId2" cstate="print">
             <a:duotone>
               <a:prstClr val="black"/>
               <a:schemeClr val="accent4">
@@ -5117,7 +5063,7 @@
           <p:cNvPr id="3" name="TextBox 2">
             <a:extLst>
               <a:ext uri="{FF2B5EF4-FFF2-40B4-BE49-F238E27FC236}">
-                <a16:creationId xmlns:a16="http://schemas.microsoft.com/office/drawing/2014/main" id="{1058CA99-5896-CF6F-E3D9-47410F2EEA1D}"/>
+                <a16:creationId xmlns="" xmlns:a16="http://schemas.microsoft.com/office/drawing/2014/main" id="{1058CA99-5896-CF6F-E3D9-47410F2EEA1D}"/>
               </a:ext>
             </a:extLst>
           </p:cNvPr>
@@ -5181,7 +5127,7 @@
           <p:cNvPr id="4" name="TextBox 3">
             <a:extLst>
               <a:ext uri="{FF2B5EF4-FFF2-40B4-BE49-F238E27FC236}">
-                <a16:creationId xmlns:a16="http://schemas.microsoft.com/office/drawing/2014/main" id="{0E3EF215-20BB-527A-E72D-12F6F9355EC2}"/>
+                <a16:creationId xmlns="" xmlns:a16="http://schemas.microsoft.com/office/drawing/2014/main" id="{0E3EF215-20BB-527A-E72D-12F6F9355EC2}"/>
               </a:ext>
             </a:extLst>
           </p:cNvPr>
@@ -5553,7 +5499,7 @@
           <p:cNvPr id="2" name="TextBox 1">
             <a:extLst>
               <a:ext uri="{FF2B5EF4-FFF2-40B4-BE49-F238E27FC236}">
-                <a16:creationId xmlns:a16="http://schemas.microsoft.com/office/drawing/2014/main" id="{F2186767-6DBF-43ED-0334-E389A8026F75}"/>
+                <a16:creationId xmlns="" xmlns:a16="http://schemas.microsoft.com/office/drawing/2014/main" id="{F2186767-6DBF-43ED-0334-E389A8026F75}"/>
               </a:ext>
             </a:extLst>
           </p:cNvPr>
@@ -5605,7 +5551,7 @@
           <p:cNvPr id="7" name="Picture 6">
             <a:extLst>
               <a:ext uri="{FF2B5EF4-FFF2-40B4-BE49-F238E27FC236}">
-                <a16:creationId xmlns:a16="http://schemas.microsoft.com/office/drawing/2014/main" id="{4F56E1CB-C23A-8E6C-4322-BE518ECDDE56}"/>
+                <a16:creationId xmlns="" xmlns:a16="http://schemas.microsoft.com/office/drawing/2014/main" id="{4F56E1CB-C23A-8E6C-4322-BE518ECDDE56}"/>
               </a:ext>
             </a:extLst>
           </p:cNvPr>
@@ -5615,7 +5561,7 @@
           <p:nvPr/>
         </p:nvPicPr>
         <p:blipFill>
-          <a:blip r:embed="rId2">
+          <a:blip r:embed="rId2" cstate="print">
             <a:duotone>
               <a:prstClr val="black"/>
               <a:schemeClr val="accent4">
@@ -5648,7 +5594,7 @@
           <p:cNvPr id="3" name="TextBox 2">
             <a:extLst>
               <a:ext uri="{FF2B5EF4-FFF2-40B4-BE49-F238E27FC236}">
-                <a16:creationId xmlns:a16="http://schemas.microsoft.com/office/drawing/2014/main" id="{1058CA99-5896-CF6F-E3D9-47410F2EEA1D}"/>
+                <a16:creationId xmlns="" xmlns:a16="http://schemas.microsoft.com/office/drawing/2014/main" id="{1058CA99-5896-CF6F-E3D9-47410F2EEA1D}"/>
               </a:ext>
             </a:extLst>
           </p:cNvPr>
@@ -5712,7 +5658,7 @@
           <p:cNvPr id="4" name="TextBox 3">
             <a:extLst>
               <a:ext uri="{FF2B5EF4-FFF2-40B4-BE49-F238E27FC236}">
-                <a16:creationId xmlns:a16="http://schemas.microsoft.com/office/drawing/2014/main" id="{0E3EF215-20BB-527A-E72D-12F6F9355EC2}"/>
+                <a16:creationId xmlns="" xmlns:a16="http://schemas.microsoft.com/office/drawing/2014/main" id="{0E3EF215-20BB-527A-E72D-12F6F9355EC2}"/>
               </a:ext>
             </a:extLst>
           </p:cNvPr>
@@ -5911,7 +5857,7 @@
           <p:cNvPr id="2" name="TextBox 1">
             <a:extLst>
               <a:ext uri="{FF2B5EF4-FFF2-40B4-BE49-F238E27FC236}">
-                <a16:creationId xmlns:a16="http://schemas.microsoft.com/office/drawing/2014/main" id="{F2186767-6DBF-43ED-0334-E389A8026F75}"/>
+                <a16:creationId xmlns="" xmlns:a16="http://schemas.microsoft.com/office/drawing/2014/main" id="{F2186767-6DBF-43ED-0334-E389A8026F75}"/>
               </a:ext>
             </a:extLst>
           </p:cNvPr>
@@ -5958,7 +5904,7 @@
           <p:cNvPr id="7" name="Picture 6">
             <a:extLst>
               <a:ext uri="{FF2B5EF4-FFF2-40B4-BE49-F238E27FC236}">
-                <a16:creationId xmlns:a16="http://schemas.microsoft.com/office/drawing/2014/main" id="{4F56E1CB-C23A-8E6C-4322-BE518ECDDE56}"/>
+                <a16:creationId xmlns="" xmlns:a16="http://schemas.microsoft.com/office/drawing/2014/main" id="{4F56E1CB-C23A-8E6C-4322-BE518ECDDE56}"/>
               </a:ext>
             </a:extLst>
           </p:cNvPr>
@@ -5968,7 +5914,7 @@
           <p:nvPr/>
         </p:nvPicPr>
         <p:blipFill>
-          <a:blip r:embed="rId2">
+          <a:blip r:embed="rId2" cstate="print">
             <a:duotone>
               <a:prstClr val="black"/>
               <a:schemeClr val="accent4">
@@ -6001,7 +5947,7 @@
           <p:cNvPr id="8" name="TextBox 7">
             <a:extLst>
               <a:ext uri="{FF2B5EF4-FFF2-40B4-BE49-F238E27FC236}">
-                <a16:creationId xmlns:a16="http://schemas.microsoft.com/office/drawing/2014/main" id="{F0646760-0DB5-6324-7B30-1D918A65A865}"/>
+                <a16:creationId xmlns="" xmlns:a16="http://schemas.microsoft.com/office/drawing/2014/main" id="{F0646760-0DB5-6324-7B30-1D918A65A865}"/>
               </a:ext>
             </a:extLst>
           </p:cNvPr>
@@ -6353,7 +6299,7 @@
           <p:cNvPr id="9" name="TextBox 8">
             <a:extLst>
               <a:ext uri="{FF2B5EF4-FFF2-40B4-BE49-F238E27FC236}">
-                <a16:creationId xmlns:a16="http://schemas.microsoft.com/office/drawing/2014/main" id="{64CDC267-C4AE-056C-B4A2-9F57B5EF2822}"/>
+                <a16:creationId xmlns="" xmlns:a16="http://schemas.microsoft.com/office/drawing/2014/main" id="{64CDC267-C4AE-056C-B4A2-9F57B5EF2822}"/>
               </a:ext>
             </a:extLst>
           </p:cNvPr>
@@ -6396,7 +6342,7 @@
           <p:cNvPr id="10" name="TextBox 9">
             <a:extLst>
               <a:ext uri="{FF2B5EF4-FFF2-40B4-BE49-F238E27FC236}">
-                <a16:creationId xmlns:a16="http://schemas.microsoft.com/office/drawing/2014/main" id="{8E141D8C-EC5D-22DE-B591-0E506E4E2BA6}"/>
+                <a16:creationId xmlns="" xmlns:a16="http://schemas.microsoft.com/office/drawing/2014/main" id="{8E141D8C-EC5D-22DE-B591-0E506E4E2BA6}"/>
               </a:ext>
             </a:extLst>
           </p:cNvPr>
@@ -6767,7 +6713,7 @@
           <p:cNvPr id="11" name="TextBox 10">
             <a:extLst>
               <a:ext uri="{FF2B5EF4-FFF2-40B4-BE49-F238E27FC236}">
-                <a16:creationId xmlns:a16="http://schemas.microsoft.com/office/drawing/2014/main" id="{38D39873-19FF-7E34-62AE-83E4D322A2EE}"/>
+                <a16:creationId xmlns="" xmlns:a16="http://schemas.microsoft.com/office/drawing/2014/main" id="{38D39873-19FF-7E34-62AE-83E4D322A2EE}"/>
               </a:ext>
             </a:extLst>
           </p:cNvPr>
@@ -6850,7 +6796,7 @@
           <p:cNvPr id="2" name="TextBox 1">
             <a:extLst>
               <a:ext uri="{FF2B5EF4-FFF2-40B4-BE49-F238E27FC236}">
-                <a16:creationId xmlns:a16="http://schemas.microsoft.com/office/drawing/2014/main" id="{F2186767-6DBF-43ED-0334-E389A8026F75}"/>
+                <a16:creationId xmlns="" xmlns:a16="http://schemas.microsoft.com/office/drawing/2014/main" id="{F2186767-6DBF-43ED-0334-E389A8026F75}"/>
               </a:ext>
             </a:extLst>
           </p:cNvPr>
@@ -6902,7 +6848,7 @@
           <p:cNvPr id="7" name="Picture 6">
             <a:extLst>
               <a:ext uri="{FF2B5EF4-FFF2-40B4-BE49-F238E27FC236}">
-                <a16:creationId xmlns:a16="http://schemas.microsoft.com/office/drawing/2014/main" id="{4F56E1CB-C23A-8E6C-4322-BE518ECDDE56}"/>
+                <a16:creationId xmlns="" xmlns:a16="http://schemas.microsoft.com/office/drawing/2014/main" id="{4F56E1CB-C23A-8E6C-4322-BE518ECDDE56}"/>
               </a:ext>
             </a:extLst>
           </p:cNvPr>
@@ -6912,7 +6858,7 @@
           <p:nvPr/>
         </p:nvPicPr>
         <p:blipFill>
-          <a:blip r:embed="rId2">
+          <a:blip r:embed="rId2" cstate="print">
             <a:duotone>
               <a:prstClr val="black"/>
               <a:schemeClr val="accent4">
@@ -6945,7 +6891,7 @@
           <p:cNvPr id="5" name="TextBox 4">
             <a:extLst>
               <a:ext uri="{FF2B5EF4-FFF2-40B4-BE49-F238E27FC236}">
-                <a16:creationId xmlns:a16="http://schemas.microsoft.com/office/drawing/2014/main" id="{1D777C5A-2770-C97F-8953-E1F5A24DD560}"/>
+                <a16:creationId xmlns="" xmlns:a16="http://schemas.microsoft.com/office/drawing/2014/main" id="{1D777C5A-2770-C97F-8953-E1F5A24DD560}"/>
               </a:ext>
             </a:extLst>
           </p:cNvPr>
@@ -7119,7 +7065,7 @@
           <p:cNvPr id="7" name="Picture 6">
             <a:extLst>
               <a:ext uri="{FF2B5EF4-FFF2-40B4-BE49-F238E27FC236}">
-                <a16:creationId xmlns:a16="http://schemas.microsoft.com/office/drawing/2014/main" id="{4F56E1CB-C23A-8E6C-4322-BE518ECDDE56}"/>
+                <a16:creationId xmlns="" xmlns:a16="http://schemas.microsoft.com/office/drawing/2014/main" id="{4F56E1CB-C23A-8E6C-4322-BE518ECDDE56}"/>
               </a:ext>
             </a:extLst>
           </p:cNvPr>
@@ -7129,7 +7075,7 @@
           <p:nvPr/>
         </p:nvPicPr>
         <p:blipFill>
-          <a:blip r:embed="rId2">
+          <a:blip r:embed="rId2" cstate="print">
             <a:duotone>
               <a:prstClr val="black"/>
               <a:schemeClr val="accent4">
@@ -7162,7 +7108,7 @@
           <p:cNvPr id="5" name="Picture 4">
             <a:extLst>
               <a:ext uri="{FF2B5EF4-FFF2-40B4-BE49-F238E27FC236}">
-                <a16:creationId xmlns:a16="http://schemas.microsoft.com/office/drawing/2014/main" id="{0AF6B3D0-09AE-4F17-9CB2-07E656EB3637}"/>
+                <a16:creationId xmlns="" xmlns:a16="http://schemas.microsoft.com/office/drawing/2014/main" id="{0AF6B3D0-09AE-4F17-9CB2-07E656EB3637}"/>
               </a:ext>
             </a:extLst>
           </p:cNvPr>
@@ -7192,7 +7138,7 @@
           <p:cNvPr id="6" name="Picture 6" descr="Like Comment Share PNGs for Free Download">
             <a:extLst>
               <a:ext uri="{FF2B5EF4-FFF2-40B4-BE49-F238E27FC236}">
-                <a16:creationId xmlns:a16="http://schemas.microsoft.com/office/drawing/2014/main" id="{82211E88-89CC-1B62-06B7-D0439322858C}"/>
+                <a16:creationId xmlns="" xmlns:a16="http://schemas.microsoft.com/office/drawing/2014/main" id="{82211E88-89CC-1B62-06B7-D0439322858C}"/>
               </a:ext>
             </a:extLst>
           </p:cNvPr>
@@ -7202,7 +7148,7 @@
           <p:nvPr/>
         </p:nvPicPr>
         <p:blipFill>
-          <a:blip r:embed="rId4">
+          <a:blip r:embed="rId4" cstate="print">
             <a:extLst>
               <a:ext uri="{28A0092B-C50C-407E-A947-70E740481C1C}">
                 <a14:useLocalDpi xmlns:a14="http://schemas.microsoft.com/office/drawing/2010/main" val="0"/>
@@ -7282,7 +7228,7 @@
           <p:cNvPr id="20" name="Picture 19">
             <a:extLst>
               <a:ext uri="{FF2B5EF4-FFF2-40B4-BE49-F238E27FC236}">
-                <a16:creationId xmlns:a16="http://schemas.microsoft.com/office/drawing/2014/main" id="{FE325C91-5367-908E-9FBA-338517C802F7}"/>
+                <a16:creationId xmlns="" xmlns:a16="http://schemas.microsoft.com/office/drawing/2014/main" id="{FE325C91-5367-908E-9FBA-338517C802F7}"/>
               </a:ext>
             </a:extLst>
           </p:cNvPr>
@@ -7292,7 +7238,7 @@
           <p:nvPr/>
         </p:nvPicPr>
         <p:blipFill>
-          <a:blip r:embed="rId2">
+          <a:blip r:embed="rId2" cstate="print">
             <a:duotone>
               <a:prstClr val="black"/>
               <a:schemeClr val="accent4">
@@ -7325,7 +7271,7 @@
           <p:cNvPr id="3" name="TextBox 2">
             <a:extLst>
               <a:ext uri="{FF2B5EF4-FFF2-40B4-BE49-F238E27FC236}">
-                <a16:creationId xmlns:a16="http://schemas.microsoft.com/office/drawing/2014/main" id="{C3F29DCE-4F9B-3E06-25A9-49C99130379C}"/>
+                <a16:creationId xmlns="" xmlns:a16="http://schemas.microsoft.com/office/drawing/2014/main" id="{C3F29DCE-4F9B-3E06-25A9-49C99130379C}"/>
               </a:ext>
             </a:extLst>
           </p:cNvPr>
@@ -7369,7 +7315,7 @@
           <p:cNvPr id="4" name="TextBox 3">
             <a:extLst>
               <a:ext uri="{FF2B5EF4-FFF2-40B4-BE49-F238E27FC236}">
-                <a16:creationId xmlns:a16="http://schemas.microsoft.com/office/drawing/2014/main" id="{4FEE5224-59D0-0CB4-D868-7B2A980DA320}"/>
+                <a16:creationId xmlns="" xmlns:a16="http://schemas.microsoft.com/office/drawing/2014/main" id="{4FEE5224-59D0-0CB4-D868-7B2A980DA320}"/>
               </a:ext>
             </a:extLst>
           </p:cNvPr>
@@ -7414,7 +7360,7 @@
           <p:cNvPr id="5" name="TextBox 4">
             <a:extLst>
               <a:ext uri="{FF2B5EF4-FFF2-40B4-BE49-F238E27FC236}">
-                <a16:creationId xmlns:a16="http://schemas.microsoft.com/office/drawing/2014/main" id="{33BF6A62-6D9A-3528-4276-57102C0BF48F}"/>
+                <a16:creationId xmlns="" xmlns:a16="http://schemas.microsoft.com/office/drawing/2014/main" id="{33BF6A62-6D9A-3528-4276-57102C0BF48F}"/>
               </a:ext>
             </a:extLst>
           </p:cNvPr>
@@ -7423,7 +7369,7 @@
         </p:nvSpPr>
         <p:spPr>
           <a:xfrm>
-            <a:off x="2603736" y="119959"/>
+            <a:off x="2148787" y="134233"/>
             <a:ext cx="5047891" cy="830997"/>
           </a:xfrm>
           <a:prstGeom prst="rect">
@@ -7438,7 +7384,7 @@
           <a:lstStyle/>
           <a:p>
             <a:r>
-              <a:rPr lang="en-IN" sz="4800" dirty="0">
+              <a:rPr lang="en-IN" sz="4800" dirty="0" smtClean="0">
                 <a:solidFill>
                   <a:schemeClr val="accent5">
                     <a:lumMod val="20000"/>
@@ -7447,17 +7393,26 @@
                 </a:solidFill>
                 <a:latin typeface="Lato Black" panose="020F0A02020204030203" pitchFamily="34" charset="0"/>
               </a:rPr>
-              <a:t>MS SQL SERVER</a:t>
-            </a:r>
+              <a:t>MYSQL </a:t>
+            </a:r>
+            <a:endParaRPr lang="en-IN" sz="4800" dirty="0">
+              <a:solidFill>
+                <a:schemeClr val="accent5">
+                  <a:lumMod val="20000"/>
+                  <a:lumOff val="80000"/>
+                </a:schemeClr>
+              </a:solidFill>
+              <a:latin typeface="Lato Black" panose="020F0A02020204030203" pitchFamily="34" charset="0"/>
+            </a:endParaRPr>
           </a:p>
         </p:txBody>
       </p:sp>
       <p:pic>
         <p:nvPicPr>
-          <p:cNvPr id="6" name="Picture 12" descr="Sql server - Free logo icons">
-            <a:extLst>
-              <a:ext uri="{FF2B5EF4-FFF2-40B4-BE49-F238E27FC236}">
-                <a16:creationId xmlns:a16="http://schemas.microsoft.com/office/drawing/2014/main" id="{419E3FF8-C6F1-BC7D-0F6C-3907E21F090C}"/>
+          <p:cNvPr id="7" name="Picture 14" descr="Logo Mysql PNG Images, Free Download - Free Transparent PNG Logos">
+            <a:extLst>
+              <a:ext uri="{FF2B5EF4-FFF2-40B4-BE49-F238E27FC236}">
+                <a16:creationId xmlns="" xmlns:a16="http://schemas.microsoft.com/office/drawing/2014/main" id="{CB2ECD20-9715-9840-D011-C5E6334BEB4A}"/>
               </a:ext>
             </a:extLst>
           </p:cNvPr>
@@ -7467,14 +7422,7 @@
           <p:nvPr/>
         </p:nvPicPr>
         <p:blipFill>
-          <a:blip r:embed="rId3">
-            <a:duotone>
-              <a:schemeClr val="accent4">
-                <a:shade val="45000"/>
-                <a:satMod val="135000"/>
-              </a:schemeClr>
-              <a:prstClr val="white"/>
-            </a:duotone>
+          <a:blip r:embed="rId3" cstate="print">
             <a:extLst>
               <a:ext uri="{28A0092B-C50C-407E-A947-70E740481C1C}">
                 <a14:useLocalDpi xmlns:a14="http://schemas.microsoft.com/office/drawing/2010/main" val="0"/>
@@ -7488,8 +7436,8 @@
         </p:blipFill>
         <p:spPr bwMode="auto">
           <a:xfrm>
-            <a:off x="1548079" y="171703"/>
-            <a:ext cx="779253" cy="779253"/>
+            <a:off x="1351516" y="304283"/>
+            <a:ext cx="620658" cy="651103"/>
           </a:xfrm>
           <a:prstGeom prst="rect">
             <a:avLst/>
@@ -7508,10 +7456,40 @@
       </p:pic>
       <p:pic>
         <p:nvPicPr>
-          <p:cNvPr id="7" name="Picture 14" descr="Logo Mysql PNG Images, Free Download - Free Transparent PNG Logos">
-            <a:extLst>
-              <a:ext uri="{FF2B5EF4-FFF2-40B4-BE49-F238E27FC236}">
-                <a16:creationId xmlns:a16="http://schemas.microsoft.com/office/drawing/2014/main" id="{CB2ECD20-9715-9840-D011-C5E6334BEB4A}"/>
+          <p:cNvPr id="8" name="Picture 7">
+            <a:extLst>
+              <a:ext uri="{FF2B5EF4-FFF2-40B4-BE49-F238E27FC236}">
+                <a16:creationId xmlns="" xmlns:a16="http://schemas.microsoft.com/office/drawing/2014/main" id="{72646651-4D07-638D-94AF-12C3ADD27676}"/>
+              </a:ext>
+            </a:extLst>
+          </p:cNvPr>
+          <p:cNvPicPr>
+            <a:picLocks noChangeAspect="1"/>
+          </p:cNvPicPr>
+          <p:nvPr/>
+        </p:nvPicPr>
+        <p:blipFill>
+          <a:blip r:embed="rId4"/>
+          <a:stretch>
+            <a:fillRect/>
+          </a:stretch>
+        </p:blipFill>
+        <p:spPr>
+          <a:xfrm>
+            <a:off x="4965940" y="1323014"/>
+            <a:ext cx="6222520" cy="5366087"/>
+          </a:xfrm>
+          <a:prstGeom prst="rect">
+            <a:avLst/>
+          </a:prstGeom>
+        </p:spPr>
+      </p:pic>
+      <p:pic>
+        <p:nvPicPr>
+          <p:cNvPr id="9" name="Picture 18" descr="Data Import / Export through files — CMDBuild">
+            <a:extLst>
+              <a:ext uri="{FF2B5EF4-FFF2-40B4-BE49-F238E27FC236}">
+                <a16:creationId xmlns="" xmlns:a16="http://schemas.microsoft.com/office/drawing/2014/main" id="{9851E5A0-2C71-1CF7-360D-B0C080A4961C}"/>
               </a:ext>
             </a:extLst>
           </p:cNvPr>
@@ -7521,7 +7499,14 @@
           <p:nvPr/>
         </p:nvPicPr>
         <p:blipFill>
-          <a:blip r:embed="rId4">
+          <a:blip r:embed="rId5">
+            <a:duotone>
+              <a:schemeClr val="accent1">
+                <a:shade val="45000"/>
+                <a:satMod val="135000"/>
+              </a:schemeClr>
+              <a:prstClr val="white"/>
+            </a:duotone>
             <a:extLst>
               <a:ext uri="{28A0092B-C50C-407E-A947-70E740481C1C}">
                 <a14:useLocalDpi xmlns:a14="http://schemas.microsoft.com/office/drawing/2010/main" val="0"/>
@@ -7535,91 +7520,7 @@
         </p:blipFill>
         <p:spPr bwMode="auto">
           <a:xfrm>
-            <a:off x="651018" y="251038"/>
-            <a:ext cx="620658" cy="651103"/>
-          </a:xfrm>
-          <a:prstGeom prst="rect">
-            <a:avLst/>
-          </a:prstGeom>
-          <a:noFill/>
-          <a:extLst>
-            <a:ext uri="{909E8E84-426E-40DD-AFC4-6F175D3DCCD1}">
-              <a14:hiddenFill xmlns:a14="http://schemas.microsoft.com/office/drawing/2010/main">
-                <a:solidFill>
-                  <a:srgbClr val="FFFFFF"/>
-                </a:solidFill>
-              </a14:hiddenFill>
-            </a:ext>
-          </a:extLst>
-        </p:spPr>
-      </p:pic>
-      <p:pic>
-        <p:nvPicPr>
-          <p:cNvPr id="8" name="Picture 7">
-            <a:extLst>
-              <a:ext uri="{FF2B5EF4-FFF2-40B4-BE49-F238E27FC236}">
-                <a16:creationId xmlns:a16="http://schemas.microsoft.com/office/drawing/2014/main" id="{72646651-4D07-638D-94AF-12C3ADD27676}"/>
-              </a:ext>
-            </a:extLst>
-          </p:cNvPr>
-          <p:cNvPicPr>
-            <a:picLocks noChangeAspect="1"/>
-          </p:cNvPicPr>
-          <p:nvPr/>
-        </p:nvPicPr>
-        <p:blipFill>
-          <a:blip r:embed="rId5"/>
-          <a:stretch>
-            <a:fillRect/>
-          </a:stretch>
-        </p:blipFill>
-        <p:spPr>
-          <a:xfrm>
-            <a:off x="4965940" y="1310135"/>
-            <a:ext cx="6222520" cy="5366087"/>
-          </a:xfrm>
-          <a:prstGeom prst="rect">
-            <a:avLst/>
-          </a:prstGeom>
-        </p:spPr>
-      </p:pic>
-      <p:pic>
-        <p:nvPicPr>
-          <p:cNvPr id="9" name="Picture 18" descr="Data Import / Export through files — CMDBuild">
-            <a:extLst>
-              <a:ext uri="{FF2B5EF4-FFF2-40B4-BE49-F238E27FC236}">
-                <a16:creationId xmlns:a16="http://schemas.microsoft.com/office/drawing/2014/main" id="{9851E5A0-2C71-1CF7-360D-B0C080A4961C}"/>
-              </a:ext>
-            </a:extLst>
-          </p:cNvPr>
-          <p:cNvPicPr>
-            <a:picLocks noChangeAspect="1" noChangeArrowheads="1"/>
-          </p:cNvPicPr>
-          <p:nvPr/>
-        </p:nvPicPr>
-        <p:blipFill>
-          <a:blip r:embed="rId6">
-            <a:duotone>
-              <a:schemeClr val="accent1">
-                <a:shade val="45000"/>
-                <a:satMod val="135000"/>
-              </a:schemeClr>
-              <a:prstClr val="white"/>
-            </a:duotone>
-            <a:extLst>
-              <a:ext uri="{28A0092B-C50C-407E-A947-70E740481C1C}">
-                <a14:useLocalDpi xmlns:a14="http://schemas.microsoft.com/office/drawing/2010/main" val="0"/>
-              </a:ext>
-            </a:extLst>
-          </a:blip>
-          <a:srcRect/>
-          <a:stretch>
-            <a:fillRect/>
-          </a:stretch>
-        </p:blipFill>
-        <p:spPr bwMode="auto">
-          <a:xfrm>
-            <a:off x="123463" y="2108610"/>
+            <a:off x="123463" y="2147246"/>
             <a:ext cx="4050649" cy="4050649"/>
           </a:xfrm>
           <a:prstGeom prst="rect">
@@ -7648,7 +7549,7 @@
     <a:masterClrMapping/>
   </p:clrMapOvr>
   <mc:AlternateContent xmlns:mc="http://schemas.openxmlformats.org/markup-compatibility/2006">
-    <mc:Choice xmlns:p159="http://schemas.microsoft.com/office/powerpoint/2015/09/main" Requires="p159">
+    <mc:Choice xmlns="" xmlns:p159="http://schemas.microsoft.com/office/powerpoint/2015/09/main" Requires="p159">
       <p:transition xmlns:p14="http://schemas.microsoft.com/office/powerpoint/2010/main" spd="slow" p14:dur="2000">
         <p159:morph option="byObject"/>
       </p:transition>
@@ -7694,7 +7595,7 @@
           <p:cNvPr id="20" name="Picture 19">
             <a:extLst>
               <a:ext uri="{FF2B5EF4-FFF2-40B4-BE49-F238E27FC236}">
-                <a16:creationId xmlns:a16="http://schemas.microsoft.com/office/drawing/2014/main" id="{FE325C91-5367-908E-9FBA-338517C802F7}"/>
+                <a16:creationId xmlns="" xmlns:a16="http://schemas.microsoft.com/office/drawing/2014/main" id="{FE325C91-5367-908E-9FBA-338517C802F7}"/>
               </a:ext>
             </a:extLst>
           </p:cNvPr>
@@ -7704,7 +7605,7 @@
           <p:nvPr/>
         </p:nvPicPr>
         <p:blipFill>
-          <a:blip r:embed="rId2">
+          <a:blip r:embed="rId2" cstate="print">
             <a:duotone>
               <a:prstClr val="black"/>
               <a:schemeClr val="accent4">
@@ -7737,7 +7638,7 @@
           <p:cNvPr id="11" name="TextBox 10">
             <a:extLst>
               <a:ext uri="{FF2B5EF4-FFF2-40B4-BE49-F238E27FC236}">
-                <a16:creationId xmlns:a16="http://schemas.microsoft.com/office/drawing/2014/main" id="{6A577A3C-8BDB-56BA-633E-16205B278E35}"/>
+                <a16:creationId xmlns="" xmlns:a16="http://schemas.microsoft.com/office/drawing/2014/main" id="{6A577A3C-8BDB-56BA-633E-16205B278E35}"/>
               </a:ext>
             </a:extLst>
           </p:cNvPr>
@@ -7781,7 +7682,7 @@
           <p:cNvPr id="12" name="TextBox 11">
             <a:extLst>
               <a:ext uri="{FF2B5EF4-FFF2-40B4-BE49-F238E27FC236}">
-                <a16:creationId xmlns:a16="http://schemas.microsoft.com/office/drawing/2014/main" id="{5A05D65C-FEF3-B4EA-EBB1-061EF5E4281C}"/>
+                <a16:creationId xmlns="" xmlns:a16="http://schemas.microsoft.com/office/drawing/2014/main" id="{5A05D65C-FEF3-B4EA-EBB1-061EF5E4281C}"/>
               </a:ext>
             </a:extLst>
           </p:cNvPr>
@@ -7826,7 +7727,7 @@
           <p:cNvPr id="13" name="TextBox 12">
             <a:extLst>
               <a:ext uri="{FF2B5EF4-FFF2-40B4-BE49-F238E27FC236}">
-                <a16:creationId xmlns:a16="http://schemas.microsoft.com/office/drawing/2014/main" id="{9D2C5993-1A7E-2257-A719-633485B11CEA}"/>
+                <a16:creationId xmlns="" xmlns:a16="http://schemas.microsoft.com/office/drawing/2014/main" id="{9D2C5993-1A7E-2257-A719-633485B11CEA}"/>
               </a:ext>
             </a:extLst>
           </p:cNvPr>
@@ -7835,7 +7736,7 @@
         </p:nvSpPr>
         <p:spPr>
           <a:xfrm>
-            <a:off x="2603736" y="119959"/>
+            <a:off x="1991608" y="214336"/>
             <a:ext cx="5047891" cy="830997"/>
           </a:xfrm>
           <a:prstGeom prst="rect">
@@ -7859,17 +7760,26 @@
                 </a:solidFill>
                 <a:latin typeface="Lato Black" panose="020F0A02020204030203" pitchFamily="34" charset="0"/>
               </a:rPr>
-              <a:t>MS SQL SERVER</a:t>
-            </a:r>
+              <a:t>MYSQL </a:t>
+            </a:r>
+            <a:endParaRPr lang="en-IN" sz="4800" dirty="0">
+              <a:solidFill>
+                <a:schemeClr val="accent5">
+                  <a:lumMod val="20000"/>
+                  <a:lumOff val="80000"/>
+                </a:schemeClr>
+              </a:solidFill>
+              <a:latin typeface="Lato Black" panose="020F0A02020204030203" pitchFamily="34" charset="0"/>
+            </a:endParaRPr>
           </a:p>
         </p:txBody>
       </p:sp>
       <p:pic>
         <p:nvPicPr>
-          <p:cNvPr id="14" name="Picture 12" descr="Sql server - Free logo icons">
-            <a:extLst>
-              <a:ext uri="{FF2B5EF4-FFF2-40B4-BE49-F238E27FC236}">
-                <a16:creationId xmlns:a16="http://schemas.microsoft.com/office/drawing/2014/main" id="{A1C7A778-2966-2051-25A1-AA6A09DF3AF6}"/>
+          <p:cNvPr id="15" name="Picture 14" descr="Logo Mysql PNG Images, Free Download - Free Transparent PNG Logos">
+            <a:extLst>
+              <a:ext uri="{FF2B5EF4-FFF2-40B4-BE49-F238E27FC236}">
+                <a16:creationId xmlns="" xmlns:a16="http://schemas.microsoft.com/office/drawing/2014/main" id="{20D987B5-B900-B9DD-C73E-1C07E5E44ED9}"/>
               </a:ext>
             </a:extLst>
           </p:cNvPr>
@@ -7879,14 +7789,7 @@
           <p:nvPr/>
         </p:nvPicPr>
         <p:blipFill>
-          <a:blip r:embed="rId3">
-            <a:duotone>
-              <a:schemeClr val="accent4">
-                <a:shade val="45000"/>
-                <a:satMod val="135000"/>
-              </a:schemeClr>
-              <a:prstClr val="white"/>
-            </a:duotone>
+          <a:blip r:embed="rId3" cstate="print">
             <a:extLst>
               <a:ext uri="{28A0092B-C50C-407E-A947-70E740481C1C}">
                 <a14:useLocalDpi xmlns:a14="http://schemas.microsoft.com/office/drawing/2010/main" val="0"/>
@@ -7900,8 +7803,8 @@
         </p:blipFill>
         <p:spPr bwMode="auto">
           <a:xfrm>
-            <a:off x="1548079" y="171703"/>
-            <a:ext cx="779253" cy="779253"/>
+            <a:off x="1101779" y="283096"/>
+            <a:ext cx="620658" cy="651103"/>
           </a:xfrm>
           <a:prstGeom prst="rect">
             <a:avLst/>
@@ -7920,10 +7823,40 @@
       </p:pic>
       <p:pic>
         <p:nvPicPr>
-          <p:cNvPr id="15" name="Picture 14" descr="Logo Mysql PNG Images, Free Download - Free Transparent PNG Logos">
-            <a:extLst>
-              <a:ext uri="{FF2B5EF4-FFF2-40B4-BE49-F238E27FC236}">
-                <a16:creationId xmlns:a16="http://schemas.microsoft.com/office/drawing/2014/main" id="{20D987B5-B900-B9DD-C73E-1C07E5E44ED9}"/>
+          <p:cNvPr id="16" name="Picture 15">
+            <a:extLst>
+              <a:ext uri="{FF2B5EF4-FFF2-40B4-BE49-F238E27FC236}">
+                <a16:creationId xmlns="" xmlns:a16="http://schemas.microsoft.com/office/drawing/2014/main" id="{B01ADDCE-0998-425D-9A58-EE016290BB31}"/>
+              </a:ext>
+            </a:extLst>
+          </p:cNvPr>
+          <p:cNvPicPr>
+            <a:picLocks noChangeAspect="1"/>
+          </p:cNvPicPr>
+          <p:nvPr/>
+        </p:nvPicPr>
+        <p:blipFill>
+          <a:blip r:embed="rId4"/>
+          <a:stretch>
+            <a:fillRect/>
+          </a:stretch>
+        </p:blipFill>
+        <p:spPr>
+          <a:xfrm>
+            <a:off x="4965940" y="1310135"/>
+            <a:ext cx="6222520" cy="5366087"/>
+          </a:xfrm>
+          <a:prstGeom prst="rect">
+            <a:avLst/>
+          </a:prstGeom>
+        </p:spPr>
+      </p:pic>
+      <p:pic>
+        <p:nvPicPr>
+          <p:cNvPr id="17" name="Picture 2" descr="Add, create, database, hd, new, plus, server icon - Download on Iconfinder">
+            <a:extLst>
+              <a:ext uri="{FF2B5EF4-FFF2-40B4-BE49-F238E27FC236}">
+                <a16:creationId xmlns="" xmlns:a16="http://schemas.microsoft.com/office/drawing/2014/main" id="{088B7569-922A-9A8F-8B55-FBDCEF0A77A1}"/>
               </a:ext>
             </a:extLst>
           </p:cNvPr>
@@ -7933,84 +7866,7 @@
           <p:nvPr/>
         </p:nvPicPr>
         <p:blipFill>
-          <a:blip r:embed="rId4">
-            <a:extLst>
-              <a:ext uri="{28A0092B-C50C-407E-A947-70E740481C1C}">
-                <a14:useLocalDpi xmlns:a14="http://schemas.microsoft.com/office/drawing/2010/main" val="0"/>
-              </a:ext>
-            </a:extLst>
-          </a:blip>
-          <a:srcRect/>
-          <a:stretch>
-            <a:fillRect/>
-          </a:stretch>
-        </p:blipFill>
-        <p:spPr bwMode="auto">
-          <a:xfrm>
-            <a:off x="651018" y="251038"/>
-            <a:ext cx="620658" cy="651103"/>
-          </a:xfrm>
-          <a:prstGeom prst="rect">
-            <a:avLst/>
-          </a:prstGeom>
-          <a:noFill/>
-          <a:extLst>
-            <a:ext uri="{909E8E84-426E-40DD-AFC4-6F175D3DCCD1}">
-              <a14:hiddenFill xmlns:a14="http://schemas.microsoft.com/office/drawing/2010/main">
-                <a:solidFill>
-                  <a:srgbClr val="FFFFFF"/>
-                </a:solidFill>
-              </a14:hiddenFill>
-            </a:ext>
-          </a:extLst>
-        </p:spPr>
-      </p:pic>
-      <p:pic>
-        <p:nvPicPr>
-          <p:cNvPr id="16" name="Picture 15">
-            <a:extLst>
-              <a:ext uri="{FF2B5EF4-FFF2-40B4-BE49-F238E27FC236}">
-                <a16:creationId xmlns:a16="http://schemas.microsoft.com/office/drawing/2014/main" id="{B01ADDCE-0998-425D-9A58-EE016290BB31}"/>
-              </a:ext>
-            </a:extLst>
-          </p:cNvPr>
-          <p:cNvPicPr>
-            <a:picLocks noChangeAspect="1"/>
-          </p:cNvPicPr>
-          <p:nvPr/>
-        </p:nvPicPr>
-        <p:blipFill>
-          <a:blip r:embed="rId5"/>
-          <a:stretch>
-            <a:fillRect/>
-          </a:stretch>
-        </p:blipFill>
-        <p:spPr>
-          <a:xfrm>
-            <a:off x="4965940" y="1310135"/>
-            <a:ext cx="6222520" cy="5366087"/>
-          </a:xfrm>
-          <a:prstGeom prst="rect">
-            <a:avLst/>
-          </a:prstGeom>
-        </p:spPr>
-      </p:pic>
-      <p:pic>
-        <p:nvPicPr>
-          <p:cNvPr id="17" name="Picture 2" descr="Add, create, database, hd, new, plus, server icon - Download on Iconfinder">
-            <a:extLst>
-              <a:ext uri="{FF2B5EF4-FFF2-40B4-BE49-F238E27FC236}">
-                <a16:creationId xmlns:a16="http://schemas.microsoft.com/office/drawing/2014/main" id="{088B7569-922A-9A8F-8B55-FBDCEF0A77A1}"/>
-              </a:ext>
-            </a:extLst>
-          </p:cNvPr>
-          <p:cNvPicPr>
-            <a:picLocks noChangeAspect="1" noChangeArrowheads="1"/>
-          </p:cNvPicPr>
-          <p:nvPr/>
-        </p:nvPicPr>
-        <p:blipFill>
-          <a:blip r:embed="rId6">
+          <a:blip r:embed="rId5">
             <a:extLst>
               <a:ext uri="{28A0092B-C50C-407E-A947-70E740481C1C}">
                 <a14:useLocalDpi xmlns:a14="http://schemas.microsoft.com/office/drawing/2010/main" val="0"/>
@@ -8052,13 +7908,13 @@
   <p:clrMapOvr>
     <a:masterClrMapping/>
   </p:clrMapOvr>
-  <mc:AlternateContent xmlns:mc="http://schemas.openxmlformats.org/markup-compatibility/2006">
-    <mc:Choice xmlns:p14="http://schemas.microsoft.com/office/powerpoint/2010/main" Requires="p14">
+  <mc:AlternateContent xmlns:mc="http://schemas.openxmlformats.org/markup-compatibility/2006" xmlns:p14="http://schemas.microsoft.com/office/powerpoint/2010/main">
+    <mc:Choice Requires="p14">
       <p:transition p14:dur="100">
         <p:cut/>
       </p:transition>
     </mc:Choice>
-    <mc:Fallback>
+    <mc:Fallback xmlns="">
       <p:transition>
         <p:cut/>
       </p:transition>
@@ -8099,7 +7955,7 @@
           <p:cNvPr id="20" name="Picture 19">
             <a:extLst>
               <a:ext uri="{FF2B5EF4-FFF2-40B4-BE49-F238E27FC236}">
-                <a16:creationId xmlns:a16="http://schemas.microsoft.com/office/drawing/2014/main" id="{FE325C91-5367-908E-9FBA-338517C802F7}"/>
+                <a16:creationId xmlns="" xmlns:a16="http://schemas.microsoft.com/office/drawing/2014/main" id="{FE325C91-5367-908E-9FBA-338517C802F7}"/>
               </a:ext>
             </a:extLst>
           </p:cNvPr>
@@ -8109,7 +7965,7 @@
           <p:nvPr/>
         </p:nvPicPr>
         <p:blipFill>
-          <a:blip r:embed="rId2">
+          <a:blip r:embed="rId2" cstate="print">
             <a:duotone>
               <a:prstClr val="black"/>
               <a:schemeClr val="accent4">
@@ -8142,7 +7998,7 @@
           <p:cNvPr id="2" name="TextBox 1">
             <a:extLst>
               <a:ext uri="{FF2B5EF4-FFF2-40B4-BE49-F238E27FC236}">
-                <a16:creationId xmlns:a16="http://schemas.microsoft.com/office/drawing/2014/main" id="{CA2A3D0D-DDF0-B75E-2E66-13E023613410}"/>
+                <a16:creationId xmlns="" xmlns:a16="http://schemas.microsoft.com/office/drawing/2014/main" id="{CA2A3D0D-DDF0-B75E-2E66-13E023613410}"/>
               </a:ext>
             </a:extLst>
           </p:cNvPr>
@@ -8186,7 +8042,7 @@
           <p:cNvPr id="3" name="TextBox 2">
             <a:extLst>
               <a:ext uri="{FF2B5EF4-FFF2-40B4-BE49-F238E27FC236}">
-                <a16:creationId xmlns:a16="http://schemas.microsoft.com/office/drawing/2014/main" id="{4CDF014E-E113-E267-1E2F-E2465BD5AC91}"/>
+                <a16:creationId xmlns="" xmlns:a16="http://schemas.microsoft.com/office/drawing/2014/main" id="{4CDF014E-E113-E267-1E2F-E2465BD5AC91}"/>
               </a:ext>
             </a:extLst>
           </p:cNvPr>
@@ -8231,7 +8087,7 @@
           <p:cNvPr id="4" name="TextBox 3">
             <a:extLst>
               <a:ext uri="{FF2B5EF4-FFF2-40B4-BE49-F238E27FC236}">
-                <a16:creationId xmlns:a16="http://schemas.microsoft.com/office/drawing/2014/main" id="{2526BBC7-AD07-89BE-CDAF-EF8C8ED20231}"/>
+                <a16:creationId xmlns="" xmlns:a16="http://schemas.microsoft.com/office/drawing/2014/main" id="{2526BBC7-AD07-89BE-CDAF-EF8C8ED20231}"/>
               </a:ext>
             </a:extLst>
           </p:cNvPr>
@@ -8240,7 +8096,7 @@
         </p:nvSpPr>
         <p:spPr>
           <a:xfrm>
-            <a:off x="2603736" y="119959"/>
+            <a:off x="1740851" y="93867"/>
             <a:ext cx="5047891" cy="830997"/>
           </a:xfrm>
           <a:prstGeom prst="rect">
@@ -8255,7 +8111,7 @@
           <a:lstStyle/>
           <a:p>
             <a:r>
-              <a:rPr lang="en-IN" sz="4800" dirty="0">
+              <a:rPr lang="en-IN" sz="4800" dirty="0" smtClean="0">
                 <a:solidFill>
                   <a:schemeClr val="accent5">
                     <a:lumMod val="20000"/>
@@ -8264,17 +8120,26 @@
                 </a:solidFill>
                 <a:latin typeface="Lato Black" panose="020F0A02020204030203" pitchFamily="34" charset="0"/>
               </a:rPr>
-              <a:t>MS SQL SERVER</a:t>
-            </a:r>
+              <a:t>MYSQL</a:t>
+            </a:r>
+            <a:endParaRPr lang="en-IN" sz="4800" dirty="0">
+              <a:solidFill>
+                <a:schemeClr val="accent5">
+                  <a:lumMod val="20000"/>
+                  <a:lumOff val="80000"/>
+                </a:schemeClr>
+              </a:solidFill>
+              <a:latin typeface="Lato Black" panose="020F0A02020204030203" pitchFamily="34" charset="0"/>
+            </a:endParaRPr>
           </a:p>
         </p:txBody>
       </p:sp>
       <p:pic>
         <p:nvPicPr>
-          <p:cNvPr id="5" name="Picture 12" descr="Sql server - Free logo icons">
-            <a:extLst>
-              <a:ext uri="{FF2B5EF4-FFF2-40B4-BE49-F238E27FC236}">
-                <a16:creationId xmlns:a16="http://schemas.microsoft.com/office/drawing/2014/main" id="{A5FA9380-85A3-5EB1-2C9B-1C4ABB8EF8FD}"/>
+          <p:cNvPr id="6" name="Picture 14" descr="Logo Mysql PNG Images, Free Download - Free Transparent PNG Logos">
+            <a:extLst>
+              <a:ext uri="{FF2B5EF4-FFF2-40B4-BE49-F238E27FC236}">
+                <a16:creationId xmlns="" xmlns:a16="http://schemas.microsoft.com/office/drawing/2014/main" id="{3E80D00F-6EA5-9A4C-EC8A-63F38E357D66}"/>
               </a:ext>
             </a:extLst>
           </p:cNvPr>
@@ -8284,14 +8149,7 @@
           <p:nvPr/>
         </p:nvPicPr>
         <p:blipFill>
-          <a:blip r:embed="rId3">
-            <a:duotone>
-              <a:schemeClr val="accent4">
-                <a:shade val="45000"/>
-                <a:satMod val="135000"/>
-              </a:schemeClr>
-              <a:prstClr val="white"/>
-            </a:duotone>
+          <a:blip r:embed="rId3" cstate="print">
             <a:extLst>
               <a:ext uri="{28A0092B-C50C-407E-A947-70E740481C1C}">
                 <a14:useLocalDpi xmlns:a14="http://schemas.microsoft.com/office/drawing/2010/main" val="0"/>
@@ -8305,8 +8163,8 @@
         </p:blipFill>
         <p:spPr bwMode="auto">
           <a:xfrm>
-            <a:off x="1548079" y="171703"/>
-            <a:ext cx="779253" cy="779253"/>
+            <a:off x="953663" y="214394"/>
+            <a:ext cx="620658" cy="651103"/>
           </a:xfrm>
           <a:prstGeom prst="rect">
             <a:avLst/>
@@ -8325,57 +8183,10 @@
       </p:pic>
       <p:pic>
         <p:nvPicPr>
-          <p:cNvPr id="6" name="Picture 14" descr="Logo Mysql PNG Images, Free Download - Free Transparent PNG Logos">
-            <a:extLst>
-              <a:ext uri="{FF2B5EF4-FFF2-40B4-BE49-F238E27FC236}">
-                <a16:creationId xmlns:a16="http://schemas.microsoft.com/office/drawing/2014/main" id="{3E80D00F-6EA5-9A4C-EC8A-63F38E357D66}"/>
-              </a:ext>
-            </a:extLst>
-          </p:cNvPr>
-          <p:cNvPicPr>
-            <a:picLocks noChangeAspect="1" noChangeArrowheads="1"/>
-          </p:cNvPicPr>
-          <p:nvPr/>
-        </p:nvPicPr>
-        <p:blipFill>
-          <a:blip r:embed="rId4">
-            <a:extLst>
-              <a:ext uri="{28A0092B-C50C-407E-A947-70E740481C1C}">
-                <a14:useLocalDpi xmlns:a14="http://schemas.microsoft.com/office/drawing/2010/main" val="0"/>
-              </a:ext>
-            </a:extLst>
-          </a:blip>
-          <a:srcRect/>
-          <a:stretch>
-            <a:fillRect/>
-          </a:stretch>
-        </p:blipFill>
-        <p:spPr bwMode="auto">
-          <a:xfrm>
-            <a:off x="651018" y="251038"/>
-            <a:ext cx="620658" cy="651103"/>
-          </a:xfrm>
-          <a:prstGeom prst="rect">
-            <a:avLst/>
-          </a:prstGeom>
-          <a:noFill/>
-          <a:extLst>
-            <a:ext uri="{909E8E84-426E-40DD-AFC4-6F175D3DCCD1}">
-              <a14:hiddenFill xmlns:a14="http://schemas.microsoft.com/office/drawing/2010/main">
-                <a:solidFill>
-                  <a:srgbClr val="FFFFFF"/>
-                </a:solidFill>
-              </a14:hiddenFill>
-            </a:ext>
-          </a:extLst>
-        </p:spPr>
-      </p:pic>
-      <p:pic>
-        <p:nvPicPr>
           <p:cNvPr id="7" name="Picture 6">
             <a:extLst>
               <a:ext uri="{FF2B5EF4-FFF2-40B4-BE49-F238E27FC236}">
-                <a16:creationId xmlns:a16="http://schemas.microsoft.com/office/drawing/2014/main" id="{01A6FD57-88FE-9417-94A8-05E1D5F38AFB}"/>
+                <a16:creationId xmlns="" xmlns:a16="http://schemas.microsoft.com/office/drawing/2014/main" id="{01A6FD57-88FE-9417-94A8-05E1D5F38AFB}"/>
               </a:ext>
             </a:extLst>
           </p:cNvPr>
@@ -8385,7 +8196,7 @@
           <p:nvPr/>
         </p:nvPicPr>
         <p:blipFill>
-          <a:blip r:embed="rId5"/>
+          <a:blip r:embed="rId4"/>
           <a:stretch>
             <a:fillRect/>
           </a:stretch>
@@ -8448,7 +8259,7 @@
           <p:cNvPr id="3" name="Picture 2">
             <a:extLst>
               <a:ext uri="{FF2B5EF4-FFF2-40B4-BE49-F238E27FC236}">
-                <a16:creationId xmlns:a16="http://schemas.microsoft.com/office/drawing/2014/main" id="{A7B21A84-16ED-E315-0365-C99EA56D3865}"/>
+                <a16:creationId xmlns="" xmlns:a16="http://schemas.microsoft.com/office/drawing/2014/main" id="{A7B21A84-16ED-E315-0365-C99EA56D3865}"/>
               </a:ext>
             </a:extLst>
           </p:cNvPr>
@@ -8478,7 +8289,7 @@
           <p:cNvPr id="7" name="TextBox 6">
             <a:extLst>
               <a:ext uri="{FF2B5EF4-FFF2-40B4-BE49-F238E27FC236}">
-                <a16:creationId xmlns:a16="http://schemas.microsoft.com/office/drawing/2014/main" id="{98B2E6D4-5C36-6630-22D9-2DE480A57460}"/>
+                <a16:creationId xmlns="" xmlns:a16="http://schemas.microsoft.com/office/drawing/2014/main" id="{98B2E6D4-5C36-6630-22D9-2DE480A57460}"/>
               </a:ext>
             </a:extLst>
           </p:cNvPr>
@@ -8522,7 +8333,7 @@
           <p:cNvPr id="8" name="Picture 7">
             <a:extLst>
               <a:ext uri="{FF2B5EF4-FFF2-40B4-BE49-F238E27FC236}">
-                <a16:creationId xmlns:a16="http://schemas.microsoft.com/office/drawing/2014/main" id="{126798A0-186C-3BE6-84AB-0BA49EB106BB}"/>
+                <a16:creationId xmlns="" xmlns:a16="http://schemas.microsoft.com/office/drawing/2014/main" id="{126798A0-186C-3BE6-84AB-0BA49EB106BB}"/>
               </a:ext>
             </a:extLst>
           </p:cNvPr>
@@ -8532,7 +8343,7 @@
           <p:nvPr/>
         </p:nvPicPr>
         <p:blipFill>
-          <a:blip r:embed="rId3">
+          <a:blip r:embed="rId3" cstate="print">
             <a:extLst>
               <a:ext uri="{28A0092B-C50C-407E-A947-70E740481C1C}">
                 <a14:useLocalDpi xmlns:a14="http://schemas.microsoft.com/office/drawing/2010/main" val="0"/>
@@ -8565,7 +8376,7 @@
           <p:cNvPr id="9" name="TextBox 8">
             <a:extLst>
               <a:ext uri="{FF2B5EF4-FFF2-40B4-BE49-F238E27FC236}">
-                <a16:creationId xmlns:a16="http://schemas.microsoft.com/office/drawing/2014/main" id="{7B857CFF-1124-05A4-7DD1-784492F973DC}"/>
+                <a16:creationId xmlns="" xmlns:a16="http://schemas.microsoft.com/office/drawing/2014/main" id="{7B857CFF-1124-05A4-7DD1-784492F973DC}"/>
               </a:ext>
             </a:extLst>
           </p:cNvPr>
@@ -8608,7 +8419,7 @@
           <p:cNvPr id="10" name="TextBox 9">
             <a:extLst>
               <a:ext uri="{FF2B5EF4-FFF2-40B4-BE49-F238E27FC236}">
-                <a16:creationId xmlns:a16="http://schemas.microsoft.com/office/drawing/2014/main" id="{2FB230D0-E6A4-BA14-A14A-48AC7409EDA1}"/>
+                <a16:creationId xmlns="" xmlns:a16="http://schemas.microsoft.com/office/drawing/2014/main" id="{2FB230D0-E6A4-BA14-A14A-48AC7409EDA1}"/>
               </a:ext>
             </a:extLst>
           </p:cNvPr>
@@ -8648,7 +8459,7 @@
           <p:cNvPr id="11" name="TextBox 10">
             <a:extLst>
               <a:ext uri="{FF2B5EF4-FFF2-40B4-BE49-F238E27FC236}">
-                <a16:creationId xmlns:a16="http://schemas.microsoft.com/office/drawing/2014/main" id="{34EEA4A0-4AF0-B634-EFAA-19F25C170AAC}"/>
+                <a16:creationId xmlns="" xmlns:a16="http://schemas.microsoft.com/office/drawing/2014/main" id="{34EEA4A0-4AF0-B634-EFAA-19F25C170AAC}"/>
               </a:ext>
             </a:extLst>
           </p:cNvPr>
@@ -8688,7 +8499,7 @@
           <p:cNvPr id="12" name="Picture 11">
             <a:extLst>
               <a:ext uri="{FF2B5EF4-FFF2-40B4-BE49-F238E27FC236}">
-                <a16:creationId xmlns:a16="http://schemas.microsoft.com/office/drawing/2014/main" id="{1E8BEBC9-98D8-041D-95F3-3951B265A9B6}"/>
+                <a16:creationId xmlns="" xmlns:a16="http://schemas.microsoft.com/office/drawing/2014/main" id="{1E8BEBC9-98D8-041D-95F3-3951B265A9B6}"/>
               </a:ext>
             </a:extLst>
           </p:cNvPr>
@@ -8698,7 +8509,7 @@
           <p:nvPr/>
         </p:nvPicPr>
         <p:blipFill>
-          <a:blip r:embed="rId4">
+          <a:blip r:embed="rId4" cstate="print">
             <a:duotone>
               <a:prstClr val="black"/>
               <a:schemeClr val="accent4">
@@ -8774,7 +8585,7 @@
           <p:cNvPr id="13" name="TextBox 12">
             <a:extLst>
               <a:ext uri="{FF2B5EF4-FFF2-40B4-BE49-F238E27FC236}">
-                <a16:creationId xmlns:a16="http://schemas.microsoft.com/office/drawing/2014/main" id="{EFD37F5C-B498-7E9E-7268-B898BED7C5C1}"/>
+                <a16:creationId xmlns="" xmlns:a16="http://schemas.microsoft.com/office/drawing/2014/main" id="{EFD37F5C-B498-7E9E-7268-B898BED7C5C1}"/>
               </a:ext>
             </a:extLst>
           </p:cNvPr>
@@ -8815,7 +8626,7 @@
           <p:cNvPr id="17" name="TextBox 16">
             <a:extLst>
               <a:ext uri="{FF2B5EF4-FFF2-40B4-BE49-F238E27FC236}">
-                <a16:creationId xmlns:a16="http://schemas.microsoft.com/office/drawing/2014/main" id="{23AE5A38-1C90-91C3-C264-017362FE588D}"/>
+                <a16:creationId xmlns="" xmlns:a16="http://schemas.microsoft.com/office/drawing/2014/main" id="{23AE5A38-1C90-91C3-C264-017362FE588D}"/>
               </a:ext>
             </a:extLst>
           </p:cNvPr>
@@ -8855,7 +8666,7 @@
           <p:cNvPr id="18" name="TextBox 17">
             <a:extLst>
               <a:ext uri="{FF2B5EF4-FFF2-40B4-BE49-F238E27FC236}">
-                <a16:creationId xmlns:a16="http://schemas.microsoft.com/office/drawing/2014/main" id="{01F6CB98-36C5-38E5-0DF0-29D3168418DC}"/>
+                <a16:creationId xmlns="" xmlns:a16="http://schemas.microsoft.com/office/drawing/2014/main" id="{01F6CB98-36C5-38E5-0DF0-29D3168418DC}"/>
               </a:ext>
             </a:extLst>
           </p:cNvPr>
@@ -8905,7 +8716,7 @@
           <p:cNvPr id="19" name="TextBox 18">
             <a:extLst>
               <a:ext uri="{FF2B5EF4-FFF2-40B4-BE49-F238E27FC236}">
-                <a16:creationId xmlns:a16="http://schemas.microsoft.com/office/drawing/2014/main" id="{E8907EC3-CB54-081F-6806-59FB3EDC3F65}"/>
+                <a16:creationId xmlns="" xmlns:a16="http://schemas.microsoft.com/office/drawing/2014/main" id="{E8907EC3-CB54-081F-6806-59FB3EDC3F65}"/>
               </a:ext>
             </a:extLst>
           </p:cNvPr>
@@ -8946,7 +8757,7 @@
           <p:cNvPr id="20" name="Picture 19">
             <a:extLst>
               <a:ext uri="{FF2B5EF4-FFF2-40B4-BE49-F238E27FC236}">
-                <a16:creationId xmlns:a16="http://schemas.microsoft.com/office/drawing/2014/main" id="{FE325C91-5367-908E-9FBA-338517C802F7}"/>
+                <a16:creationId xmlns="" xmlns:a16="http://schemas.microsoft.com/office/drawing/2014/main" id="{FE325C91-5367-908E-9FBA-338517C802F7}"/>
               </a:ext>
             </a:extLst>
           </p:cNvPr>
@@ -8956,7 +8767,7 @@
           <p:nvPr/>
         </p:nvPicPr>
         <p:blipFill>
-          <a:blip r:embed="rId2">
+          <a:blip r:embed="rId2" cstate="print">
             <a:duotone>
               <a:prstClr val="black"/>
               <a:schemeClr val="accent4">
@@ -8989,7 +8800,7 @@
           <p:cNvPr id="2" name="Picture 1">
             <a:extLst>
               <a:ext uri="{FF2B5EF4-FFF2-40B4-BE49-F238E27FC236}">
-                <a16:creationId xmlns:a16="http://schemas.microsoft.com/office/drawing/2014/main" id="{B565E50B-F93A-78F0-AFD4-036E6BED0EB1}"/>
+                <a16:creationId xmlns="" xmlns:a16="http://schemas.microsoft.com/office/drawing/2014/main" id="{B565E50B-F93A-78F0-AFD4-036E6BED0EB1}"/>
               </a:ext>
             </a:extLst>
           </p:cNvPr>
@@ -8999,7 +8810,7 @@
           <p:nvPr/>
         </p:nvPicPr>
         <p:blipFill>
-          <a:blip r:embed="rId3">
+          <a:blip r:embed="rId3" cstate="print">
             <a:extLst>
               <a:ext uri="{28A0092B-C50C-407E-A947-70E740481C1C}">
                 <a14:useLocalDpi xmlns:a14="http://schemas.microsoft.com/office/drawing/2010/main" val="0"/>
@@ -9068,7 +8879,7 @@
           <p:cNvPr id="20" name="Picture 19">
             <a:extLst>
               <a:ext uri="{FF2B5EF4-FFF2-40B4-BE49-F238E27FC236}">
-                <a16:creationId xmlns:a16="http://schemas.microsoft.com/office/drawing/2014/main" id="{FE325C91-5367-908E-9FBA-338517C802F7}"/>
+                <a16:creationId xmlns="" xmlns:a16="http://schemas.microsoft.com/office/drawing/2014/main" id="{FE325C91-5367-908E-9FBA-338517C802F7}"/>
               </a:ext>
             </a:extLst>
           </p:cNvPr>
@@ -9078,7 +8889,7 @@
           <p:nvPr/>
         </p:nvPicPr>
         <p:blipFill>
-          <a:blip r:embed="rId2">
+          <a:blip r:embed="rId2" cstate="print">
             <a:duotone>
               <a:prstClr val="black"/>
               <a:schemeClr val="accent4">
@@ -9111,7 +8922,7 @@
           <p:cNvPr id="2" name="TextBox 1">
             <a:extLst>
               <a:ext uri="{FF2B5EF4-FFF2-40B4-BE49-F238E27FC236}">
-                <a16:creationId xmlns:a16="http://schemas.microsoft.com/office/drawing/2014/main" id="{BE5492AE-9AD7-DEAB-9741-FFEB9D5B71D4}"/>
+                <a16:creationId xmlns="" xmlns:a16="http://schemas.microsoft.com/office/drawing/2014/main" id="{BE5492AE-9AD7-DEAB-9741-FFEB9D5B71D4}"/>
               </a:ext>
             </a:extLst>
           </p:cNvPr>
@@ -9155,7 +8966,7 @@
           <p:cNvPr id="3" name="TextBox 2">
             <a:extLst>
               <a:ext uri="{FF2B5EF4-FFF2-40B4-BE49-F238E27FC236}">
-                <a16:creationId xmlns:a16="http://schemas.microsoft.com/office/drawing/2014/main" id="{F2B21082-DB76-800E-F7F3-8336A6EA7FD6}"/>
+                <a16:creationId xmlns="" xmlns:a16="http://schemas.microsoft.com/office/drawing/2014/main" id="{F2B21082-DB76-800E-F7F3-8336A6EA7FD6}"/>
               </a:ext>
             </a:extLst>
           </p:cNvPr>
@@ -9200,7 +9011,7 @@
           <p:cNvPr id="4" name="Picture 12" descr="Sql server - Free logo icons">
             <a:extLst>
               <a:ext uri="{FF2B5EF4-FFF2-40B4-BE49-F238E27FC236}">
-                <a16:creationId xmlns:a16="http://schemas.microsoft.com/office/drawing/2014/main" id="{530262F7-0CF1-8814-2372-D74F015AA73E}"/>
+                <a16:creationId xmlns="" xmlns:a16="http://schemas.microsoft.com/office/drawing/2014/main" id="{530262F7-0CF1-8814-2372-D74F015AA73E}"/>
               </a:ext>
             </a:extLst>
           </p:cNvPr>
@@ -9257,7 +9068,7 @@
           <p:cNvPr id="5" name="Picture 4" descr="Plugs connection outline symbol in a circle - Free interface icons">
             <a:extLst>
               <a:ext uri="{FF2B5EF4-FFF2-40B4-BE49-F238E27FC236}">
-                <a16:creationId xmlns:a16="http://schemas.microsoft.com/office/drawing/2014/main" id="{D843DAAA-B6CB-2BDC-8B67-6C86E9DBE4D3}"/>
+                <a16:creationId xmlns="" xmlns:a16="http://schemas.microsoft.com/office/drawing/2014/main" id="{D843DAAA-B6CB-2BDC-8B67-6C86E9DBE4D3}"/>
               </a:ext>
             </a:extLst>
           </p:cNvPr>
@@ -9309,7 +9120,7 @@
           <p:cNvPr id="6" name="Picture 4" descr="Plugs connection outline symbol in a circle - Free interface icons">
             <a:extLst>
               <a:ext uri="{FF2B5EF4-FFF2-40B4-BE49-F238E27FC236}">
-                <a16:creationId xmlns:a16="http://schemas.microsoft.com/office/drawing/2014/main" id="{E6AE5A0C-BEA4-521E-FE4C-84F4DDA317BD}"/>
+                <a16:creationId xmlns="" xmlns:a16="http://schemas.microsoft.com/office/drawing/2014/main" id="{E6AE5A0C-BEA4-521E-FE4C-84F4DDA317BD}"/>
               </a:ext>
             </a:extLst>
           </p:cNvPr>
@@ -9361,7 +9172,7 @@
           <p:cNvPr id="7" name="Picture 6">
             <a:extLst>
               <a:ext uri="{FF2B5EF4-FFF2-40B4-BE49-F238E27FC236}">
-                <a16:creationId xmlns:a16="http://schemas.microsoft.com/office/drawing/2014/main" id="{461A663B-B474-C93D-79E3-4C1BA09D561F}"/>
+                <a16:creationId xmlns="" xmlns:a16="http://schemas.microsoft.com/office/drawing/2014/main" id="{461A663B-B474-C93D-79E3-4C1BA09D561F}"/>
               </a:ext>
             </a:extLst>
           </p:cNvPr>
@@ -9371,7 +9182,7 @@
           <p:nvPr/>
         </p:nvPicPr>
         <p:blipFill>
-          <a:blip r:embed="rId6">
+          <a:blip r:embed="rId6" cstate="print">
             <a:extLst>
               <a:ext uri="{28A0092B-C50C-407E-A947-70E740481C1C}">
                 <a14:useLocalDpi xmlns:a14="http://schemas.microsoft.com/office/drawing/2010/main" val="0"/>
@@ -9397,7 +9208,7 @@
           <p:cNvPr id="8" name="Group 7">
             <a:extLst>
               <a:ext uri="{FF2B5EF4-FFF2-40B4-BE49-F238E27FC236}">
-                <a16:creationId xmlns:a16="http://schemas.microsoft.com/office/drawing/2014/main" id="{4D6708C9-92D4-A8AB-D92C-7739A128687A}"/>
+                <a16:creationId xmlns="" xmlns:a16="http://schemas.microsoft.com/office/drawing/2014/main" id="{4D6708C9-92D4-A8AB-D92C-7739A128687A}"/>
               </a:ext>
             </a:extLst>
           </p:cNvPr>
@@ -9417,7 +9228,7 @@
             <p:cNvPr id="9" name="TextBox 8">
               <a:extLst>
                 <a:ext uri="{FF2B5EF4-FFF2-40B4-BE49-F238E27FC236}">
-                  <a16:creationId xmlns:a16="http://schemas.microsoft.com/office/drawing/2014/main" id="{105B791A-4265-ACD2-ED42-7D2A386E758E}"/>
+                  <a16:creationId xmlns="" xmlns:a16="http://schemas.microsoft.com/office/drawing/2014/main" id="{105B791A-4265-ACD2-ED42-7D2A386E758E}"/>
                 </a:ext>
               </a:extLst>
             </p:cNvPr>
@@ -9457,7 +9268,7 @@
             <p:cNvPr id="10" name="Picture 9">
               <a:extLst>
                 <a:ext uri="{FF2B5EF4-FFF2-40B4-BE49-F238E27FC236}">
-                  <a16:creationId xmlns:a16="http://schemas.microsoft.com/office/drawing/2014/main" id="{CB691991-C41B-CFEF-7AEE-431CB4C11ACB}"/>
+                  <a16:creationId xmlns="" xmlns:a16="http://schemas.microsoft.com/office/drawing/2014/main" id="{CB691991-C41B-CFEF-7AEE-431CB4C11ACB}"/>
                 </a:ext>
               </a:extLst>
             </p:cNvPr>
@@ -9467,7 +9278,7 @@
             <p:nvPr/>
           </p:nvPicPr>
           <p:blipFill>
-            <a:blip r:embed="rId6">
+            <a:blip r:embed="rId6" cstate="print">
               <a:extLst>
                 <a:ext uri="{28A0092B-C50C-407E-A947-70E740481C1C}">
                   <a14:useLocalDpi xmlns:a14="http://schemas.microsoft.com/office/drawing/2010/main" val="0"/>
@@ -9537,7 +9348,7 @@
           <p:cNvPr id="5" name="TextBox 4">
             <a:extLst>
               <a:ext uri="{FF2B5EF4-FFF2-40B4-BE49-F238E27FC236}">
-                <a16:creationId xmlns:a16="http://schemas.microsoft.com/office/drawing/2014/main" id="{CB8C99B5-5307-E4E4-0E72-DE3504B0A583}"/>
+                <a16:creationId xmlns="" xmlns:a16="http://schemas.microsoft.com/office/drawing/2014/main" id="{CB8C99B5-5307-E4E4-0E72-DE3504B0A583}"/>
               </a:ext>
             </a:extLst>
           </p:cNvPr>
@@ -9579,7 +9390,7 @@
           <p:cNvPr id="6" name="Picture 5">
             <a:extLst>
               <a:ext uri="{FF2B5EF4-FFF2-40B4-BE49-F238E27FC236}">
-                <a16:creationId xmlns:a16="http://schemas.microsoft.com/office/drawing/2014/main" id="{EE843937-0252-6408-B4D5-06B6D9531E56}"/>
+                <a16:creationId xmlns="" xmlns:a16="http://schemas.microsoft.com/office/drawing/2014/main" id="{EE843937-0252-6408-B4D5-06B6D9531E56}"/>
               </a:ext>
             </a:extLst>
           </p:cNvPr>
@@ -9589,7 +9400,7 @@
           <p:nvPr/>
         </p:nvPicPr>
         <p:blipFill>
-          <a:blip r:embed="rId2">
+          <a:blip r:embed="rId2" cstate="print">
             <a:extLst>
               <a:ext uri="{28A0092B-C50C-407E-A947-70E740481C1C}">
                 <a14:useLocalDpi xmlns:a14="http://schemas.microsoft.com/office/drawing/2010/main" val="0"/>
@@ -9616,7 +9427,7 @@
           <p:cNvPr id="8" name="Picture 7">
             <a:extLst>
               <a:ext uri="{FF2B5EF4-FFF2-40B4-BE49-F238E27FC236}">
-                <a16:creationId xmlns:a16="http://schemas.microsoft.com/office/drawing/2014/main" id="{D0964A68-B481-FDBC-FBB9-52425E65C659}"/>
+                <a16:creationId xmlns="" xmlns:a16="http://schemas.microsoft.com/office/drawing/2014/main" id="{D0964A68-B481-FDBC-FBB9-52425E65C659}"/>
               </a:ext>
             </a:extLst>
           </p:cNvPr>
@@ -9646,7 +9457,7 @@
           <p:cNvPr id="9" name="Picture 8">
             <a:extLst>
               <a:ext uri="{FF2B5EF4-FFF2-40B4-BE49-F238E27FC236}">
-                <a16:creationId xmlns:a16="http://schemas.microsoft.com/office/drawing/2014/main" id="{61182BE8-DA25-2F0A-6FC9-D781928C7BD4}"/>
+                <a16:creationId xmlns="" xmlns:a16="http://schemas.microsoft.com/office/drawing/2014/main" id="{61182BE8-DA25-2F0A-6FC9-D781928C7BD4}"/>
               </a:ext>
             </a:extLst>
           </p:cNvPr>
@@ -9656,7 +9467,7 @@
           <p:nvPr/>
         </p:nvPicPr>
         <p:blipFill>
-          <a:blip r:embed="rId4">
+          <a:blip r:embed="rId4" cstate="print">
             <a:duotone>
               <a:prstClr val="black"/>
               <a:schemeClr val="accent4">
@@ -9732,7 +9543,7 @@
           <p:cNvPr id="5" name="TextBox 4">
             <a:extLst>
               <a:ext uri="{FF2B5EF4-FFF2-40B4-BE49-F238E27FC236}">
-                <a16:creationId xmlns:a16="http://schemas.microsoft.com/office/drawing/2014/main" id="{CB8C99B5-5307-E4E4-0E72-DE3504B0A583}"/>
+                <a16:creationId xmlns="" xmlns:a16="http://schemas.microsoft.com/office/drawing/2014/main" id="{CB8C99B5-5307-E4E4-0E72-DE3504B0A583}"/>
               </a:ext>
             </a:extLst>
           </p:cNvPr>
@@ -9774,7 +9585,7 @@
           <p:cNvPr id="6" name="Picture 5">
             <a:extLst>
               <a:ext uri="{FF2B5EF4-FFF2-40B4-BE49-F238E27FC236}">
-                <a16:creationId xmlns:a16="http://schemas.microsoft.com/office/drawing/2014/main" id="{EE843937-0252-6408-B4D5-06B6D9531E56}"/>
+                <a16:creationId xmlns="" xmlns:a16="http://schemas.microsoft.com/office/drawing/2014/main" id="{EE843937-0252-6408-B4D5-06B6D9531E56}"/>
               </a:ext>
             </a:extLst>
           </p:cNvPr>
@@ -9784,7 +9595,7 @@
           <p:nvPr/>
         </p:nvPicPr>
         <p:blipFill>
-          <a:blip r:embed="rId2">
+          <a:blip r:embed="rId2" cstate="print">
             <a:extLst>
               <a:ext uri="{28A0092B-C50C-407E-A947-70E740481C1C}">
                 <a14:useLocalDpi xmlns:a14="http://schemas.microsoft.com/office/drawing/2010/main" val="0"/>
@@ -9811,7 +9622,7 @@
           <p:cNvPr id="3" name="Picture 2">
             <a:extLst>
               <a:ext uri="{FF2B5EF4-FFF2-40B4-BE49-F238E27FC236}">
-                <a16:creationId xmlns:a16="http://schemas.microsoft.com/office/drawing/2014/main" id="{73AA4628-0EE3-7EC4-C370-2A0B2BE6484D}"/>
+                <a16:creationId xmlns="" xmlns:a16="http://schemas.microsoft.com/office/drawing/2014/main" id="{73AA4628-0EE3-7EC4-C370-2A0B2BE6484D}"/>
               </a:ext>
             </a:extLst>
           </p:cNvPr>
@@ -9841,7 +9652,7 @@
           <p:cNvPr id="4" name="Picture 3">
             <a:extLst>
               <a:ext uri="{FF2B5EF4-FFF2-40B4-BE49-F238E27FC236}">
-                <a16:creationId xmlns:a16="http://schemas.microsoft.com/office/drawing/2014/main" id="{DF94FEC7-38DB-BB24-114F-273EF90A7BB5}"/>
+                <a16:creationId xmlns="" xmlns:a16="http://schemas.microsoft.com/office/drawing/2014/main" id="{DF94FEC7-38DB-BB24-114F-273EF90A7BB5}"/>
               </a:ext>
             </a:extLst>
           </p:cNvPr>
@@ -9851,7 +9662,7 @@
           <p:nvPr/>
         </p:nvPicPr>
         <p:blipFill>
-          <a:blip r:embed="rId4">
+          <a:blip r:embed="rId4" cstate="print">
             <a:duotone>
               <a:prstClr val="black"/>
               <a:schemeClr val="accent4">

--- a/Overview/Bank Loan PPT Power BI.pptx
+++ b/Overview/Bank Loan PPT Power BI.pptx
@@ -7,21 +7,17 @@
   <p:sldIdLst>
     <p:sldId id="260" r:id="rId2"/>
     <p:sldId id="267" r:id="rId3"/>
-    <p:sldId id="268" r:id="rId4"/>
-    <p:sldId id="269" r:id="rId5"/>
-    <p:sldId id="266" r:id="rId6"/>
-    <p:sldId id="270" r:id="rId7"/>
-    <p:sldId id="271" r:id="rId8"/>
-    <p:sldId id="256" r:id="rId9"/>
-    <p:sldId id="257" r:id="rId10"/>
-    <p:sldId id="258" r:id="rId11"/>
-    <p:sldId id="261" r:id="rId12"/>
-    <p:sldId id="262" r:id="rId13"/>
-    <p:sldId id="263" r:id="rId14"/>
-    <p:sldId id="264" r:id="rId15"/>
-    <p:sldId id="259" r:id="rId16"/>
-    <p:sldId id="273" r:id="rId17"/>
-    <p:sldId id="272" r:id="rId18"/>
+    <p:sldId id="269" r:id="rId4"/>
+    <p:sldId id="266" r:id="rId5"/>
+    <p:sldId id="270" r:id="rId6"/>
+    <p:sldId id="271" r:id="rId7"/>
+    <p:sldId id="256" r:id="rId8"/>
+    <p:sldId id="257" r:id="rId9"/>
+    <p:sldId id="258" r:id="rId10"/>
+    <p:sldId id="261" r:id="rId11"/>
+    <p:sldId id="262" r:id="rId12"/>
+    <p:sldId id="263" r:id="rId13"/>
+    <p:sldId id="264" r:id="rId14"/>
   </p:sldIdLst>
   <p:sldSz cx="12192000" cy="6858000"/>
   <p:notesSz cx="6858000" cy="9144000"/>
@@ -150,7 +146,7 @@
           <p:cNvPr id="2" name="Title 1">
             <a:extLst>
               <a:ext uri="{FF2B5EF4-FFF2-40B4-BE49-F238E27FC236}">
-                <a16:creationId xmlns="" xmlns:a16="http://schemas.microsoft.com/office/drawing/2014/main" id="{820CDBFA-3603-645A-9EB2-BF18E33B1A06}"/>
+                <a16:creationId xmlns:a16="http://schemas.microsoft.com/office/drawing/2014/main" xmlns="" id="{820CDBFA-3603-645A-9EB2-BF18E33B1A06}"/>
               </a:ext>
             </a:extLst>
           </p:cNvPr>
@@ -188,7 +184,7 @@
           <p:cNvPr id="3" name="Subtitle 2">
             <a:extLst>
               <a:ext uri="{FF2B5EF4-FFF2-40B4-BE49-F238E27FC236}">
-                <a16:creationId xmlns="" xmlns:a16="http://schemas.microsoft.com/office/drawing/2014/main" id="{623B8327-55E4-1536-B4F6-FBD74A1753EC}"/>
+                <a16:creationId xmlns:a16="http://schemas.microsoft.com/office/drawing/2014/main" xmlns="" id="{623B8327-55E4-1536-B4F6-FBD74A1753EC}"/>
               </a:ext>
             </a:extLst>
           </p:cNvPr>
@@ -259,7 +255,7 @@
           <p:cNvPr id="4" name="Date Placeholder 3">
             <a:extLst>
               <a:ext uri="{FF2B5EF4-FFF2-40B4-BE49-F238E27FC236}">
-                <a16:creationId xmlns="" xmlns:a16="http://schemas.microsoft.com/office/drawing/2014/main" id="{F715BB0C-9460-BD86-EFB3-AB6659C26DE0}"/>
+                <a16:creationId xmlns:a16="http://schemas.microsoft.com/office/drawing/2014/main" xmlns="" id="{F715BB0C-9460-BD86-EFB3-AB6659C26DE0}"/>
               </a:ext>
             </a:extLst>
           </p:cNvPr>
@@ -277,7 +273,7 @@
           <a:p>
             <a:fld id="{7B289A56-B7BF-4EE2-A684-7373F14AFF3B}" type="datetimeFigureOut">
               <a:rPr lang="en-IN" smtClean="0"/>
-              <a:t>25-12-2025</a:t>
+              <a:t>29-12-2025</a:t>
             </a:fld>
             <a:endParaRPr lang="en-IN"/>
           </a:p>
@@ -288,7 +284,7 @@
           <p:cNvPr id="5" name="Footer Placeholder 4">
             <a:extLst>
               <a:ext uri="{FF2B5EF4-FFF2-40B4-BE49-F238E27FC236}">
-                <a16:creationId xmlns="" xmlns:a16="http://schemas.microsoft.com/office/drawing/2014/main" id="{302C60DD-6F9A-8C55-2C9B-5C4E70AD6AD0}"/>
+                <a16:creationId xmlns:a16="http://schemas.microsoft.com/office/drawing/2014/main" xmlns="" id="{302C60DD-6F9A-8C55-2C9B-5C4E70AD6AD0}"/>
               </a:ext>
             </a:extLst>
           </p:cNvPr>
@@ -313,7 +309,7 @@
           <p:cNvPr id="6" name="Slide Number Placeholder 5">
             <a:extLst>
               <a:ext uri="{FF2B5EF4-FFF2-40B4-BE49-F238E27FC236}">
-                <a16:creationId xmlns="" xmlns:a16="http://schemas.microsoft.com/office/drawing/2014/main" id="{C3D434C2-C539-549B-C05C-B98518AC5860}"/>
+                <a16:creationId xmlns:a16="http://schemas.microsoft.com/office/drawing/2014/main" xmlns="" id="{C3D434C2-C539-549B-C05C-B98518AC5860}"/>
               </a:ext>
             </a:extLst>
           </p:cNvPr>
@@ -372,7 +368,7 @@
           <p:cNvPr id="2" name="Title 1">
             <a:extLst>
               <a:ext uri="{FF2B5EF4-FFF2-40B4-BE49-F238E27FC236}">
-                <a16:creationId xmlns="" xmlns:a16="http://schemas.microsoft.com/office/drawing/2014/main" id="{F8BC7D78-8517-28DA-A27A-D8FFDBD25017}"/>
+                <a16:creationId xmlns:a16="http://schemas.microsoft.com/office/drawing/2014/main" xmlns="" id="{F8BC7D78-8517-28DA-A27A-D8FFDBD25017}"/>
               </a:ext>
             </a:extLst>
           </p:cNvPr>
@@ -401,7 +397,7 @@
           <p:cNvPr id="3" name="Vertical Text Placeholder 2">
             <a:extLst>
               <a:ext uri="{FF2B5EF4-FFF2-40B4-BE49-F238E27FC236}">
-                <a16:creationId xmlns="" xmlns:a16="http://schemas.microsoft.com/office/drawing/2014/main" id="{DE0457C4-E215-0637-C3AF-8C3D1FCBF2F5}"/>
+                <a16:creationId xmlns:a16="http://schemas.microsoft.com/office/drawing/2014/main" xmlns="" id="{DE0457C4-E215-0637-C3AF-8C3D1FCBF2F5}"/>
               </a:ext>
             </a:extLst>
           </p:cNvPr>
@@ -459,7 +455,7 @@
           <p:cNvPr id="4" name="Date Placeholder 3">
             <a:extLst>
               <a:ext uri="{FF2B5EF4-FFF2-40B4-BE49-F238E27FC236}">
-                <a16:creationId xmlns="" xmlns:a16="http://schemas.microsoft.com/office/drawing/2014/main" id="{70202C78-9EFE-DF28-A614-944782ADBFAD}"/>
+                <a16:creationId xmlns:a16="http://schemas.microsoft.com/office/drawing/2014/main" xmlns="" id="{70202C78-9EFE-DF28-A614-944782ADBFAD}"/>
               </a:ext>
             </a:extLst>
           </p:cNvPr>
@@ -477,7 +473,7 @@
           <a:p>
             <a:fld id="{7B289A56-B7BF-4EE2-A684-7373F14AFF3B}" type="datetimeFigureOut">
               <a:rPr lang="en-IN" smtClean="0"/>
-              <a:t>25-12-2025</a:t>
+              <a:t>29-12-2025</a:t>
             </a:fld>
             <a:endParaRPr lang="en-IN"/>
           </a:p>
@@ -488,7 +484,7 @@
           <p:cNvPr id="5" name="Footer Placeholder 4">
             <a:extLst>
               <a:ext uri="{FF2B5EF4-FFF2-40B4-BE49-F238E27FC236}">
-                <a16:creationId xmlns="" xmlns:a16="http://schemas.microsoft.com/office/drawing/2014/main" id="{A01652D1-928F-44A9-D700-AA5F4C04F834}"/>
+                <a16:creationId xmlns:a16="http://schemas.microsoft.com/office/drawing/2014/main" xmlns="" id="{A01652D1-928F-44A9-D700-AA5F4C04F834}"/>
               </a:ext>
             </a:extLst>
           </p:cNvPr>
@@ -513,7 +509,7 @@
           <p:cNvPr id="6" name="Slide Number Placeholder 5">
             <a:extLst>
               <a:ext uri="{FF2B5EF4-FFF2-40B4-BE49-F238E27FC236}">
-                <a16:creationId xmlns="" xmlns:a16="http://schemas.microsoft.com/office/drawing/2014/main" id="{7E23B83E-DE60-62A4-DDC6-0166638EFBB9}"/>
+                <a16:creationId xmlns:a16="http://schemas.microsoft.com/office/drawing/2014/main" xmlns="" id="{7E23B83E-DE60-62A4-DDC6-0166638EFBB9}"/>
               </a:ext>
             </a:extLst>
           </p:cNvPr>
@@ -572,7 +568,7 @@
           <p:cNvPr id="2" name="Vertical Title 1">
             <a:extLst>
               <a:ext uri="{FF2B5EF4-FFF2-40B4-BE49-F238E27FC236}">
-                <a16:creationId xmlns="" xmlns:a16="http://schemas.microsoft.com/office/drawing/2014/main" id="{6C2510F1-7BC3-31D7-0266-19EAE7F79718}"/>
+                <a16:creationId xmlns:a16="http://schemas.microsoft.com/office/drawing/2014/main" xmlns="" id="{6C2510F1-7BC3-31D7-0266-19EAE7F79718}"/>
               </a:ext>
             </a:extLst>
           </p:cNvPr>
@@ -606,7 +602,7 @@
           <p:cNvPr id="3" name="Vertical Text Placeholder 2">
             <a:extLst>
               <a:ext uri="{FF2B5EF4-FFF2-40B4-BE49-F238E27FC236}">
-                <a16:creationId xmlns="" xmlns:a16="http://schemas.microsoft.com/office/drawing/2014/main" id="{89A19C68-55AF-AAF3-C65B-31A5C1D0EB0B}"/>
+                <a16:creationId xmlns:a16="http://schemas.microsoft.com/office/drawing/2014/main" xmlns="" id="{89A19C68-55AF-AAF3-C65B-31A5C1D0EB0B}"/>
               </a:ext>
             </a:extLst>
           </p:cNvPr>
@@ -669,7 +665,7 @@
           <p:cNvPr id="4" name="Date Placeholder 3">
             <a:extLst>
               <a:ext uri="{FF2B5EF4-FFF2-40B4-BE49-F238E27FC236}">
-                <a16:creationId xmlns="" xmlns:a16="http://schemas.microsoft.com/office/drawing/2014/main" id="{532AE636-CB51-D73D-DDB9-04342DEBA867}"/>
+                <a16:creationId xmlns:a16="http://schemas.microsoft.com/office/drawing/2014/main" xmlns="" id="{532AE636-CB51-D73D-DDB9-04342DEBA867}"/>
               </a:ext>
             </a:extLst>
           </p:cNvPr>
@@ -687,7 +683,7 @@
           <a:p>
             <a:fld id="{7B289A56-B7BF-4EE2-A684-7373F14AFF3B}" type="datetimeFigureOut">
               <a:rPr lang="en-IN" smtClean="0"/>
-              <a:t>25-12-2025</a:t>
+              <a:t>29-12-2025</a:t>
             </a:fld>
             <a:endParaRPr lang="en-IN"/>
           </a:p>
@@ -698,7 +694,7 @@
           <p:cNvPr id="5" name="Footer Placeholder 4">
             <a:extLst>
               <a:ext uri="{FF2B5EF4-FFF2-40B4-BE49-F238E27FC236}">
-                <a16:creationId xmlns="" xmlns:a16="http://schemas.microsoft.com/office/drawing/2014/main" id="{24ABDAD9-6500-E41D-1CBB-7FC9126F688B}"/>
+                <a16:creationId xmlns:a16="http://schemas.microsoft.com/office/drawing/2014/main" xmlns="" id="{24ABDAD9-6500-E41D-1CBB-7FC9126F688B}"/>
               </a:ext>
             </a:extLst>
           </p:cNvPr>
@@ -723,7 +719,7 @@
           <p:cNvPr id="6" name="Slide Number Placeholder 5">
             <a:extLst>
               <a:ext uri="{FF2B5EF4-FFF2-40B4-BE49-F238E27FC236}">
-                <a16:creationId xmlns="" xmlns:a16="http://schemas.microsoft.com/office/drawing/2014/main" id="{1C568266-F247-C64C-3559-6A0C24440CE4}"/>
+                <a16:creationId xmlns:a16="http://schemas.microsoft.com/office/drawing/2014/main" xmlns="" id="{1C568266-F247-C64C-3559-6A0C24440CE4}"/>
               </a:ext>
             </a:extLst>
           </p:cNvPr>
@@ -782,7 +778,7 @@
           <p:cNvPr id="2" name="Title 1">
             <a:extLst>
               <a:ext uri="{FF2B5EF4-FFF2-40B4-BE49-F238E27FC236}">
-                <a16:creationId xmlns="" xmlns:a16="http://schemas.microsoft.com/office/drawing/2014/main" id="{7D661F88-B833-1200-D3CF-EE837B0825B8}"/>
+                <a16:creationId xmlns:a16="http://schemas.microsoft.com/office/drawing/2014/main" xmlns="" id="{7D661F88-B833-1200-D3CF-EE837B0825B8}"/>
               </a:ext>
             </a:extLst>
           </p:cNvPr>
@@ -811,7 +807,7 @@
           <p:cNvPr id="3" name="Content Placeholder 2">
             <a:extLst>
               <a:ext uri="{FF2B5EF4-FFF2-40B4-BE49-F238E27FC236}">
-                <a16:creationId xmlns="" xmlns:a16="http://schemas.microsoft.com/office/drawing/2014/main" id="{9CC8CB8E-71BD-E0B3-64CF-7417B33BCE6E}"/>
+                <a16:creationId xmlns:a16="http://schemas.microsoft.com/office/drawing/2014/main" xmlns="" id="{9CC8CB8E-71BD-E0B3-64CF-7417B33BCE6E}"/>
               </a:ext>
             </a:extLst>
           </p:cNvPr>
@@ -869,7 +865,7 @@
           <p:cNvPr id="4" name="Date Placeholder 3">
             <a:extLst>
               <a:ext uri="{FF2B5EF4-FFF2-40B4-BE49-F238E27FC236}">
-                <a16:creationId xmlns="" xmlns:a16="http://schemas.microsoft.com/office/drawing/2014/main" id="{927AA232-E33E-8A21-389D-F57473CF39A9}"/>
+                <a16:creationId xmlns:a16="http://schemas.microsoft.com/office/drawing/2014/main" xmlns="" id="{927AA232-E33E-8A21-389D-F57473CF39A9}"/>
               </a:ext>
             </a:extLst>
           </p:cNvPr>
@@ -887,7 +883,7 @@
           <a:p>
             <a:fld id="{7B289A56-B7BF-4EE2-A684-7373F14AFF3B}" type="datetimeFigureOut">
               <a:rPr lang="en-IN" smtClean="0"/>
-              <a:t>25-12-2025</a:t>
+              <a:t>29-12-2025</a:t>
             </a:fld>
             <a:endParaRPr lang="en-IN"/>
           </a:p>
@@ -898,7 +894,7 @@
           <p:cNvPr id="5" name="Footer Placeholder 4">
             <a:extLst>
               <a:ext uri="{FF2B5EF4-FFF2-40B4-BE49-F238E27FC236}">
-                <a16:creationId xmlns="" xmlns:a16="http://schemas.microsoft.com/office/drawing/2014/main" id="{033C86FC-555E-1772-0A31-2E81D8C8475A}"/>
+                <a16:creationId xmlns:a16="http://schemas.microsoft.com/office/drawing/2014/main" xmlns="" id="{033C86FC-555E-1772-0A31-2E81D8C8475A}"/>
               </a:ext>
             </a:extLst>
           </p:cNvPr>
@@ -923,7 +919,7 @@
           <p:cNvPr id="6" name="Slide Number Placeholder 5">
             <a:extLst>
               <a:ext uri="{FF2B5EF4-FFF2-40B4-BE49-F238E27FC236}">
-                <a16:creationId xmlns="" xmlns:a16="http://schemas.microsoft.com/office/drawing/2014/main" id="{A4983072-3545-FC11-E0FE-8FC24CF2E220}"/>
+                <a16:creationId xmlns:a16="http://schemas.microsoft.com/office/drawing/2014/main" xmlns="" id="{A4983072-3545-FC11-E0FE-8FC24CF2E220}"/>
               </a:ext>
             </a:extLst>
           </p:cNvPr>
@@ -982,7 +978,7 @@
           <p:cNvPr id="2" name="Title 1">
             <a:extLst>
               <a:ext uri="{FF2B5EF4-FFF2-40B4-BE49-F238E27FC236}">
-                <a16:creationId xmlns="" xmlns:a16="http://schemas.microsoft.com/office/drawing/2014/main" id="{BE07C800-8FF8-1209-480E-6D31FB4B1651}"/>
+                <a16:creationId xmlns:a16="http://schemas.microsoft.com/office/drawing/2014/main" xmlns="" id="{BE07C800-8FF8-1209-480E-6D31FB4B1651}"/>
               </a:ext>
             </a:extLst>
           </p:cNvPr>
@@ -1020,7 +1016,7 @@
           <p:cNvPr id="3" name="Text Placeholder 2">
             <a:extLst>
               <a:ext uri="{FF2B5EF4-FFF2-40B4-BE49-F238E27FC236}">
-                <a16:creationId xmlns="" xmlns:a16="http://schemas.microsoft.com/office/drawing/2014/main" id="{4BA770BE-4704-DD13-E41C-FDF47C5AC46A}"/>
+                <a16:creationId xmlns:a16="http://schemas.microsoft.com/office/drawing/2014/main" xmlns="" id="{4BA770BE-4704-DD13-E41C-FDF47C5AC46A}"/>
               </a:ext>
             </a:extLst>
           </p:cNvPr>
@@ -1145,7 +1141,7 @@
           <p:cNvPr id="4" name="Date Placeholder 3">
             <a:extLst>
               <a:ext uri="{FF2B5EF4-FFF2-40B4-BE49-F238E27FC236}">
-                <a16:creationId xmlns="" xmlns:a16="http://schemas.microsoft.com/office/drawing/2014/main" id="{1CAB303D-4232-4156-EED1-1723C75B0ABD}"/>
+                <a16:creationId xmlns:a16="http://schemas.microsoft.com/office/drawing/2014/main" xmlns="" id="{1CAB303D-4232-4156-EED1-1723C75B0ABD}"/>
               </a:ext>
             </a:extLst>
           </p:cNvPr>
@@ -1163,7 +1159,7 @@
           <a:p>
             <a:fld id="{7B289A56-B7BF-4EE2-A684-7373F14AFF3B}" type="datetimeFigureOut">
               <a:rPr lang="en-IN" smtClean="0"/>
-              <a:t>25-12-2025</a:t>
+              <a:t>29-12-2025</a:t>
             </a:fld>
             <a:endParaRPr lang="en-IN"/>
           </a:p>
@@ -1174,7 +1170,7 @@
           <p:cNvPr id="5" name="Footer Placeholder 4">
             <a:extLst>
               <a:ext uri="{FF2B5EF4-FFF2-40B4-BE49-F238E27FC236}">
-                <a16:creationId xmlns="" xmlns:a16="http://schemas.microsoft.com/office/drawing/2014/main" id="{674DEFFC-4535-7746-363E-449CCC413064}"/>
+                <a16:creationId xmlns:a16="http://schemas.microsoft.com/office/drawing/2014/main" xmlns="" id="{674DEFFC-4535-7746-363E-449CCC413064}"/>
               </a:ext>
             </a:extLst>
           </p:cNvPr>
@@ -1199,7 +1195,7 @@
           <p:cNvPr id="6" name="Slide Number Placeholder 5">
             <a:extLst>
               <a:ext uri="{FF2B5EF4-FFF2-40B4-BE49-F238E27FC236}">
-                <a16:creationId xmlns="" xmlns:a16="http://schemas.microsoft.com/office/drawing/2014/main" id="{B23B1815-6E61-12F0-67C6-5391B7A7EA22}"/>
+                <a16:creationId xmlns:a16="http://schemas.microsoft.com/office/drawing/2014/main" xmlns="" id="{B23B1815-6E61-12F0-67C6-5391B7A7EA22}"/>
               </a:ext>
             </a:extLst>
           </p:cNvPr>
@@ -1258,7 +1254,7 @@
           <p:cNvPr id="2" name="Title 1">
             <a:extLst>
               <a:ext uri="{FF2B5EF4-FFF2-40B4-BE49-F238E27FC236}">
-                <a16:creationId xmlns="" xmlns:a16="http://schemas.microsoft.com/office/drawing/2014/main" id="{F71973CA-2221-B6BA-247A-67888D17E141}"/>
+                <a16:creationId xmlns:a16="http://schemas.microsoft.com/office/drawing/2014/main" xmlns="" id="{F71973CA-2221-B6BA-247A-67888D17E141}"/>
               </a:ext>
             </a:extLst>
           </p:cNvPr>
@@ -1287,7 +1283,7 @@
           <p:cNvPr id="3" name="Content Placeholder 2">
             <a:extLst>
               <a:ext uri="{FF2B5EF4-FFF2-40B4-BE49-F238E27FC236}">
-                <a16:creationId xmlns="" xmlns:a16="http://schemas.microsoft.com/office/drawing/2014/main" id="{D8A66AE0-2950-2E07-2ADF-40ECF430F5B4}"/>
+                <a16:creationId xmlns:a16="http://schemas.microsoft.com/office/drawing/2014/main" xmlns="" id="{D8A66AE0-2950-2E07-2ADF-40ECF430F5B4}"/>
               </a:ext>
             </a:extLst>
           </p:cNvPr>
@@ -1350,7 +1346,7 @@
           <p:cNvPr id="4" name="Content Placeholder 3">
             <a:extLst>
               <a:ext uri="{FF2B5EF4-FFF2-40B4-BE49-F238E27FC236}">
-                <a16:creationId xmlns="" xmlns:a16="http://schemas.microsoft.com/office/drawing/2014/main" id="{5B1802A0-C2B1-90B6-E2F4-4DA17A2E1DDC}"/>
+                <a16:creationId xmlns:a16="http://schemas.microsoft.com/office/drawing/2014/main" xmlns="" id="{5B1802A0-C2B1-90B6-E2F4-4DA17A2E1DDC}"/>
               </a:ext>
             </a:extLst>
           </p:cNvPr>
@@ -1413,7 +1409,7 @@
           <p:cNvPr id="5" name="Date Placeholder 4">
             <a:extLst>
               <a:ext uri="{FF2B5EF4-FFF2-40B4-BE49-F238E27FC236}">
-                <a16:creationId xmlns="" xmlns:a16="http://schemas.microsoft.com/office/drawing/2014/main" id="{21FC01AE-CCB7-63D9-CBBB-F645B0F4EA84}"/>
+                <a16:creationId xmlns:a16="http://schemas.microsoft.com/office/drawing/2014/main" xmlns="" id="{21FC01AE-CCB7-63D9-CBBB-F645B0F4EA84}"/>
               </a:ext>
             </a:extLst>
           </p:cNvPr>
@@ -1431,7 +1427,7 @@
           <a:p>
             <a:fld id="{7B289A56-B7BF-4EE2-A684-7373F14AFF3B}" type="datetimeFigureOut">
               <a:rPr lang="en-IN" smtClean="0"/>
-              <a:t>25-12-2025</a:t>
+              <a:t>29-12-2025</a:t>
             </a:fld>
             <a:endParaRPr lang="en-IN"/>
           </a:p>
@@ -1442,7 +1438,7 @@
           <p:cNvPr id="6" name="Footer Placeholder 5">
             <a:extLst>
               <a:ext uri="{FF2B5EF4-FFF2-40B4-BE49-F238E27FC236}">
-                <a16:creationId xmlns="" xmlns:a16="http://schemas.microsoft.com/office/drawing/2014/main" id="{FFE62A61-4168-26CC-93B3-683820DDEF9B}"/>
+                <a16:creationId xmlns:a16="http://schemas.microsoft.com/office/drawing/2014/main" xmlns="" id="{FFE62A61-4168-26CC-93B3-683820DDEF9B}"/>
               </a:ext>
             </a:extLst>
           </p:cNvPr>
@@ -1467,7 +1463,7 @@
           <p:cNvPr id="7" name="Slide Number Placeholder 6">
             <a:extLst>
               <a:ext uri="{FF2B5EF4-FFF2-40B4-BE49-F238E27FC236}">
-                <a16:creationId xmlns="" xmlns:a16="http://schemas.microsoft.com/office/drawing/2014/main" id="{4634E477-B40D-8D3E-6DC2-1AC9B036FDE7}"/>
+                <a16:creationId xmlns:a16="http://schemas.microsoft.com/office/drawing/2014/main" xmlns="" id="{4634E477-B40D-8D3E-6DC2-1AC9B036FDE7}"/>
               </a:ext>
             </a:extLst>
           </p:cNvPr>
@@ -1526,7 +1522,7 @@
           <p:cNvPr id="2" name="Title 1">
             <a:extLst>
               <a:ext uri="{FF2B5EF4-FFF2-40B4-BE49-F238E27FC236}">
-                <a16:creationId xmlns="" xmlns:a16="http://schemas.microsoft.com/office/drawing/2014/main" id="{44865982-7856-A120-897F-D70473069296}"/>
+                <a16:creationId xmlns:a16="http://schemas.microsoft.com/office/drawing/2014/main" xmlns="" id="{44865982-7856-A120-897F-D70473069296}"/>
               </a:ext>
             </a:extLst>
           </p:cNvPr>
@@ -1560,7 +1556,7 @@
           <p:cNvPr id="3" name="Text Placeholder 2">
             <a:extLst>
               <a:ext uri="{FF2B5EF4-FFF2-40B4-BE49-F238E27FC236}">
-                <a16:creationId xmlns="" xmlns:a16="http://schemas.microsoft.com/office/drawing/2014/main" id="{538D52EB-C6C9-14DB-C39F-05A13FAA7FA8}"/>
+                <a16:creationId xmlns:a16="http://schemas.microsoft.com/office/drawing/2014/main" xmlns="" id="{538D52EB-C6C9-14DB-C39F-05A13FAA7FA8}"/>
               </a:ext>
             </a:extLst>
           </p:cNvPr>
@@ -1631,7 +1627,7 @@
           <p:cNvPr id="4" name="Content Placeholder 3">
             <a:extLst>
               <a:ext uri="{FF2B5EF4-FFF2-40B4-BE49-F238E27FC236}">
-                <a16:creationId xmlns="" xmlns:a16="http://schemas.microsoft.com/office/drawing/2014/main" id="{2F9939C4-C3A8-5DC6-5A03-4E06E5BD6A5F}"/>
+                <a16:creationId xmlns:a16="http://schemas.microsoft.com/office/drawing/2014/main" xmlns="" id="{2F9939C4-C3A8-5DC6-5A03-4E06E5BD6A5F}"/>
               </a:ext>
             </a:extLst>
           </p:cNvPr>
@@ -1694,7 +1690,7 @@
           <p:cNvPr id="5" name="Text Placeholder 4">
             <a:extLst>
               <a:ext uri="{FF2B5EF4-FFF2-40B4-BE49-F238E27FC236}">
-                <a16:creationId xmlns="" xmlns:a16="http://schemas.microsoft.com/office/drawing/2014/main" id="{94451D85-6826-075A-E2DD-716FBE57BE32}"/>
+                <a16:creationId xmlns:a16="http://schemas.microsoft.com/office/drawing/2014/main" xmlns="" id="{94451D85-6826-075A-E2DD-716FBE57BE32}"/>
               </a:ext>
             </a:extLst>
           </p:cNvPr>
@@ -1765,7 +1761,7 @@
           <p:cNvPr id="6" name="Content Placeholder 5">
             <a:extLst>
               <a:ext uri="{FF2B5EF4-FFF2-40B4-BE49-F238E27FC236}">
-                <a16:creationId xmlns="" xmlns:a16="http://schemas.microsoft.com/office/drawing/2014/main" id="{DCA66085-DC5D-ED87-50D6-6609036B971C}"/>
+                <a16:creationId xmlns:a16="http://schemas.microsoft.com/office/drawing/2014/main" xmlns="" id="{DCA66085-DC5D-ED87-50D6-6609036B971C}"/>
               </a:ext>
             </a:extLst>
           </p:cNvPr>
@@ -1828,7 +1824,7 @@
           <p:cNvPr id="7" name="Date Placeholder 6">
             <a:extLst>
               <a:ext uri="{FF2B5EF4-FFF2-40B4-BE49-F238E27FC236}">
-                <a16:creationId xmlns="" xmlns:a16="http://schemas.microsoft.com/office/drawing/2014/main" id="{DB8002D5-A8B9-4663-693D-13244095A09D}"/>
+                <a16:creationId xmlns:a16="http://schemas.microsoft.com/office/drawing/2014/main" xmlns="" id="{DB8002D5-A8B9-4663-693D-13244095A09D}"/>
               </a:ext>
             </a:extLst>
           </p:cNvPr>
@@ -1846,7 +1842,7 @@
           <a:p>
             <a:fld id="{7B289A56-B7BF-4EE2-A684-7373F14AFF3B}" type="datetimeFigureOut">
               <a:rPr lang="en-IN" smtClean="0"/>
-              <a:t>25-12-2025</a:t>
+              <a:t>29-12-2025</a:t>
             </a:fld>
             <a:endParaRPr lang="en-IN"/>
           </a:p>
@@ -1857,7 +1853,7 @@
           <p:cNvPr id="8" name="Footer Placeholder 7">
             <a:extLst>
               <a:ext uri="{FF2B5EF4-FFF2-40B4-BE49-F238E27FC236}">
-                <a16:creationId xmlns="" xmlns:a16="http://schemas.microsoft.com/office/drawing/2014/main" id="{9A5C1A38-7DB7-27B3-EE2B-0FA8A1EA1472}"/>
+                <a16:creationId xmlns:a16="http://schemas.microsoft.com/office/drawing/2014/main" xmlns="" id="{9A5C1A38-7DB7-27B3-EE2B-0FA8A1EA1472}"/>
               </a:ext>
             </a:extLst>
           </p:cNvPr>
@@ -1882,7 +1878,7 @@
           <p:cNvPr id="9" name="Slide Number Placeholder 8">
             <a:extLst>
               <a:ext uri="{FF2B5EF4-FFF2-40B4-BE49-F238E27FC236}">
-                <a16:creationId xmlns="" xmlns:a16="http://schemas.microsoft.com/office/drawing/2014/main" id="{69C0E241-9EDE-42DD-B32D-8D7A25957E41}"/>
+                <a16:creationId xmlns:a16="http://schemas.microsoft.com/office/drawing/2014/main" xmlns="" id="{69C0E241-9EDE-42DD-B32D-8D7A25957E41}"/>
               </a:ext>
             </a:extLst>
           </p:cNvPr>
@@ -1941,7 +1937,7 @@
           <p:cNvPr id="2" name="Title 1">
             <a:extLst>
               <a:ext uri="{FF2B5EF4-FFF2-40B4-BE49-F238E27FC236}">
-                <a16:creationId xmlns="" xmlns:a16="http://schemas.microsoft.com/office/drawing/2014/main" id="{B2A3C722-C2C3-AD81-3B33-252378421D3E}"/>
+                <a16:creationId xmlns:a16="http://schemas.microsoft.com/office/drawing/2014/main" xmlns="" id="{B2A3C722-C2C3-AD81-3B33-252378421D3E}"/>
               </a:ext>
             </a:extLst>
           </p:cNvPr>
@@ -1970,7 +1966,7 @@
           <p:cNvPr id="3" name="Date Placeholder 2">
             <a:extLst>
               <a:ext uri="{FF2B5EF4-FFF2-40B4-BE49-F238E27FC236}">
-                <a16:creationId xmlns="" xmlns:a16="http://schemas.microsoft.com/office/drawing/2014/main" id="{CF7C2B20-69F1-93CB-4468-49A7AC79F6BE}"/>
+                <a16:creationId xmlns:a16="http://schemas.microsoft.com/office/drawing/2014/main" xmlns="" id="{CF7C2B20-69F1-93CB-4468-49A7AC79F6BE}"/>
               </a:ext>
             </a:extLst>
           </p:cNvPr>
@@ -1988,7 +1984,7 @@
           <a:p>
             <a:fld id="{7B289A56-B7BF-4EE2-A684-7373F14AFF3B}" type="datetimeFigureOut">
               <a:rPr lang="en-IN" smtClean="0"/>
-              <a:t>25-12-2025</a:t>
+              <a:t>29-12-2025</a:t>
             </a:fld>
             <a:endParaRPr lang="en-IN"/>
           </a:p>
@@ -1999,7 +1995,7 @@
           <p:cNvPr id="4" name="Footer Placeholder 3">
             <a:extLst>
               <a:ext uri="{FF2B5EF4-FFF2-40B4-BE49-F238E27FC236}">
-                <a16:creationId xmlns="" xmlns:a16="http://schemas.microsoft.com/office/drawing/2014/main" id="{E4F5AEDF-21FC-20A9-A97C-010FF7361913}"/>
+                <a16:creationId xmlns:a16="http://schemas.microsoft.com/office/drawing/2014/main" xmlns="" id="{E4F5AEDF-21FC-20A9-A97C-010FF7361913}"/>
               </a:ext>
             </a:extLst>
           </p:cNvPr>
@@ -2024,7 +2020,7 @@
           <p:cNvPr id="5" name="Slide Number Placeholder 4">
             <a:extLst>
               <a:ext uri="{FF2B5EF4-FFF2-40B4-BE49-F238E27FC236}">
-                <a16:creationId xmlns="" xmlns:a16="http://schemas.microsoft.com/office/drawing/2014/main" id="{54A905B7-E5B8-FCA6-C612-AD126D9F070F}"/>
+                <a16:creationId xmlns:a16="http://schemas.microsoft.com/office/drawing/2014/main" xmlns="" id="{54A905B7-E5B8-FCA6-C612-AD126D9F070F}"/>
               </a:ext>
             </a:extLst>
           </p:cNvPr>
@@ -2083,7 +2079,7 @@
           <p:cNvPr id="2" name="Date Placeholder 1">
             <a:extLst>
               <a:ext uri="{FF2B5EF4-FFF2-40B4-BE49-F238E27FC236}">
-                <a16:creationId xmlns="" xmlns:a16="http://schemas.microsoft.com/office/drawing/2014/main" id="{B75F24FB-A0D9-0867-6BDA-FAA10E8AFA24}"/>
+                <a16:creationId xmlns:a16="http://schemas.microsoft.com/office/drawing/2014/main" xmlns="" id="{B75F24FB-A0D9-0867-6BDA-FAA10E8AFA24}"/>
               </a:ext>
             </a:extLst>
           </p:cNvPr>
@@ -2101,7 +2097,7 @@
           <a:p>
             <a:fld id="{7B289A56-B7BF-4EE2-A684-7373F14AFF3B}" type="datetimeFigureOut">
               <a:rPr lang="en-IN" smtClean="0"/>
-              <a:t>25-12-2025</a:t>
+              <a:t>29-12-2025</a:t>
             </a:fld>
             <a:endParaRPr lang="en-IN"/>
           </a:p>
@@ -2112,7 +2108,7 @@
           <p:cNvPr id="3" name="Footer Placeholder 2">
             <a:extLst>
               <a:ext uri="{FF2B5EF4-FFF2-40B4-BE49-F238E27FC236}">
-                <a16:creationId xmlns="" xmlns:a16="http://schemas.microsoft.com/office/drawing/2014/main" id="{0528FC46-75DF-0D30-C8E5-88F2C536162A}"/>
+                <a16:creationId xmlns:a16="http://schemas.microsoft.com/office/drawing/2014/main" xmlns="" id="{0528FC46-75DF-0D30-C8E5-88F2C536162A}"/>
               </a:ext>
             </a:extLst>
           </p:cNvPr>
@@ -2137,7 +2133,7 @@
           <p:cNvPr id="4" name="Slide Number Placeholder 3">
             <a:extLst>
               <a:ext uri="{FF2B5EF4-FFF2-40B4-BE49-F238E27FC236}">
-                <a16:creationId xmlns="" xmlns:a16="http://schemas.microsoft.com/office/drawing/2014/main" id="{5FCC571C-B718-3EBF-2B95-85CEF876BE72}"/>
+                <a16:creationId xmlns:a16="http://schemas.microsoft.com/office/drawing/2014/main" xmlns="" id="{5FCC571C-B718-3EBF-2B95-85CEF876BE72}"/>
               </a:ext>
             </a:extLst>
           </p:cNvPr>
@@ -2196,7 +2192,7 @@
           <p:cNvPr id="2" name="Title 1">
             <a:extLst>
               <a:ext uri="{FF2B5EF4-FFF2-40B4-BE49-F238E27FC236}">
-                <a16:creationId xmlns="" xmlns:a16="http://schemas.microsoft.com/office/drawing/2014/main" id="{FF9056D2-DEB1-30AE-51E1-EE91F66CAD3F}"/>
+                <a16:creationId xmlns:a16="http://schemas.microsoft.com/office/drawing/2014/main" xmlns="" id="{FF9056D2-DEB1-30AE-51E1-EE91F66CAD3F}"/>
               </a:ext>
             </a:extLst>
           </p:cNvPr>
@@ -2234,7 +2230,7 @@
           <p:cNvPr id="3" name="Content Placeholder 2">
             <a:extLst>
               <a:ext uri="{FF2B5EF4-FFF2-40B4-BE49-F238E27FC236}">
-                <a16:creationId xmlns="" xmlns:a16="http://schemas.microsoft.com/office/drawing/2014/main" id="{425EAE68-FA8B-41E2-E3FB-36A46A154662}"/>
+                <a16:creationId xmlns:a16="http://schemas.microsoft.com/office/drawing/2014/main" xmlns="" id="{425EAE68-FA8B-41E2-E3FB-36A46A154662}"/>
               </a:ext>
             </a:extLst>
           </p:cNvPr>
@@ -2325,7 +2321,7 @@
           <p:cNvPr id="4" name="Text Placeholder 3">
             <a:extLst>
               <a:ext uri="{FF2B5EF4-FFF2-40B4-BE49-F238E27FC236}">
-                <a16:creationId xmlns="" xmlns:a16="http://schemas.microsoft.com/office/drawing/2014/main" id="{573C4BCD-7C3D-22E6-24BE-7467A7592257}"/>
+                <a16:creationId xmlns:a16="http://schemas.microsoft.com/office/drawing/2014/main" xmlns="" id="{573C4BCD-7C3D-22E6-24BE-7467A7592257}"/>
               </a:ext>
             </a:extLst>
           </p:cNvPr>
@@ -2396,7 +2392,7 @@
           <p:cNvPr id="5" name="Date Placeholder 4">
             <a:extLst>
               <a:ext uri="{FF2B5EF4-FFF2-40B4-BE49-F238E27FC236}">
-                <a16:creationId xmlns="" xmlns:a16="http://schemas.microsoft.com/office/drawing/2014/main" id="{0643662B-AE05-9268-0E56-CD679C6B26ED}"/>
+                <a16:creationId xmlns:a16="http://schemas.microsoft.com/office/drawing/2014/main" xmlns="" id="{0643662B-AE05-9268-0E56-CD679C6B26ED}"/>
               </a:ext>
             </a:extLst>
           </p:cNvPr>
@@ -2414,7 +2410,7 @@
           <a:p>
             <a:fld id="{7B289A56-B7BF-4EE2-A684-7373F14AFF3B}" type="datetimeFigureOut">
               <a:rPr lang="en-IN" smtClean="0"/>
-              <a:t>25-12-2025</a:t>
+              <a:t>29-12-2025</a:t>
             </a:fld>
             <a:endParaRPr lang="en-IN"/>
           </a:p>
@@ -2425,7 +2421,7 @@
           <p:cNvPr id="6" name="Footer Placeholder 5">
             <a:extLst>
               <a:ext uri="{FF2B5EF4-FFF2-40B4-BE49-F238E27FC236}">
-                <a16:creationId xmlns="" xmlns:a16="http://schemas.microsoft.com/office/drawing/2014/main" id="{A6C6A849-17CD-A798-9990-6220B27F19B8}"/>
+                <a16:creationId xmlns:a16="http://schemas.microsoft.com/office/drawing/2014/main" xmlns="" id="{A6C6A849-17CD-A798-9990-6220B27F19B8}"/>
               </a:ext>
             </a:extLst>
           </p:cNvPr>
@@ -2450,7 +2446,7 @@
           <p:cNvPr id="7" name="Slide Number Placeholder 6">
             <a:extLst>
               <a:ext uri="{FF2B5EF4-FFF2-40B4-BE49-F238E27FC236}">
-                <a16:creationId xmlns="" xmlns:a16="http://schemas.microsoft.com/office/drawing/2014/main" id="{F18D7318-CA5C-54BF-3E83-9C37673518A4}"/>
+                <a16:creationId xmlns:a16="http://schemas.microsoft.com/office/drawing/2014/main" xmlns="" id="{F18D7318-CA5C-54BF-3E83-9C37673518A4}"/>
               </a:ext>
             </a:extLst>
           </p:cNvPr>
@@ -2509,7 +2505,7 @@
           <p:cNvPr id="2" name="Title 1">
             <a:extLst>
               <a:ext uri="{FF2B5EF4-FFF2-40B4-BE49-F238E27FC236}">
-                <a16:creationId xmlns="" xmlns:a16="http://schemas.microsoft.com/office/drawing/2014/main" id="{F3EA8056-573E-5E0D-778E-4DE41CB98783}"/>
+                <a16:creationId xmlns:a16="http://schemas.microsoft.com/office/drawing/2014/main" xmlns="" id="{F3EA8056-573E-5E0D-778E-4DE41CB98783}"/>
               </a:ext>
             </a:extLst>
           </p:cNvPr>
@@ -2547,7 +2543,7 @@
           <p:cNvPr id="3" name="Picture Placeholder 2">
             <a:extLst>
               <a:ext uri="{FF2B5EF4-FFF2-40B4-BE49-F238E27FC236}">
-                <a16:creationId xmlns="" xmlns:a16="http://schemas.microsoft.com/office/drawing/2014/main" id="{49A09817-F19E-6A4F-5FF8-2F3D3AAF117F}"/>
+                <a16:creationId xmlns:a16="http://schemas.microsoft.com/office/drawing/2014/main" xmlns="" id="{49A09817-F19E-6A4F-5FF8-2F3D3AAF117F}"/>
               </a:ext>
             </a:extLst>
           </p:cNvPr>
@@ -2614,7 +2610,7 @@
           <p:cNvPr id="4" name="Text Placeholder 3">
             <a:extLst>
               <a:ext uri="{FF2B5EF4-FFF2-40B4-BE49-F238E27FC236}">
-                <a16:creationId xmlns="" xmlns:a16="http://schemas.microsoft.com/office/drawing/2014/main" id="{65E0419C-229C-2594-B804-6EA900883037}"/>
+                <a16:creationId xmlns:a16="http://schemas.microsoft.com/office/drawing/2014/main" xmlns="" id="{65E0419C-229C-2594-B804-6EA900883037}"/>
               </a:ext>
             </a:extLst>
           </p:cNvPr>
@@ -2685,7 +2681,7 @@
           <p:cNvPr id="5" name="Date Placeholder 4">
             <a:extLst>
               <a:ext uri="{FF2B5EF4-FFF2-40B4-BE49-F238E27FC236}">
-                <a16:creationId xmlns="" xmlns:a16="http://schemas.microsoft.com/office/drawing/2014/main" id="{1F38213C-4F0F-7E55-13F1-BAAD409512C6}"/>
+                <a16:creationId xmlns:a16="http://schemas.microsoft.com/office/drawing/2014/main" xmlns="" id="{1F38213C-4F0F-7E55-13F1-BAAD409512C6}"/>
               </a:ext>
             </a:extLst>
           </p:cNvPr>
@@ -2703,7 +2699,7 @@
           <a:p>
             <a:fld id="{7B289A56-B7BF-4EE2-A684-7373F14AFF3B}" type="datetimeFigureOut">
               <a:rPr lang="en-IN" smtClean="0"/>
-              <a:t>25-12-2025</a:t>
+              <a:t>29-12-2025</a:t>
             </a:fld>
             <a:endParaRPr lang="en-IN"/>
           </a:p>
@@ -2714,7 +2710,7 @@
           <p:cNvPr id="6" name="Footer Placeholder 5">
             <a:extLst>
               <a:ext uri="{FF2B5EF4-FFF2-40B4-BE49-F238E27FC236}">
-                <a16:creationId xmlns="" xmlns:a16="http://schemas.microsoft.com/office/drawing/2014/main" id="{F47548F3-EEE0-2CB0-0510-48D1CC2F1AAE}"/>
+                <a16:creationId xmlns:a16="http://schemas.microsoft.com/office/drawing/2014/main" xmlns="" id="{F47548F3-EEE0-2CB0-0510-48D1CC2F1AAE}"/>
               </a:ext>
             </a:extLst>
           </p:cNvPr>
@@ -2739,7 +2735,7 @@
           <p:cNvPr id="7" name="Slide Number Placeholder 6">
             <a:extLst>
               <a:ext uri="{FF2B5EF4-FFF2-40B4-BE49-F238E27FC236}">
-                <a16:creationId xmlns="" xmlns:a16="http://schemas.microsoft.com/office/drawing/2014/main" id="{62F2A5B8-D47F-A235-0038-FCFC9CC9015F}"/>
+                <a16:creationId xmlns:a16="http://schemas.microsoft.com/office/drawing/2014/main" xmlns="" id="{62F2A5B8-D47F-A235-0038-FCFC9CC9015F}"/>
               </a:ext>
             </a:extLst>
           </p:cNvPr>
@@ -2803,7 +2799,7 @@
           <p:cNvPr id="2" name="Title Placeholder 1">
             <a:extLst>
               <a:ext uri="{FF2B5EF4-FFF2-40B4-BE49-F238E27FC236}">
-                <a16:creationId xmlns="" xmlns:a16="http://schemas.microsoft.com/office/drawing/2014/main" id="{2B916DC5-6480-E0BC-F1F7-D7E605F29628}"/>
+                <a16:creationId xmlns:a16="http://schemas.microsoft.com/office/drawing/2014/main" xmlns="" id="{2B916DC5-6480-E0BC-F1F7-D7E605F29628}"/>
               </a:ext>
             </a:extLst>
           </p:cNvPr>
@@ -2842,7 +2838,7 @@
           <p:cNvPr id="3" name="Text Placeholder 2">
             <a:extLst>
               <a:ext uri="{FF2B5EF4-FFF2-40B4-BE49-F238E27FC236}">
-                <a16:creationId xmlns="" xmlns:a16="http://schemas.microsoft.com/office/drawing/2014/main" id="{5E45A303-F574-AA86-3F6C-B592CDEE8AE5}"/>
+                <a16:creationId xmlns:a16="http://schemas.microsoft.com/office/drawing/2014/main" xmlns="" id="{5E45A303-F574-AA86-3F6C-B592CDEE8AE5}"/>
               </a:ext>
             </a:extLst>
           </p:cNvPr>
@@ -2910,7 +2906,7 @@
           <p:cNvPr id="4" name="Date Placeholder 3">
             <a:extLst>
               <a:ext uri="{FF2B5EF4-FFF2-40B4-BE49-F238E27FC236}">
-                <a16:creationId xmlns="" xmlns:a16="http://schemas.microsoft.com/office/drawing/2014/main" id="{E5335D02-92E6-CE42-BFE8-8029C2A42A48}"/>
+                <a16:creationId xmlns:a16="http://schemas.microsoft.com/office/drawing/2014/main" xmlns="" id="{E5335D02-92E6-CE42-BFE8-8029C2A42A48}"/>
               </a:ext>
             </a:extLst>
           </p:cNvPr>
@@ -2946,7 +2942,7 @@
           <a:p>
             <a:fld id="{7B289A56-B7BF-4EE2-A684-7373F14AFF3B}" type="datetimeFigureOut">
               <a:rPr lang="en-IN" smtClean="0"/>
-              <a:t>25-12-2025</a:t>
+              <a:t>29-12-2025</a:t>
             </a:fld>
             <a:endParaRPr lang="en-IN"/>
           </a:p>
@@ -2957,7 +2953,7 @@
           <p:cNvPr id="5" name="Footer Placeholder 4">
             <a:extLst>
               <a:ext uri="{FF2B5EF4-FFF2-40B4-BE49-F238E27FC236}">
-                <a16:creationId xmlns="" xmlns:a16="http://schemas.microsoft.com/office/drawing/2014/main" id="{8B90A4AE-F6D4-1200-163D-1FE1D2E81FC8}"/>
+                <a16:creationId xmlns:a16="http://schemas.microsoft.com/office/drawing/2014/main" xmlns="" id="{8B90A4AE-F6D4-1200-163D-1FE1D2E81FC8}"/>
               </a:ext>
             </a:extLst>
           </p:cNvPr>
@@ -3000,7 +2996,7 @@
           <p:cNvPr id="6" name="Slide Number Placeholder 5">
             <a:extLst>
               <a:ext uri="{FF2B5EF4-FFF2-40B4-BE49-F238E27FC236}">
-                <a16:creationId xmlns="" xmlns:a16="http://schemas.microsoft.com/office/drawing/2014/main" id="{7EAA569D-EF3A-0E41-7F3B-0EDD07E67EED}"/>
+                <a16:creationId xmlns:a16="http://schemas.microsoft.com/office/drawing/2014/main" xmlns="" id="{7EAA569D-EF3A-0E41-7F3B-0EDD07E67EED}"/>
               </a:ext>
             </a:extLst>
           </p:cNvPr>
@@ -3378,7 +3374,7 @@
           <p:cNvPr id="13" name="TextBox 12">
             <a:extLst>
               <a:ext uri="{FF2B5EF4-FFF2-40B4-BE49-F238E27FC236}">
-                <a16:creationId xmlns="" xmlns:a16="http://schemas.microsoft.com/office/drawing/2014/main" id="{EFD37F5C-B498-7E9E-7268-B898BED7C5C1}"/>
+                <a16:creationId xmlns:a16="http://schemas.microsoft.com/office/drawing/2014/main" xmlns="" id="{EFD37F5C-B498-7E9E-7268-B898BED7C5C1}"/>
               </a:ext>
             </a:extLst>
           </p:cNvPr>
@@ -3422,7 +3418,7 @@
           <p:cNvPr id="16" name="Picture 14" descr="Logo Mysql PNG Images, Free Download - Free Transparent PNG Logos">
             <a:extLst>
               <a:ext uri="{FF2B5EF4-FFF2-40B4-BE49-F238E27FC236}">
-                <a16:creationId xmlns="" xmlns:a16="http://schemas.microsoft.com/office/drawing/2014/main" id="{CA1D7C9D-9E08-9075-9F65-42DE06B424DF}"/>
+                <a16:creationId xmlns:a16="http://schemas.microsoft.com/office/drawing/2014/main" xmlns="" id="{CA1D7C9D-9E08-9075-9F65-42DE06B424DF}"/>
               </a:ext>
             </a:extLst>
           </p:cNvPr>
@@ -3469,7 +3465,7 @@
           <p:cNvPr id="17" name="TextBox 16">
             <a:extLst>
               <a:ext uri="{FF2B5EF4-FFF2-40B4-BE49-F238E27FC236}">
-                <a16:creationId xmlns="" xmlns:a16="http://schemas.microsoft.com/office/drawing/2014/main" id="{23AE5A38-1C90-91C3-C264-017362FE588D}"/>
+                <a16:creationId xmlns:a16="http://schemas.microsoft.com/office/drawing/2014/main" xmlns="" id="{23AE5A38-1C90-91C3-C264-017362FE588D}"/>
               </a:ext>
             </a:extLst>
           </p:cNvPr>
@@ -3509,7 +3505,7 @@
           <p:cNvPr id="18" name="TextBox 17">
             <a:extLst>
               <a:ext uri="{FF2B5EF4-FFF2-40B4-BE49-F238E27FC236}">
-                <a16:creationId xmlns="" xmlns:a16="http://schemas.microsoft.com/office/drawing/2014/main" id="{01F6CB98-36C5-38E5-0DF0-29D3168418DC}"/>
+                <a16:creationId xmlns:a16="http://schemas.microsoft.com/office/drawing/2014/main" xmlns="" id="{01F6CB98-36C5-38E5-0DF0-29D3168418DC}"/>
               </a:ext>
             </a:extLst>
           </p:cNvPr>
@@ -3562,7 +3558,7 @@
           <p:cNvPr id="19" name="TextBox 18">
             <a:extLst>
               <a:ext uri="{FF2B5EF4-FFF2-40B4-BE49-F238E27FC236}">
-                <a16:creationId xmlns="" xmlns:a16="http://schemas.microsoft.com/office/drawing/2014/main" id="{E8907EC3-CB54-081F-6806-59FB3EDC3F65}"/>
+                <a16:creationId xmlns:a16="http://schemas.microsoft.com/office/drawing/2014/main" xmlns="" id="{E8907EC3-CB54-081F-6806-59FB3EDC3F65}"/>
               </a:ext>
             </a:extLst>
           </p:cNvPr>
@@ -3603,7 +3599,7 @@
           <p:cNvPr id="20" name="Picture 19">
             <a:extLst>
               <a:ext uri="{FF2B5EF4-FFF2-40B4-BE49-F238E27FC236}">
-                <a16:creationId xmlns="" xmlns:a16="http://schemas.microsoft.com/office/drawing/2014/main" id="{FE325C91-5367-908E-9FBA-338517C802F7}"/>
+                <a16:creationId xmlns:a16="http://schemas.microsoft.com/office/drawing/2014/main" xmlns="" id="{FE325C91-5367-908E-9FBA-338517C802F7}"/>
               </a:ext>
             </a:extLst>
           </p:cNvPr>
@@ -3652,7 +3648,7 @@
     <a:masterClrMapping/>
   </p:clrMapOvr>
   <mc:AlternateContent xmlns:mc="http://schemas.openxmlformats.org/markup-compatibility/2006">
-    <mc:Choice xmlns="" xmlns:p159="http://schemas.microsoft.com/office/powerpoint/2015/09/main" Requires="p159">
+    <mc:Choice xmlns:p159="http://schemas.microsoft.com/office/powerpoint/2015/09/main" xmlns="" Requires="p159">
       <p:transition xmlns:p14="http://schemas.microsoft.com/office/powerpoint/2010/main" spd="slow" p14:dur="2000">
         <p159:morph option="byObject"/>
       </p:transition>
@@ -3672,7 +3668,7 @@
     <p:bg>
       <p:bgPr>
         <a:solidFill>
-          <a:schemeClr val="accent2">
+          <a:schemeClr val="accent1">
             <a:lumMod val="50000"/>
           </a:schemeClr>
         </a:solidFill>
@@ -3695,10 +3691,10 @@
       </p:grpSpPr>
       <p:sp>
         <p:nvSpPr>
-          <p:cNvPr id="5" name="TextBox 4">
-            <a:extLst>
-              <a:ext uri="{FF2B5EF4-FFF2-40B4-BE49-F238E27FC236}">
-                <a16:creationId xmlns="" xmlns:a16="http://schemas.microsoft.com/office/drawing/2014/main" id="{CB8C99B5-5307-E4E4-0E72-DE3504B0A583}"/>
+          <p:cNvPr id="2" name="TextBox 1">
+            <a:extLst>
+              <a:ext uri="{FF2B5EF4-FFF2-40B4-BE49-F238E27FC236}">
+                <a16:creationId xmlns:a16="http://schemas.microsoft.com/office/drawing/2014/main" xmlns="" id="{F2186767-6DBF-43ED-0334-E389A8026F75}"/>
               </a:ext>
             </a:extLst>
           </p:cNvPr>
@@ -3707,40 +3703,50 @@
         </p:nvSpPr>
         <p:spPr>
           <a:xfrm>
-            <a:off x="157903" y="185738"/>
-            <a:ext cx="1943416" cy="584775"/>
+            <a:off x="127778" y="18514"/>
+            <a:ext cx="9397221" cy="584775"/>
           </a:xfrm>
           <a:prstGeom prst="rect">
             <a:avLst/>
           </a:prstGeom>
-          <a:solidFill>
-            <a:schemeClr val="tx1"/>
-          </a:solidFill>
+          <a:noFill/>
         </p:spPr>
         <p:txBody>
           <a:bodyPr wrap="square" rtlCol="0">
             <a:spAutoFit/>
           </a:bodyPr>
-          <a:lstStyle/>
-          <a:p>
-            <a:pPr algn="ctr"/>
+          <a:lstStyle>
+            <a:defPPr>
+              <a:defRPr lang="en-US"/>
+            </a:defPPr>
+            <a:lvl1pPr>
+              <a:defRPr sz="4000" b="1">
+                <a:solidFill>
+                  <a:schemeClr val="bg1"/>
+                </a:solidFill>
+                <a:latin typeface="Lato Black" panose="020F0A02020204030203" pitchFamily="34" charset="0"/>
+              </a:defRPr>
+            </a:lvl1pPr>
+          </a:lstStyle>
+          <a:p>
             <a:r>
               <a:rPr lang="en-IN" sz="3200" b="1" dirty="0">
                 <a:solidFill>
-                  <a:srgbClr val="FFFF00"/>
-                </a:solidFill>
+                  <a:schemeClr val="bg1"/>
+                </a:solidFill>
+                <a:latin typeface="Lato Black" panose="020F0A02020204030203" pitchFamily="34" charset="0"/>
               </a:rPr>
-              <a:t>POWER BI</a:t>
+              <a:t>PROBLEM STATEMENT</a:t>
             </a:r>
           </a:p>
         </p:txBody>
       </p:sp>
       <p:pic>
         <p:nvPicPr>
-          <p:cNvPr id="6" name="Picture 5">
-            <a:extLst>
-              <a:ext uri="{FF2B5EF4-FFF2-40B4-BE49-F238E27FC236}">
-                <a16:creationId xmlns="" xmlns:a16="http://schemas.microsoft.com/office/drawing/2014/main" id="{EE843937-0252-6408-B4D5-06B6D9531E56}"/>
+          <p:cNvPr id="7" name="Picture 6">
+            <a:extLst>
+              <a:ext uri="{FF2B5EF4-FFF2-40B4-BE49-F238E27FC236}">
+                <a16:creationId xmlns:a16="http://schemas.microsoft.com/office/drawing/2014/main" xmlns="" id="{4F56E1CB-C23A-8E6C-4322-BE518ECDDE56}"/>
               </a:ext>
             </a:extLst>
           </p:cNvPr>
@@ -3751,73 +3757,6 @@
         </p:nvPicPr>
         <p:blipFill>
           <a:blip r:embed="rId2" cstate="print">
-            <a:extLst>
-              <a:ext uri="{28A0092B-C50C-407E-A947-70E740481C1C}">
-                <a14:useLocalDpi xmlns:a14="http://schemas.microsoft.com/office/drawing/2010/main" val="0"/>
-              </a:ext>
-            </a:extLst>
-          </a:blip>
-          <a:stretch>
-            <a:fillRect/>
-          </a:stretch>
-        </p:blipFill>
-        <p:spPr>
-          <a:xfrm>
-            <a:off x="1996544" y="185738"/>
-            <a:ext cx="1039601" cy="584775"/>
-          </a:xfrm>
-          <a:prstGeom prst="rect">
-            <a:avLst/>
-          </a:prstGeom>
-          <a:effectLst/>
-        </p:spPr>
-      </p:pic>
-      <p:pic>
-        <p:nvPicPr>
-          <p:cNvPr id="4" name="Picture 3">
-            <a:extLst>
-              <a:ext uri="{FF2B5EF4-FFF2-40B4-BE49-F238E27FC236}">
-                <a16:creationId xmlns="" xmlns:a16="http://schemas.microsoft.com/office/drawing/2014/main" id="{A90D7939-6504-7430-B6E9-29AEB10BAE2E}"/>
-              </a:ext>
-            </a:extLst>
-          </p:cNvPr>
-          <p:cNvPicPr>
-            <a:picLocks noChangeAspect="1"/>
-          </p:cNvPicPr>
-          <p:nvPr/>
-        </p:nvPicPr>
-        <p:blipFill>
-          <a:blip r:embed="rId3"/>
-          <a:stretch>
-            <a:fillRect/>
-          </a:stretch>
-        </p:blipFill>
-        <p:spPr>
-          <a:xfrm>
-            <a:off x="891286" y="827541"/>
-            <a:ext cx="10409427" cy="5844721"/>
-          </a:xfrm>
-          <a:prstGeom prst="rect">
-            <a:avLst/>
-          </a:prstGeom>
-        </p:spPr>
-      </p:pic>
-      <p:pic>
-        <p:nvPicPr>
-          <p:cNvPr id="7" name="Picture 6">
-            <a:extLst>
-              <a:ext uri="{FF2B5EF4-FFF2-40B4-BE49-F238E27FC236}">
-                <a16:creationId xmlns="" xmlns:a16="http://schemas.microsoft.com/office/drawing/2014/main" id="{03BC04EE-8041-7D9D-CA19-298D68483000}"/>
-              </a:ext>
-            </a:extLst>
-          </p:cNvPr>
-          <p:cNvPicPr>
-            <a:picLocks noChangeAspect="1"/>
-          </p:cNvPicPr>
-          <p:nvPr/>
-        </p:nvPicPr>
-        <p:blipFill>
-          <a:blip r:embed="rId4" cstate="print">
             <a:duotone>
               <a:prstClr val="black"/>
               <a:schemeClr val="accent4">
@@ -3837,18 +3776,331 @@
         </p:blipFill>
         <p:spPr>
           <a:xfrm>
-            <a:off x="11311725" y="47938"/>
-            <a:ext cx="810833" cy="584775"/>
+            <a:off x="10721577" y="157765"/>
+            <a:ext cx="1342645" cy="968319"/>
           </a:xfrm>
           <a:prstGeom prst="rect">
             <a:avLst/>
           </a:prstGeom>
         </p:spPr>
       </p:pic>
+      <p:sp>
+        <p:nvSpPr>
+          <p:cNvPr id="3" name="TextBox 2">
+            <a:extLst>
+              <a:ext uri="{FF2B5EF4-FFF2-40B4-BE49-F238E27FC236}">
+                <a16:creationId xmlns:a16="http://schemas.microsoft.com/office/drawing/2014/main" xmlns="" id="{1058CA99-5896-CF6F-E3D9-47410F2EEA1D}"/>
+              </a:ext>
+            </a:extLst>
+          </p:cNvPr>
+          <p:cNvSpPr txBox="1"/>
+          <p:nvPr/>
+        </p:nvSpPr>
+        <p:spPr>
+          <a:xfrm>
+            <a:off x="127778" y="781050"/>
+            <a:ext cx="3629025" cy="461665"/>
+          </a:xfrm>
+          <a:prstGeom prst="rect">
+            <a:avLst/>
+          </a:prstGeom>
+          <a:noFill/>
+        </p:spPr>
+        <p:txBody>
+          <a:bodyPr wrap="square" rtlCol="0">
+            <a:spAutoFit/>
+          </a:bodyPr>
+          <a:lstStyle/>
+          <a:p>
+            <a:r>
+              <a:rPr lang="en-IN" sz="2400" b="1" u="sng" kern="100" dirty="0">
+                <a:solidFill>
+                  <a:schemeClr val="accent4">
+                    <a:lumMod val="60000"/>
+                    <a:lumOff val="40000"/>
+                  </a:schemeClr>
+                </a:solidFill>
+                <a:effectLst/>
+                <a:highlight>
+                  <a:srgbClr val="008000"/>
+                </a:highlight>
+                <a:latin typeface="Calibri" panose="020F0502020204030204" pitchFamily="34" charset="0"/>
+                <a:ea typeface="Calibri" panose="020F0502020204030204" pitchFamily="34" charset="0"/>
+                <a:cs typeface="Times New Roman" panose="02020603050405020304" pitchFamily="18" charset="0"/>
+              </a:rPr>
+              <a:t>DASHBOARD 1: SUMMARY</a:t>
+            </a:r>
+            <a:endParaRPr lang="en-IN" sz="2400" kern="100" dirty="0">
+              <a:solidFill>
+                <a:schemeClr val="accent4">
+                  <a:lumMod val="60000"/>
+                  <a:lumOff val="40000"/>
+                </a:schemeClr>
+              </a:solidFill>
+              <a:effectLst/>
+              <a:highlight>
+                <a:srgbClr val="008000"/>
+              </a:highlight>
+              <a:latin typeface="Calibri" panose="020F0502020204030204" pitchFamily="34" charset="0"/>
+              <a:ea typeface="Calibri" panose="020F0502020204030204" pitchFamily="34" charset="0"/>
+              <a:cs typeface="Times New Roman" panose="02020603050405020304" pitchFamily="18" charset="0"/>
+            </a:endParaRPr>
+          </a:p>
+        </p:txBody>
+      </p:sp>
+      <p:sp>
+        <p:nvSpPr>
+          <p:cNvPr id="4" name="TextBox 3">
+            <a:extLst>
+              <a:ext uri="{FF2B5EF4-FFF2-40B4-BE49-F238E27FC236}">
+                <a16:creationId xmlns:a16="http://schemas.microsoft.com/office/drawing/2014/main" xmlns="" id="{0E3EF215-20BB-527A-E72D-12F6F9355EC2}"/>
+              </a:ext>
+            </a:extLst>
+          </p:cNvPr>
+          <p:cNvSpPr txBox="1"/>
+          <p:nvPr/>
+        </p:nvSpPr>
+        <p:spPr>
+          <a:xfrm>
+            <a:off x="228600" y="1371600"/>
+            <a:ext cx="11835622" cy="5404685"/>
+          </a:xfrm>
+          <a:prstGeom prst="rect">
+            <a:avLst/>
+          </a:prstGeom>
+          <a:noFill/>
+        </p:spPr>
+        <p:txBody>
+          <a:bodyPr wrap="square" rtlCol="0">
+            <a:spAutoFit/>
+          </a:bodyPr>
+          <a:lstStyle/>
+          <a:p>
+            <a:r>
+              <a:rPr lang="en-IN" sz="2400" b="1" kern="100" dirty="0">
+                <a:solidFill>
+                  <a:schemeClr val="accent2">
+                    <a:lumMod val="60000"/>
+                    <a:lumOff val="40000"/>
+                  </a:schemeClr>
+                </a:solidFill>
+                <a:effectLst/>
+                <a:latin typeface="Calibri" panose="020F0502020204030204" pitchFamily="34" charset="0"/>
+                <a:ea typeface="Calibri" panose="020F0502020204030204" pitchFamily="34" charset="0"/>
+                <a:cs typeface="Times New Roman" panose="02020603050405020304" pitchFamily="18" charset="0"/>
+              </a:rPr>
+              <a:t>Key Performance Indicators (KPIs) Requirements:</a:t>
+            </a:r>
+            <a:endParaRPr lang="en-IN" sz="2400" kern="100" dirty="0">
+              <a:solidFill>
+                <a:schemeClr val="accent2">
+                  <a:lumMod val="60000"/>
+                  <a:lumOff val="40000"/>
+                </a:schemeClr>
+              </a:solidFill>
+              <a:effectLst/>
+              <a:latin typeface="Calibri" panose="020F0502020204030204" pitchFamily="34" charset="0"/>
+              <a:ea typeface="Calibri" panose="020F0502020204030204" pitchFamily="34" charset="0"/>
+              <a:cs typeface="Times New Roman" panose="02020603050405020304" pitchFamily="18" charset="0"/>
+            </a:endParaRPr>
+          </a:p>
+          <a:p>
+            <a:pPr marL="342900" lvl="0" indent="-342900" algn="just">
+              <a:lnSpc>
+                <a:spcPct val="150000"/>
+              </a:lnSpc>
+              <a:buFont typeface="+mj-lt"/>
+              <a:buAutoNum type="arabicPeriod"/>
+            </a:pPr>
+            <a:r>
+              <a:rPr lang="en-IN" sz="1800" b="1" kern="100" dirty="0">
+                <a:solidFill>
+                  <a:srgbClr val="FFFF00"/>
+                </a:solidFill>
+                <a:effectLst/>
+                <a:latin typeface="Calibri" panose="020F0502020204030204" pitchFamily="34" charset="0"/>
+                <a:ea typeface="Calibri" panose="020F0502020204030204" pitchFamily="34" charset="0"/>
+                <a:cs typeface="Times New Roman" panose="02020603050405020304" pitchFamily="18" charset="0"/>
+              </a:rPr>
+              <a:t>Total Loan Applications:</a:t>
+            </a:r>
+            <a:r>
+              <a:rPr lang="en-IN" sz="1800" kern="100" dirty="0">
+                <a:solidFill>
+                  <a:srgbClr val="FFFF00"/>
+                </a:solidFill>
+                <a:effectLst/>
+                <a:latin typeface="Calibri" panose="020F0502020204030204" pitchFamily="34" charset="0"/>
+                <a:ea typeface="Calibri" panose="020F0502020204030204" pitchFamily="34" charset="0"/>
+                <a:cs typeface="Times New Roman" panose="02020603050405020304" pitchFamily="18" charset="0"/>
+              </a:rPr>
+              <a:t> </a:t>
+            </a:r>
+            <a:r>
+              <a:rPr lang="en-IN" sz="1800" kern="100" dirty="0">
+                <a:solidFill>
+                  <a:schemeClr val="accent1">
+                    <a:lumMod val="20000"/>
+                    <a:lumOff val="80000"/>
+                  </a:schemeClr>
+                </a:solidFill>
+                <a:effectLst/>
+                <a:latin typeface="Calibri" panose="020F0502020204030204" pitchFamily="34" charset="0"/>
+                <a:ea typeface="Calibri" panose="020F0502020204030204" pitchFamily="34" charset="0"/>
+                <a:cs typeface="Times New Roman" panose="02020603050405020304" pitchFamily="18" charset="0"/>
+              </a:rPr>
+              <a:t>We need to calculate the total number of loan applications received during a specified period. Additionally, it is essential to monitor the Month-to-Date (MTD) Loan Applications and track changes Month-over-Month (MoM).</a:t>
+            </a:r>
+          </a:p>
+          <a:p>
+            <a:pPr marL="342900" lvl="0" indent="-342900" algn="just">
+              <a:lnSpc>
+                <a:spcPct val="150000"/>
+              </a:lnSpc>
+              <a:buFont typeface="+mj-lt"/>
+              <a:buAutoNum type="arabicPeriod"/>
+            </a:pPr>
+            <a:r>
+              <a:rPr lang="en-IN" b="1" kern="100" dirty="0">
+                <a:solidFill>
+                  <a:srgbClr val="FFFF00"/>
+                </a:solidFill>
+                <a:latin typeface="Calibri" panose="020F0502020204030204" pitchFamily="34" charset="0"/>
+                <a:ea typeface="Calibri" panose="020F0502020204030204" pitchFamily="34" charset="0"/>
+                <a:cs typeface="Times New Roman" panose="02020603050405020304" pitchFamily="18" charset="0"/>
+              </a:rPr>
+              <a:t>Total Funded Amount: </a:t>
+            </a:r>
+            <a:r>
+              <a:rPr lang="en-IN" sz="1800" kern="100" dirty="0">
+                <a:solidFill>
+                  <a:schemeClr val="accent1">
+                    <a:lumMod val="20000"/>
+                    <a:lumOff val="80000"/>
+                  </a:schemeClr>
+                </a:solidFill>
+                <a:effectLst/>
+                <a:latin typeface="Calibri" panose="020F0502020204030204" pitchFamily="34" charset="0"/>
+                <a:ea typeface="Calibri" panose="020F0502020204030204" pitchFamily="34" charset="0"/>
+                <a:cs typeface="Times New Roman" panose="02020603050405020304" pitchFamily="18" charset="0"/>
+              </a:rPr>
+              <a:t>Understanding the total amount of funds disbursed as loans is crucial. We also want to keep an eye on the MTD Total Funded Amount and analyse the Month-over-Month (MoM) changes in this metric.</a:t>
+            </a:r>
+          </a:p>
+          <a:p>
+            <a:pPr marL="342900" lvl="0" indent="-342900" algn="just">
+              <a:lnSpc>
+                <a:spcPct val="150000"/>
+              </a:lnSpc>
+              <a:buFont typeface="+mj-lt"/>
+              <a:buAutoNum type="arabicPeriod"/>
+            </a:pPr>
+            <a:r>
+              <a:rPr lang="en-IN" b="1" kern="100" dirty="0">
+                <a:solidFill>
+                  <a:srgbClr val="FFFF00"/>
+                </a:solidFill>
+                <a:latin typeface="Calibri" panose="020F0502020204030204" pitchFamily="34" charset="0"/>
+                <a:ea typeface="Calibri" panose="020F0502020204030204" pitchFamily="34" charset="0"/>
+                <a:cs typeface="Times New Roman" panose="02020603050405020304" pitchFamily="18" charset="0"/>
+              </a:rPr>
+              <a:t>Total Amount Received: </a:t>
+            </a:r>
+            <a:r>
+              <a:rPr lang="en-IN" sz="1800" kern="100" dirty="0">
+                <a:solidFill>
+                  <a:schemeClr val="accent1">
+                    <a:lumMod val="20000"/>
+                    <a:lumOff val="80000"/>
+                  </a:schemeClr>
+                </a:solidFill>
+                <a:effectLst/>
+                <a:latin typeface="Calibri" panose="020F0502020204030204" pitchFamily="34" charset="0"/>
+                <a:ea typeface="Calibri" panose="020F0502020204030204" pitchFamily="34" charset="0"/>
+                <a:cs typeface="Times New Roman" panose="02020603050405020304" pitchFamily="18" charset="0"/>
+              </a:rPr>
+              <a:t>Tracking the total amount received from borrowers is essential for assessing the bank's cash flow and loan repayment. We should analyse the Month-to-Date (MTD) Total Amount Received and observe the Month-over-Month (MoM) changes.</a:t>
+            </a:r>
+          </a:p>
+          <a:p>
+            <a:pPr marL="342900" lvl="0" indent="-342900" algn="just">
+              <a:lnSpc>
+                <a:spcPct val="150000"/>
+              </a:lnSpc>
+              <a:buFont typeface="+mj-lt"/>
+              <a:buAutoNum type="arabicPeriod"/>
+            </a:pPr>
+            <a:r>
+              <a:rPr lang="en-IN" b="1" kern="100" dirty="0">
+                <a:solidFill>
+                  <a:srgbClr val="FFFF00"/>
+                </a:solidFill>
+                <a:latin typeface="Calibri" panose="020F0502020204030204" pitchFamily="34" charset="0"/>
+                <a:ea typeface="Calibri" panose="020F0502020204030204" pitchFamily="34" charset="0"/>
+                <a:cs typeface="Times New Roman" panose="02020603050405020304" pitchFamily="18" charset="0"/>
+              </a:rPr>
+              <a:t>Average Interest Rate: </a:t>
+            </a:r>
+            <a:r>
+              <a:rPr lang="en-IN" sz="1800" kern="100" dirty="0">
+                <a:solidFill>
+                  <a:schemeClr val="accent1">
+                    <a:lumMod val="20000"/>
+                    <a:lumOff val="80000"/>
+                  </a:schemeClr>
+                </a:solidFill>
+                <a:effectLst/>
+                <a:latin typeface="Calibri" panose="020F0502020204030204" pitchFamily="34" charset="0"/>
+                <a:ea typeface="Calibri" panose="020F0502020204030204" pitchFamily="34" charset="0"/>
+                <a:cs typeface="Times New Roman" panose="02020603050405020304" pitchFamily="18" charset="0"/>
+              </a:rPr>
+              <a:t>Calculating the average interest rate across all loans, MTD, and monitoring the Month-over-Month (MoM) variations in interest rates will provide insights into our lending portfolio's overall cost.</a:t>
+            </a:r>
+          </a:p>
+          <a:p>
+            <a:pPr marL="342900" lvl="0" indent="-342900" algn="just">
+              <a:lnSpc>
+                <a:spcPct val="150000"/>
+              </a:lnSpc>
+              <a:spcAft>
+                <a:spcPts val="800"/>
+              </a:spcAft>
+              <a:buFont typeface="+mj-lt"/>
+              <a:buAutoNum type="arabicPeriod"/>
+            </a:pPr>
+            <a:r>
+              <a:rPr lang="en-IN" b="1" kern="100" dirty="0">
+                <a:solidFill>
+                  <a:srgbClr val="FFFF00"/>
+                </a:solidFill>
+                <a:latin typeface="Calibri" panose="020F0502020204030204" pitchFamily="34" charset="0"/>
+                <a:ea typeface="Calibri" panose="020F0502020204030204" pitchFamily="34" charset="0"/>
+                <a:cs typeface="Times New Roman" panose="02020603050405020304" pitchFamily="18" charset="0"/>
+              </a:rPr>
+              <a:t>Average Debt-to-Income Ratio (DTI): </a:t>
+            </a:r>
+            <a:r>
+              <a:rPr lang="en-IN" sz="1800" kern="100" dirty="0">
+                <a:solidFill>
+                  <a:schemeClr val="accent1">
+                    <a:lumMod val="20000"/>
+                    <a:lumOff val="80000"/>
+                  </a:schemeClr>
+                </a:solidFill>
+                <a:effectLst/>
+                <a:latin typeface="Calibri" panose="020F0502020204030204" pitchFamily="34" charset="0"/>
+                <a:ea typeface="Calibri" panose="020F0502020204030204" pitchFamily="34" charset="0"/>
+                <a:cs typeface="Times New Roman" panose="02020603050405020304" pitchFamily="18" charset="0"/>
+              </a:rPr>
+              <a:t>Evaluating the average DTI for our borrowers helps us gauge their financial health. We need to compute the average DTI for all loans, MTD, and track Month-over-Month (MoM) fluctuations.</a:t>
+            </a:r>
+          </a:p>
+        </p:txBody>
+      </p:sp>
     </p:spTree>
     <p:extLst>
       <p:ext uri="{BB962C8B-B14F-4D97-AF65-F5344CB8AC3E}">
-        <p14:creationId xmlns:p14="http://schemas.microsoft.com/office/powerpoint/2010/main" val="3528695337"/>
+        <p14:creationId xmlns:p14="http://schemas.microsoft.com/office/powerpoint/2010/main" val="2377672083"/>
       </p:ext>
     </p:extLst>
   </p:cSld>
@@ -3893,7 +4145,7 @@
           <p:cNvPr id="2" name="TextBox 1">
             <a:extLst>
               <a:ext uri="{FF2B5EF4-FFF2-40B4-BE49-F238E27FC236}">
-                <a16:creationId xmlns="" xmlns:a16="http://schemas.microsoft.com/office/drawing/2014/main" id="{F2186767-6DBF-43ED-0334-E389A8026F75}"/>
+                <a16:creationId xmlns:a16="http://schemas.microsoft.com/office/drawing/2014/main" xmlns="" id="{F2186767-6DBF-43ED-0334-E389A8026F75}"/>
               </a:ext>
             </a:extLst>
           </p:cNvPr>
@@ -3902,7 +4154,7 @@
         </p:nvSpPr>
         <p:spPr>
           <a:xfrm>
-            <a:off x="127778" y="18514"/>
+            <a:off x="127778" y="57150"/>
             <a:ext cx="9397221" cy="584775"/>
           </a:xfrm>
           <a:prstGeom prst="rect">
@@ -3945,7 +4197,7 @@
           <p:cNvPr id="7" name="Picture 6">
             <a:extLst>
               <a:ext uri="{FF2B5EF4-FFF2-40B4-BE49-F238E27FC236}">
-                <a16:creationId xmlns="" xmlns:a16="http://schemas.microsoft.com/office/drawing/2014/main" id="{4F56E1CB-C23A-8E6C-4322-BE518ECDDE56}"/>
+                <a16:creationId xmlns:a16="http://schemas.microsoft.com/office/drawing/2014/main" xmlns="" id="{4F56E1CB-C23A-8E6C-4322-BE518ECDDE56}"/>
               </a:ext>
             </a:extLst>
           </p:cNvPr>
@@ -3988,7 +4240,7 @@
           <p:cNvPr id="3" name="TextBox 2">
             <a:extLst>
               <a:ext uri="{FF2B5EF4-FFF2-40B4-BE49-F238E27FC236}">
-                <a16:creationId xmlns="" xmlns:a16="http://schemas.microsoft.com/office/drawing/2014/main" id="{1058CA99-5896-CF6F-E3D9-47410F2EEA1D}"/>
+                <a16:creationId xmlns:a16="http://schemas.microsoft.com/office/drawing/2014/main" xmlns="" id="{1058CA99-5896-CF6F-E3D9-47410F2EEA1D}"/>
               </a:ext>
             </a:extLst>
           </p:cNvPr>
@@ -4052,7 +4304,7 @@
           <p:cNvPr id="4" name="TextBox 3">
             <a:extLst>
               <a:ext uri="{FF2B5EF4-FFF2-40B4-BE49-F238E27FC236}">
-                <a16:creationId xmlns="" xmlns:a16="http://schemas.microsoft.com/office/drawing/2014/main" id="{0E3EF215-20BB-527A-E72D-12F6F9355EC2}"/>
+                <a16:creationId xmlns:a16="http://schemas.microsoft.com/office/drawing/2014/main" xmlns="" id="{0E3EF215-20BB-527A-E72D-12F6F9355EC2}"/>
               </a:ext>
             </a:extLst>
           </p:cNvPr>
@@ -4061,8 +4313,8 @@
         </p:nvSpPr>
         <p:spPr>
           <a:xfrm>
-            <a:off x="228600" y="1371600"/>
-            <a:ext cx="11835622" cy="5404685"/>
+            <a:off x="208552" y="1381840"/>
+            <a:ext cx="4981575" cy="2496196"/>
           </a:xfrm>
           <a:prstGeom prst="rect">
             <a:avLst/>
@@ -4083,20 +4335,60 @@
                     <a:lumOff val="40000"/>
                   </a:schemeClr>
                 </a:solidFill>
-                <a:effectLst/>
                 <a:latin typeface="Calibri" panose="020F0502020204030204" pitchFamily="34" charset="0"/>
                 <a:ea typeface="Calibri" panose="020F0502020204030204" pitchFamily="34" charset="0"/>
                 <a:cs typeface="Times New Roman" panose="02020603050405020304" pitchFamily="18" charset="0"/>
               </a:rPr>
-              <a:t>Key Performance Indicators (KPIs) Requirements:</a:t>
-            </a:r>
-            <a:endParaRPr lang="en-IN" sz="2400" kern="100" dirty="0">
+              <a:t>Good Loan v Bad Loan KPI’s</a:t>
+            </a:r>
+          </a:p>
+          <a:p>
+            <a:endParaRPr lang="en-IN" sz="1200" b="1" kern="100" dirty="0">
               <a:solidFill>
                 <a:schemeClr val="accent2">
                   <a:lumMod val="60000"/>
                   <a:lumOff val="40000"/>
                 </a:schemeClr>
               </a:solidFill>
+              <a:latin typeface="Calibri" panose="020F0502020204030204" pitchFamily="34" charset="0"/>
+              <a:ea typeface="Calibri" panose="020F0502020204030204" pitchFamily="34" charset="0"/>
+              <a:cs typeface="Times New Roman" panose="02020603050405020304" pitchFamily="18" charset="0"/>
+            </a:endParaRPr>
+          </a:p>
+          <a:p>
+            <a:r>
+              <a:rPr lang="en-IN" sz="2000" b="1" kern="100" dirty="0">
+                <a:solidFill>
+                  <a:srgbClr val="00B0F0"/>
+                </a:solidFill>
+                <a:latin typeface="Calibri" panose="020F0502020204030204" pitchFamily="34" charset="0"/>
+                <a:ea typeface="Calibri" panose="020F0502020204030204" pitchFamily="34" charset="0"/>
+                <a:cs typeface="Times New Roman" panose="02020603050405020304" pitchFamily="18" charset="0"/>
+              </a:rPr>
+              <a:t>Good Loan:</a:t>
+            </a:r>
+          </a:p>
+          <a:p>
+            <a:pPr marL="342900" indent="-342900">
+              <a:buFont typeface="+mj-lt"/>
+              <a:buAutoNum type="arabicPeriod"/>
+            </a:pPr>
+            <a:r>
+              <a:rPr lang="en-IN" sz="1800" b="1" dirty="0">
+                <a:solidFill>
+                  <a:schemeClr val="bg1"/>
+                </a:solidFill>
+                <a:effectLst/>
+                <a:latin typeface="Calibri" panose="020F0502020204030204" pitchFamily="34" charset="0"/>
+                <a:ea typeface="Calibri" panose="020F0502020204030204" pitchFamily="34" charset="0"/>
+                <a:cs typeface="Times New Roman" panose="02020603050405020304" pitchFamily="18" charset="0"/>
+              </a:rPr>
+              <a:t>Good Loan Application Percentage</a:t>
+            </a:r>
+            <a:endParaRPr lang="en-IN" sz="2400" b="1" kern="100" dirty="0">
+              <a:solidFill>
+                <a:schemeClr val="bg1"/>
+              </a:solidFill>
               <a:effectLst/>
               <a:latin typeface="Calibri" panose="020F0502020204030204" pitchFamily="34" charset="0"/>
               <a:ea typeface="Calibri" panose="020F0502020204030204" pitchFamily="34" charset="0"/>
@@ -4104,7 +4396,7 @@
             </a:endParaRPr>
           </a:p>
           <a:p>
-            <a:pPr marL="342900" lvl="0" indent="-342900" algn="just">
+            <a:pPr marL="342900" indent="-342900">
               <a:lnSpc>
                 <a:spcPct val="150000"/>
               </a:lnSpc>
@@ -4112,47 +4404,28 @@
               <a:buAutoNum type="arabicPeriod"/>
             </a:pPr>
             <a:r>
-              <a:rPr lang="en-IN" sz="1800" b="1" kern="100" dirty="0">
-                <a:solidFill>
-                  <a:srgbClr val="FFFF00"/>
+              <a:rPr lang="en-IN" sz="1800" b="1" dirty="0">
+                <a:solidFill>
+                  <a:schemeClr val="bg1"/>
                 </a:solidFill>
                 <a:effectLst/>
                 <a:latin typeface="Calibri" panose="020F0502020204030204" pitchFamily="34" charset="0"/>
                 <a:ea typeface="Calibri" panose="020F0502020204030204" pitchFamily="34" charset="0"/>
                 <a:cs typeface="Times New Roman" panose="02020603050405020304" pitchFamily="18" charset="0"/>
               </a:rPr>
-              <a:t>Total Loan Applications:</a:t>
-            </a:r>
-            <a:r>
-              <a:rPr lang="en-IN" sz="1800" kern="100" dirty="0">
-                <a:solidFill>
-                  <a:srgbClr val="FFFF00"/>
-                </a:solidFill>
-                <a:effectLst/>
-                <a:latin typeface="Calibri" panose="020F0502020204030204" pitchFamily="34" charset="0"/>
-                <a:ea typeface="Calibri" panose="020F0502020204030204" pitchFamily="34" charset="0"/>
-                <a:cs typeface="Times New Roman" panose="02020603050405020304" pitchFamily="18" charset="0"/>
-              </a:rPr>
-              <a:t> </a:t>
-            </a:r>
-            <a:r>
-              <a:rPr lang="en-IN" sz="1800" kern="100" dirty="0">
-                <a:solidFill>
-                  <a:schemeClr val="accent1">
-                    <a:lumMod val="20000"/>
-                    <a:lumOff val="80000"/>
-                  </a:schemeClr>
-                </a:solidFill>
-                <a:effectLst/>
-                <a:latin typeface="Calibri" panose="020F0502020204030204" pitchFamily="34" charset="0"/>
-                <a:ea typeface="Calibri" panose="020F0502020204030204" pitchFamily="34" charset="0"/>
-                <a:cs typeface="Times New Roman" panose="02020603050405020304" pitchFamily="18" charset="0"/>
-              </a:rPr>
-              <a:t>We need to calculate the total number of loan applications received during a specified period. Additionally, it is essential to monitor the Month-to-Date (MTD) Loan Applications and track changes Month-over-Month (MoM).</a:t>
-            </a:r>
-          </a:p>
-          <a:p>
-            <a:pPr marL="342900" lvl="0" indent="-342900" algn="just">
+              <a:t>Good Loan Applications</a:t>
+            </a:r>
+            <a:endParaRPr lang="en-IN" sz="2400" b="1" kern="100" dirty="0">
+              <a:solidFill>
+                <a:schemeClr val="bg1"/>
+              </a:solidFill>
+              <a:latin typeface="Calibri" panose="020F0502020204030204" pitchFamily="34" charset="0"/>
+              <a:ea typeface="Calibri" panose="020F0502020204030204" pitchFamily="34" charset="0"/>
+              <a:cs typeface="Times New Roman" panose="02020603050405020304" pitchFamily="18" charset="0"/>
+            </a:endParaRPr>
+          </a:p>
+          <a:p>
+            <a:pPr marL="342900" indent="-342900">
               <a:lnSpc>
                 <a:spcPct val="150000"/>
               </a:lnSpc>
@@ -4160,34 +4433,29 @@
               <a:buAutoNum type="arabicPeriod"/>
             </a:pPr>
             <a:r>
-              <a:rPr lang="en-IN" b="1" kern="100" dirty="0">
-                <a:solidFill>
-                  <a:srgbClr val="FFFF00"/>
-                </a:solidFill>
-                <a:latin typeface="Calibri" panose="020F0502020204030204" pitchFamily="34" charset="0"/>
-                <a:ea typeface="Calibri" panose="020F0502020204030204" pitchFamily="34" charset="0"/>
-                <a:cs typeface="Times New Roman" panose="02020603050405020304" pitchFamily="18" charset="0"/>
-              </a:rPr>
-              <a:t>Total Funded Amount: </a:t>
-            </a:r>
-            <a:r>
-              <a:rPr lang="en-IN" sz="1800" kern="100" dirty="0">
-                <a:solidFill>
-                  <a:schemeClr val="accent1">
-                    <a:lumMod val="20000"/>
-                    <a:lumOff val="80000"/>
-                  </a:schemeClr>
+              <a:rPr lang="en-IN" sz="1800" b="1" dirty="0">
+                <a:solidFill>
+                  <a:schemeClr val="bg1"/>
                 </a:solidFill>
                 <a:effectLst/>
                 <a:latin typeface="Calibri" panose="020F0502020204030204" pitchFamily="34" charset="0"/>
                 <a:ea typeface="Calibri" panose="020F0502020204030204" pitchFamily="34" charset="0"/>
                 <a:cs typeface="Times New Roman" panose="02020603050405020304" pitchFamily="18" charset="0"/>
               </a:rPr>
-              <a:t>Understanding the total amount of funds disbursed as loans is crucial. We also want to keep an eye on the MTD Total Funded Amount and analyse the Month-over-Month (MoM) changes in this metric.</a:t>
-            </a:r>
-          </a:p>
-          <a:p>
-            <a:pPr marL="342900" lvl="0" indent="-342900" algn="just">
+              <a:t>Good Loan Funded Amount</a:t>
+            </a:r>
+            <a:endParaRPr lang="en-IN" sz="2400" b="1" kern="100" dirty="0">
+              <a:solidFill>
+                <a:schemeClr val="bg1"/>
+              </a:solidFill>
+              <a:effectLst/>
+              <a:latin typeface="Calibri" panose="020F0502020204030204" pitchFamily="34" charset="0"/>
+              <a:ea typeface="Calibri" panose="020F0502020204030204" pitchFamily="34" charset="0"/>
+              <a:cs typeface="Times New Roman" panose="02020603050405020304" pitchFamily="18" charset="0"/>
+            </a:endParaRPr>
+          </a:p>
+          <a:p>
+            <a:pPr marL="342900" indent="-342900">
               <a:lnSpc>
                 <a:spcPct val="150000"/>
               </a:lnSpc>
@@ -4195,34 +4463,98 @@
               <a:buAutoNum type="arabicPeriod"/>
             </a:pPr>
             <a:r>
-              <a:rPr lang="en-IN" b="1" kern="100" dirty="0">
-                <a:solidFill>
-                  <a:srgbClr val="FFFF00"/>
-                </a:solidFill>
-                <a:latin typeface="Calibri" panose="020F0502020204030204" pitchFamily="34" charset="0"/>
-                <a:ea typeface="Calibri" panose="020F0502020204030204" pitchFamily="34" charset="0"/>
-                <a:cs typeface="Times New Roman" panose="02020603050405020304" pitchFamily="18" charset="0"/>
-              </a:rPr>
-              <a:t>Total Amount Received: </a:t>
-            </a:r>
-            <a:r>
-              <a:rPr lang="en-IN" sz="1800" kern="100" dirty="0">
-                <a:solidFill>
-                  <a:schemeClr val="accent1">
-                    <a:lumMod val="20000"/>
-                    <a:lumOff val="80000"/>
-                  </a:schemeClr>
+              <a:rPr lang="en-IN" sz="1800" b="1" dirty="0">
+                <a:solidFill>
+                  <a:schemeClr val="bg1"/>
                 </a:solidFill>
                 <a:effectLst/>
                 <a:latin typeface="Calibri" panose="020F0502020204030204" pitchFamily="34" charset="0"/>
                 <a:ea typeface="Calibri" panose="020F0502020204030204" pitchFamily="34" charset="0"/>
                 <a:cs typeface="Times New Roman" panose="02020603050405020304" pitchFamily="18" charset="0"/>
               </a:rPr>
-              <a:t>Tracking the total amount received from borrowers is essential for assessing the bank's cash flow and loan repayment. We should analyse the Month-to-Date (MTD) Total Amount Received and observe the Month-over-Month (MoM) changes.</a:t>
-            </a:r>
-          </a:p>
-          <a:p>
-            <a:pPr marL="342900" lvl="0" indent="-342900" algn="just">
+              <a:t>Good Loan Total Received Amount</a:t>
+            </a:r>
+            <a:endParaRPr lang="en-IN" sz="2400" kern="100" dirty="0">
+              <a:solidFill>
+                <a:schemeClr val="bg1"/>
+              </a:solidFill>
+              <a:effectLst/>
+              <a:latin typeface="Calibri" panose="020F0502020204030204" pitchFamily="34" charset="0"/>
+              <a:ea typeface="Calibri" panose="020F0502020204030204" pitchFamily="34" charset="0"/>
+              <a:cs typeface="Times New Roman" panose="02020603050405020304" pitchFamily="18" charset="0"/>
+            </a:endParaRPr>
+          </a:p>
+        </p:txBody>
+      </p:sp>
+      <p:sp>
+        <p:nvSpPr>
+          <p:cNvPr id="5" name="TextBox 4">
+            <a:extLst>
+              <a:ext uri="{FF2B5EF4-FFF2-40B4-BE49-F238E27FC236}">
+                <a16:creationId xmlns:a16="http://schemas.microsoft.com/office/drawing/2014/main" xmlns="" id="{1BC36B1B-46BC-47F8-6C86-7B04F62B2F7F}"/>
+              </a:ext>
+            </a:extLst>
+          </p:cNvPr>
+          <p:cNvSpPr txBox="1"/>
+          <p:nvPr/>
+        </p:nvSpPr>
+        <p:spPr>
+          <a:xfrm>
+            <a:off x="7001874" y="1966615"/>
+            <a:ext cx="4391025" cy="1911421"/>
+          </a:xfrm>
+          <a:prstGeom prst="rect">
+            <a:avLst/>
+          </a:prstGeom>
+          <a:noFill/>
+        </p:spPr>
+        <p:txBody>
+          <a:bodyPr wrap="square" rtlCol="0">
+            <a:spAutoFit/>
+          </a:bodyPr>
+          <a:lstStyle/>
+          <a:p>
+            <a:r>
+              <a:rPr lang="en-IN" sz="2000" b="1" kern="100" dirty="0">
+                <a:solidFill>
+                  <a:srgbClr val="00B0F0"/>
+                </a:solidFill>
+                <a:latin typeface="Calibri" panose="020F0502020204030204" pitchFamily="34" charset="0"/>
+                <a:ea typeface="Calibri" panose="020F0502020204030204" pitchFamily="34" charset="0"/>
+                <a:cs typeface="Times New Roman" panose="02020603050405020304" pitchFamily="18" charset="0"/>
+              </a:rPr>
+              <a:t>Bad Loan</a:t>
+            </a:r>
+          </a:p>
+          <a:p>
+            <a:pPr marL="342900" indent="-342900">
+              <a:buFont typeface="+mj-lt"/>
+              <a:buAutoNum type="arabicPeriod"/>
+            </a:pPr>
+            <a:r>
+              <a:rPr lang="en-IN" sz="1800" b="1" dirty="0">
+                <a:solidFill>
+                  <a:schemeClr val="bg1"/>
+                </a:solidFill>
+                <a:effectLst/>
+                <a:latin typeface="Calibri" panose="020F0502020204030204" pitchFamily="34" charset="0"/>
+                <a:ea typeface="Calibri" panose="020F0502020204030204" pitchFamily="34" charset="0"/>
+                <a:cs typeface="Times New Roman" panose="02020603050405020304" pitchFamily="18" charset="0"/>
+              </a:rPr>
+              <a:t>Bad Loan Application Percentage</a:t>
+            </a:r>
+            <a:endParaRPr lang="en-IN" sz="2400" b="1" kern="100" dirty="0">
+              <a:solidFill>
+                <a:schemeClr val="bg1"/>
+              </a:solidFill>
+              <a:effectLst/>
+              <a:latin typeface="Calibri" panose="020F0502020204030204" pitchFamily="34" charset="0"/>
+              <a:ea typeface="Calibri" panose="020F0502020204030204" pitchFamily="34" charset="0"/>
+              <a:cs typeface="Times New Roman" panose="02020603050405020304" pitchFamily="18" charset="0"/>
+            </a:endParaRPr>
+          </a:p>
+          <a:p>
+            <a:pPr marL="342900" indent="-342900">
               <a:lnSpc>
                 <a:spcPct val="150000"/>
               </a:lnSpc>
@@ -4230,76 +4562,169 @@
               <a:buAutoNum type="arabicPeriod"/>
             </a:pPr>
             <a:r>
-              <a:rPr lang="en-IN" b="1" kern="100" dirty="0">
-                <a:solidFill>
-                  <a:srgbClr val="FFFF00"/>
-                </a:solidFill>
-                <a:latin typeface="Calibri" panose="020F0502020204030204" pitchFamily="34" charset="0"/>
-                <a:ea typeface="Calibri" panose="020F0502020204030204" pitchFamily="34" charset="0"/>
-                <a:cs typeface="Times New Roman" panose="02020603050405020304" pitchFamily="18" charset="0"/>
-              </a:rPr>
-              <a:t>Average Interest Rate: </a:t>
-            </a:r>
-            <a:r>
-              <a:rPr lang="en-IN" sz="1800" kern="100" dirty="0">
-                <a:solidFill>
-                  <a:schemeClr val="accent1">
-                    <a:lumMod val="20000"/>
-                    <a:lumOff val="80000"/>
-                  </a:schemeClr>
+              <a:rPr lang="en-IN" sz="1800" b="1" dirty="0">
+                <a:solidFill>
+                  <a:schemeClr val="bg1"/>
                 </a:solidFill>
                 <a:effectLst/>
                 <a:latin typeface="Calibri" panose="020F0502020204030204" pitchFamily="34" charset="0"/>
                 <a:ea typeface="Calibri" panose="020F0502020204030204" pitchFamily="34" charset="0"/>
                 <a:cs typeface="Times New Roman" panose="02020603050405020304" pitchFamily="18" charset="0"/>
               </a:rPr>
-              <a:t>Calculating the average interest rate across all loans, MTD, and monitoring the Month-over-Month (MoM) variations in interest rates will provide insights into our lending portfolio's overall cost.</a:t>
-            </a:r>
-          </a:p>
-          <a:p>
-            <a:pPr marL="342900" lvl="0" indent="-342900" algn="just">
+              <a:t>Bad Loan Applications</a:t>
+            </a:r>
+            <a:endParaRPr lang="en-IN" sz="2400" b="1" kern="100" dirty="0">
+              <a:solidFill>
+                <a:schemeClr val="bg1"/>
+              </a:solidFill>
+              <a:latin typeface="Calibri" panose="020F0502020204030204" pitchFamily="34" charset="0"/>
+              <a:ea typeface="Calibri" panose="020F0502020204030204" pitchFamily="34" charset="0"/>
+              <a:cs typeface="Times New Roman" panose="02020603050405020304" pitchFamily="18" charset="0"/>
+            </a:endParaRPr>
+          </a:p>
+          <a:p>
+            <a:pPr marL="342900" indent="-342900">
               <a:lnSpc>
                 <a:spcPct val="150000"/>
               </a:lnSpc>
-              <a:spcAft>
-                <a:spcPts val="800"/>
-              </a:spcAft>
               <a:buFont typeface="+mj-lt"/>
               <a:buAutoNum type="arabicPeriod"/>
             </a:pPr>
             <a:r>
-              <a:rPr lang="en-IN" b="1" kern="100" dirty="0">
-                <a:solidFill>
-                  <a:srgbClr val="FFFF00"/>
-                </a:solidFill>
-                <a:latin typeface="Calibri" panose="020F0502020204030204" pitchFamily="34" charset="0"/>
-                <a:ea typeface="Calibri" panose="020F0502020204030204" pitchFamily="34" charset="0"/>
-                <a:cs typeface="Times New Roman" panose="02020603050405020304" pitchFamily="18" charset="0"/>
-              </a:rPr>
-              <a:t>Average Debt-to-Income Ratio (DTI): </a:t>
-            </a:r>
-            <a:r>
-              <a:rPr lang="en-IN" sz="1800" kern="100" dirty="0">
-                <a:solidFill>
-                  <a:schemeClr val="accent1">
-                    <a:lumMod val="20000"/>
-                    <a:lumOff val="80000"/>
-                  </a:schemeClr>
+              <a:rPr lang="en-IN" sz="1800" b="1" dirty="0">
+                <a:solidFill>
+                  <a:schemeClr val="bg1"/>
                 </a:solidFill>
                 <a:effectLst/>
                 <a:latin typeface="Calibri" panose="020F0502020204030204" pitchFamily="34" charset="0"/>
                 <a:ea typeface="Calibri" panose="020F0502020204030204" pitchFamily="34" charset="0"/>
                 <a:cs typeface="Times New Roman" panose="02020603050405020304" pitchFamily="18" charset="0"/>
               </a:rPr>
-              <a:t>Evaluating the average DTI for our borrowers helps us gauge their financial health. We need to compute the average DTI for all loans, MTD, and track Month-over-Month (MoM) fluctuations.</a:t>
-            </a:r>
+              <a:t>Bad Loan Funded Amount</a:t>
+            </a:r>
+            <a:endParaRPr lang="en-IN" sz="2400" b="1" kern="100" dirty="0">
+              <a:solidFill>
+                <a:schemeClr val="bg1"/>
+              </a:solidFill>
+              <a:effectLst/>
+              <a:latin typeface="Calibri" panose="020F0502020204030204" pitchFamily="34" charset="0"/>
+              <a:ea typeface="Calibri" panose="020F0502020204030204" pitchFamily="34" charset="0"/>
+              <a:cs typeface="Times New Roman" panose="02020603050405020304" pitchFamily="18" charset="0"/>
+            </a:endParaRPr>
+          </a:p>
+          <a:p>
+            <a:pPr marL="342900" indent="-342900">
+              <a:lnSpc>
+                <a:spcPct val="150000"/>
+              </a:lnSpc>
+              <a:buFont typeface="+mj-lt"/>
+              <a:buAutoNum type="arabicPeriod"/>
+            </a:pPr>
+            <a:r>
+              <a:rPr lang="en-IN" sz="1800" b="1" dirty="0">
+                <a:solidFill>
+                  <a:schemeClr val="bg1"/>
+                </a:solidFill>
+                <a:effectLst/>
+                <a:latin typeface="Calibri" panose="020F0502020204030204" pitchFamily="34" charset="0"/>
+                <a:ea typeface="Calibri" panose="020F0502020204030204" pitchFamily="34" charset="0"/>
+                <a:cs typeface="Times New Roman" panose="02020603050405020304" pitchFamily="18" charset="0"/>
+              </a:rPr>
+              <a:t>Bad Loan Total Received Amount</a:t>
+            </a:r>
+            <a:endParaRPr lang="en-IN" sz="2400" kern="100" dirty="0">
+              <a:solidFill>
+                <a:schemeClr val="bg1"/>
+              </a:solidFill>
+              <a:effectLst/>
+              <a:latin typeface="Calibri" panose="020F0502020204030204" pitchFamily="34" charset="0"/>
+              <a:ea typeface="Calibri" panose="020F0502020204030204" pitchFamily="34" charset="0"/>
+              <a:cs typeface="Times New Roman" panose="02020603050405020304" pitchFamily="18" charset="0"/>
+            </a:endParaRPr>
+          </a:p>
+        </p:txBody>
+      </p:sp>
+      <p:sp>
+        <p:nvSpPr>
+          <p:cNvPr id="6" name="TextBox 5">
+            <a:extLst>
+              <a:ext uri="{FF2B5EF4-FFF2-40B4-BE49-F238E27FC236}">
+                <a16:creationId xmlns:a16="http://schemas.microsoft.com/office/drawing/2014/main" xmlns="" id="{E5340642-52BE-80AC-4C5E-F8F223F9BB8F}"/>
+              </a:ext>
+            </a:extLst>
+          </p:cNvPr>
+          <p:cNvSpPr txBox="1"/>
+          <p:nvPr/>
+        </p:nvSpPr>
+        <p:spPr>
+          <a:xfrm>
+            <a:off x="228599" y="4159439"/>
+            <a:ext cx="11572876" cy="2026196"/>
+          </a:xfrm>
+          <a:prstGeom prst="rect">
+            <a:avLst/>
+          </a:prstGeom>
+          <a:noFill/>
+        </p:spPr>
+        <p:txBody>
+          <a:bodyPr wrap="square" rtlCol="0">
+            <a:spAutoFit/>
+          </a:bodyPr>
+          <a:lstStyle/>
+          <a:p>
+            <a:pPr algn="just">
+              <a:spcAft>
+                <a:spcPts val="800"/>
+              </a:spcAft>
+            </a:pPr>
+            <a:r>
+              <a:rPr lang="en-IN" sz="2400" b="1" kern="100" dirty="0">
+                <a:solidFill>
+                  <a:schemeClr val="accent2">
+                    <a:lumMod val="60000"/>
+                    <a:lumOff val="40000"/>
+                  </a:schemeClr>
+                </a:solidFill>
+                <a:latin typeface="Calibri" panose="020F0502020204030204" pitchFamily="34" charset="0"/>
+                <a:ea typeface="Calibri" panose="020F0502020204030204" pitchFamily="34" charset="0"/>
+                <a:cs typeface="Times New Roman" panose="02020603050405020304" pitchFamily="18" charset="0"/>
+              </a:rPr>
+              <a:t>Loan Status Grid View</a:t>
+            </a:r>
+          </a:p>
+          <a:p>
+            <a:pPr algn="just">
+              <a:spcAft>
+                <a:spcPts val="800"/>
+              </a:spcAft>
+            </a:pPr>
+            <a:r>
+              <a:rPr lang="en-IN" sz="1900" dirty="0">
+                <a:solidFill>
+                  <a:schemeClr val="bg1"/>
+                </a:solidFill>
+                <a:effectLst/>
+                <a:latin typeface="Calibri" panose="020F0502020204030204" pitchFamily="34" charset="0"/>
+                <a:ea typeface="Calibri" panose="020F0502020204030204" pitchFamily="34" charset="0"/>
+                <a:cs typeface="Times New Roman" panose="02020603050405020304" pitchFamily="18" charset="0"/>
+              </a:rPr>
+              <a:t>In order to gain a comprehensive overview of our lending operations and monitor the performance of loans, we aim to create a grid view report categorized by 'Loan Status.’ By providing insights into metrics such as 'Total Loan Applications,' 'Total Funded Amount,' 'Total Amount Received,' 'Month-to-Date (MTD) Funded Amount,' 'MTD Amount Received,' 'Average Interest Rate,' and 'Average Debt-to-Income Ratio (DTI),' this grid view will empower us to make data-driven decisions and assess the health of our loan portfolio.</a:t>
+            </a:r>
+            <a:endParaRPr lang="en-IN" sz="1900" b="1" kern="100" dirty="0">
+              <a:solidFill>
+                <a:schemeClr val="bg1"/>
+              </a:solidFill>
+              <a:latin typeface="Calibri" panose="020F0502020204030204" pitchFamily="34" charset="0"/>
+              <a:ea typeface="Calibri" panose="020F0502020204030204" pitchFamily="34" charset="0"/>
+              <a:cs typeface="Times New Roman" panose="02020603050405020304" pitchFamily="18" charset="0"/>
+            </a:endParaRPr>
           </a:p>
         </p:txBody>
       </p:sp>
     </p:spTree>
     <p:extLst>
       <p:ext uri="{BB962C8B-B14F-4D97-AF65-F5344CB8AC3E}">
-        <p14:creationId xmlns:p14="http://schemas.microsoft.com/office/powerpoint/2010/main" val="2377672083"/>
+        <p14:creationId xmlns:p14="http://schemas.microsoft.com/office/powerpoint/2010/main" val="2188389533"/>
       </p:ext>
     </p:extLst>
   </p:cSld>
@@ -4344,7 +4769,7 @@
           <p:cNvPr id="2" name="TextBox 1">
             <a:extLst>
               <a:ext uri="{FF2B5EF4-FFF2-40B4-BE49-F238E27FC236}">
-                <a16:creationId xmlns="" xmlns:a16="http://schemas.microsoft.com/office/drawing/2014/main" id="{F2186767-6DBF-43ED-0334-E389A8026F75}"/>
+                <a16:creationId xmlns:a16="http://schemas.microsoft.com/office/drawing/2014/main" xmlns="" id="{F2186767-6DBF-43ED-0334-E389A8026F75}"/>
               </a:ext>
             </a:extLst>
           </p:cNvPr>
@@ -4396,7 +4821,7 @@
           <p:cNvPr id="7" name="Picture 6">
             <a:extLst>
               <a:ext uri="{FF2B5EF4-FFF2-40B4-BE49-F238E27FC236}">
-                <a16:creationId xmlns="" xmlns:a16="http://schemas.microsoft.com/office/drawing/2014/main" id="{4F56E1CB-C23A-8E6C-4322-BE518ECDDE56}"/>
+                <a16:creationId xmlns:a16="http://schemas.microsoft.com/office/drawing/2014/main" xmlns="" id="{4F56E1CB-C23A-8E6C-4322-BE518ECDDE56}"/>
               </a:ext>
             </a:extLst>
           </p:cNvPr>
@@ -4439,7 +4864,7 @@
           <p:cNvPr id="3" name="TextBox 2">
             <a:extLst>
               <a:ext uri="{FF2B5EF4-FFF2-40B4-BE49-F238E27FC236}">
-                <a16:creationId xmlns="" xmlns:a16="http://schemas.microsoft.com/office/drawing/2014/main" id="{1058CA99-5896-CF6F-E3D9-47410F2EEA1D}"/>
+                <a16:creationId xmlns:a16="http://schemas.microsoft.com/office/drawing/2014/main" xmlns="" id="{1058CA99-5896-CF6F-E3D9-47410F2EEA1D}"/>
               </a:ext>
             </a:extLst>
           </p:cNvPr>
@@ -4478,7 +4903,7 @@
                 <a:ea typeface="Calibri" panose="020F0502020204030204" pitchFamily="34" charset="0"/>
                 <a:cs typeface="Times New Roman" panose="02020603050405020304" pitchFamily="18" charset="0"/>
               </a:rPr>
-              <a:t>DASHBOARD 1: SUMMARY</a:t>
+              <a:t>DASHBOARD 2: OVERVIEW</a:t>
             </a:r>
             <a:endParaRPr lang="en-IN" sz="2400" kern="100" dirty="0">
               <a:solidFill>
@@ -4503,7 +4928,7 @@
           <p:cNvPr id="4" name="TextBox 3">
             <a:extLst>
               <a:ext uri="{FF2B5EF4-FFF2-40B4-BE49-F238E27FC236}">
-                <a16:creationId xmlns="" xmlns:a16="http://schemas.microsoft.com/office/drawing/2014/main" id="{0E3EF215-20BB-527A-E72D-12F6F9355EC2}"/>
+                <a16:creationId xmlns:a16="http://schemas.microsoft.com/office/drawing/2014/main" xmlns="" id="{0E3EF215-20BB-527A-E72D-12F6F9355EC2}"/>
               </a:ext>
             </a:extLst>
           </p:cNvPr>
@@ -4512,8 +4937,8 @@
         </p:nvSpPr>
         <p:spPr>
           <a:xfrm>
-            <a:off x="208552" y="1381840"/>
-            <a:ext cx="4981575" cy="2496196"/>
+            <a:off x="228600" y="1314450"/>
+            <a:ext cx="11420475" cy="5401479"/>
           </a:xfrm>
           <a:prstGeom prst="rect">
             <a:avLst/>
@@ -4527,22 +4952,279 @@
           <a:lstStyle/>
           <a:p>
             <a:r>
-              <a:rPr lang="en-IN" sz="2400" b="1" kern="100" dirty="0">
+              <a:rPr lang="en-IN" sz="2800" b="1" kern="100" dirty="0">
                 <a:solidFill>
                   <a:schemeClr val="accent2">
                     <a:lumMod val="60000"/>
                     <a:lumOff val="40000"/>
                   </a:schemeClr>
                 </a:solidFill>
+                <a:effectLst/>
                 <a:latin typeface="Calibri" panose="020F0502020204030204" pitchFamily="34" charset="0"/>
                 <a:ea typeface="Calibri" panose="020F0502020204030204" pitchFamily="34" charset="0"/>
                 <a:cs typeface="Times New Roman" panose="02020603050405020304" pitchFamily="18" charset="0"/>
               </a:rPr>
-              <a:t>Good Loan v Bad Loan KPI’s</a:t>
-            </a:r>
-          </a:p>
-          <a:p>
-            <a:endParaRPr lang="en-IN" sz="1200" b="1" kern="100" dirty="0">
+              <a:t>CHARTS</a:t>
+            </a:r>
+          </a:p>
+          <a:p>
+            <a:pPr marL="342900" indent="-342900">
+              <a:lnSpc>
+                <a:spcPct val="150000"/>
+              </a:lnSpc>
+              <a:buFont typeface="+mj-lt"/>
+              <a:buAutoNum type="arabicPeriod"/>
+            </a:pPr>
+            <a:r>
+              <a:rPr lang="en-IN" b="1" kern="100" dirty="0">
+                <a:solidFill>
+                  <a:schemeClr val="accent4">
+                    <a:lumMod val="60000"/>
+                    <a:lumOff val="40000"/>
+                  </a:schemeClr>
+                </a:solidFill>
+                <a:effectLst/>
+                <a:latin typeface="Calibri" panose="020F0502020204030204" pitchFamily="34" charset="0"/>
+                <a:ea typeface="Calibri" panose="020F0502020204030204" pitchFamily="34" charset="0"/>
+                <a:cs typeface="Times New Roman" panose="02020603050405020304" pitchFamily="18" charset="0"/>
+              </a:rPr>
+              <a:t>Monthly Trends by Issue Date (Line Chart):  </a:t>
+            </a:r>
+            <a:r>
+              <a:rPr lang="en-IN" kern="100" dirty="0">
+                <a:solidFill>
+                  <a:schemeClr val="bg1"/>
+                </a:solidFill>
+                <a:effectLst/>
+                <a:latin typeface="Calibri" panose="020F0502020204030204" pitchFamily="34" charset="0"/>
+                <a:ea typeface="Calibri" panose="020F0502020204030204" pitchFamily="34" charset="0"/>
+                <a:cs typeface="Times New Roman" panose="02020603050405020304" pitchFamily="18" charset="0"/>
+              </a:rPr>
+              <a:t>To </a:t>
+            </a:r>
+            <a:r>
+              <a:rPr lang="en-IN" dirty="0">
+                <a:solidFill>
+                  <a:schemeClr val="bg1"/>
+                </a:solidFill>
+                <a:effectLst/>
+                <a:latin typeface="Calibri" panose="020F0502020204030204" pitchFamily="34" charset="0"/>
+                <a:ea typeface="Calibri" panose="020F0502020204030204" pitchFamily="34" charset="0"/>
+                <a:cs typeface="Times New Roman" panose="02020603050405020304" pitchFamily="18" charset="0"/>
+              </a:rPr>
+              <a:t>identify seasonality and long-term trends in lending activities</a:t>
+            </a:r>
+            <a:endParaRPr lang="en-IN" kern="100" dirty="0">
+              <a:solidFill>
+                <a:schemeClr val="bg1"/>
+              </a:solidFill>
+              <a:effectLst/>
+              <a:latin typeface="Calibri" panose="020F0502020204030204" pitchFamily="34" charset="0"/>
+              <a:ea typeface="Calibri" panose="020F0502020204030204" pitchFamily="34" charset="0"/>
+              <a:cs typeface="Times New Roman" panose="02020603050405020304" pitchFamily="18" charset="0"/>
+            </a:endParaRPr>
+          </a:p>
+          <a:p>
+            <a:pPr marL="342900" indent="-342900">
+              <a:lnSpc>
+                <a:spcPct val="150000"/>
+              </a:lnSpc>
+              <a:buFont typeface="+mj-lt"/>
+              <a:buAutoNum type="arabicPeriod"/>
+            </a:pPr>
+            <a:r>
+              <a:rPr lang="en-IN" b="1" dirty="0">
+                <a:solidFill>
+                  <a:schemeClr val="accent4">
+                    <a:lumMod val="60000"/>
+                    <a:lumOff val="40000"/>
+                  </a:schemeClr>
+                </a:solidFill>
+                <a:effectLst/>
+                <a:latin typeface="Calibri" panose="020F0502020204030204" pitchFamily="34" charset="0"/>
+                <a:ea typeface="Calibri" panose="020F0502020204030204" pitchFamily="34" charset="0"/>
+                <a:cs typeface="Times New Roman" panose="02020603050405020304" pitchFamily="18" charset="0"/>
+              </a:rPr>
+              <a:t>Regional Analysis by State (Filled Map</a:t>
+            </a:r>
+            <a:r>
+              <a:rPr lang="en-IN" b="1" dirty="0">
+                <a:solidFill>
+                  <a:schemeClr val="accent4">
+                    <a:lumMod val="60000"/>
+                    <a:lumOff val="40000"/>
+                  </a:schemeClr>
+                </a:solidFill>
+                <a:latin typeface="Calibri" panose="020F0502020204030204" pitchFamily="34" charset="0"/>
+                <a:ea typeface="Calibri" panose="020F0502020204030204" pitchFamily="34" charset="0"/>
+                <a:cs typeface="Times New Roman" panose="02020603050405020304" pitchFamily="18" charset="0"/>
+              </a:rPr>
+              <a:t>):</a:t>
+            </a:r>
+            <a:r>
+              <a:rPr lang="en-IN" dirty="0">
+                <a:solidFill>
+                  <a:schemeClr val="bg1"/>
+                </a:solidFill>
+                <a:latin typeface="Calibri" panose="020F0502020204030204" pitchFamily="34" charset="0"/>
+                <a:ea typeface="Calibri" panose="020F0502020204030204" pitchFamily="34" charset="0"/>
+                <a:cs typeface="Times New Roman" panose="02020603050405020304" pitchFamily="18" charset="0"/>
+              </a:rPr>
+              <a:t> To identify regions with significant lending activity and assess regional disparities</a:t>
+            </a:r>
+          </a:p>
+          <a:p>
+            <a:pPr marL="342900" indent="-342900">
+              <a:lnSpc>
+                <a:spcPct val="150000"/>
+              </a:lnSpc>
+              <a:buFont typeface="+mj-lt"/>
+              <a:buAutoNum type="arabicPeriod"/>
+            </a:pPr>
+            <a:r>
+              <a:rPr lang="en-IN" b="1" dirty="0">
+                <a:solidFill>
+                  <a:schemeClr val="accent4">
+                    <a:lumMod val="60000"/>
+                    <a:lumOff val="40000"/>
+                  </a:schemeClr>
+                </a:solidFill>
+                <a:effectLst/>
+                <a:latin typeface="Calibri" panose="020F0502020204030204" pitchFamily="34" charset="0"/>
+                <a:ea typeface="Calibri" panose="020F0502020204030204" pitchFamily="34" charset="0"/>
+                <a:cs typeface="Times New Roman" panose="02020603050405020304" pitchFamily="18" charset="0"/>
+              </a:rPr>
+              <a:t>Loan Term Analysis (Donut Chart): </a:t>
+            </a:r>
+            <a:r>
+              <a:rPr lang="en-IN" dirty="0">
+                <a:solidFill>
+                  <a:schemeClr val="bg1"/>
+                </a:solidFill>
+                <a:latin typeface="Calibri" panose="020F0502020204030204" pitchFamily="34" charset="0"/>
+                <a:ea typeface="Calibri" panose="020F0502020204030204" pitchFamily="34" charset="0"/>
+                <a:cs typeface="Times New Roman" panose="02020603050405020304" pitchFamily="18" charset="0"/>
+              </a:rPr>
+              <a:t>To allow the client to understand the distribution of loans across various term lengths.</a:t>
+            </a:r>
+          </a:p>
+          <a:p>
+            <a:pPr marL="342900" indent="-342900">
+              <a:lnSpc>
+                <a:spcPct val="150000"/>
+              </a:lnSpc>
+              <a:buFont typeface="+mj-lt"/>
+              <a:buAutoNum type="arabicPeriod"/>
+            </a:pPr>
+            <a:r>
+              <a:rPr lang="en-IN" b="1" dirty="0">
+                <a:solidFill>
+                  <a:schemeClr val="accent4">
+                    <a:lumMod val="60000"/>
+                    <a:lumOff val="40000"/>
+                  </a:schemeClr>
+                </a:solidFill>
+                <a:effectLst/>
+                <a:latin typeface="Calibri" panose="020F0502020204030204" pitchFamily="34" charset="0"/>
+                <a:ea typeface="Calibri" panose="020F0502020204030204" pitchFamily="34" charset="0"/>
+                <a:cs typeface="Times New Roman" panose="02020603050405020304" pitchFamily="18" charset="0"/>
+              </a:rPr>
+              <a:t>Employee Length Analysis (Bar Chart): </a:t>
+            </a:r>
+            <a:r>
+              <a:rPr lang="en-IN" dirty="0">
+                <a:solidFill>
+                  <a:schemeClr val="bg1"/>
+                </a:solidFill>
+                <a:latin typeface="Calibri" panose="020F0502020204030204" pitchFamily="34" charset="0"/>
+                <a:ea typeface="Calibri" panose="020F0502020204030204" pitchFamily="34" charset="0"/>
+                <a:cs typeface="Times New Roman" panose="02020603050405020304" pitchFamily="18" charset="0"/>
+              </a:rPr>
+              <a:t>How lending metrics are distributed among borrowers with different employment lengths, helping us assess the impact of employment history on loan applications.</a:t>
+            </a:r>
+          </a:p>
+          <a:p>
+            <a:pPr marL="342900" indent="-342900">
+              <a:lnSpc>
+                <a:spcPct val="150000"/>
+              </a:lnSpc>
+              <a:buFont typeface="+mj-lt"/>
+              <a:buAutoNum type="arabicPeriod"/>
+            </a:pPr>
+            <a:r>
+              <a:rPr lang="en-IN" b="1" dirty="0">
+                <a:solidFill>
+                  <a:schemeClr val="accent4">
+                    <a:lumMod val="60000"/>
+                    <a:lumOff val="40000"/>
+                  </a:schemeClr>
+                </a:solidFill>
+                <a:effectLst/>
+                <a:latin typeface="Calibri" panose="020F0502020204030204" pitchFamily="34" charset="0"/>
+                <a:ea typeface="Calibri" panose="020F0502020204030204" pitchFamily="34" charset="0"/>
+                <a:cs typeface="Times New Roman" panose="02020603050405020304" pitchFamily="18" charset="0"/>
+              </a:rPr>
+              <a:t>Loan Purpose Breakdown (Bar Chart): </a:t>
+            </a:r>
+            <a:r>
+              <a:rPr lang="en-IN" b="1" dirty="0">
+                <a:solidFill>
+                  <a:schemeClr val="bg1"/>
+                </a:solidFill>
+                <a:effectLst/>
+                <a:latin typeface="Calibri" panose="020F0502020204030204" pitchFamily="34" charset="0"/>
+                <a:ea typeface="Calibri" panose="020F0502020204030204" pitchFamily="34" charset="0"/>
+                <a:cs typeface="Times New Roman" panose="02020603050405020304" pitchFamily="18" charset="0"/>
+              </a:rPr>
+              <a:t>W</a:t>
+            </a:r>
+            <a:r>
+              <a:rPr lang="en-IN" dirty="0">
+                <a:solidFill>
+                  <a:schemeClr val="bg1"/>
+                </a:solidFill>
+                <a:latin typeface="Calibri" panose="020F0502020204030204" pitchFamily="34" charset="0"/>
+                <a:ea typeface="Calibri" panose="020F0502020204030204" pitchFamily="34" charset="0"/>
+                <a:cs typeface="Times New Roman" panose="02020603050405020304" pitchFamily="18" charset="0"/>
+              </a:rPr>
+              <a:t>ill provide a visual breakdown of loan metrics based on the stated purposes of loans, aiding in the understanding of the primary reasons borrowers seek financing.</a:t>
+            </a:r>
+          </a:p>
+          <a:p>
+            <a:pPr marL="342900" indent="-342900">
+              <a:lnSpc>
+                <a:spcPct val="150000"/>
+              </a:lnSpc>
+              <a:buFont typeface="+mj-lt"/>
+              <a:buAutoNum type="arabicPeriod"/>
+            </a:pPr>
+            <a:r>
+              <a:rPr lang="en-IN" b="1" dirty="0">
+                <a:solidFill>
+                  <a:schemeClr val="accent4">
+                    <a:lumMod val="60000"/>
+                    <a:lumOff val="40000"/>
+                  </a:schemeClr>
+                </a:solidFill>
+                <a:effectLst/>
+                <a:latin typeface="Calibri" panose="020F0502020204030204" pitchFamily="34" charset="0"/>
+                <a:ea typeface="Calibri" panose="020F0502020204030204" pitchFamily="34" charset="0"/>
+                <a:cs typeface="Times New Roman" panose="02020603050405020304" pitchFamily="18" charset="0"/>
+              </a:rPr>
+              <a:t>Home Ownership Analysis (Tree Map): </a:t>
+            </a:r>
+            <a:r>
+              <a:rPr lang="en-IN" dirty="0">
+                <a:solidFill>
+                  <a:schemeClr val="bg1"/>
+                </a:solidFill>
+                <a:latin typeface="Calibri" panose="020F0502020204030204" pitchFamily="34" charset="0"/>
+                <a:ea typeface="Calibri" panose="020F0502020204030204" pitchFamily="34" charset="0"/>
+                <a:cs typeface="Times New Roman" panose="02020603050405020304" pitchFamily="18" charset="0"/>
+              </a:rPr>
+              <a:t>For a hierarchical view of how home ownership impacts loan applications and disbursements.</a:t>
+            </a:r>
+            <a:endParaRPr lang="en-IN" b="1" kern="100" dirty="0">
               <a:solidFill>
                 <a:schemeClr val="accent2">
                   <a:lumMod val="60000"/>
@@ -4556,374 +5238,24 @@
           </a:p>
           <a:p>
             <a:r>
-              <a:rPr lang="en-IN" sz="2000" b="1" kern="100" dirty="0">
-                <a:solidFill>
-                  <a:srgbClr val="00B0F0"/>
-                </a:solidFill>
-                <a:latin typeface="Calibri" panose="020F0502020204030204" pitchFamily="34" charset="0"/>
-                <a:ea typeface="Calibri" panose="020F0502020204030204" pitchFamily="34" charset="0"/>
-                <a:cs typeface="Times New Roman" panose="02020603050405020304" pitchFamily="18" charset="0"/>
-              </a:rPr>
-              <a:t>Good Loan:</a:t>
-            </a:r>
-          </a:p>
-          <a:p>
-            <a:pPr marL="342900" indent="-342900">
-              <a:buFont typeface="+mj-lt"/>
-              <a:buAutoNum type="arabicPeriod"/>
-            </a:pPr>
-            <a:r>
-              <a:rPr lang="en-IN" sz="1800" b="1" dirty="0">
-                <a:solidFill>
-                  <a:schemeClr val="bg1"/>
+              <a:rPr lang="en-IN" b="1" i="1" u="sng" kern="100" dirty="0">
+                <a:solidFill>
+                  <a:srgbClr val="FFFF00"/>
                 </a:solidFill>
                 <a:effectLst/>
                 <a:latin typeface="Calibri" panose="020F0502020204030204" pitchFamily="34" charset="0"/>
                 <a:ea typeface="Calibri" panose="020F0502020204030204" pitchFamily="34" charset="0"/>
                 <a:cs typeface="Times New Roman" panose="02020603050405020304" pitchFamily="18" charset="0"/>
               </a:rPr>
-              <a:t>Good Loan Application Percentage</a:t>
-            </a:r>
-            <a:endParaRPr lang="en-IN" sz="2400" b="1" kern="100" dirty="0">
-              <a:solidFill>
-                <a:schemeClr val="bg1"/>
-              </a:solidFill>
-              <a:effectLst/>
-              <a:latin typeface="Calibri" panose="020F0502020204030204" pitchFamily="34" charset="0"/>
-              <a:ea typeface="Calibri" panose="020F0502020204030204" pitchFamily="34" charset="0"/>
-              <a:cs typeface="Times New Roman" panose="02020603050405020304" pitchFamily="18" charset="0"/>
-            </a:endParaRPr>
-          </a:p>
-          <a:p>
-            <a:pPr marL="342900" indent="-342900">
-              <a:lnSpc>
-                <a:spcPct val="150000"/>
-              </a:lnSpc>
-              <a:buFont typeface="+mj-lt"/>
-              <a:buAutoNum type="arabicPeriod"/>
-            </a:pPr>
-            <a:r>
-              <a:rPr lang="en-IN" sz="1800" b="1" dirty="0">
-                <a:solidFill>
-                  <a:schemeClr val="bg1"/>
-                </a:solidFill>
-                <a:effectLst/>
-                <a:latin typeface="Calibri" panose="020F0502020204030204" pitchFamily="34" charset="0"/>
-                <a:ea typeface="Calibri" panose="020F0502020204030204" pitchFamily="34" charset="0"/>
-                <a:cs typeface="Times New Roman" panose="02020603050405020304" pitchFamily="18" charset="0"/>
-              </a:rPr>
-              <a:t>Good Loan Applications</a:t>
-            </a:r>
-            <a:endParaRPr lang="en-IN" sz="2400" b="1" kern="100" dirty="0">
-              <a:solidFill>
-                <a:schemeClr val="bg1"/>
-              </a:solidFill>
-              <a:latin typeface="Calibri" panose="020F0502020204030204" pitchFamily="34" charset="0"/>
-              <a:ea typeface="Calibri" panose="020F0502020204030204" pitchFamily="34" charset="0"/>
-              <a:cs typeface="Times New Roman" panose="02020603050405020304" pitchFamily="18" charset="0"/>
-            </a:endParaRPr>
-          </a:p>
-          <a:p>
-            <a:pPr marL="342900" indent="-342900">
-              <a:lnSpc>
-                <a:spcPct val="150000"/>
-              </a:lnSpc>
-              <a:buFont typeface="+mj-lt"/>
-              <a:buAutoNum type="arabicPeriod"/>
-            </a:pPr>
-            <a:r>
-              <a:rPr lang="en-IN" sz="1800" b="1" dirty="0">
-                <a:solidFill>
-                  <a:schemeClr val="bg1"/>
-                </a:solidFill>
-                <a:effectLst/>
-                <a:latin typeface="Calibri" panose="020F0502020204030204" pitchFamily="34" charset="0"/>
-                <a:ea typeface="Calibri" panose="020F0502020204030204" pitchFamily="34" charset="0"/>
-                <a:cs typeface="Times New Roman" panose="02020603050405020304" pitchFamily="18" charset="0"/>
-              </a:rPr>
-              <a:t>Good Loan Funded Amount</a:t>
-            </a:r>
-            <a:endParaRPr lang="en-IN" sz="2400" b="1" kern="100" dirty="0">
-              <a:solidFill>
-                <a:schemeClr val="bg1"/>
-              </a:solidFill>
-              <a:effectLst/>
-              <a:latin typeface="Calibri" panose="020F0502020204030204" pitchFamily="34" charset="0"/>
-              <a:ea typeface="Calibri" panose="020F0502020204030204" pitchFamily="34" charset="0"/>
-              <a:cs typeface="Times New Roman" panose="02020603050405020304" pitchFamily="18" charset="0"/>
-            </a:endParaRPr>
-          </a:p>
-          <a:p>
-            <a:pPr marL="342900" indent="-342900">
-              <a:lnSpc>
-                <a:spcPct val="150000"/>
-              </a:lnSpc>
-              <a:buFont typeface="+mj-lt"/>
-              <a:buAutoNum type="arabicPeriod"/>
-            </a:pPr>
-            <a:r>
-              <a:rPr lang="en-IN" sz="1800" b="1" dirty="0">
-                <a:solidFill>
-                  <a:schemeClr val="bg1"/>
-                </a:solidFill>
-                <a:effectLst/>
-                <a:latin typeface="Calibri" panose="020F0502020204030204" pitchFamily="34" charset="0"/>
-                <a:ea typeface="Calibri" panose="020F0502020204030204" pitchFamily="34" charset="0"/>
-                <a:cs typeface="Times New Roman" panose="02020603050405020304" pitchFamily="18" charset="0"/>
-              </a:rPr>
-              <a:t>Good Loan Total Received Amount</a:t>
-            </a:r>
-            <a:endParaRPr lang="en-IN" sz="2400" kern="100" dirty="0">
-              <a:solidFill>
-                <a:schemeClr val="bg1"/>
-              </a:solidFill>
-              <a:effectLst/>
-              <a:latin typeface="Calibri" panose="020F0502020204030204" pitchFamily="34" charset="0"/>
-              <a:ea typeface="Calibri" panose="020F0502020204030204" pitchFamily="34" charset="0"/>
-              <a:cs typeface="Times New Roman" panose="02020603050405020304" pitchFamily="18" charset="0"/>
-            </a:endParaRPr>
-          </a:p>
-        </p:txBody>
-      </p:sp>
-      <p:sp>
-        <p:nvSpPr>
-          <p:cNvPr id="5" name="TextBox 4">
-            <a:extLst>
-              <a:ext uri="{FF2B5EF4-FFF2-40B4-BE49-F238E27FC236}">
-                <a16:creationId xmlns="" xmlns:a16="http://schemas.microsoft.com/office/drawing/2014/main" id="{1BC36B1B-46BC-47F8-6C86-7B04F62B2F7F}"/>
-              </a:ext>
-            </a:extLst>
-          </p:cNvPr>
-          <p:cNvSpPr txBox="1"/>
-          <p:nvPr/>
-        </p:nvSpPr>
-        <p:spPr>
-          <a:xfrm>
-            <a:off x="7001874" y="1966615"/>
-            <a:ext cx="4391025" cy="1911421"/>
-          </a:xfrm>
-          <a:prstGeom prst="rect">
-            <a:avLst/>
-          </a:prstGeom>
-          <a:noFill/>
-        </p:spPr>
-        <p:txBody>
-          <a:bodyPr wrap="square" rtlCol="0">
-            <a:spAutoFit/>
-          </a:bodyPr>
-          <a:lstStyle/>
-          <a:p>
-            <a:r>
-              <a:rPr lang="en-IN" sz="2000" b="1" kern="100" dirty="0">
-                <a:solidFill>
-                  <a:srgbClr val="00B0F0"/>
-                </a:solidFill>
-                <a:latin typeface="Calibri" panose="020F0502020204030204" pitchFamily="34" charset="0"/>
-                <a:ea typeface="Calibri" panose="020F0502020204030204" pitchFamily="34" charset="0"/>
-                <a:cs typeface="Times New Roman" panose="02020603050405020304" pitchFamily="18" charset="0"/>
-              </a:rPr>
-              <a:t>Bad Loan</a:t>
-            </a:r>
-          </a:p>
-          <a:p>
-            <a:pPr marL="342900" indent="-342900">
-              <a:buFont typeface="+mj-lt"/>
-              <a:buAutoNum type="arabicPeriod"/>
-            </a:pPr>
-            <a:r>
-              <a:rPr lang="en-IN" sz="1800" b="1" dirty="0">
-                <a:solidFill>
-                  <a:schemeClr val="bg1"/>
-                </a:solidFill>
-                <a:effectLst/>
-                <a:latin typeface="Calibri" panose="020F0502020204030204" pitchFamily="34" charset="0"/>
-                <a:ea typeface="Calibri" panose="020F0502020204030204" pitchFamily="34" charset="0"/>
-                <a:cs typeface="Times New Roman" panose="02020603050405020304" pitchFamily="18" charset="0"/>
-              </a:rPr>
-              <a:t>Bad Loan Application Percentage</a:t>
-            </a:r>
-            <a:endParaRPr lang="en-IN" sz="2400" b="1" kern="100" dirty="0">
-              <a:solidFill>
-                <a:schemeClr val="bg1"/>
-              </a:solidFill>
-              <a:effectLst/>
-              <a:latin typeface="Calibri" panose="020F0502020204030204" pitchFamily="34" charset="0"/>
-              <a:ea typeface="Calibri" panose="020F0502020204030204" pitchFamily="34" charset="0"/>
-              <a:cs typeface="Times New Roman" panose="02020603050405020304" pitchFamily="18" charset="0"/>
-            </a:endParaRPr>
-          </a:p>
-          <a:p>
-            <a:pPr marL="342900" indent="-342900">
-              <a:lnSpc>
-                <a:spcPct val="150000"/>
-              </a:lnSpc>
-              <a:buFont typeface="+mj-lt"/>
-              <a:buAutoNum type="arabicPeriod"/>
-            </a:pPr>
-            <a:r>
-              <a:rPr lang="en-IN" sz="1800" b="1" dirty="0">
-                <a:solidFill>
-                  <a:schemeClr val="bg1"/>
-                </a:solidFill>
-                <a:effectLst/>
-                <a:latin typeface="Calibri" panose="020F0502020204030204" pitchFamily="34" charset="0"/>
-                <a:ea typeface="Calibri" panose="020F0502020204030204" pitchFamily="34" charset="0"/>
-                <a:cs typeface="Times New Roman" panose="02020603050405020304" pitchFamily="18" charset="0"/>
-              </a:rPr>
-              <a:t>Bad Loan Applications</a:t>
-            </a:r>
-            <a:endParaRPr lang="en-IN" sz="2400" b="1" kern="100" dirty="0">
-              <a:solidFill>
-                <a:schemeClr val="bg1"/>
-              </a:solidFill>
-              <a:latin typeface="Calibri" panose="020F0502020204030204" pitchFamily="34" charset="0"/>
-              <a:ea typeface="Calibri" panose="020F0502020204030204" pitchFamily="34" charset="0"/>
-              <a:cs typeface="Times New Roman" panose="02020603050405020304" pitchFamily="18" charset="0"/>
-            </a:endParaRPr>
-          </a:p>
-          <a:p>
-            <a:pPr marL="342900" indent="-342900">
-              <a:lnSpc>
-                <a:spcPct val="150000"/>
-              </a:lnSpc>
-              <a:buFont typeface="+mj-lt"/>
-              <a:buAutoNum type="arabicPeriod"/>
-            </a:pPr>
-            <a:r>
-              <a:rPr lang="en-IN" sz="1800" b="1" dirty="0">
-                <a:solidFill>
-                  <a:schemeClr val="bg1"/>
-                </a:solidFill>
-                <a:effectLst/>
-                <a:latin typeface="Calibri" panose="020F0502020204030204" pitchFamily="34" charset="0"/>
-                <a:ea typeface="Calibri" panose="020F0502020204030204" pitchFamily="34" charset="0"/>
-                <a:cs typeface="Times New Roman" panose="02020603050405020304" pitchFamily="18" charset="0"/>
-              </a:rPr>
-              <a:t>Bad Loan Funded Amount</a:t>
-            </a:r>
-            <a:endParaRPr lang="en-IN" sz="2400" b="1" kern="100" dirty="0">
-              <a:solidFill>
-                <a:schemeClr val="bg1"/>
-              </a:solidFill>
-              <a:effectLst/>
-              <a:latin typeface="Calibri" panose="020F0502020204030204" pitchFamily="34" charset="0"/>
-              <a:ea typeface="Calibri" panose="020F0502020204030204" pitchFamily="34" charset="0"/>
-              <a:cs typeface="Times New Roman" panose="02020603050405020304" pitchFamily="18" charset="0"/>
-            </a:endParaRPr>
-          </a:p>
-          <a:p>
-            <a:pPr marL="342900" indent="-342900">
-              <a:lnSpc>
-                <a:spcPct val="150000"/>
-              </a:lnSpc>
-              <a:buFont typeface="+mj-lt"/>
-              <a:buAutoNum type="arabicPeriod"/>
-            </a:pPr>
-            <a:r>
-              <a:rPr lang="en-IN" sz="1800" b="1" dirty="0">
-                <a:solidFill>
-                  <a:schemeClr val="bg1"/>
-                </a:solidFill>
-                <a:effectLst/>
-                <a:latin typeface="Calibri" panose="020F0502020204030204" pitchFamily="34" charset="0"/>
-                <a:ea typeface="Calibri" panose="020F0502020204030204" pitchFamily="34" charset="0"/>
-                <a:cs typeface="Times New Roman" panose="02020603050405020304" pitchFamily="18" charset="0"/>
-              </a:rPr>
-              <a:t>Bad Loan Total Received Amount</a:t>
-            </a:r>
-            <a:endParaRPr lang="en-IN" sz="2400" kern="100" dirty="0">
-              <a:solidFill>
-                <a:schemeClr val="bg1"/>
-              </a:solidFill>
-              <a:effectLst/>
-              <a:latin typeface="Calibri" panose="020F0502020204030204" pitchFamily="34" charset="0"/>
-              <a:ea typeface="Calibri" panose="020F0502020204030204" pitchFamily="34" charset="0"/>
-              <a:cs typeface="Times New Roman" panose="02020603050405020304" pitchFamily="18" charset="0"/>
-            </a:endParaRPr>
-          </a:p>
-        </p:txBody>
-      </p:sp>
-      <p:sp>
-        <p:nvSpPr>
-          <p:cNvPr id="6" name="TextBox 5">
-            <a:extLst>
-              <a:ext uri="{FF2B5EF4-FFF2-40B4-BE49-F238E27FC236}">
-                <a16:creationId xmlns="" xmlns:a16="http://schemas.microsoft.com/office/drawing/2014/main" id="{E5340642-52BE-80AC-4C5E-F8F223F9BB8F}"/>
-              </a:ext>
-            </a:extLst>
-          </p:cNvPr>
-          <p:cNvSpPr txBox="1"/>
-          <p:nvPr/>
-        </p:nvSpPr>
-        <p:spPr>
-          <a:xfrm>
-            <a:off x="228599" y="4159439"/>
-            <a:ext cx="11572876" cy="2026196"/>
-          </a:xfrm>
-          <a:prstGeom prst="rect">
-            <a:avLst/>
-          </a:prstGeom>
-          <a:noFill/>
-        </p:spPr>
-        <p:txBody>
-          <a:bodyPr wrap="square" rtlCol="0">
-            <a:spAutoFit/>
-          </a:bodyPr>
-          <a:lstStyle/>
-          <a:p>
-            <a:pPr algn="just">
-              <a:spcAft>
-                <a:spcPts val="800"/>
-              </a:spcAft>
-            </a:pPr>
-            <a:r>
-              <a:rPr lang="en-IN" sz="2400" b="1" kern="100" dirty="0">
-                <a:solidFill>
-                  <a:schemeClr val="accent2">
-                    <a:lumMod val="60000"/>
-                    <a:lumOff val="40000"/>
-                  </a:schemeClr>
-                </a:solidFill>
-                <a:latin typeface="Calibri" panose="020F0502020204030204" pitchFamily="34" charset="0"/>
-                <a:ea typeface="Calibri" panose="020F0502020204030204" pitchFamily="34" charset="0"/>
-                <a:cs typeface="Times New Roman" panose="02020603050405020304" pitchFamily="18" charset="0"/>
-              </a:rPr>
-              <a:t>Loan Status Grid View</a:t>
-            </a:r>
-          </a:p>
-          <a:p>
-            <a:pPr algn="just">
-              <a:spcAft>
-                <a:spcPts val="800"/>
-              </a:spcAft>
-            </a:pPr>
-            <a:r>
-              <a:rPr lang="en-IN" sz="1900" dirty="0">
-                <a:solidFill>
-                  <a:schemeClr val="bg1"/>
-                </a:solidFill>
-                <a:effectLst/>
-                <a:latin typeface="Calibri" panose="020F0502020204030204" pitchFamily="34" charset="0"/>
-                <a:ea typeface="Calibri" panose="020F0502020204030204" pitchFamily="34" charset="0"/>
-                <a:cs typeface="Times New Roman" panose="02020603050405020304" pitchFamily="18" charset="0"/>
-              </a:rPr>
-              <a:t>In order to gain a comprehensive overview of our lending operations and monitor the performance of loans, we aim to create a grid view report categorized by 'Loan Status.’ By providing insights into metrics such as 'Total Loan Applications,' 'Total Funded Amount,' 'Total Amount Received,' 'Month-to-Date (MTD) Funded Amount,' 'MTD Amount Received,' 'Average Interest Rate,' and 'Average Debt-to-Income Ratio (DTI),' this grid view will empower us to make data-driven decisions and assess the health of our loan portfolio.</a:t>
-            </a:r>
-            <a:endParaRPr lang="en-IN" sz="1900" b="1" kern="100" dirty="0">
-              <a:solidFill>
-                <a:schemeClr val="bg1"/>
-              </a:solidFill>
-              <a:latin typeface="Calibri" panose="020F0502020204030204" pitchFamily="34" charset="0"/>
-              <a:ea typeface="Calibri" panose="020F0502020204030204" pitchFamily="34" charset="0"/>
-              <a:cs typeface="Times New Roman" panose="02020603050405020304" pitchFamily="18" charset="0"/>
-            </a:endParaRPr>
+              <a:t>Metrics to be shown: 'Total Loan Applications,' 'Total Funded Amount,' and 'Total Amount Received'</a:t>
+            </a:r>
           </a:p>
         </p:txBody>
       </p:sp>
     </p:spTree>
     <p:extLst>
       <p:ext uri="{BB962C8B-B14F-4D97-AF65-F5344CB8AC3E}">
-        <p14:creationId xmlns:p14="http://schemas.microsoft.com/office/powerpoint/2010/main" val="2188389533"/>
+        <p14:creationId xmlns:p14="http://schemas.microsoft.com/office/powerpoint/2010/main" val="1142964218"/>
       </p:ext>
     </p:extLst>
   </p:cSld>
@@ -4968,7 +5300,7 @@
           <p:cNvPr id="2" name="TextBox 1">
             <a:extLst>
               <a:ext uri="{FF2B5EF4-FFF2-40B4-BE49-F238E27FC236}">
-                <a16:creationId xmlns="" xmlns:a16="http://schemas.microsoft.com/office/drawing/2014/main" id="{F2186767-6DBF-43ED-0334-E389A8026F75}"/>
+                <a16:creationId xmlns:a16="http://schemas.microsoft.com/office/drawing/2014/main" xmlns="" id="{F2186767-6DBF-43ED-0334-E389A8026F75}"/>
               </a:ext>
             </a:extLst>
           </p:cNvPr>
@@ -5020,7 +5352,7 @@
           <p:cNvPr id="7" name="Picture 6">
             <a:extLst>
               <a:ext uri="{FF2B5EF4-FFF2-40B4-BE49-F238E27FC236}">
-                <a16:creationId xmlns="" xmlns:a16="http://schemas.microsoft.com/office/drawing/2014/main" id="{4F56E1CB-C23A-8E6C-4322-BE518ECDDE56}"/>
+                <a16:creationId xmlns:a16="http://schemas.microsoft.com/office/drawing/2014/main" xmlns="" id="{4F56E1CB-C23A-8E6C-4322-BE518ECDDE56}"/>
               </a:ext>
             </a:extLst>
           </p:cNvPr>
@@ -5063,7 +5395,7 @@
           <p:cNvPr id="3" name="TextBox 2">
             <a:extLst>
               <a:ext uri="{FF2B5EF4-FFF2-40B4-BE49-F238E27FC236}">
-                <a16:creationId xmlns="" xmlns:a16="http://schemas.microsoft.com/office/drawing/2014/main" id="{1058CA99-5896-CF6F-E3D9-47410F2EEA1D}"/>
+                <a16:creationId xmlns:a16="http://schemas.microsoft.com/office/drawing/2014/main" xmlns="" id="{1058CA99-5896-CF6F-E3D9-47410F2EEA1D}"/>
               </a:ext>
             </a:extLst>
           </p:cNvPr>
@@ -5102,7 +5434,7 @@
                 <a:ea typeface="Calibri" panose="020F0502020204030204" pitchFamily="34" charset="0"/>
                 <a:cs typeface="Times New Roman" panose="02020603050405020304" pitchFamily="18" charset="0"/>
               </a:rPr>
-              <a:t>DASHBOARD 2: OVERVIEW</a:t>
+              <a:t>DASHBOARD 3: DETAILS</a:t>
             </a:r>
             <a:endParaRPr lang="en-IN" sz="2400" kern="100" dirty="0">
               <a:solidFill>
@@ -5127,538 +5459,7 @@
           <p:cNvPr id="4" name="TextBox 3">
             <a:extLst>
               <a:ext uri="{FF2B5EF4-FFF2-40B4-BE49-F238E27FC236}">
-                <a16:creationId xmlns="" xmlns:a16="http://schemas.microsoft.com/office/drawing/2014/main" id="{0E3EF215-20BB-527A-E72D-12F6F9355EC2}"/>
-              </a:ext>
-            </a:extLst>
-          </p:cNvPr>
-          <p:cNvSpPr txBox="1"/>
-          <p:nvPr/>
-        </p:nvSpPr>
-        <p:spPr>
-          <a:xfrm>
-            <a:off x="228600" y="1314450"/>
-            <a:ext cx="11420475" cy="5401479"/>
-          </a:xfrm>
-          <a:prstGeom prst="rect">
-            <a:avLst/>
-          </a:prstGeom>
-          <a:noFill/>
-        </p:spPr>
-        <p:txBody>
-          <a:bodyPr wrap="square" rtlCol="0">
-            <a:spAutoFit/>
-          </a:bodyPr>
-          <a:lstStyle/>
-          <a:p>
-            <a:r>
-              <a:rPr lang="en-IN" sz="2800" b="1" kern="100" dirty="0">
-                <a:solidFill>
-                  <a:schemeClr val="accent2">
-                    <a:lumMod val="60000"/>
-                    <a:lumOff val="40000"/>
-                  </a:schemeClr>
-                </a:solidFill>
-                <a:effectLst/>
-                <a:latin typeface="Calibri" panose="020F0502020204030204" pitchFamily="34" charset="0"/>
-                <a:ea typeface="Calibri" panose="020F0502020204030204" pitchFamily="34" charset="0"/>
-                <a:cs typeface="Times New Roman" panose="02020603050405020304" pitchFamily="18" charset="0"/>
-              </a:rPr>
-              <a:t>CHARTS</a:t>
-            </a:r>
-          </a:p>
-          <a:p>
-            <a:pPr marL="342900" indent="-342900">
-              <a:lnSpc>
-                <a:spcPct val="150000"/>
-              </a:lnSpc>
-              <a:buFont typeface="+mj-lt"/>
-              <a:buAutoNum type="arabicPeriod"/>
-            </a:pPr>
-            <a:r>
-              <a:rPr lang="en-IN" b="1" kern="100" dirty="0">
-                <a:solidFill>
-                  <a:schemeClr val="accent4">
-                    <a:lumMod val="60000"/>
-                    <a:lumOff val="40000"/>
-                  </a:schemeClr>
-                </a:solidFill>
-                <a:effectLst/>
-                <a:latin typeface="Calibri" panose="020F0502020204030204" pitchFamily="34" charset="0"/>
-                <a:ea typeface="Calibri" panose="020F0502020204030204" pitchFamily="34" charset="0"/>
-                <a:cs typeface="Times New Roman" panose="02020603050405020304" pitchFamily="18" charset="0"/>
-              </a:rPr>
-              <a:t>Monthly Trends by Issue Date (Line Chart):  </a:t>
-            </a:r>
-            <a:r>
-              <a:rPr lang="en-IN" kern="100" dirty="0">
-                <a:solidFill>
-                  <a:schemeClr val="bg1"/>
-                </a:solidFill>
-                <a:effectLst/>
-                <a:latin typeface="Calibri" panose="020F0502020204030204" pitchFamily="34" charset="0"/>
-                <a:ea typeface="Calibri" panose="020F0502020204030204" pitchFamily="34" charset="0"/>
-                <a:cs typeface="Times New Roman" panose="02020603050405020304" pitchFamily="18" charset="0"/>
-              </a:rPr>
-              <a:t>To </a:t>
-            </a:r>
-            <a:r>
-              <a:rPr lang="en-IN" dirty="0">
-                <a:solidFill>
-                  <a:schemeClr val="bg1"/>
-                </a:solidFill>
-                <a:effectLst/>
-                <a:latin typeface="Calibri" panose="020F0502020204030204" pitchFamily="34" charset="0"/>
-                <a:ea typeface="Calibri" panose="020F0502020204030204" pitchFamily="34" charset="0"/>
-                <a:cs typeface="Times New Roman" panose="02020603050405020304" pitchFamily="18" charset="0"/>
-              </a:rPr>
-              <a:t>identify seasonality and long-term trends in lending activities</a:t>
-            </a:r>
-            <a:endParaRPr lang="en-IN" kern="100" dirty="0">
-              <a:solidFill>
-                <a:schemeClr val="bg1"/>
-              </a:solidFill>
-              <a:effectLst/>
-              <a:latin typeface="Calibri" panose="020F0502020204030204" pitchFamily="34" charset="0"/>
-              <a:ea typeface="Calibri" panose="020F0502020204030204" pitchFamily="34" charset="0"/>
-              <a:cs typeface="Times New Roman" panose="02020603050405020304" pitchFamily="18" charset="0"/>
-            </a:endParaRPr>
-          </a:p>
-          <a:p>
-            <a:pPr marL="342900" indent="-342900">
-              <a:lnSpc>
-                <a:spcPct val="150000"/>
-              </a:lnSpc>
-              <a:buFont typeface="+mj-lt"/>
-              <a:buAutoNum type="arabicPeriod"/>
-            </a:pPr>
-            <a:r>
-              <a:rPr lang="en-IN" b="1" dirty="0">
-                <a:solidFill>
-                  <a:schemeClr val="accent4">
-                    <a:lumMod val="60000"/>
-                    <a:lumOff val="40000"/>
-                  </a:schemeClr>
-                </a:solidFill>
-                <a:effectLst/>
-                <a:latin typeface="Calibri" panose="020F0502020204030204" pitchFamily="34" charset="0"/>
-                <a:ea typeface="Calibri" panose="020F0502020204030204" pitchFamily="34" charset="0"/>
-                <a:cs typeface="Times New Roman" panose="02020603050405020304" pitchFamily="18" charset="0"/>
-              </a:rPr>
-              <a:t>Regional Analysis by State (Filled Map</a:t>
-            </a:r>
-            <a:r>
-              <a:rPr lang="en-IN" b="1" dirty="0">
-                <a:solidFill>
-                  <a:schemeClr val="accent4">
-                    <a:lumMod val="60000"/>
-                    <a:lumOff val="40000"/>
-                  </a:schemeClr>
-                </a:solidFill>
-                <a:latin typeface="Calibri" panose="020F0502020204030204" pitchFamily="34" charset="0"/>
-                <a:ea typeface="Calibri" panose="020F0502020204030204" pitchFamily="34" charset="0"/>
-                <a:cs typeface="Times New Roman" panose="02020603050405020304" pitchFamily="18" charset="0"/>
-              </a:rPr>
-              <a:t>):</a:t>
-            </a:r>
-            <a:r>
-              <a:rPr lang="en-IN" dirty="0">
-                <a:solidFill>
-                  <a:schemeClr val="bg1"/>
-                </a:solidFill>
-                <a:latin typeface="Calibri" panose="020F0502020204030204" pitchFamily="34" charset="0"/>
-                <a:ea typeface="Calibri" panose="020F0502020204030204" pitchFamily="34" charset="0"/>
-                <a:cs typeface="Times New Roman" panose="02020603050405020304" pitchFamily="18" charset="0"/>
-              </a:rPr>
-              <a:t> To identify regions with significant lending activity and assess regional disparities</a:t>
-            </a:r>
-          </a:p>
-          <a:p>
-            <a:pPr marL="342900" indent="-342900">
-              <a:lnSpc>
-                <a:spcPct val="150000"/>
-              </a:lnSpc>
-              <a:buFont typeface="+mj-lt"/>
-              <a:buAutoNum type="arabicPeriod"/>
-            </a:pPr>
-            <a:r>
-              <a:rPr lang="en-IN" b="1" dirty="0">
-                <a:solidFill>
-                  <a:schemeClr val="accent4">
-                    <a:lumMod val="60000"/>
-                    <a:lumOff val="40000"/>
-                  </a:schemeClr>
-                </a:solidFill>
-                <a:effectLst/>
-                <a:latin typeface="Calibri" panose="020F0502020204030204" pitchFamily="34" charset="0"/>
-                <a:ea typeface="Calibri" panose="020F0502020204030204" pitchFamily="34" charset="0"/>
-                <a:cs typeface="Times New Roman" panose="02020603050405020304" pitchFamily="18" charset="0"/>
-              </a:rPr>
-              <a:t>Loan Term Analysis (Donut Chart): </a:t>
-            </a:r>
-            <a:r>
-              <a:rPr lang="en-IN" dirty="0">
-                <a:solidFill>
-                  <a:schemeClr val="bg1"/>
-                </a:solidFill>
-                <a:latin typeface="Calibri" panose="020F0502020204030204" pitchFamily="34" charset="0"/>
-                <a:ea typeface="Calibri" panose="020F0502020204030204" pitchFamily="34" charset="0"/>
-                <a:cs typeface="Times New Roman" panose="02020603050405020304" pitchFamily="18" charset="0"/>
-              </a:rPr>
-              <a:t>To allow the client to understand the distribution of loans across various term lengths.</a:t>
-            </a:r>
-          </a:p>
-          <a:p>
-            <a:pPr marL="342900" indent="-342900">
-              <a:lnSpc>
-                <a:spcPct val="150000"/>
-              </a:lnSpc>
-              <a:buFont typeface="+mj-lt"/>
-              <a:buAutoNum type="arabicPeriod"/>
-            </a:pPr>
-            <a:r>
-              <a:rPr lang="en-IN" b="1" dirty="0">
-                <a:solidFill>
-                  <a:schemeClr val="accent4">
-                    <a:lumMod val="60000"/>
-                    <a:lumOff val="40000"/>
-                  </a:schemeClr>
-                </a:solidFill>
-                <a:effectLst/>
-                <a:latin typeface="Calibri" panose="020F0502020204030204" pitchFamily="34" charset="0"/>
-                <a:ea typeface="Calibri" panose="020F0502020204030204" pitchFamily="34" charset="0"/>
-                <a:cs typeface="Times New Roman" panose="02020603050405020304" pitchFamily="18" charset="0"/>
-              </a:rPr>
-              <a:t>Employee Length Analysis (Bar Chart): </a:t>
-            </a:r>
-            <a:r>
-              <a:rPr lang="en-IN" dirty="0">
-                <a:solidFill>
-                  <a:schemeClr val="bg1"/>
-                </a:solidFill>
-                <a:latin typeface="Calibri" panose="020F0502020204030204" pitchFamily="34" charset="0"/>
-                <a:ea typeface="Calibri" panose="020F0502020204030204" pitchFamily="34" charset="0"/>
-                <a:cs typeface="Times New Roman" panose="02020603050405020304" pitchFamily="18" charset="0"/>
-              </a:rPr>
-              <a:t>How lending metrics are distributed among borrowers with different employment lengths, helping us assess the impact of employment history on loan applications.</a:t>
-            </a:r>
-          </a:p>
-          <a:p>
-            <a:pPr marL="342900" indent="-342900">
-              <a:lnSpc>
-                <a:spcPct val="150000"/>
-              </a:lnSpc>
-              <a:buFont typeface="+mj-lt"/>
-              <a:buAutoNum type="arabicPeriod"/>
-            </a:pPr>
-            <a:r>
-              <a:rPr lang="en-IN" b="1" dirty="0">
-                <a:solidFill>
-                  <a:schemeClr val="accent4">
-                    <a:lumMod val="60000"/>
-                    <a:lumOff val="40000"/>
-                  </a:schemeClr>
-                </a:solidFill>
-                <a:effectLst/>
-                <a:latin typeface="Calibri" panose="020F0502020204030204" pitchFamily="34" charset="0"/>
-                <a:ea typeface="Calibri" panose="020F0502020204030204" pitchFamily="34" charset="0"/>
-                <a:cs typeface="Times New Roman" panose="02020603050405020304" pitchFamily="18" charset="0"/>
-              </a:rPr>
-              <a:t>Loan Purpose Breakdown (Bar Chart): </a:t>
-            </a:r>
-            <a:r>
-              <a:rPr lang="en-IN" b="1" dirty="0">
-                <a:solidFill>
-                  <a:schemeClr val="bg1"/>
-                </a:solidFill>
-                <a:effectLst/>
-                <a:latin typeface="Calibri" panose="020F0502020204030204" pitchFamily="34" charset="0"/>
-                <a:ea typeface="Calibri" panose="020F0502020204030204" pitchFamily="34" charset="0"/>
-                <a:cs typeface="Times New Roman" panose="02020603050405020304" pitchFamily="18" charset="0"/>
-              </a:rPr>
-              <a:t>W</a:t>
-            </a:r>
-            <a:r>
-              <a:rPr lang="en-IN" dirty="0">
-                <a:solidFill>
-                  <a:schemeClr val="bg1"/>
-                </a:solidFill>
-                <a:latin typeface="Calibri" panose="020F0502020204030204" pitchFamily="34" charset="0"/>
-                <a:ea typeface="Calibri" panose="020F0502020204030204" pitchFamily="34" charset="0"/>
-                <a:cs typeface="Times New Roman" panose="02020603050405020304" pitchFamily="18" charset="0"/>
-              </a:rPr>
-              <a:t>ill provide a visual breakdown of loan metrics based on the stated purposes of loans, aiding in the understanding of the primary reasons borrowers seek financing.</a:t>
-            </a:r>
-          </a:p>
-          <a:p>
-            <a:pPr marL="342900" indent="-342900">
-              <a:lnSpc>
-                <a:spcPct val="150000"/>
-              </a:lnSpc>
-              <a:buFont typeface="+mj-lt"/>
-              <a:buAutoNum type="arabicPeriod"/>
-            </a:pPr>
-            <a:r>
-              <a:rPr lang="en-IN" b="1" dirty="0">
-                <a:solidFill>
-                  <a:schemeClr val="accent4">
-                    <a:lumMod val="60000"/>
-                    <a:lumOff val="40000"/>
-                  </a:schemeClr>
-                </a:solidFill>
-                <a:effectLst/>
-                <a:latin typeface="Calibri" panose="020F0502020204030204" pitchFamily="34" charset="0"/>
-                <a:ea typeface="Calibri" panose="020F0502020204030204" pitchFamily="34" charset="0"/>
-                <a:cs typeface="Times New Roman" panose="02020603050405020304" pitchFamily="18" charset="0"/>
-              </a:rPr>
-              <a:t>Home Ownership Analysis (Tree Map): </a:t>
-            </a:r>
-            <a:r>
-              <a:rPr lang="en-IN" dirty="0">
-                <a:solidFill>
-                  <a:schemeClr val="bg1"/>
-                </a:solidFill>
-                <a:latin typeface="Calibri" panose="020F0502020204030204" pitchFamily="34" charset="0"/>
-                <a:ea typeface="Calibri" panose="020F0502020204030204" pitchFamily="34" charset="0"/>
-                <a:cs typeface="Times New Roman" panose="02020603050405020304" pitchFamily="18" charset="0"/>
-              </a:rPr>
-              <a:t>For a hierarchical view of how home ownership impacts loan applications and disbursements.</a:t>
-            </a:r>
-            <a:endParaRPr lang="en-IN" b="1" kern="100" dirty="0">
-              <a:solidFill>
-                <a:schemeClr val="accent2">
-                  <a:lumMod val="60000"/>
-                  <a:lumOff val="40000"/>
-                </a:schemeClr>
-              </a:solidFill>
-              <a:latin typeface="Calibri" panose="020F0502020204030204" pitchFamily="34" charset="0"/>
-              <a:ea typeface="Calibri" panose="020F0502020204030204" pitchFamily="34" charset="0"/>
-              <a:cs typeface="Times New Roman" panose="02020603050405020304" pitchFamily="18" charset="0"/>
-            </a:endParaRPr>
-          </a:p>
-          <a:p>
-            <a:r>
-              <a:rPr lang="en-IN" b="1" i="1" u="sng" kern="100" dirty="0">
-                <a:solidFill>
-                  <a:srgbClr val="FFFF00"/>
-                </a:solidFill>
-                <a:effectLst/>
-                <a:latin typeface="Calibri" panose="020F0502020204030204" pitchFamily="34" charset="0"/>
-                <a:ea typeface="Calibri" panose="020F0502020204030204" pitchFamily="34" charset="0"/>
-                <a:cs typeface="Times New Roman" panose="02020603050405020304" pitchFamily="18" charset="0"/>
-              </a:rPr>
-              <a:t>Metrics to be shown: 'Total Loan Applications,' 'Total Funded Amount,' and 'Total Amount Received'</a:t>
-            </a:r>
-          </a:p>
-        </p:txBody>
-      </p:sp>
-    </p:spTree>
-    <p:extLst>
-      <p:ext uri="{BB962C8B-B14F-4D97-AF65-F5344CB8AC3E}">
-        <p14:creationId xmlns:p14="http://schemas.microsoft.com/office/powerpoint/2010/main" val="1142964218"/>
-      </p:ext>
-    </p:extLst>
-  </p:cSld>
-  <p:clrMapOvr>
-    <a:masterClrMapping/>
-  </p:clrMapOvr>
-  <p:transition spd="slow">
-    <p:cover/>
-  </p:transition>
-</p:sld>
-</file>
-
-<file path=ppt/slides/slide14.xml><?xml version="1.0" encoding="utf-8"?>
-<p:sld xmlns:a="http://schemas.openxmlformats.org/drawingml/2006/main" xmlns:r="http://schemas.openxmlformats.org/officeDocument/2006/relationships" xmlns:p="http://schemas.openxmlformats.org/presentationml/2006/main">
-  <p:cSld>
-    <p:bg>
-      <p:bgPr>
-        <a:solidFill>
-          <a:schemeClr val="accent1">
-            <a:lumMod val="50000"/>
-          </a:schemeClr>
-        </a:solidFill>
-        <a:effectLst/>
-      </p:bgPr>
-    </p:bg>
-    <p:spTree>
-      <p:nvGrpSpPr>
-        <p:cNvPr id="1" name=""/>
-        <p:cNvGrpSpPr/>
-        <p:nvPr/>
-      </p:nvGrpSpPr>
-      <p:grpSpPr>
-        <a:xfrm>
-          <a:off x="0" y="0"/>
-          <a:ext cx="0" cy="0"/>
-          <a:chOff x="0" y="0"/>
-          <a:chExt cx="0" cy="0"/>
-        </a:xfrm>
-      </p:grpSpPr>
-      <p:sp>
-        <p:nvSpPr>
-          <p:cNvPr id="2" name="TextBox 1">
-            <a:extLst>
-              <a:ext uri="{FF2B5EF4-FFF2-40B4-BE49-F238E27FC236}">
-                <a16:creationId xmlns="" xmlns:a16="http://schemas.microsoft.com/office/drawing/2014/main" id="{F2186767-6DBF-43ED-0334-E389A8026F75}"/>
-              </a:ext>
-            </a:extLst>
-          </p:cNvPr>
-          <p:cNvSpPr txBox="1"/>
-          <p:nvPr/>
-        </p:nvSpPr>
-        <p:spPr>
-          <a:xfrm>
-            <a:off x="127778" y="57150"/>
-            <a:ext cx="9397221" cy="584775"/>
-          </a:xfrm>
-          <a:prstGeom prst="rect">
-            <a:avLst/>
-          </a:prstGeom>
-          <a:noFill/>
-        </p:spPr>
-        <p:txBody>
-          <a:bodyPr wrap="square" rtlCol="0">
-            <a:spAutoFit/>
-          </a:bodyPr>
-          <a:lstStyle>
-            <a:defPPr>
-              <a:defRPr lang="en-US"/>
-            </a:defPPr>
-            <a:lvl1pPr>
-              <a:defRPr sz="4000" b="1">
-                <a:solidFill>
-                  <a:schemeClr val="bg1"/>
-                </a:solidFill>
-                <a:latin typeface="Lato Black" panose="020F0A02020204030203" pitchFamily="34" charset="0"/>
-              </a:defRPr>
-            </a:lvl1pPr>
-          </a:lstStyle>
-          <a:p>
-            <a:r>
-              <a:rPr lang="en-IN" sz="3200" b="1" dirty="0">
-                <a:solidFill>
-                  <a:schemeClr val="bg1"/>
-                </a:solidFill>
-                <a:latin typeface="Lato Black" panose="020F0A02020204030203" pitchFamily="34" charset="0"/>
-              </a:rPr>
-              <a:t>PROBLEM STATEMENT</a:t>
-            </a:r>
-          </a:p>
-        </p:txBody>
-      </p:sp>
-      <p:pic>
-        <p:nvPicPr>
-          <p:cNvPr id="7" name="Picture 6">
-            <a:extLst>
-              <a:ext uri="{FF2B5EF4-FFF2-40B4-BE49-F238E27FC236}">
-                <a16:creationId xmlns="" xmlns:a16="http://schemas.microsoft.com/office/drawing/2014/main" id="{4F56E1CB-C23A-8E6C-4322-BE518ECDDE56}"/>
-              </a:ext>
-            </a:extLst>
-          </p:cNvPr>
-          <p:cNvPicPr>
-            <a:picLocks noChangeAspect="1"/>
-          </p:cNvPicPr>
-          <p:nvPr/>
-        </p:nvPicPr>
-        <p:blipFill>
-          <a:blip r:embed="rId2" cstate="print">
-            <a:duotone>
-              <a:prstClr val="black"/>
-              <a:schemeClr val="accent4">
-                <a:tint val="45000"/>
-                <a:satMod val="400000"/>
-              </a:schemeClr>
-            </a:duotone>
-            <a:extLst>
-              <a:ext uri="{28A0092B-C50C-407E-A947-70E740481C1C}">
-                <a14:useLocalDpi xmlns:a14="http://schemas.microsoft.com/office/drawing/2010/main" val="0"/>
-              </a:ext>
-            </a:extLst>
-          </a:blip>
-          <a:stretch>
-            <a:fillRect/>
-          </a:stretch>
-        </p:blipFill>
-        <p:spPr>
-          <a:xfrm>
-            <a:off x="10721577" y="157765"/>
-            <a:ext cx="1342645" cy="968319"/>
-          </a:xfrm>
-          <a:prstGeom prst="rect">
-            <a:avLst/>
-          </a:prstGeom>
-        </p:spPr>
-      </p:pic>
-      <p:sp>
-        <p:nvSpPr>
-          <p:cNvPr id="3" name="TextBox 2">
-            <a:extLst>
-              <a:ext uri="{FF2B5EF4-FFF2-40B4-BE49-F238E27FC236}">
-                <a16:creationId xmlns="" xmlns:a16="http://schemas.microsoft.com/office/drawing/2014/main" id="{1058CA99-5896-CF6F-E3D9-47410F2EEA1D}"/>
-              </a:ext>
-            </a:extLst>
-          </p:cNvPr>
-          <p:cNvSpPr txBox="1"/>
-          <p:nvPr/>
-        </p:nvSpPr>
-        <p:spPr>
-          <a:xfrm>
-            <a:off x="127778" y="781050"/>
-            <a:ext cx="3629025" cy="461665"/>
-          </a:xfrm>
-          <a:prstGeom prst="rect">
-            <a:avLst/>
-          </a:prstGeom>
-          <a:noFill/>
-        </p:spPr>
-        <p:txBody>
-          <a:bodyPr wrap="square" rtlCol="0">
-            <a:spAutoFit/>
-          </a:bodyPr>
-          <a:lstStyle/>
-          <a:p>
-            <a:r>
-              <a:rPr lang="en-IN" sz="2400" b="1" u="sng" kern="100" dirty="0">
-                <a:solidFill>
-                  <a:schemeClr val="accent4">
-                    <a:lumMod val="60000"/>
-                    <a:lumOff val="40000"/>
-                  </a:schemeClr>
-                </a:solidFill>
-                <a:effectLst/>
-                <a:highlight>
-                  <a:srgbClr val="008000"/>
-                </a:highlight>
-                <a:latin typeface="Calibri" panose="020F0502020204030204" pitchFamily="34" charset="0"/>
-                <a:ea typeface="Calibri" panose="020F0502020204030204" pitchFamily="34" charset="0"/>
-                <a:cs typeface="Times New Roman" panose="02020603050405020304" pitchFamily="18" charset="0"/>
-              </a:rPr>
-              <a:t>DASHBOARD 3: DETAILS</a:t>
-            </a:r>
-            <a:endParaRPr lang="en-IN" sz="2400" kern="100" dirty="0">
-              <a:solidFill>
-                <a:schemeClr val="accent4">
-                  <a:lumMod val="60000"/>
-                  <a:lumOff val="40000"/>
-                </a:schemeClr>
-              </a:solidFill>
-              <a:effectLst/>
-              <a:highlight>
-                <a:srgbClr val="008000"/>
-              </a:highlight>
-              <a:latin typeface="Calibri" panose="020F0502020204030204" pitchFamily="34" charset="0"/>
-              <a:ea typeface="Calibri" panose="020F0502020204030204" pitchFamily="34" charset="0"/>
-              <a:cs typeface="Times New Roman" panose="02020603050405020304" pitchFamily="18" charset="0"/>
-            </a:endParaRPr>
-          </a:p>
-        </p:txBody>
-      </p:sp>
-      <p:sp>
-        <p:nvSpPr>
-          <p:cNvPr id="4" name="TextBox 3">
-            <a:extLst>
-              <a:ext uri="{FF2B5EF4-FFF2-40B4-BE49-F238E27FC236}">
-                <a16:creationId xmlns="" xmlns:a16="http://schemas.microsoft.com/office/drawing/2014/main" id="{0E3EF215-20BB-527A-E72D-12F6F9355EC2}"/>
+                <a16:creationId xmlns:a16="http://schemas.microsoft.com/office/drawing/2014/main" xmlns="" id="{0E3EF215-20BB-527A-E72D-12F6F9355EC2}"/>
               </a:ext>
             </a:extLst>
           </p:cNvPr>
@@ -5813,1377 +5614,6 @@
     <p:extLst>
       <p:ext uri="{BB962C8B-B14F-4D97-AF65-F5344CB8AC3E}">
         <p14:creationId xmlns:p14="http://schemas.microsoft.com/office/powerpoint/2010/main" val="1865897694"/>
-      </p:ext>
-    </p:extLst>
-  </p:cSld>
-  <p:clrMapOvr>
-    <a:masterClrMapping/>
-  </p:clrMapOvr>
-  <p:transition spd="slow">
-    <p:cover/>
-  </p:transition>
-</p:sld>
-</file>
-
-<file path=ppt/slides/slide15.xml><?xml version="1.0" encoding="utf-8"?>
-<p:sld xmlns:a="http://schemas.openxmlformats.org/drawingml/2006/main" xmlns:r="http://schemas.openxmlformats.org/officeDocument/2006/relationships" xmlns:p="http://schemas.openxmlformats.org/presentationml/2006/main">
-  <p:cSld>
-    <p:bg>
-      <p:bgPr>
-        <a:solidFill>
-          <a:schemeClr val="accent1">
-            <a:lumMod val="50000"/>
-          </a:schemeClr>
-        </a:solidFill>
-        <a:effectLst/>
-      </p:bgPr>
-    </p:bg>
-    <p:spTree>
-      <p:nvGrpSpPr>
-        <p:cNvPr id="1" name=""/>
-        <p:cNvGrpSpPr/>
-        <p:nvPr/>
-      </p:nvGrpSpPr>
-      <p:grpSpPr>
-        <a:xfrm>
-          <a:off x="0" y="0"/>
-          <a:ext cx="0" cy="0"/>
-          <a:chOff x="0" y="0"/>
-          <a:chExt cx="0" cy="0"/>
-        </a:xfrm>
-      </p:grpSpPr>
-      <p:sp>
-        <p:nvSpPr>
-          <p:cNvPr id="2" name="TextBox 1">
-            <a:extLst>
-              <a:ext uri="{FF2B5EF4-FFF2-40B4-BE49-F238E27FC236}">
-                <a16:creationId xmlns="" xmlns:a16="http://schemas.microsoft.com/office/drawing/2014/main" id="{F2186767-6DBF-43ED-0334-E389A8026F75}"/>
-              </a:ext>
-            </a:extLst>
-          </p:cNvPr>
-          <p:cNvSpPr txBox="1"/>
-          <p:nvPr/>
-        </p:nvSpPr>
-        <p:spPr>
-          <a:xfrm>
-            <a:off x="127778" y="57150"/>
-            <a:ext cx="9397221" cy="584775"/>
-          </a:xfrm>
-          <a:prstGeom prst="rect">
-            <a:avLst/>
-          </a:prstGeom>
-          <a:noFill/>
-        </p:spPr>
-        <p:txBody>
-          <a:bodyPr wrap="square" rtlCol="0">
-            <a:spAutoFit/>
-          </a:bodyPr>
-          <a:lstStyle>
-            <a:defPPr>
-              <a:defRPr lang="en-US"/>
-            </a:defPPr>
-            <a:lvl1pPr>
-              <a:defRPr sz="4000" b="1">
-                <a:solidFill>
-                  <a:schemeClr val="bg1"/>
-                </a:solidFill>
-                <a:latin typeface="Lato Black" panose="020F0A02020204030203" pitchFamily="34" charset="0"/>
-              </a:defRPr>
-            </a:lvl1pPr>
-          </a:lstStyle>
-          <a:p>
-            <a:r>
-              <a:rPr lang="en-IN" sz="3200" dirty="0"/>
-              <a:t>FUNCTIONALITIES YOU WILL LEARN</a:t>
-            </a:r>
-          </a:p>
-        </p:txBody>
-      </p:sp>
-      <p:pic>
-        <p:nvPicPr>
-          <p:cNvPr id="7" name="Picture 6">
-            <a:extLst>
-              <a:ext uri="{FF2B5EF4-FFF2-40B4-BE49-F238E27FC236}">
-                <a16:creationId xmlns="" xmlns:a16="http://schemas.microsoft.com/office/drawing/2014/main" id="{4F56E1CB-C23A-8E6C-4322-BE518ECDDE56}"/>
-              </a:ext>
-            </a:extLst>
-          </p:cNvPr>
-          <p:cNvPicPr>
-            <a:picLocks noChangeAspect="1"/>
-          </p:cNvPicPr>
-          <p:nvPr/>
-        </p:nvPicPr>
-        <p:blipFill>
-          <a:blip r:embed="rId2" cstate="print">
-            <a:duotone>
-              <a:prstClr val="black"/>
-              <a:schemeClr val="accent4">
-                <a:tint val="45000"/>
-                <a:satMod val="400000"/>
-              </a:schemeClr>
-            </a:duotone>
-            <a:extLst>
-              <a:ext uri="{28A0092B-C50C-407E-A947-70E740481C1C}">
-                <a14:useLocalDpi xmlns:a14="http://schemas.microsoft.com/office/drawing/2010/main" val="0"/>
-              </a:ext>
-            </a:extLst>
-          </a:blip>
-          <a:stretch>
-            <a:fillRect/>
-          </a:stretch>
-        </p:blipFill>
-        <p:spPr>
-          <a:xfrm>
-            <a:off x="10721577" y="157765"/>
-            <a:ext cx="1342645" cy="968319"/>
-          </a:xfrm>
-          <a:prstGeom prst="rect">
-            <a:avLst/>
-          </a:prstGeom>
-        </p:spPr>
-      </p:pic>
-      <p:sp>
-        <p:nvSpPr>
-          <p:cNvPr id="8" name="TextBox 7">
-            <a:extLst>
-              <a:ext uri="{FF2B5EF4-FFF2-40B4-BE49-F238E27FC236}">
-                <a16:creationId xmlns="" xmlns:a16="http://schemas.microsoft.com/office/drawing/2014/main" id="{F0646760-0DB5-6324-7B30-1D918A65A865}"/>
-              </a:ext>
-            </a:extLst>
-          </p:cNvPr>
-          <p:cNvSpPr txBox="1"/>
-          <p:nvPr/>
-        </p:nvSpPr>
-        <p:spPr>
-          <a:xfrm>
-            <a:off x="1647825" y="1144432"/>
-            <a:ext cx="2909078" cy="5355312"/>
-          </a:xfrm>
-          <a:prstGeom prst="rect">
-            <a:avLst/>
-          </a:prstGeom>
-          <a:noFill/>
-        </p:spPr>
-        <p:txBody>
-          <a:bodyPr wrap="square" rtlCol="0">
-            <a:spAutoFit/>
-          </a:bodyPr>
-          <a:lstStyle/>
-          <a:p>
-            <a:pPr marL="285750" indent="-285750">
-              <a:buFont typeface="Wingdings" panose="05000000000000000000" pitchFamily="2" charset="2"/>
-              <a:buChar char="ü"/>
-            </a:pPr>
-            <a:r>
-              <a:rPr lang="en-IN" b="1" dirty="0">
-                <a:solidFill>
-                  <a:schemeClr val="accent4">
-                    <a:lumMod val="60000"/>
-                    <a:lumOff val="40000"/>
-                  </a:schemeClr>
-                </a:solidFill>
-              </a:rPr>
-              <a:t>Creating Database</a:t>
-            </a:r>
-          </a:p>
-          <a:p>
-            <a:pPr marL="285750" indent="-285750">
-              <a:buFont typeface="Wingdings" panose="05000000000000000000" pitchFamily="2" charset="2"/>
-              <a:buChar char="ü"/>
-            </a:pPr>
-            <a:r>
-              <a:rPr lang="en-IN" b="1" dirty="0">
-                <a:solidFill>
-                  <a:schemeClr val="accent4">
-                    <a:lumMod val="60000"/>
-                    <a:lumOff val="40000"/>
-                  </a:schemeClr>
-                </a:solidFill>
-              </a:rPr>
-              <a:t>Creating Table</a:t>
-            </a:r>
-          </a:p>
-          <a:p>
-            <a:pPr marL="285750" indent="-285750">
-              <a:buFont typeface="Wingdings" panose="05000000000000000000" pitchFamily="2" charset="2"/>
-              <a:buChar char="ü"/>
-            </a:pPr>
-            <a:r>
-              <a:rPr lang="en-IN" b="1" dirty="0">
-                <a:solidFill>
-                  <a:schemeClr val="accent4">
-                    <a:lumMod val="60000"/>
-                    <a:lumOff val="40000"/>
-                  </a:schemeClr>
-                </a:solidFill>
-              </a:rPr>
-              <a:t>Select</a:t>
-            </a:r>
-          </a:p>
-          <a:p>
-            <a:pPr marL="285750" indent="-285750">
-              <a:buFont typeface="Wingdings" panose="05000000000000000000" pitchFamily="2" charset="2"/>
-              <a:buChar char="ü"/>
-            </a:pPr>
-            <a:r>
-              <a:rPr lang="en-IN" b="1" dirty="0">
-                <a:solidFill>
-                  <a:schemeClr val="accent4">
-                    <a:lumMod val="60000"/>
-                    <a:lumOff val="40000"/>
-                  </a:schemeClr>
-                </a:solidFill>
-              </a:rPr>
-              <a:t>Datename</a:t>
-            </a:r>
-          </a:p>
-          <a:p>
-            <a:pPr marL="285750" indent="-285750">
-              <a:buFont typeface="Wingdings" panose="05000000000000000000" pitchFamily="2" charset="2"/>
-              <a:buChar char="ü"/>
-            </a:pPr>
-            <a:r>
-              <a:rPr lang="en-IN" b="1" dirty="0">
-                <a:solidFill>
-                  <a:schemeClr val="accent4">
-                    <a:lumMod val="60000"/>
-                    <a:lumOff val="40000"/>
-                  </a:schemeClr>
-                </a:solidFill>
-              </a:rPr>
-              <a:t>Datepart</a:t>
-            </a:r>
-          </a:p>
-          <a:p>
-            <a:pPr marL="285750" indent="-285750">
-              <a:buFont typeface="Wingdings" panose="05000000000000000000" pitchFamily="2" charset="2"/>
-              <a:buChar char="ü"/>
-            </a:pPr>
-            <a:r>
-              <a:rPr lang="en-IN" b="1" dirty="0">
-                <a:solidFill>
-                  <a:schemeClr val="accent4">
-                    <a:lumMod val="60000"/>
-                    <a:lumOff val="40000"/>
-                  </a:schemeClr>
-                </a:solidFill>
-              </a:rPr>
-              <a:t>Cast</a:t>
-            </a:r>
-          </a:p>
-          <a:p>
-            <a:pPr marL="285750" indent="-285750">
-              <a:buFont typeface="Wingdings" panose="05000000000000000000" pitchFamily="2" charset="2"/>
-              <a:buChar char="ü"/>
-            </a:pPr>
-            <a:r>
-              <a:rPr lang="en-IN" b="1" dirty="0">
-                <a:solidFill>
-                  <a:schemeClr val="accent4">
-                    <a:lumMod val="60000"/>
-                    <a:lumOff val="40000"/>
-                  </a:schemeClr>
-                </a:solidFill>
-              </a:rPr>
-              <a:t>Decimal</a:t>
-            </a:r>
-          </a:p>
-          <a:p>
-            <a:pPr marL="285750" indent="-285750">
-              <a:buFont typeface="Wingdings" panose="05000000000000000000" pitchFamily="2" charset="2"/>
-              <a:buChar char="ü"/>
-            </a:pPr>
-            <a:r>
-              <a:rPr lang="en-IN" b="1" dirty="0">
-                <a:solidFill>
-                  <a:schemeClr val="accent4">
-                    <a:lumMod val="60000"/>
-                    <a:lumOff val="40000"/>
-                  </a:schemeClr>
-                </a:solidFill>
-              </a:rPr>
-              <a:t>Month</a:t>
-            </a:r>
-          </a:p>
-          <a:p>
-            <a:pPr marL="285750" indent="-285750">
-              <a:buFont typeface="Wingdings" panose="05000000000000000000" pitchFamily="2" charset="2"/>
-              <a:buChar char="ü"/>
-            </a:pPr>
-            <a:r>
-              <a:rPr lang="en-IN" b="1" dirty="0">
-                <a:solidFill>
-                  <a:schemeClr val="accent4">
-                    <a:lumMod val="60000"/>
-                    <a:lumOff val="40000"/>
-                  </a:schemeClr>
-                </a:solidFill>
-              </a:rPr>
-              <a:t>Hour</a:t>
-            </a:r>
-          </a:p>
-          <a:p>
-            <a:pPr marL="285750" indent="-285750">
-              <a:buFont typeface="Wingdings" panose="05000000000000000000" pitchFamily="2" charset="2"/>
-              <a:buChar char="ü"/>
-            </a:pPr>
-            <a:r>
-              <a:rPr lang="en-IN" b="1" dirty="0">
-                <a:solidFill>
-                  <a:schemeClr val="accent4">
-                    <a:lumMod val="60000"/>
-                    <a:lumOff val="40000"/>
-                  </a:schemeClr>
-                </a:solidFill>
-              </a:rPr>
-              <a:t>Quarter</a:t>
-            </a:r>
-          </a:p>
-          <a:p>
-            <a:pPr marL="285750" indent="-285750">
-              <a:buFont typeface="Wingdings" panose="05000000000000000000" pitchFamily="2" charset="2"/>
-              <a:buChar char="ü"/>
-            </a:pPr>
-            <a:r>
-              <a:rPr lang="en-IN" b="1" dirty="0">
-                <a:solidFill>
-                  <a:schemeClr val="accent4">
-                    <a:lumMod val="60000"/>
-                    <a:lumOff val="40000"/>
-                  </a:schemeClr>
-                </a:solidFill>
-              </a:rPr>
-              <a:t>Day</a:t>
-            </a:r>
-          </a:p>
-          <a:p>
-            <a:pPr marL="285750" indent="-285750">
-              <a:buFont typeface="Wingdings" panose="05000000000000000000" pitchFamily="2" charset="2"/>
-              <a:buChar char="ü"/>
-            </a:pPr>
-            <a:r>
-              <a:rPr lang="en-IN" b="1" dirty="0">
-                <a:solidFill>
-                  <a:schemeClr val="accent4">
-                    <a:lumMod val="60000"/>
-                    <a:lumOff val="40000"/>
-                  </a:schemeClr>
-                </a:solidFill>
-              </a:rPr>
-              <a:t>Group by</a:t>
-            </a:r>
-          </a:p>
-          <a:p>
-            <a:pPr marL="285750" indent="-285750">
-              <a:buFont typeface="Wingdings" panose="05000000000000000000" pitchFamily="2" charset="2"/>
-              <a:buChar char="ü"/>
-            </a:pPr>
-            <a:r>
-              <a:rPr lang="en-IN" b="1" dirty="0">
-                <a:solidFill>
-                  <a:schemeClr val="accent4">
-                    <a:lumMod val="60000"/>
-                    <a:lumOff val="40000"/>
-                  </a:schemeClr>
-                </a:solidFill>
-              </a:rPr>
-              <a:t>Order by</a:t>
-            </a:r>
-          </a:p>
-          <a:p>
-            <a:pPr marL="285750" indent="-285750">
-              <a:buFont typeface="Wingdings" panose="05000000000000000000" pitchFamily="2" charset="2"/>
-              <a:buChar char="ü"/>
-            </a:pPr>
-            <a:r>
-              <a:rPr lang="en-IN" b="1" dirty="0">
-                <a:solidFill>
-                  <a:schemeClr val="accent4">
-                    <a:lumMod val="60000"/>
-                    <a:lumOff val="40000"/>
-                  </a:schemeClr>
-                </a:solidFill>
-              </a:rPr>
-              <a:t>Decimal</a:t>
-            </a:r>
-          </a:p>
-          <a:p>
-            <a:pPr marL="285750" indent="-285750">
-              <a:buFont typeface="Wingdings" panose="05000000000000000000" pitchFamily="2" charset="2"/>
-              <a:buChar char="ü"/>
-            </a:pPr>
-            <a:r>
-              <a:rPr lang="en-IN" b="1" dirty="0">
-                <a:solidFill>
-                  <a:schemeClr val="accent4">
-                    <a:lumMod val="60000"/>
-                    <a:lumOff val="40000"/>
-                  </a:schemeClr>
-                </a:solidFill>
-              </a:rPr>
-              <a:t>Limit</a:t>
-            </a:r>
-          </a:p>
-          <a:p>
-            <a:pPr marL="285750" indent="-285750">
-              <a:buFont typeface="Wingdings" panose="05000000000000000000" pitchFamily="2" charset="2"/>
-              <a:buChar char="ü"/>
-            </a:pPr>
-            <a:r>
-              <a:rPr lang="en-IN" b="1" dirty="0">
-                <a:solidFill>
-                  <a:schemeClr val="accent4">
-                    <a:lumMod val="60000"/>
-                    <a:lumOff val="40000"/>
-                  </a:schemeClr>
-                </a:solidFill>
-              </a:rPr>
-              <a:t>Count</a:t>
-            </a:r>
-          </a:p>
-          <a:p>
-            <a:pPr marL="285750" indent="-285750">
-              <a:buFont typeface="Wingdings" panose="05000000000000000000" pitchFamily="2" charset="2"/>
-              <a:buChar char="ü"/>
-            </a:pPr>
-            <a:r>
-              <a:rPr lang="en-IN" b="1" dirty="0">
-                <a:solidFill>
-                  <a:schemeClr val="accent4">
-                    <a:lumMod val="60000"/>
-                    <a:lumOff val="40000"/>
-                  </a:schemeClr>
-                </a:solidFill>
-              </a:rPr>
-              <a:t>Distinct</a:t>
-            </a:r>
-          </a:p>
-          <a:p>
-            <a:pPr marL="285750" indent="-285750">
-              <a:buFont typeface="Wingdings" panose="05000000000000000000" pitchFamily="2" charset="2"/>
-              <a:buChar char="ü"/>
-            </a:pPr>
-            <a:r>
-              <a:rPr lang="en-IN" b="1" dirty="0">
-                <a:solidFill>
-                  <a:schemeClr val="accent4">
-                    <a:lumMod val="60000"/>
-                    <a:lumOff val="40000"/>
-                  </a:schemeClr>
-                </a:solidFill>
-              </a:rPr>
-              <a:t>CTE</a:t>
-            </a:r>
-          </a:p>
-          <a:p>
-            <a:pPr marL="285750" indent="-285750">
-              <a:buFont typeface="Wingdings" panose="05000000000000000000" pitchFamily="2" charset="2"/>
-              <a:buChar char="ü"/>
-            </a:pPr>
-            <a:r>
-              <a:rPr lang="en-IN" b="1" dirty="0">
-                <a:solidFill>
-                  <a:schemeClr val="accent4">
-                    <a:lumMod val="60000"/>
-                    <a:lumOff val="40000"/>
-                  </a:schemeClr>
-                </a:solidFill>
-              </a:rPr>
-              <a:t>Partition</a:t>
-            </a:r>
-          </a:p>
-        </p:txBody>
-      </p:sp>
-      <p:sp>
-        <p:nvSpPr>
-          <p:cNvPr id="9" name="TextBox 8">
-            <a:extLst>
-              <a:ext uri="{FF2B5EF4-FFF2-40B4-BE49-F238E27FC236}">
-                <a16:creationId xmlns="" xmlns:a16="http://schemas.microsoft.com/office/drawing/2014/main" id="{64CDC267-C4AE-056C-B4A2-9F57B5EF2822}"/>
-              </a:ext>
-            </a:extLst>
-          </p:cNvPr>
-          <p:cNvSpPr txBox="1"/>
-          <p:nvPr/>
-        </p:nvSpPr>
-        <p:spPr>
-          <a:xfrm>
-            <a:off x="1631335" y="767141"/>
-            <a:ext cx="2663047" cy="338554"/>
-          </a:xfrm>
-          <a:prstGeom prst="rect">
-            <a:avLst/>
-          </a:prstGeom>
-          <a:noFill/>
-        </p:spPr>
-        <p:txBody>
-          <a:bodyPr wrap="square" rtlCol="0">
-            <a:spAutoFit/>
-          </a:bodyPr>
-          <a:lstStyle/>
-          <a:p>
-            <a:r>
-              <a:rPr lang="en-IN" sz="1600" b="1" dirty="0">
-                <a:solidFill>
-                  <a:schemeClr val="accent2">
-                    <a:lumMod val="60000"/>
-                    <a:lumOff val="40000"/>
-                  </a:schemeClr>
-                </a:solidFill>
-                <a:latin typeface="Rockwell Extra Bold" panose="02060903040505020403" pitchFamily="18" charset="0"/>
-              </a:rPr>
-              <a:t>SQL – MS SQL SERVER</a:t>
-            </a:r>
-          </a:p>
-        </p:txBody>
-      </p:sp>
-      <p:sp>
-        <p:nvSpPr>
-          <p:cNvPr id="10" name="TextBox 9">
-            <a:extLst>
-              <a:ext uri="{FF2B5EF4-FFF2-40B4-BE49-F238E27FC236}">
-                <a16:creationId xmlns="" xmlns:a16="http://schemas.microsoft.com/office/drawing/2014/main" id="{8E141D8C-EC5D-22DE-B591-0E506E4E2BA6}"/>
-              </a:ext>
-            </a:extLst>
-          </p:cNvPr>
-          <p:cNvSpPr txBox="1"/>
-          <p:nvPr/>
-        </p:nvSpPr>
-        <p:spPr>
-          <a:xfrm>
-            <a:off x="6400798" y="1140838"/>
-            <a:ext cx="3048000" cy="5355312"/>
-          </a:xfrm>
-          <a:prstGeom prst="rect">
-            <a:avLst/>
-          </a:prstGeom>
-          <a:noFill/>
-        </p:spPr>
-        <p:txBody>
-          <a:bodyPr wrap="square" rtlCol="0">
-            <a:spAutoFit/>
-          </a:bodyPr>
-          <a:lstStyle/>
-          <a:p>
-            <a:pPr marL="285750" indent="-285750">
-              <a:buFont typeface="Wingdings" panose="05000000000000000000" pitchFamily="2" charset="2"/>
-              <a:buChar char="ü"/>
-            </a:pPr>
-            <a:r>
-              <a:rPr lang="en-IN" b="1" dirty="0">
-                <a:solidFill>
-                  <a:schemeClr val="accent2">
-                    <a:lumMod val="20000"/>
-                    <a:lumOff val="80000"/>
-                  </a:schemeClr>
-                </a:solidFill>
-              </a:rPr>
-              <a:t>Connecting to SQL Server</a:t>
-            </a:r>
-          </a:p>
-          <a:p>
-            <a:pPr marL="285750" indent="-285750">
-              <a:buFont typeface="Wingdings" panose="05000000000000000000" pitchFamily="2" charset="2"/>
-              <a:buChar char="ü"/>
-            </a:pPr>
-            <a:r>
-              <a:rPr lang="en-IN" b="1" dirty="0">
-                <a:solidFill>
-                  <a:schemeClr val="accent2">
-                    <a:lumMod val="20000"/>
-                    <a:lumOff val="80000"/>
-                  </a:schemeClr>
-                </a:solidFill>
-              </a:rPr>
-              <a:t>Data Cleaning</a:t>
-            </a:r>
-          </a:p>
-          <a:p>
-            <a:pPr marL="285750" indent="-285750">
-              <a:buFont typeface="Wingdings" panose="05000000000000000000" pitchFamily="2" charset="2"/>
-              <a:buChar char="ü"/>
-            </a:pPr>
-            <a:r>
-              <a:rPr lang="en-IN" b="1" dirty="0">
-                <a:solidFill>
-                  <a:schemeClr val="accent2">
-                    <a:lumMod val="20000"/>
-                    <a:lumOff val="80000"/>
-                  </a:schemeClr>
-                </a:solidFill>
-              </a:rPr>
-              <a:t>Data Modelling</a:t>
-            </a:r>
-          </a:p>
-          <a:p>
-            <a:pPr marL="285750" indent="-285750">
-              <a:buFont typeface="Wingdings" panose="05000000000000000000" pitchFamily="2" charset="2"/>
-              <a:buChar char="ü"/>
-            </a:pPr>
-            <a:r>
-              <a:rPr lang="en-IN" b="1" dirty="0">
-                <a:solidFill>
-                  <a:schemeClr val="accent2">
-                    <a:lumMod val="20000"/>
-                    <a:lumOff val="80000"/>
-                  </a:schemeClr>
-                </a:solidFill>
-              </a:rPr>
-              <a:t>Data Processing</a:t>
-            </a:r>
-          </a:p>
-          <a:p>
-            <a:pPr marL="285750" indent="-285750">
-              <a:buFont typeface="Wingdings" panose="05000000000000000000" pitchFamily="2" charset="2"/>
-              <a:buChar char="ü"/>
-            </a:pPr>
-            <a:r>
-              <a:rPr lang="en-IN" b="1" dirty="0">
-                <a:solidFill>
-                  <a:schemeClr val="accent2">
-                    <a:lumMod val="20000"/>
-                    <a:lumOff val="80000"/>
-                  </a:schemeClr>
-                </a:solidFill>
-              </a:rPr>
-              <a:t>Power Query</a:t>
-            </a:r>
-          </a:p>
-          <a:p>
-            <a:pPr marL="285750" indent="-285750">
-              <a:buFont typeface="Wingdings" panose="05000000000000000000" pitchFamily="2" charset="2"/>
-              <a:buChar char="ü"/>
-            </a:pPr>
-            <a:r>
-              <a:rPr lang="en-IN" b="1" dirty="0">
-                <a:solidFill>
-                  <a:schemeClr val="accent2">
-                    <a:lumMod val="20000"/>
-                    <a:lumOff val="80000"/>
-                  </a:schemeClr>
-                </a:solidFill>
-              </a:rPr>
-              <a:t>Date Tables</a:t>
-            </a:r>
-          </a:p>
-          <a:p>
-            <a:pPr marL="285750" indent="-285750">
-              <a:buFont typeface="Wingdings" panose="05000000000000000000" pitchFamily="2" charset="2"/>
-              <a:buChar char="ü"/>
-            </a:pPr>
-            <a:r>
-              <a:rPr lang="en-IN" b="1" dirty="0">
-                <a:solidFill>
-                  <a:schemeClr val="accent2">
-                    <a:lumMod val="20000"/>
-                    <a:lumOff val="80000"/>
-                  </a:schemeClr>
-                </a:solidFill>
-              </a:rPr>
-              <a:t>Time Intelligence </a:t>
-            </a:r>
-            <a:r>
-              <a:rPr lang="en-IN" b="1" dirty="0" err="1">
-                <a:solidFill>
-                  <a:schemeClr val="accent2">
-                    <a:lumMod val="20000"/>
-                    <a:lumOff val="80000"/>
-                  </a:schemeClr>
-                </a:solidFill>
-              </a:rPr>
-              <a:t>Func</a:t>
-            </a:r>
-            <a:endParaRPr lang="en-IN" b="1" dirty="0">
-              <a:solidFill>
-                <a:schemeClr val="accent2">
-                  <a:lumMod val="20000"/>
-                  <a:lumOff val="80000"/>
-                </a:schemeClr>
-              </a:solidFill>
-            </a:endParaRPr>
-          </a:p>
-          <a:p>
-            <a:pPr marL="285750" indent="-285750">
-              <a:buFont typeface="Wingdings" panose="05000000000000000000" pitchFamily="2" charset="2"/>
-              <a:buChar char="ü"/>
-            </a:pPr>
-            <a:r>
-              <a:rPr lang="en-IN" b="1" dirty="0">
-                <a:solidFill>
-                  <a:schemeClr val="accent2">
-                    <a:lumMod val="20000"/>
-                    <a:lumOff val="80000"/>
-                  </a:schemeClr>
-                </a:solidFill>
-              </a:rPr>
-              <a:t>DAX</a:t>
-            </a:r>
-          </a:p>
-          <a:p>
-            <a:pPr marL="285750" indent="-285750">
-              <a:buFont typeface="Wingdings" panose="05000000000000000000" pitchFamily="2" charset="2"/>
-              <a:buChar char="ü"/>
-            </a:pPr>
-            <a:r>
-              <a:rPr lang="en-IN" b="1" dirty="0">
-                <a:solidFill>
-                  <a:schemeClr val="accent2">
-                    <a:lumMod val="20000"/>
-                    <a:lumOff val="80000"/>
-                  </a:schemeClr>
-                </a:solidFill>
-              </a:rPr>
-              <a:t>Date Function</a:t>
-            </a:r>
-          </a:p>
-          <a:p>
-            <a:pPr marL="285750" indent="-285750">
-              <a:buFont typeface="Wingdings" panose="05000000000000000000" pitchFamily="2" charset="2"/>
-              <a:buChar char="ü"/>
-            </a:pPr>
-            <a:r>
-              <a:rPr lang="en-IN" b="1" dirty="0">
-                <a:solidFill>
-                  <a:schemeClr val="accent2">
-                    <a:lumMod val="20000"/>
-                    <a:lumOff val="80000"/>
-                  </a:schemeClr>
-                </a:solidFill>
-              </a:rPr>
-              <a:t>Text Function</a:t>
-            </a:r>
-          </a:p>
-          <a:p>
-            <a:pPr marL="285750" indent="-285750">
-              <a:buFont typeface="Wingdings" panose="05000000000000000000" pitchFamily="2" charset="2"/>
-              <a:buChar char="ü"/>
-            </a:pPr>
-            <a:r>
-              <a:rPr lang="en-IN" b="1" dirty="0">
-                <a:solidFill>
-                  <a:schemeClr val="accent2">
-                    <a:lumMod val="20000"/>
-                    <a:lumOff val="80000"/>
-                  </a:schemeClr>
-                </a:solidFill>
-              </a:rPr>
-              <a:t>Filter Function</a:t>
-            </a:r>
-          </a:p>
-          <a:p>
-            <a:pPr marL="285750" indent="-285750">
-              <a:buFont typeface="Wingdings" panose="05000000000000000000" pitchFamily="2" charset="2"/>
-              <a:buChar char="ü"/>
-            </a:pPr>
-            <a:r>
-              <a:rPr lang="en-IN" b="1" dirty="0">
-                <a:solidFill>
-                  <a:schemeClr val="accent2">
-                    <a:lumMod val="20000"/>
-                    <a:lumOff val="80000"/>
-                  </a:schemeClr>
-                </a:solidFill>
-              </a:rPr>
-              <a:t>Calculate</a:t>
-            </a:r>
-          </a:p>
-          <a:p>
-            <a:pPr marL="285750" indent="-285750">
-              <a:buFont typeface="Wingdings" panose="05000000000000000000" pitchFamily="2" charset="2"/>
-              <a:buChar char="ü"/>
-            </a:pPr>
-            <a:r>
-              <a:rPr lang="en-IN" b="1" dirty="0">
-                <a:solidFill>
-                  <a:schemeClr val="accent2">
-                    <a:lumMod val="20000"/>
-                    <a:lumOff val="80000"/>
-                  </a:schemeClr>
-                </a:solidFill>
-              </a:rPr>
-              <a:t>SUM/ SUMX</a:t>
-            </a:r>
-          </a:p>
-          <a:p>
-            <a:pPr marL="285750" indent="-285750">
-              <a:buFont typeface="Wingdings" panose="05000000000000000000" pitchFamily="2" charset="2"/>
-              <a:buChar char="ü"/>
-            </a:pPr>
-            <a:r>
-              <a:rPr lang="en-IN" b="1" dirty="0">
-                <a:solidFill>
-                  <a:schemeClr val="accent2">
-                    <a:lumMod val="20000"/>
-                    <a:lumOff val="80000"/>
-                  </a:schemeClr>
-                </a:solidFill>
-              </a:rPr>
-              <a:t>Creating KPI’s</a:t>
-            </a:r>
-          </a:p>
-          <a:p>
-            <a:pPr marL="285750" indent="-285750">
-              <a:buFont typeface="Wingdings" panose="05000000000000000000" pitchFamily="2" charset="2"/>
-              <a:buChar char="ü"/>
-            </a:pPr>
-            <a:r>
-              <a:rPr lang="en-IN" b="1" dirty="0">
-                <a:solidFill>
-                  <a:schemeClr val="accent2">
-                    <a:lumMod val="20000"/>
-                    <a:lumOff val="80000"/>
-                  </a:schemeClr>
-                </a:solidFill>
-              </a:rPr>
-              <a:t>New Card Visual</a:t>
-            </a:r>
-          </a:p>
-          <a:p>
-            <a:pPr marL="285750" indent="-285750">
-              <a:buFont typeface="Wingdings" panose="05000000000000000000" pitchFamily="2" charset="2"/>
-              <a:buChar char="ü"/>
-            </a:pPr>
-            <a:r>
-              <a:rPr lang="en-IN" b="1" dirty="0">
-                <a:solidFill>
-                  <a:schemeClr val="accent2">
-                    <a:lumMod val="20000"/>
-                    <a:lumOff val="80000"/>
-                  </a:schemeClr>
-                </a:solidFill>
-              </a:rPr>
-              <a:t>Creating Charts</a:t>
-            </a:r>
-          </a:p>
-          <a:p>
-            <a:pPr marL="285750" indent="-285750">
-              <a:buFont typeface="Wingdings" panose="05000000000000000000" pitchFamily="2" charset="2"/>
-              <a:buChar char="ü"/>
-            </a:pPr>
-            <a:r>
-              <a:rPr lang="en-IN" b="1" dirty="0">
-                <a:solidFill>
-                  <a:schemeClr val="accent2">
-                    <a:lumMod val="20000"/>
-                    <a:lumOff val="80000"/>
-                  </a:schemeClr>
-                </a:solidFill>
-              </a:rPr>
-              <a:t>Formatting visuals</a:t>
-            </a:r>
-          </a:p>
-          <a:p>
-            <a:pPr marL="285750" indent="-285750">
-              <a:buFont typeface="Wingdings" panose="05000000000000000000" pitchFamily="2" charset="2"/>
-              <a:buChar char="ü"/>
-            </a:pPr>
-            <a:r>
-              <a:rPr lang="en-IN" b="1" dirty="0">
-                <a:solidFill>
-                  <a:schemeClr val="accent2">
-                    <a:lumMod val="20000"/>
-                    <a:lumOff val="80000"/>
-                  </a:schemeClr>
-                </a:solidFill>
-              </a:rPr>
-              <a:t>Creating Functions</a:t>
-            </a:r>
-          </a:p>
-          <a:p>
-            <a:pPr marL="285750" indent="-285750">
-              <a:buFont typeface="Wingdings" panose="05000000000000000000" pitchFamily="2" charset="2"/>
-              <a:buChar char="ü"/>
-            </a:pPr>
-            <a:r>
-              <a:rPr lang="en-IN" b="1" dirty="0">
-                <a:solidFill>
-                  <a:schemeClr val="accent2">
-                    <a:lumMod val="20000"/>
-                    <a:lumOff val="80000"/>
-                  </a:schemeClr>
-                </a:solidFill>
-              </a:rPr>
-              <a:t>Navigations</a:t>
-            </a:r>
-          </a:p>
-        </p:txBody>
-      </p:sp>
-      <p:sp>
-        <p:nvSpPr>
-          <p:cNvPr id="11" name="TextBox 10">
-            <a:extLst>
-              <a:ext uri="{FF2B5EF4-FFF2-40B4-BE49-F238E27FC236}">
-                <a16:creationId xmlns="" xmlns:a16="http://schemas.microsoft.com/office/drawing/2014/main" id="{38D39873-19FF-7E34-62AE-83E4D322A2EE}"/>
-              </a:ext>
-            </a:extLst>
-          </p:cNvPr>
-          <p:cNvSpPr txBox="1"/>
-          <p:nvPr/>
-        </p:nvSpPr>
-        <p:spPr>
-          <a:xfrm>
-            <a:off x="6661925" y="767141"/>
-            <a:ext cx="1786749" cy="338554"/>
-          </a:xfrm>
-          <a:prstGeom prst="rect">
-            <a:avLst/>
-          </a:prstGeom>
-          <a:noFill/>
-        </p:spPr>
-        <p:txBody>
-          <a:bodyPr wrap="square" rtlCol="0">
-            <a:spAutoFit/>
-          </a:bodyPr>
-          <a:lstStyle/>
-          <a:p>
-            <a:r>
-              <a:rPr lang="en-IN" sz="1600" b="1" dirty="0">
-                <a:solidFill>
-                  <a:srgbClr val="FFFF00"/>
-                </a:solidFill>
-                <a:latin typeface="Rockwell Extra Bold" panose="02060903040505020403" pitchFamily="18" charset="0"/>
-              </a:rPr>
-              <a:t>POWER BI</a:t>
-            </a:r>
-          </a:p>
-        </p:txBody>
-      </p:sp>
-    </p:spTree>
-    <p:extLst>
-      <p:ext uri="{BB962C8B-B14F-4D97-AF65-F5344CB8AC3E}">
-        <p14:creationId xmlns:p14="http://schemas.microsoft.com/office/powerpoint/2010/main" val="639557344"/>
-      </p:ext>
-    </p:extLst>
-  </p:cSld>
-  <p:clrMapOvr>
-    <a:masterClrMapping/>
-  </p:clrMapOvr>
-  <p:transition spd="slow">
-    <p:cover/>
-  </p:transition>
-</p:sld>
-</file>
-
-<file path=ppt/slides/slide16.xml><?xml version="1.0" encoding="utf-8"?>
-<p:sld xmlns:a="http://schemas.openxmlformats.org/drawingml/2006/main" xmlns:r="http://schemas.openxmlformats.org/officeDocument/2006/relationships" xmlns:p="http://schemas.openxmlformats.org/presentationml/2006/main">
-  <p:cSld>
-    <p:bg>
-      <p:bgPr>
-        <a:solidFill>
-          <a:schemeClr val="accent1">
-            <a:lumMod val="50000"/>
-          </a:schemeClr>
-        </a:solidFill>
-        <a:effectLst/>
-      </p:bgPr>
-    </p:bg>
-    <p:spTree>
-      <p:nvGrpSpPr>
-        <p:cNvPr id="1" name=""/>
-        <p:cNvGrpSpPr/>
-        <p:nvPr/>
-      </p:nvGrpSpPr>
-      <p:grpSpPr>
-        <a:xfrm>
-          <a:off x="0" y="0"/>
-          <a:ext cx="0" cy="0"/>
-          <a:chOff x="0" y="0"/>
-          <a:chExt cx="0" cy="0"/>
-        </a:xfrm>
-      </p:grpSpPr>
-      <p:sp>
-        <p:nvSpPr>
-          <p:cNvPr id="2" name="TextBox 1">
-            <a:extLst>
-              <a:ext uri="{FF2B5EF4-FFF2-40B4-BE49-F238E27FC236}">
-                <a16:creationId xmlns="" xmlns:a16="http://schemas.microsoft.com/office/drawing/2014/main" id="{F2186767-6DBF-43ED-0334-E389A8026F75}"/>
-              </a:ext>
-            </a:extLst>
-          </p:cNvPr>
-          <p:cNvSpPr txBox="1"/>
-          <p:nvPr/>
-        </p:nvSpPr>
-        <p:spPr>
-          <a:xfrm>
-            <a:off x="127778" y="57150"/>
-            <a:ext cx="9397221" cy="584775"/>
-          </a:xfrm>
-          <a:prstGeom prst="rect">
-            <a:avLst/>
-          </a:prstGeom>
-          <a:noFill/>
-        </p:spPr>
-        <p:txBody>
-          <a:bodyPr wrap="square" rtlCol="0">
-            <a:spAutoFit/>
-          </a:bodyPr>
-          <a:lstStyle>
-            <a:defPPr>
-              <a:defRPr lang="en-US"/>
-            </a:defPPr>
-            <a:lvl1pPr>
-              <a:defRPr sz="4000" b="1">
-                <a:solidFill>
-                  <a:schemeClr val="bg1"/>
-                </a:solidFill>
-                <a:latin typeface="Lato Black" panose="020F0A02020204030203" pitchFamily="34" charset="0"/>
-              </a:defRPr>
-            </a:lvl1pPr>
-          </a:lstStyle>
-          <a:p>
-            <a:r>
-              <a:rPr lang="en-IN" sz="3200" b="1" dirty="0">
-                <a:solidFill>
-                  <a:schemeClr val="bg1"/>
-                </a:solidFill>
-                <a:latin typeface="Lato Black" panose="020F0A02020204030203" pitchFamily="34" charset="0"/>
-              </a:rPr>
-              <a:t>SOFTWARE USED</a:t>
-            </a:r>
-          </a:p>
-        </p:txBody>
-      </p:sp>
-      <p:pic>
-        <p:nvPicPr>
-          <p:cNvPr id="7" name="Picture 6">
-            <a:extLst>
-              <a:ext uri="{FF2B5EF4-FFF2-40B4-BE49-F238E27FC236}">
-                <a16:creationId xmlns="" xmlns:a16="http://schemas.microsoft.com/office/drawing/2014/main" id="{4F56E1CB-C23A-8E6C-4322-BE518ECDDE56}"/>
-              </a:ext>
-            </a:extLst>
-          </p:cNvPr>
-          <p:cNvPicPr>
-            <a:picLocks noChangeAspect="1"/>
-          </p:cNvPicPr>
-          <p:nvPr/>
-        </p:nvPicPr>
-        <p:blipFill>
-          <a:blip r:embed="rId2" cstate="print">
-            <a:duotone>
-              <a:prstClr val="black"/>
-              <a:schemeClr val="accent4">
-                <a:tint val="45000"/>
-                <a:satMod val="400000"/>
-              </a:schemeClr>
-            </a:duotone>
-            <a:extLst>
-              <a:ext uri="{28A0092B-C50C-407E-A947-70E740481C1C}">
-                <a14:useLocalDpi xmlns:a14="http://schemas.microsoft.com/office/drawing/2010/main" val="0"/>
-              </a:ext>
-            </a:extLst>
-          </a:blip>
-          <a:stretch>
-            <a:fillRect/>
-          </a:stretch>
-        </p:blipFill>
-        <p:spPr>
-          <a:xfrm>
-            <a:off x="10721577" y="157765"/>
-            <a:ext cx="1342645" cy="968319"/>
-          </a:xfrm>
-          <a:prstGeom prst="rect">
-            <a:avLst/>
-          </a:prstGeom>
-        </p:spPr>
-      </p:pic>
-      <p:sp>
-        <p:nvSpPr>
-          <p:cNvPr id="5" name="TextBox 4">
-            <a:extLst>
-              <a:ext uri="{FF2B5EF4-FFF2-40B4-BE49-F238E27FC236}">
-                <a16:creationId xmlns="" xmlns:a16="http://schemas.microsoft.com/office/drawing/2014/main" id="{1D777C5A-2770-C97F-8953-E1F5A24DD560}"/>
-              </a:ext>
-            </a:extLst>
-          </p:cNvPr>
-          <p:cNvSpPr txBox="1"/>
-          <p:nvPr/>
-        </p:nvSpPr>
-        <p:spPr>
-          <a:xfrm>
-            <a:off x="327804" y="1366935"/>
-            <a:ext cx="8648700" cy="2400657"/>
-          </a:xfrm>
-          <a:prstGeom prst="rect">
-            <a:avLst/>
-          </a:prstGeom>
-          <a:noFill/>
-        </p:spPr>
-        <p:txBody>
-          <a:bodyPr wrap="square" rtlCol="0">
-            <a:spAutoFit/>
-          </a:bodyPr>
-          <a:lstStyle/>
-          <a:p>
-            <a:r>
-              <a:rPr lang="en-IN" sz="2500" b="1" dirty="0">
-                <a:solidFill>
-                  <a:srgbClr val="FFC000"/>
-                </a:solidFill>
-                <a:latin typeface="Century Gothic" panose="020B0502020202020204" pitchFamily="34" charset="0"/>
-              </a:rPr>
-              <a:t>MS OFFICE/ EXCEL: </a:t>
-            </a:r>
-            <a:r>
-              <a:rPr lang="en-IN" sz="2500" b="1" dirty="0">
-                <a:solidFill>
-                  <a:schemeClr val="accent6">
-                    <a:lumMod val="60000"/>
-                    <a:lumOff val="40000"/>
-                  </a:schemeClr>
-                </a:solidFill>
-                <a:latin typeface="Century Gothic" panose="020B0502020202020204" pitchFamily="34" charset="0"/>
-              </a:rPr>
-              <a:t>VERSION 2021</a:t>
-            </a:r>
-          </a:p>
-          <a:p>
-            <a:endParaRPr lang="en-IN" sz="2500" b="1" dirty="0">
-              <a:solidFill>
-                <a:schemeClr val="accent6">
-                  <a:lumMod val="60000"/>
-                  <a:lumOff val="40000"/>
-                </a:schemeClr>
-              </a:solidFill>
-              <a:latin typeface="Century Gothic" panose="020B0502020202020204" pitchFamily="34" charset="0"/>
-            </a:endParaRPr>
-          </a:p>
-          <a:p>
-            <a:r>
-              <a:rPr lang="en-IN" sz="2500" b="1" dirty="0">
-                <a:solidFill>
-                  <a:srgbClr val="FFC000"/>
-                </a:solidFill>
-                <a:latin typeface="Century Gothic" panose="020B0502020202020204" pitchFamily="34" charset="0"/>
-              </a:rPr>
-              <a:t>MS SQL SERVER: 19.0</a:t>
-            </a:r>
-          </a:p>
-          <a:p>
-            <a:r>
-              <a:rPr lang="en-IN" sz="2500" b="1" dirty="0">
-                <a:solidFill>
-                  <a:srgbClr val="FFC000"/>
-                </a:solidFill>
-                <a:latin typeface="Century Gothic" panose="020B0502020202020204" pitchFamily="34" charset="0"/>
-              </a:rPr>
-              <a:t>SQL SERVER MANAGEMENT STUDIO </a:t>
-            </a:r>
-            <a:r>
-              <a:rPr lang="en-IN" sz="2500" b="1" dirty="0">
-                <a:solidFill>
-                  <a:schemeClr val="accent6">
-                    <a:lumMod val="60000"/>
-                    <a:lumOff val="40000"/>
-                  </a:schemeClr>
-                </a:solidFill>
-                <a:latin typeface="Century Gothic" panose="020B0502020202020204" pitchFamily="34" charset="0"/>
-              </a:rPr>
-              <a:t>– 19.0.20209.0</a:t>
-            </a:r>
-          </a:p>
-          <a:p>
-            <a:endParaRPr lang="en-IN" sz="2500" b="1" dirty="0">
-              <a:solidFill>
-                <a:schemeClr val="accent6">
-                  <a:lumMod val="60000"/>
-                  <a:lumOff val="40000"/>
-                </a:schemeClr>
-              </a:solidFill>
-              <a:latin typeface="Century Gothic" panose="020B0502020202020204" pitchFamily="34" charset="0"/>
-            </a:endParaRPr>
-          </a:p>
-          <a:p>
-            <a:r>
-              <a:rPr lang="en-IN" sz="2500" b="1" dirty="0">
-                <a:solidFill>
-                  <a:srgbClr val="FFFF00"/>
-                </a:solidFill>
-                <a:latin typeface="Century Gothic" panose="020B0502020202020204" pitchFamily="34" charset="0"/>
-              </a:rPr>
-              <a:t>POWER BI</a:t>
-            </a:r>
-            <a:r>
-              <a:rPr lang="en-IN" sz="2500" b="1" dirty="0">
-                <a:solidFill>
-                  <a:schemeClr val="accent6">
-                    <a:lumMod val="60000"/>
-                    <a:lumOff val="40000"/>
-                  </a:schemeClr>
-                </a:solidFill>
-                <a:latin typeface="Century Gothic" panose="020B0502020202020204" pitchFamily="34" charset="0"/>
-              </a:rPr>
-              <a:t>: JUNE 2023 Version </a:t>
-            </a:r>
-          </a:p>
-        </p:txBody>
-      </p:sp>
-    </p:spTree>
-    <p:extLst>
-      <p:ext uri="{BB962C8B-B14F-4D97-AF65-F5344CB8AC3E}">
-        <p14:creationId xmlns:p14="http://schemas.microsoft.com/office/powerpoint/2010/main" val="2444031829"/>
-      </p:ext>
-    </p:extLst>
-  </p:cSld>
-  <p:clrMapOvr>
-    <a:masterClrMapping/>
-  </p:clrMapOvr>
-  <p:transition spd="slow">
-    <p:cover/>
-  </p:transition>
-</p:sld>
-</file>
-
-<file path=ppt/slides/slide17.xml><?xml version="1.0" encoding="utf-8"?>
-<p:sld xmlns:a="http://schemas.openxmlformats.org/drawingml/2006/main" xmlns:r="http://schemas.openxmlformats.org/officeDocument/2006/relationships" xmlns:p="http://schemas.openxmlformats.org/presentationml/2006/main">
-  <p:cSld>
-    <p:bg>
-      <p:bgPr>
-        <a:solidFill>
-          <a:schemeClr val="accent1">
-            <a:lumMod val="50000"/>
-          </a:schemeClr>
-        </a:solidFill>
-        <a:effectLst/>
-      </p:bgPr>
-    </p:bg>
-    <p:spTree>
-      <p:nvGrpSpPr>
-        <p:cNvPr id="1" name=""/>
-        <p:cNvGrpSpPr/>
-        <p:nvPr/>
-      </p:nvGrpSpPr>
-      <p:grpSpPr>
-        <a:xfrm>
-          <a:off x="0" y="0"/>
-          <a:ext cx="0" cy="0"/>
-          <a:chOff x="0" y="0"/>
-          <a:chExt cx="0" cy="0"/>
-        </a:xfrm>
-      </p:grpSpPr>
-      <p:pic>
-        <p:nvPicPr>
-          <p:cNvPr id="7" name="Picture 6">
-            <a:extLst>
-              <a:ext uri="{FF2B5EF4-FFF2-40B4-BE49-F238E27FC236}">
-                <a16:creationId xmlns="" xmlns:a16="http://schemas.microsoft.com/office/drawing/2014/main" id="{4F56E1CB-C23A-8E6C-4322-BE518ECDDE56}"/>
-              </a:ext>
-            </a:extLst>
-          </p:cNvPr>
-          <p:cNvPicPr>
-            <a:picLocks noChangeAspect="1"/>
-          </p:cNvPicPr>
-          <p:nvPr/>
-        </p:nvPicPr>
-        <p:blipFill>
-          <a:blip r:embed="rId2" cstate="print">
-            <a:duotone>
-              <a:prstClr val="black"/>
-              <a:schemeClr val="accent4">
-                <a:tint val="45000"/>
-                <a:satMod val="400000"/>
-              </a:schemeClr>
-            </a:duotone>
-            <a:extLst>
-              <a:ext uri="{28A0092B-C50C-407E-A947-70E740481C1C}">
-                <a14:useLocalDpi xmlns:a14="http://schemas.microsoft.com/office/drawing/2010/main" val="0"/>
-              </a:ext>
-            </a:extLst>
-          </a:blip>
-          <a:stretch>
-            <a:fillRect/>
-          </a:stretch>
-        </p:blipFill>
-        <p:spPr>
-          <a:xfrm>
-            <a:off x="10721577" y="157765"/>
-            <a:ext cx="1342645" cy="968319"/>
-          </a:xfrm>
-          <a:prstGeom prst="rect">
-            <a:avLst/>
-          </a:prstGeom>
-        </p:spPr>
-      </p:pic>
-      <p:pic>
-        <p:nvPicPr>
-          <p:cNvPr id="5" name="Picture 4">
-            <a:extLst>
-              <a:ext uri="{FF2B5EF4-FFF2-40B4-BE49-F238E27FC236}">
-                <a16:creationId xmlns="" xmlns:a16="http://schemas.microsoft.com/office/drawing/2014/main" id="{0AF6B3D0-09AE-4F17-9CB2-07E656EB3637}"/>
-              </a:ext>
-            </a:extLst>
-          </p:cNvPr>
-          <p:cNvPicPr>
-            <a:picLocks noChangeAspect="1"/>
-          </p:cNvPicPr>
-          <p:nvPr/>
-        </p:nvPicPr>
-        <p:blipFill>
-          <a:blip r:embed="rId3"/>
-          <a:stretch>
-            <a:fillRect/>
-          </a:stretch>
-        </p:blipFill>
-        <p:spPr>
-          <a:xfrm>
-            <a:off x="823378" y="1568168"/>
-            <a:ext cx="10569521" cy="1860832"/>
-          </a:xfrm>
-          <a:prstGeom prst="rect">
-            <a:avLst/>
-          </a:prstGeom>
-        </p:spPr>
-      </p:pic>
-      <p:pic>
-        <p:nvPicPr>
-          <p:cNvPr id="6" name="Picture 6" descr="Like Comment Share PNGs for Free Download">
-            <a:extLst>
-              <a:ext uri="{FF2B5EF4-FFF2-40B4-BE49-F238E27FC236}">
-                <a16:creationId xmlns="" xmlns:a16="http://schemas.microsoft.com/office/drawing/2014/main" id="{82211E88-89CC-1B62-06B7-D0439322858C}"/>
-              </a:ext>
-            </a:extLst>
-          </p:cNvPr>
-          <p:cNvPicPr>
-            <a:picLocks noChangeAspect="1" noChangeArrowheads="1"/>
-          </p:cNvPicPr>
-          <p:nvPr/>
-        </p:nvPicPr>
-        <p:blipFill>
-          <a:blip r:embed="rId4" cstate="print">
-            <a:extLst>
-              <a:ext uri="{28A0092B-C50C-407E-A947-70E740481C1C}">
-                <a14:useLocalDpi xmlns:a14="http://schemas.microsoft.com/office/drawing/2010/main" val="0"/>
-              </a:ext>
-            </a:extLst>
-          </a:blip>
-          <a:srcRect/>
-          <a:stretch>
-            <a:fillRect/>
-          </a:stretch>
-        </p:blipFill>
-        <p:spPr bwMode="auto">
-          <a:xfrm>
-            <a:off x="2755134" y="2132881"/>
-            <a:ext cx="5978106" cy="5978106"/>
-          </a:xfrm>
-          <a:prstGeom prst="rect">
-            <a:avLst/>
-          </a:prstGeom>
-          <a:noFill/>
-          <a:extLst>
-            <a:ext uri="{909E8E84-426E-40DD-AFC4-6F175D3DCCD1}">
-              <a14:hiddenFill xmlns:a14="http://schemas.microsoft.com/office/drawing/2010/main">
-                <a:solidFill>
-                  <a:srgbClr val="FFFFFF"/>
-                </a:solidFill>
-              </a14:hiddenFill>
-            </a:ext>
-          </a:extLst>
-        </p:spPr>
-      </p:pic>
-    </p:spTree>
-    <p:extLst>
-      <p:ext uri="{BB962C8B-B14F-4D97-AF65-F5344CB8AC3E}">
-        <p14:creationId xmlns:p14="http://schemas.microsoft.com/office/powerpoint/2010/main" val="164178182"/>
       </p:ext>
     </p:extLst>
   </p:cSld>
@@ -7228,7 +5658,7 @@
           <p:cNvPr id="20" name="Picture 19">
             <a:extLst>
               <a:ext uri="{FF2B5EF4-FFF2-40B4-BE49-F238E27FC236}">
-                <a16:creationId xmlns="" xmlns:a16="http://schemas.microsoft.com/office/drawing/2014/main" id="{FE325C91-5367-908E-9FBA-338517C802F7}"/>
+                <a16:creationId xmlns:a16="http://schemas.microsoft.com/office/drawing/2014/main" xmlns="" id="{FE325C91-5367-908E-9FBA-338517C802F7}"/>
               </a:ext>
             </a:extLst>
           </p:cNvPr>
@@ -7271,7 +5701,7 @@
           <p:cNvPr id="3" name="TextBox 2">
             <a:extLst>
               <a:ext uri="{FF2B5EF4-FFF2-40B4-BE49-F238E27FC236}">
-                <a16:creationId xmlns="" xmlns:a16="http://schemas.microsoft.com/office/drawing/2014/main" id="{C3F29DCE-4F9B-3E06-25A9-49C99130379C}"/>
+                <a16:creationId xmlns:a16="http://schemas.microsoft.com/office/drawing/2014/main" xmlns="" id="{C3F29DCE-4F9B-3E06-25A9-49C99130379C}"/>
               </a:ext>
             </a:extLst>
           </p:cNvPr>
@@ -7315,7 +5745,7 @@
           <p:cNvPr id="4" name="TextBox 3">
             <a:extLst>
               <a:ext uri="{FF2B5EF4-FFF2-40B4-BE49-F238E27FC236}">
-                <a16:creationId xmlns="" xmlns:a16="http://schemas.microsoft.com/office/drawing/2014/main" id="{4FEE5224-59D0-0CB4-D868-7B2A980DA320}"/>
+                <a16:creationId xmlns:a16="http://schemas.microsoft.com/office/drawing/2014/main" xmlns="" id="{4FEE5224-59D0-0CB4-D868-7B2A980DA320}"/>
               </a:ext>
             </a:extLst>
           </p:cNvPr>
@@ -7360,7 +5790,7 @@
           <p:cNvPr id="5" name="TextBox 4">
             <a:extLst>
               <a:ext uri="{FF2B5EF4-FFF2-40B4-BE49-F238E27FC236}">
-                <a16:creationId xmlns="" xmlns:a16="http://schemas.microsoft.com/office/drawing/2014/main" id="{33BF6A62-6D9A-3528-4276-57102C0BF48F}"/>
+                <a16:creationId xmlns:a16="http://schemas.microsoft.com/office/drawing/2014/main" xmlns="" id="{33BF6A62-6D9A-3528-4276-57102C0BF48F}"/>
               </a:ext>
             </a:extLst>
           </p:cNvPr>
@@ -7412,7 +5842,7 @@
           <p:cNvPr id="7" name="Picture 14" descr="Logo Mysql PNG Images, Free Download - Free Transparent PNG Logos">
             <a:extLst>
               <a:ext uri="{FF2B5EF4-FFF2-40B4-BE49-F238E27FC236}">
-                <a16:creationId xmlns="" xmlns:a16="http://schemas.microsoft.com/office/drawing/2014/main" id="{CB2ECD20-9715-9840-D011-C5E6334BEB4A}"/>
+                <a16:creationId xmlns:a16="http://schemas.microsoft.com/office/drawing/2014/main" xmlns="" id="{CB2ECD20-9715-9840-D011-C5E6334BEB4A}"/>
               </a:ext>
             </a:extLst>
           </p:cNvPr>
@@ -7459,7 +5889,7 @@
           <p:cNvPr id="8" name="Picture 7">
             <a:extLst>
               <a:ext uri="{FF2B5EF4-FFF2-40B4-BE49-F238E27FC236}">
-                <a16:creationId xmlns="" xmlns:a16="http://schemas.microsoft.com/office/drawing/2014/main" id="{72646651-4D07-638D-94AF-12C3ADD27676}"/>
+                <a16:creationId xmlns:a16="http://schemas.microsoft.com/office/drawing/2014/main" xmlns="" id="{72646651-4D07-638D-94AF-12C3ADD27676}"/>
               </a:ext>
             </a:extLst>
           </p:cNvPr>
@@ -7489,7 +5919,7 @@
           <p:cNvPr id="9" name="Picture 18" descr="Data Import / Export through files — CMDBuild">
             <a:extLst>
               <a:ext uri="{FF2B5EF4-FFF2-40B4-BE49-F238E27FC236}">
-                <a16:creationId xmlns="" xmlns:a16="http://schemas.microsoft.com/office/drawing/2014/main" id="{9851E5A0-2C71-1CF7-360D-B0C080A4961C}"/>
+                <a16:creationId xmlns:a16="http://schemas.microsoft.com/office/drawing/2014/main" xmlns="" id="{9851E5A0-2C71-1CF7-360D-B0C080A4961C}"/>
               </a:ext>
             </a:extLst>
           </p:cNvPr>
@@ -7549,7 +5979,7 @@
     <a:masterClrMapping/>
   </p:clrMapOvr>
   <mc:AlternateContent xmlns:mc="http://schemas.openxmlformats.org/markup-compatibility/2006">
-    <mc:Choice xmlns="" xmlns:p159="http://schemas.microsoft.com/office/powerpoint/2015/09/main" Requires="p159">
+    <mc:Choice xmlns:p159="http://schemas.microsoft.com/office/powerpoint/2015/09/main" xmlns="" Requires="p159">
       <p:transition xmlns:p14="http://schemas.microsoft.com/office/powerpoint/2010/main" spd="slow" p14:dur="2000">
         <p159:morph option="byObject"/>
       </p:transition>
@@ -7595,7 +6025,7 @@
           <p:cNvPr id="20" name="Picture 19">
             <a:extLst>
               <a:ext uri="{FF2B5EF4-FFF2-40B4-BE49-F238E27FC236}">
-                <a16:creationId xmlns="" xmlns:a16="http://schemas.microsoft.com/office/drawing/2014/main" id="{FE325C91-5367-908E-9FBA-338517C802F7}"/>
+                <a16:creationId xmlns:a16="http://schemas.microsoft.com/office/drawing/2014/main" xmlns="" id="{FE325C91-5367-908E-9FBA-338517C802F7}"/>
               </a:ext>
             </a:extLst>
           </p:cNvPr>
@@ -7635,10 +6065,10 @@
       </p:pic>
       <p:sp>
         <p:nvSpPr>
-          <p:cNvPr id="11" name="TextBox 10">
-            <a:extLst>
-              <a:ext uri="{FF2B5EF4-FFF2-40B4-BE49-F238E27FC236}">
-                <a16:creationId xmlns="" xmlns:a16="http://schemas.microsoft.com/office/drawing/2014/main" id="{6A577A3C-8BDB-56BA-633E-16205B278E35}"/>
+          <p:cNvPr id="2" name="TextBox 1">
+            <a:extLst>
+              <a:ext uri="{FF2B5EF4-FFF2-40B4-BE49-F238E27FC236}">
+                <a16:creationId xmlns:a16="http://schemas.microsoft.com/office/drawing/2014/main" xmlns="" id="{CA2A3D0D-DDF0-B75E-2E66-13E023613410}"/>
               </a:ext>
             </a:extLst>
           </p:cNvPr>
@@ -7647,8 +6077,8 @@
         </p:nvSpPr>
         <p:spPr>
           <a:xfrm>
-            <a:off x="436352" y="1310135"/>
-            <a:ext cx="2237836" cy="646331"/>
+            <a:off x="603850" y="1310135"/>
+            <a:ext cx="1940943" cy="646331"/>
           </a:xfrm>
           <a:prstGeom prst="rect">
             <a:avLst/>
@@ -7672,17 +6102,17 @@
                   <a:schemeClr val="accent4"/>
                 </a:solidFill>
               </a:rPr>
-              <a:t>CREATING</a:t>
-            </a:r>
-          </a:p>
-        </p:txBody>
-      </p:sp>
-      <p:sp>
-        <p:nvSpPr>
-          <p:cNvPr id="12" name="TextBox 11">
-            <a:extLst>
-              <a:ext uri="{FF2B5EF4-FFF2-40B4-BE49-F238E27FC236}">
-                <a16:creationId xmlns="" xmlns:a16="http://schemas.microsoft.com/office/drawing/2014/main" id="{5A05D65C-FEF3-B4EA-EBB1-061EF5E4281C}"/>
+              <a:t>WRITING</a:t>
+            </a:r>
+          </a:p>
+        </p:txBody>
+      </p:sp>
+      <p:sp>
+        <p:nvSpPr>
+          <p:cNvPr id="3" name="TextBox 2">
+            <a:extLst>
+              <a:ext uri="{FF2B5EF4-FFF2-40B4-BE49-F238E27FC236}">
+                <a16:creationId xmlns:a16="http://schemas.microsoft.com/office/drawing/2014/main" xmlns="" id="{4CDF014E-E113-E267-1E2F-E2465BD5AC91}"/>
               </a:ext>
             </a:extLst>
           </p:cNvPr>
@@ -7691,8 +6121,8 @@
         </p:nvSpPr>
         <p:spPr>
           <a:xfrm>
-            <a:off x="2674189" y="1310135"/>
-            <a:ext cx="879894" cy="646331"/>
+            <a:off x="2544794" y="1310135"/>
+            <a:ext cx="1858993" cy="646331"/>
           </a:xfrm>
           <a:prstGeom prst="rect">
             <a:avLst/>
@@ -7717,17 +6147,17 @@
                   </a:schemeClr>
                 </a:solidFill>
               </a:rPr>
-              <a:t>DB</a:t>
-            </a:r>
-          </a:p>
-        </p:txBody>
-      </p:sp>
-      <p:sp>
-        <p:nvSpPr>
-          <p:cNvPr id="13" name="TextBox 12">
-            <a:extLst>
-              <a:ext uri="{FF2B5EF4-FFF2-40B4-BE49-F238E27FC236}">
-                <a16:creationId xmlns="" xmlns:a16="http://schemas.microsoft.com/office/drawing/2014/main" id="{9D2C5993-1A7E-2257-A719-633485B11CEA}"/>
+              <a:t>QUERIES</a:t>
+            </a:r>
+          </a:p>
+        </p:txBody>
+      </p:sp>
+      <p:sp>
+        <p:nvSpPr>
+          <p:cNvPr id="4" name="TextBox 3">
+            <a:extLst>
+              <a:ext uri="{FF2B5EF4-FFF2-40B4-BE49-F238E27FC236}">
+                <a16:creationId xmlns:a16="http://schemas.microsoft.com/office/drawing/2014/main" xmlns="" id="{2526BBC7-AD07-89BE-CDAF-EF8C8ED20231}"/>
               </a:ext>
             </a:extLst>
           </p:cNvPr>
@@ -7736,7 +6166,7 @@
         </p:nvSpPr>
         <p:spPr>
           <a:xfrm>
-            <a:off x="1991608" y="214336"/>
+            <a:off x="1740851" y="93867"/>
             <a:ext cx="5047891" cy="830997"/>
           </a:xfrm>
           <a:prstGeom prst="rect">
@@ -7751,7 +6181,7 @@
           <a:lstStyle/>
           <a:p>
             <a:r>
-              <a:rPr lang="en-IN" sz="4800" dirty="0">
+              <a:rPr lang="en-IN" sz="4800" dirty="0" smtClean="0">
                 <a:solidFill>
                   <a:schemeClr val="accent5">
                     <a:lumMod val="20000"/>
@@ -7760,7 +6190,7 @@
                 </a:solidFill>
                 <a:latin typeface="Lato Black" panose="020F0A02020204030203" pitchFamily="34" charset="0"/>
               </a:rPr>
-              <a:t>MYSQL </a:t>
+              <a:t>MYSQL</a:t>
             </a:r>
             <a:endParaRPr lang="en-IN" sz="4800" dirty="0">
               <a:solidFill>
@@ -7776,10 +6206,10 @@
       </p:sp>
       <p:pic>
         <p:nvPicPr>
-          <p:cNvPr id="15" name="Picture 14" descr="Logo Mysql PNG Images, Free Download - Free Transparent PNG Logos">
-            <a:extLst>
-              <a:ext uri="{FF2B5EF4-FFF2-40B4-BE49-F238E27FC236}">
-                <a16:creationId xmlns="" xmlns:a16="http://schemas.microsoft.com/office/drawing/2014/main" id="{20D987B5-B900-B9DD-C73E-1C07E5E44ED9}"/>
+          <p:cNvPr id="6" name="Picture 14" descr="Logo Mysql PNG Images, Free Download - Free Transparent PNG Logos">
+            <a:extLst>
+              <a:ext uri="{FF2B5EF4-FFF2-40B4-BE49-F238E27FC236}">
+                <a16:creationId xmlns:a16="http://schemas.microsoft.com/office/drawing/2014/main" xmlns="" id="{3E80D00F-6EA5-9A4C-EC8A-63F38E357D66}"/>
               </a:ext>
             </a:extLst>
           </p:cNvPr>
@@ -7803,7 +6233,7 @@
         </p:blipFill>
         <p:spPr bwMode="auto">
           <a:xfrm>
-            <a:off x="1101779" y="283096"/>
+            <a:off x="953663" y="214394"/>
             <a:ext cx="620658" cy="651103"/>
           </a:xfrm>
           <a:prstGeom prst="rect">
@@ -7823,10 +6253,10 @@
       </p:pic>
       <p:pic>
         <p:nvPicPr>
-          <p:cNvPr id="16" name="Picture 15">
-            <a:extLst>
-              <a:ext uri="{FF2B5EF4-FFF2-40B4-BE49-F238E27FC236}">
-                <a16:creationId xmlns="" xmlns:a16="http://schemas.microsoft.com/office/drawing/2014/main" id="{B01ADDCE-0998-425D-9A58-EE016290BB31}"/>
+          <p:cNvPr id="7" name="Picture 6">
+            <a:extLst>
+              <a:ext uri="{FF2B5EF4-FFF2-40B4-BE49-F238E27FC236}">
+                <a16:creationId xmlns:a16="http://schemas.microsoft.com/office/drawing/2014/main" xmlns="" id="{01A6FD57-88FE-9417-94A8-05E1D5F38AFB}"/>
               </a:ext>
             </a:extLst>
           </p:cNvPr>
@@ -7843,83 +6273,27 @@
         </p:blipFill>
         <p:spPr>
           <a:xfrm>
-            <a:off x="4965940" y="1310135"/>
-            <a:ext cx="6222520" cy="5366087"/>
+            <a:off x="295902" y="2194639"/>
+            <a:ext cx="11600196" cy="4212494"/>
           </a:xfrm>
           <a:prstGeom prst="rect">
             <a:avLst/>
           </a:prstGeom>
-        </p:spPr>
-      </p:pic>
-      <p:pic>
-        <p:nvPicPr>
-          <p:cNvPr id="17" name="Picture 2" descr="Add, create, database, hd, new, plus, server icon - Download on Iconfinder">
-            <a:extLst>
-              <a:ext uri="{FF2B5EF4-FFF2-40B4-BE49-F238E27FC236}">
-                <a16:creationId xmlns="" xmlns:a16="http://schemas.microsoft.com/office/drawing/2014/main" id="{088B7569-922A-9A8F-8B55-FBDCEF0A77A1}"/>
-              </a:ext>
-            </a:extLst>
-          </p:cNvPr>
-          <p:cNvPicPr>
-            <a:picLocks noChangeAspect="1" noChangeArrowheads="1"/>
-          </p:cNvPicPr>
-          <p:nvPr/>
-        </p:nvPicPr>
-        <p:blipFill>
-          <a:blip r:embed="rId5">
-            <a:extLst>
-              <a:ext uri="{28A0092B-C50C-407E-A947-70E740481C1C}">
-                <a14:useLocalDpi xmlns:a14="http://schemas.microsoft.com/office/drawing/2010/main" val="0"/>
-              </a:ext>
-            </a:extLst>
-          </a:blip>
-          <a:srcRect/>
-          <a:stretch>
-            <a:fillRect/>
-          </a:stretch>
-        </p:blipFill>
-        <p:spPr bwMode="auto">
-          <a:xfrm>
-            <a:off x="846827" y="2708337"/>
-            <a:ext cx="2839528" cy="2839528"/>
-          </a:xfrm>
-          <a:prstGeom prst="rect">
-            <a:avLst/>
-          </a:prstGeom>
-          <a:noFill/>
-          <a:extLst>
-            <a:ext uri="{909E8E84-426E-40DD-AFC4-6F175D3DCCD1}">
-              <a14:hiddenFill xmlns:a14="http://schemas.microsoft.com/office/drawing/2010/main">
-                <a:solidFill>
-                  <a:srgbClr val="FFFFFF"/>
-                </a:solidFill>
-              </a14:hiddenFill>
-            </a:ext>
-          </a:extLst>
         </p:spPr>
       </p:pic>
     </p:spTree>
     <p:extLst>
       <p:ext uri="{BB962C8B-B14F-4D97-AF65-F5344CB8AC3E}">
-        <p14:creationId xmlns:p14="http://schemas.microsoft.com/office/powerpoint/2010/main" val="2728010503"/>
+        <p14:creationId xmlns:p14="http://schemas.microsoft.com/office/powerpoint/2010/main" val="4039425389"/>
       </p:ext>
     </p:extLst>
   </p:cSld>
   <p:clrMapOvr>
     <a:masterClrMapping/>
   </p:clrMapOvr>
-  <mc:AlternateContent xmlns:mc="http://schemas.openxmlformats.org/markup-compatibility/2006" xmlns:p14="http://schemas.microsoft.com/office/powerpoint/2010/main">
-    <mc:Choice Requires="p14">
-      <p:transition p14:dur="100">
-        <p:cut/>
-      </p:transition>
-    </mc:Choice>
-    <mc:Fallback xmlns="">
-      <p:transition>
-        <p:cut/>
-      </p:transition>
-    </mc:Fallback>
-  </mc:AlternateContent>
+  <p:transition spd="slow">
+    <p:cover/>
+  </p:transition>
 </p:sld>
 </file>
 
@@ -7952,10 +6326,10 @@
       </p:grpSpPr>
       <p:pic>
         <p:nvPicPr>
-          <p:cNvPr id="20" name="Picture 19">
-            <a:extLst>
-              <a:ext uri="{FF2B5EF4-FFF2-40B4-BE49-F238E27FC236}">
-                <a16:creationId xmlns="" xmlns:a16="http://schemas.microsoft.com/office/drawing/2014/main" id="{FE325C91-5367-908E-9FBA-338517C802F7}"/>
+          <p:cNvPr id="3" name="Picture 2">
+            <a:extLst>
+              <a:ext uri="{FF2B5EF4-FFF2-40B4-BE49-F238E27FC236}">
+                <a16:creationId xmlns:a16="http://schemas.microsoft.com/office/drawing/2014/main" xmlns="" id="{A7B21A84-16ED-E315-0365-C99EA56D3865}"/>
               </a:ext>
             </a:extLst>
           </p:cNvPr>
@@ -7965,7 +6339,167 @@
           <p:nvPr/>
         </p:nvPicPr>
         <p:blipFill>
-          <a:blip r:embed="rId2" cstate="print">
+          <a:blip r:embed="rId2"/>
+          <a:stretch>
+            <a:fillRect/>
+          </a:stretch>
+        </p:blipFill>
+        <p:spPr>
+          <a:xfrm>
+            <a:off x="253040" y="1857741"/>
+            <a:ext cx="11600196" cy="4212494"/>
+          </a:xfrm>
+          <a:prstGeom prst="rect">
+            <a:avLst/>
+          </a:prstGeom>
+        </p:spPr>
+      </p:pic>
+      <p:sp>
+        <p:nvSpPr>
+          <p:cNvPr id="7" name="TextBox 6">
+            <a:extLst>
+              <a:ext uri="{FF2B5EF4-FFF2-40B4-BE49-F238E27FC236}">
+                <a16:creationId xmlns:a16="http://schemas.microsoft.com/office/drawing/2014/main" xmlns="" id="{98B2E6D4-5C36-6630-22D9-2DE480A57460}"/>
+              </a:ext>
+            </a:extLst>
+          </p:cNvPr>
+          <p:cNvSpPr txBox="1"/>
+          <p:nvPr/>
+        </p:nvSpPr>
+        <p:spPr>
+          <a:xfrm>
+            <a:off x="219966" y="123823"/>
+            <a:ext cx="1943416" cy="646331"/>
+          </a:xfrm>
+          <a:prstGeom prst="rect">
+            <a:avLst/>
+          </a:prstGeom>
+          <a:solidFill>
+            <a:schemeClr val="accent5">
+              <a:lumMod val="75000"/>
+            </a:schemeClr>
+          </a:solidFill>
+        </p:spPr>
+        <p:txBody>
+          <a:bodyPr wrap="square" rtlCol="0">
+            <a:spAutoFit/>
+          </a:bodyPr>
+          <a:lstStyle/>
+          <a:p>
+            <a:pPr algn="ctr"/>
+            <a:r>
+              <a:rPr lang="en-IN" sz="3600" b="1" dirty="0">
+                <a:solidFill>
+                  <a:srgbClr val="FFFF00"/>
+                </a:solidFill>
+              </a:rPr>
+              <a:t>SQL</a:t>
+            </a:r>
+          </a:p>
+        </p:txBody>
+      </p:sp>
+      <p:pic>
+        <p:nvPicPr>
+          <p:cNvPr id="8" name="Picture 7">
+            <a:extLst>
+              <a:ext uri="{FF2B5EF4-FFF2-40B4-BE49-F238E27FC236}">
+                <a16:creationId xmlns:a16="http://schemas.microsoft.com/office/drawing/2014/main" xmlns="" id="{126798A0-186C-3BE6-84AB-0BA49EB106BB}"/>
+              </a:ext>
+            </a:extLst>
+          </p:cNvPr>
+          <p:cNvPicPr>
+            <a:picLocks noChangeAspect="1"/>
+          </p:cNvPicPr>
+          <p:nvPr/>
+        </p:nvPicPr>
+        <p:blipFill>
+          <a:blip r:embed="rId3" cstate="print">
+            <a:extLst>
+              <a:ext uri="{28A0092B-C50C-407E-A947-70E740481C1C}">
+                <a14:useLocalDpi xmlns:a14="http://schemas.microsoft.com/office/drawing/2010/main" val="0"/>
+              </a:ext>
+            </a:extLst>
+          </a:blip>
+          <a:stretch>
+            <a:fillRect/>
+          </a:stretch>
+        </p:blipFill>
+        <p:spPr>
+          <a:xfrm>
+            <a:off x="2517131" y="123823"/>
+            <a:ext cx="434013" cy="584775"/>
+          </a:xfrm>
+          <a:prstGeom prst="rect">
+            <a:avLst/>
+          </a:prstGeom>
+          <a:effectLst>
+            <a:glow rad="63500">
+              <a:schemeClr val="bg1">
+                <a:alpha val="23000"/>
+              </a:schemeClr>
+            </a:glow>
+          </a:effectLst>
+        </p:spPr>
+      </p:pic>
+      <p:sp>
+        <p:nvSpPr>
+          <p:cNvPr id="9" name="TextBox 8">
+            <a:extLst>
+              <a:ext uri="{FF2B5EF4-FFF2-40B4-BE49-F238E27FC236}">
+                <a16:creationId xmlns:a16="http://schemas.microsoft.com/office/drawing/2014/main" xmlns="" id="{7B857CFF-1124-05A4-7DD1-784492F973DC}"/>
+              </a:ext>
+            </a:extLst>
+          </p:cNvPr>
+          <p:cNvSpPr txBox="1"/>
+          <p:nvPr/>
+        </p:nvSpPr>
+        <p:spPr>
+          <a:xfrm>
+            <a:off x="552451" y="960004"/>
+            <a:ext cx="11001374" cy="646331"/>
+          </a:xfrm>
+          <a:prstGeom prst="rect">
+            <a:avLst/>
+          </a:prstGeom>
+          <a:noFill/>
+        </p:spPr>
+        <p:txBody>
+          <a:bodyPr wrap="square" rtlCol="0">
+            <a:spAutoFit/>
+          </a:bodyPr>
+          <a:lstStyle/>
+          <a:p>
+            <a:pPr algn="ctr"/>
+            <a:r>
+              <a:rPr lang="en-IN" sz="3600" b="1" dirty="0">
+                <a:solidFill>
+                  <a:schemeClr val="accent1">
+                    <a:lumMod val="20000"/>
+                    <a:lumOff val="80000"/>
+                  </a:schemeClr>
+                </a:solidFill>
+              </a:rPr>
+              <a:t>FIRING SQL QUERIES TO SOLVE THE BUSINESS PROBLEMS</a:t>
+            </a:r>
+          </a:p>
+        </p:txBody>
+      </p:sp>
+      <p:pic>
+        <p:nvPicPr>
+          <p:cNvPr id="12" name="Picture 11">
+            <a:extLst>
+              <a:ext uri="{FF2B5EF4-FFF2-40B4-BE49-F238E27FC236}">
+                <a16:creationId xmlns:a16="http://schemas.microsoft.com/office/drawing/2014/main" xmlns="" id="{1E8BEBC9-98D8-041D-95F3-3951B265A9B6}"/>
+              </a:ext>
+            </a:extLst>
+          </p:cNvPr>
+          <p:cNvPicPr>
+            <a:picLocks noChangeAspect="1"/>
+          </p:cNvPicPr>
+          <p:nvPr/>
+        </p:nvPicPr>
+        <p:blipFill>
+          <a:blip r:embed="rId4" cstate="print">
             <a:duotone>
               <a:prstClr val="black"/>
               <a:schemeClr val="accent4">
@@ -7985,226 +6519,8 @@
         </p:blipFill>
         <p:spPr>
           <a:xfrm>
-            <a:off x="10749750" y="157641"/>
-            <a:ext cx="1309464" cy="944389"/>
-          </a:xfrm>
-          <a:prstGeom prst="rect">
-            <a:avLst/>
-          </a:prstGeom>
-        </p:spPr>
-      </p:pic>
-      <p:sp>
-        <p:nvSpPr>
-          <p:cNvPr id="2" name="TextBox 1">
-            <a:extLst>
-              <a:ext uri="{FF2B5EF4-FFF2-40B4-BE49-F238E27FC236}">
-                <a16:creationId xmlns="" xmlns:a16="http://schemas.microsoft.com/office/drawing/2014/main" id="{CA2A3D0D-DDF0-B75E-2E66-13E023613410}"/>
-              </a:ext>
-            </a:extLst>
-          </p:cNvPr>
-          <p:cNvSpPr txBox="1"/>
-          <p:nvPr/>
-        </p:nvSpPr>
-        <p:spPr>
-          <a:xfrm>
-            <a:off x="603850" y="1310135"/>
-            <a:ext cx="1940943" cy="646331"/>
-          </a:xfrm>
-          <a:prstGeom prst="rect">
-            <a:avLst/>
-          </a:prstGeom>
-          <a:solidFill>
-            <a:schemeClr val="accent1">
-              <a:lumMod val="75000"/>
-            </a:schemeClr>
-          </a:solidFill>
-        </p:spPr>
-        <p:txBody>
-          <a:bodyPr wrap="square" rtlCol="0">
-            <a:spAutoFit/>
-          </a:bodyPr>
-          <a:lstStyle/>
-          <a:p>
-            <a:pPr algn="r"/>
-            <a:r>
-              <a:rPr lang="en-IN" sz="3600" b="1" dirty="0">
-                <a:solidFill>
-                  <a:schemeClr val="accent4"/>
-                </a:solidFill>
-              </a:rPr>
-              <a:t>WRITING</a:t>
-            </a:r>
-          </a:p>
-        </p:txBody>
-      </p:sp>
-      <p:sp>
-        <p:nvSpPr>
-          <p:cNvPr id="3" name="TextBox 2">
-            <a:extLst>
-              <a:ext uri="{FF2B5EF4-FFF2-40B4-BE49-F238E27FC236}">
-                <a16:creationId xmlns="" xmlns:a16="http://schemas.microsoft.com/office/drawing/2014/main" id="{4CDF014E-E113-E267-1E2F-E2465BD5AC91}"/>
-              </a:ext>
-            </a:extLst>
-          </p:cNvPr>
-          <p:cNvSpPr txBox="1"/>
-          <p:nvPr/>
-        </p:nvSpPr>
-        <p:spPr>
-          <a:xfrm>
-            <a:off x="2544794" y="1310135"/>
-            <a:ext cx="1858993" cy="646331"/>
-          </a:xfrm>
-          <a:prstGeom prst="rect">
-            <a:avLst/>
-          </a:prstGeom>
-          <a:solidFill>
-            <a:schemeClr val="accent4">
-              <a:lumMod val="75000"/>
-            </a:schemeClr>
-          </a:solidFill>
-        </p:spPr>
-        <p:txBody>
-          <a:bodyPr wrap="square" rtlCol="0">
-            <a:spAutoFit/>
-          </a:bodyPr>
-          <a:lstStyle/>
-          <a:p>
-            <a:r>
-              <a:rPr lang="en-IN" sz="3600" b="1" dirty="0">
-                <a:solidFill>
-                  <a:schemeClr val="accent1">
-                    <a:lumMod val="75000"/>
-                  </a:schemeClr>
-                </a:solidFill>
-              </a:rPr>
-              <a:t>QUERIES</a:t>
-            </a:r>
-          </a:p>
-        </p:txBody>
-      </p:sp>
-      <p:sp>
-        <p:nvSpPr>
-          <p:cNvPr id="4" name="TextBox 3">
-            <a:extLst>
-              <a:ext uri="{FF2B5EF4-FFF2-40B4-BE49-F238E27FC236}">
-                <a16:creationId xmlns="" xmlns:a16="http://schemas.microsoft.com/office/drawing/2014/main" id="{2526BBC7-AD07-89BE-CDAF-EF8C8ED20231}"/>
-              </a:ext>
-            </a:extLst>
-          </p:cNvPr>
-          <p:cNvSpPr txBox="1"/>
-          <p:nvPr/>
-        </p:nvSpPr>
-        <p:spPr>
-          <a:xfrm>
-            <a:off x="1740851" y="93867"/>
-            <a:ext cx="5047891" cy="830997"/>
-          </a:xfrm>
-          <a:prstGeom prst="rect">
-            <a:avLst/>
-          </a:prstGeom>
-          <a:noFill/>
-        </p:spPr>
-        <p:txBody>
-          <a:bodyPr wrap="square" rtlCol="0">
-            <a:spAutoFit/>
-          </a:bodyPr>
-          <a:lstStyle/>
-          <a:p>
-            <a:r>
-              <a:rPr lang="en-IN" sz="4800" dirty="0" smtClean="0">
-                <a:solidFill>
-                  <a:schemeClr val="accent5">
-                    <a:lumMod val="20000"/>
-                    <a:lumOff val="80000"/>
-                  </a:schemeClr>
-                </a:solidFill>
-                <a:latin typeface="Lato Black" panose="020F0A02020204030203" pitchFamily="34" charset="0"/>
-              </a:rPr>
-              <a:t>MYSQL</a:t>
-            </a:r>
-            <a:endParaRPr lang="en-IN" sz="4800" dirty="0">
-              <a:solidFill>
-                <a:schemeClr val="accent5">
-                  <a:lumMod val="20000"/>
-                  <a:lumOff val="80000"/>
-                </a:schemeClr>
-              </a:solidFill>
-              <a:latin typeface="Lato Black" panose="020F0A02020204030203" pitchFamily="34" charset="0"/>
-            </a:endParaRPr>
-          </a:p>
-        </p:txBody>
-      </p:sp>
-      <p:pic>
-        <p:nvPicPr>
-          <p:cNvPr id="6" name="Picture 14" descr="Logo Mysql PNG Images, Free Download - Free Transparent PNG Logos">
-            <a:extLst>
-              <a:ext uri="{FF2B5EF4-FFF2-40B4-BE49-F238E27FC236}">
-                <a16:creationId xmlns="" xmlns:a16="http://schemas.microsoft.com/office/drawing/2014/main" id="{3E80D00F-6EA5-9A4C-EC8A-63F38E357D66}"/>
-              </a:ext>
-            </a:extLst>
-          </p:cNvPr>
-          <p:cNvPicPr>
-            <a:picLocks noChangeAspect="1" noChangeArrowheads="1"/>
-          </p:cNvPicPr>
-          <p:nvPr/>
-        </p:nvPicPr>
-        <p:blipFill>
-          <a:blip r:embed="rId3" cstate="print">
-            <a:extLst>
-              <a:ext uri="{28A0092B-C50C-407E-A947-70E740481C1C}">
-                <a14:useLocalDpi xmlns:a14="http://schemas.microsoft.com/office/drawing/2010/main" val="0"/>
-              </a:ext>
-            </a:extLst>
-          </a:blip>
-          <a:srcRect/>
-          <a:stretch>
-            <a:fillRect/>
-          </a:stretch>
-        </p:blipFill>
-        <p:spPr bwMode="auto">
-          <a:xfrm>
-            <a:off x="953663" y="214394"/>
-            <a:ext cx="620658" cy="651103"/>
-          </a:xfrm>
-          <a:prstGeom prst="rect">
-            <a:avLst/>
-          </a:prstGeom>
-          <a:noFill/>
-          <a:extLst>
-            <a:ext uri="{909E8E84-426E-40DD-AFC4-6F175D3DCCD1}">
-              <a14:hiddenFill xmlns:a14="http://schemas.microsoft.com/office/drawing/2010/main">
-                <a:solidFill>
-                  <a:srgbClr val="FFFFFF"/>
-                </a:solidFill>
-              </a14:hiddenFill>
-            </a:ext>
-          </a:extLst>
-        </p:spPr>
-      </p:pic>
-      <p:pic>
-        <p:nvPicPr>
-          <p:cNvPr id="7" name="Picture 6">
-            <a:extLst>
-              <a:ext uri="{FF2B5EF4-FFF2-40B4-BE49-F238E27FC236}">
-                <a16:creationId xmlns="" xmlns:a16="http://schemas.microsoft.com/office/drawing/2014/main" id="{01A6FD57-88FE-9417-94A8-05E1D5F38AFB}"/>
-              </a:ext>
-            </a:extLst>
-          </p:cNvPr>
-          <p:cNvPicPr>
-            <a:picLocks noChangeAspect="1"/>
-          </p:cNvPicPr>
-          <p:nvPr/>
-        </p:nvPicPr>
-        <p:blipFill>
-          <a:blip r:embed="rId4"/>
-          <a:stretch>
-            <a:fillRect/>
-          </a:stretch>
-        </p:blipFill>
-        <p:spPr>
-          <a:xfrm>
-            <a:off x="295902" y="2194639"/>
-            <a:ext cx="11600196" cy="4212494"/>
+            <a:off x="10985091" y="47938"/>
+            <a:ext cx="1137468" cy="820345"/>
           </a:xfrm>
           <a:prstGeom prst="rect">
             <a:avLst/>
@@ -8214,7 +6530,7 @@
     </p:spTree>
     <p:extLst>
       <p:ext uri="{BB962C8B-B14F-4D97-AF65-F5344CB8AC3E}">
-        <p14:creationId xmlns:p14="http://schemas.microsoft.com/office/powerpoint/2010/main" val="4039425389"/>
+        <p14:creationId xmlns:p14="http://schemas.microsoft.com/office/powerpoint/2010/main" val="3548737912"/>
       </p:ext>
     </p:extLst>
   </p:cSld>
@@ -8254,12 +6570,184 @@
           <a:chExt cx="0" cy="0"/>
         </a:xfrm>
       </p:grpSpPr>
+      <p:sp>
+        <p:nvSpPr>
+          <p:cNvPr id="13" name="TextBox 12">
+            <a:extLst>
+              <a:ext uri="{FF2B5EF4-FFF2-40B4-BE49-F238E27FC236}">
+                <a16:creationId xmlns:a16="http://schemas.microsoft.com/office/drawing/2014/main" xmlns="" id="{EFD37F5C-B498-7E9E-7268-B898BED7C5C1}"/>
+              </a:ext>
+            </a:extLst>
+          </p:cNvPr>
+          <p:cNvSpPr txBox="1"/>
+          <p:nvPr/>
+        </p:nvSpPr>
+        <p:spPr>
+          <a:xfrm>
+            <a:off x="2670913" y="3293972"/>
+            <a:ext cx="6849373" cy="1015663"/>
+          </a:xfrm>
+          <a:prstGeom prst="rect">
+            <a:avLst/>
+          </a:prstGeom>
+          <a:noFill/>
+        </p:spPr>
+        <p:txBody>
+          <a:bodyPr wrap="square" rtlCol="0">
+            <a:spAutoFit/>
+          </a:bodyPr>
+          <a:lstStyle/>
+          <a:p>
+            <a:pPr algn="ctr"/>
+            <a:r>
+              <a:rPr lang="en-IN" sz="6000" dirty="0">
+                <a:solidFill>
+                  <a:schemeClr val="bg1"/>
+                </a:solidFill>
+                <a:latin typeface="Lato Black" panose="020F0A02020204030203" pitchFamily="34" charset="0"/>
+              </a:rPr>
+              <a:t>POWER BI</a:t>
+            </a:r>
+          </a:p>
+        </p:txBody>
+      </p:sp>
+      <p:sp>
+        <p:nvSpPr>
+          <p:cNvPr id="17" name="TextBox 16">
+            <a:extLst>
+              <a:ext uri="{FF2B5EF4-FFF2-40B4-BE49-F238E27FC236}">
+                <a16:creationId xmlns:a16="http://schemas.microsoft.com/office/drawing/2014/main" xmlns="" id="{23AE5A38-1C90-91C3-C264-017362FE588D}"/>
+              </a:ext>
+            </a:extLst>
+          </p:cNvPr>
+          <p:cNvSpPr txBox="1"/>
+          <p:nvPr/>
+        </p:nvSpPr>
+        <p:spPr>
+          <a:xfrm>
+            <a:off x="4990697" y="2194695"/>
+            <a:ext cx="2209804" cy="830997"/>
+          </a:xfrm>
+          <a:prstGeom prst="rect">
+            <a:avLst/>
+          </a:prstGeom>
+          <a:noFill/>
+        </p:spPr>
+        <p:txBody>
+          <a:bodyPr wrap="square" rtlCol="0">
+            <a:spAutoFit/>
+          </a:bodyPr>
+          <a:lstStyle/>
+          <a:p>
+            <a:r>
+              <a:rPr lang="en-IN" sz="4800" dirty="0">
+                <a:solidFill>
+                  <a:srgbClr val="00B0F0"/>
+                </a:solidFill>
+                <a:latin typeface="Lato Black" panose="020F0A02020204030203" pitchFamily="34" charset="0"/>
+              </a:rPr>
+              <a:t>PART 2</a:t>
+            </a:r>
+          </a:p>
+        </p:txBody>
+      </p:sp>
+      <p:sp>
+        <p:nvSpPr>
+          <p:cNvPr id="18" name="TextBox 17">
+            <a:extLst>
+              <a:ext uri="{FF2B5EF4-FFF2-40B4-BE49-F238E27FC236}">
+                <a16:creationId xmlns:a16="http://schemas.microsoft.com/office/drawing/2014/main" xmlns="" id="{01F6CB98-36C5-38E5-0DF0-29D3168418DC}"/>
+              </a:ext>
+            </a:extLst>
+          </p:cNvPr>
+          <p:cNvSpPr txBox="1"/>
+          <p:nvPr/>
+        </p:nvSpPr>
+        <p:spPr>
+          <a:xfrm>
+            <a:off x="0" y="157641"/>
+            <a:ext cx="12192000" cy="646331"/>
+          </a:xfrm>
+          <a:prstGeom prst="rect">
+            <a:avLst/>
+          </a:prstGeom>
+          <a:noFill/>
+        </p:spPr>
+        <p:txBody>
+          <a:bodyPr wrap="square" rtlCol="0">
+            <a:spAutoFit/>
+          </a:bodyPr>
+          <a:lstStyle/>
+          <a:p>
+            <a:pPr algn="ctr"/>
+            <a:r>
+              <a:rPr lang="en-IN" sz="3600" dirty="0">
+                <a:solidFill>
+                  <a:srgbClr val="00B0F0"/>
+                </a:solidFill>
+                <a:latin typeface="Lato Black" panose="020F0A02020204030203" pitchFamily="34" charset="0"/>
+              </a:rPr>
+              <a:t>DATA ANALYST </a:t>
+            </a:r>
+            <a:r>
+              <a:rPr lang="en-IN" sz="3600" dirty="0">
+                <a:solidFill>
+                  <a:schemeClr val="bg1"/>
+                </a:solidFill>
+                <a:latin typeface="Lato Black" panose="020F0A02020204030203" pitchFamily="34" charset="0"/>
+              </a:rPr>
+              <a:t>PORTFOLIO PROJECT</a:t>
+            </a:r>
+          </a:p>
+        </p:txBody>
+      </p:sp>
+      <p:sp>
+        <p:nvSpPr>
+          <p:cNvPr id="19" name="TextBox 18">
+            <a:extLst>
+              <a:ext uri="{FF2B5EF4-FFF2-40B4-BE49-F238E27FC236}">
+                <a16:creationId xmlns:a16="http://schemas.microsoft.com/office/drawing/2014/main" xmlns="" id="{E8907EC3-CB54-081F-6806-59FB3EDC3F65}"/>
+              </a:ext>
+            </a:extLst>
+          </p:cNvPr>
+          <p:cNvSpPr txBox="1"/>
+          <p:nvPr/>
+        </p:nvSpPr>
+        <p:spPr>
+          <a:xfrm>
+            <a:off x="475491" y="1102030"/>
+            <a:ext cx="11240219" cy="1015663"/>
+          </a:xfrm>
+          <a:prstGeom prst="rect">
+            <a:avLst/>
+          </a:prstGeom>
+          <a:noFill/>
+        </p:spPr>
+        <p:txBody>
+          <a:bodyPr wrap="square" rtlCol="0">
+            <a:spAutoFit/>
+          </a:bodyPr>
+          <a:lstStyle/>
+          <a:p>
+            <a:pPr algn="ctr"/>
+            <a:r>
+              <a:rPr lang="en-IN" sz="6000" dirty="0">
+                <a:solidFill>
+                  <a:srgbClr val="FFFF00"/>
+                </a:solidFill>
+                <a:latin typeface="Lato Black" panose="020F0A02020204030203" pitchFamily="34" charset="0"/>
+              </a:rPr>
+              <a:t>BANK LOAN ANALYSIS</a:t>
+            </a:r>
+          </a:p>
+        </p:txBody>
+      </p:sp>
       <p:pic>
         <p:nvPicPr>
-          <p:cNvPr id="3" name="Picture 2">
-            <a:extLst>
-              <a:ext uri="{FF2B5EF4-FFF2-40B4-BE49-F238E27FC236}">
-                <a16:creationId xmlns="" xmlns:a16="http://schemas.microsoft.com/office/drawing/2014/main" id="{A7B21A84-16ED-E315-0365-C99EA56D3865}"/>
+          <p:cNvPr id="20" name="Picture 19">
+            <a:extLst>
+              <a:ext uri="{FF2B5EF4-FFF2-40B4-BE49-F238E27FC236}">
+                <a16:creationId xmlns:a16="http://schemas.microsoft.com/office/drawing/2014/main" xmlns="" id="{FE325C91-5367-908E-9FBA-338517C802F7}"/>
               </a:ext>
             </a:extLst>
           </p:cNvPr>
@@ -8269,71 +6757,40 @@
           <p:nvPr/>
         </p:nvPicPr>
         <p:blipFill>
-          <a:blip r:embed="rId2"/>
+          <a:blip r:embed="rId2" cstate="print">
+            <a:duotone>
+              <a:prstClr val="black"/>
+              <a:schemeClr val="accent4">
+                <a:tint val="45000"/>
+                <a:satMod val="400000"/>
+              </a:schemeClr>
+            </a:duotone>
+            <a:extLst>
+              <a:ext uri="{28A0092B-C50C-407E-A947-70E740481C1C}">
+                <a14:useLocalDpi xmlns:a14="http://schemas.microsoft.com/office/drawing/2010/main" val="0"/>
+              </a:ext>
+            </a:extLst>
+          </a:blip>
           <a:stretch>
             <a:fillRect/>
           </a:stretch>
         </p:blipFill>
         <p:spPr>
           <a:xfrm>
-            <a:off x="253040" y="2042239"/>
-            <a:ext cx="11600196" cy="4212494"/>
+            <a:off x="10749750" y="157641"/>
+            <a:ext cx="1309464" cy="944389"/>
           </a:xfrm>
           <a:prstGeom prst="rect">
             <a:avLst/>
           </a:prstGeom>
         </p:spPr>
       </p:pic>
-      <p:sp>
-        <p:nvSpPr>
-          <p:cNvPr id="7" name="TextBox 6">
-            <a:extLst>
-              <a:ext uri="{FF2B5EF4-FFF2-40B4-BE49-F238E27FC236}">
-                <a16:creationId xmlns="" xmlns:a16="http://schemas.microsoft.com/office/drawing/2014/main" id="{98B2E6D4-5C36-6630-22D9-2DE480A57460}"/>
-              </a:ext>
-            </a:extLst>
-          </p:cNvPr>
-          <p:cNvSpPr txBox="1"/>
-          <p:nvPr/>
-        </p:nvSpPr>
-        <p:spPr>
-          <a:xfrm>
-            <a:off x="219966" y="123823"/>
-            <a:ext cx="1943416" cy="646331"/>
-          </a:xfrm>
-          <a:prstGeom prst="rect">
-            <a:avLst/>
-          </a:prstGeom>
-          <a:solidFill>
-            <a:schemeClr val="accent5">
-              <a:lumMod val="75000"/>
-            </a:schemeClr>
-          </a:solidFill>
-        </p:spPr>
-        <p:txBody>
-          <a:bodyPr wrap="square" rtlCol="0">
-            <a:spAutoFit/>
-          </a:bodyPr>
-          <a:lstStyle/>
-          <a:p>
-            <a:pPr algn="ctr"/>
-            <a:r>
-              <a:rPr lang="en-IN" sz="3600" b="1" dirty="0">
-                <a:solidFill>
-                  <a:srgbClr val="FFFF00"/>
-                </a:solidFill>
-              </a:rPr>
-              <a:t>SQL</a:t>
-            </a:r>
-          </a:p>
-        </p:txBody>
-      </p:sp>
       <p:pic>
         <p:nvPicPr>
-          <p:cNvPr id="8" name="Picture 7">
-            <a:extLst>
-              <a:ext uri="{FF2B5EF4-FFF2-40B4-BE49-F238E27FC236}">
-                <a16:creationId xmlns="" xmlns:a16="http://schemas.microsoft.com/office/drawing/2014/main" id="{126798A0-186C-3BE6-84AB-0BA49EB106BB}"/>
+          <p:cNvPr id="2" name="Picture 1">
+            <a:extLst>
+              <a:ext uri="{FF2B5EF4-FFF2-40B4-BE49-F238E27FC236}">
+                <a16:creationId xmlns:a16="http://schemas.microsoft.com/office/drawing/2014/main" xmlns="" id="{B565E50B-F93A-78F0-AFD4-036E6BED0EB1}"/>
               </a:ext>
             </a:extLst>
           </p:cNvPr>
@@ -8356,181 +6813,8 @@
         </p:blipFill>
         <p:spPr>
           <a:xfrm>
-            <a:off x="2517131" y="123823"/>
-            <a:ext cx="434013" cy="584775"/>
-          </a:xfrm>
-          <a:prstGeom prst="rect">
-            <a:avLst/>
-          </a:prstGeom>
-          <a:effectLst>
-            <a:glow rad="63500">
-              <a:schemeClr val="bg1">
-                <a:alpha val="23000"/>
-              </a:schemeClr>
-            </a:glow>
-          </a:effectLst>
-        </p:spPr>
-      </p:pic>
-      <p:sp>
-        <p:nvSpPr>
-          <p:cNvPr id="9" name="TextBox 8">
-            <a:extLst>
-              <a:ext uri="{FF2B5EF4-FFF2-40B4-BE49-F238E27FC236}">
-                <a16:creationId xmlns="" xmlns:a16="http://schemas.microsoft.com/office/drawing/2014/main" id="{7B857CFF-1124-05A4-7DD1-784492F973DC}"/>
-              </a:ext>
-            </a:extLst>
-          </p:cNvPr>
-          <p:cNvSpPr txBox="1"/>
-          <p:nvPr/>
-        </p:nvSpPr>
-        <p:spPr>
-          <a:xfrm>
-            <a:off x="552451" y="818455"/>
-            <a:ext cx="11001374" cy="646331"/>
-          </a:xfrm>
-          <a:prstGeom prst="rect">
-            <a:avLst/>
-          </a:prstGeom>
-          <a:noFill/>
-        </p:spPr>
-        <p:txBody>
-          <a:bodyPr wrap="square" rtlCol="0">
-            <a:spAutoFit/>
-          </a:bodyPr>
-          <a:lstStyle/>
-          <a:p>
-            <a:pPr algn="ctr"/>
-            <a:r>
-              <a:rPr lang="en-IN" sz="3600" b="1" dirty="0">
-                <a:solidFill>
-                  <a:schemeClr val="accent1">
-                    <a:lumMod val="20000"/>
-                    <a:lumOff val="80000"/>
-                  </a:schemeClr>
-                </a:solidFill>
-              </a:rPr>
-              <a:t>FIRING SQL QUERIES TO SOLVE THE BUSINESS PROBLEMS</a:t>
-            </a:r>
-          </a:p>
-        </p:txBody>
-      </p:sp>
-      <p:sp>
-        <p:nvSpPr>
-          <p:cNvPr id="10" name="TextBox 9">
-            <a:extLst>
-              <a:ext uri="{FF2B5EF4-FFF2-40B4-BE49-F238E27FC236}">
-                <a16:creationId xmlns="" xmlns:a16="http://schemas.microsoft.com/office/drawing/2014/main" id="{2FB230D0-E6A4-BA14-A14A-48AC7409EDA1}"/>
-              </a:ext>
-            </a:extLst>
-          </p:cNvPr>
-          <p:cNvSpPr txBox="1"/>
-          <p:nvPr/>
-        </p:nvSpPr>
-        <p:spPr>
-          <a:xfrm>
-            <a:off x="552451" y="1445736"/>
-            <a:ext cx="11001374" cy="615553"/>
-          </a:xfrm>
-          <a:prstGeom prst="rect">
-            <a:avLst/>
-          </a:prstGeom>
-          <a:noFill/>
-        </p:spPr>
-        <p:txBody>
-          <a:bodyPr wrap="square" rtlCol="0">
-            <a:spAutoFit/>
-          </a:bodyPr>
-          <a:lstStyle/>
-          <a:p>
-            <a:pPr algn="ctr"/>
-            <a:r>
-              <a:rPr lang="en-IN" sz="3400" b="1" dirty="0">
-                <a:solidFill>
-                  <a:srgbClr val="FFFF00"/>
-                </a:solidFill>
-              </a:rPr>
-              <a:t>COMPARING RESULTS WITH POWER BI, TABLEAU and EXCEL</a:t>
-            </a:r>
-          </a:p>
-        </p:txBody>
-      </p:sp>
-      <p:sp>
-        <p:nvSpPr>
-          <p:cNvPr id="11" name="TextBox 10">
-            <a:extLst>
-              <a:ext uri="{FF2B5EF4-FFF2-40B4-BE49-F238E27FC236}">
-                <a16:creationId xmlns="" xmlns:a16="http://schemas.microsoft.com/office/drawing/2014/main" id="{34EEA4A0-4AF0-B634-EFAA-19F25C170AAC}"/>
-              </a:ext>
-            </a:extLst>
-          </p:cNvPr>
-          <p:cNvSpPr txBox="1"/>
-          <p:nvPr/>
-        </p:nvSpPr>
-        <p:spPr>
-          <a:xfrm>
-            <a:off x="0" y="6228840"/>
-            <a:ext cx="12192000" cy="538609"/>
-          </a:xfrm>
-          <a:prstGeom prst="rect">
-            <a:avLst/>
-          </a:prstGeom>
-          <a:noFill/>
-        </p:spPr>
-        <p:txBody>
-          <a:bodyPr wrap="square" rtlCol="0">
-            <a:spAutoFit/>
-          </a:bodyPr>
-          <a:lstStyle/>
-          <a:p>
-            <a:pPr algn="ctr"/>
-            <a:r>
-              <a:rPr lang="en-IN" sz="2900" b="1" i="1" dirty="0">
-                <a:solidFill>
-                  <a:srgbClr val="92D050"/>
-                </a:solidFill>
-              </a:rPr>
-              <a:t>You can use the data in any DB to fire queries. Queries used will remain same</a:t>
-            </a:r>
-          </a:p>
-        </p:txBody>
-      </p:sp>
-      <p:pic>
-        <p:nvPicPr>
-          <p:cNvPr id="12" name="Picture 11">
-            <a:extLst>
-              <a:ext uri="{FF2B5EF4-FFF2-40B4-BE49-F238E27FC236}">
-                <a16:creationId xmlns="" xmlns:a16="http://schemas.microsoft.com/office/drawing/2014/main" id="{1E8BEBC9-98D8-041D-95F3-3951B265A9B6}"/>
-              </a:ext>
-            </a:extLst>
-          </p:cNvPr>
-          <p:cNvPicPr>
-            <a:picLocks noChangeAspect="1"/>
-          </p:cNvPicPr>
-          <p:nvPr/>
-        </p:nvPicPr>
-        <p:blipFill>
-          <a:blip r:embed="rId4" cstate="print">
-            <a:duotone>
-              <a:prstClr val="black"/>
-              <a:schemeClr val="accent4">
-                <a:tint val="45000"/>
-                <a:satMod val="400000"/>
-              </a:schemeClr>
-            </a:duotone>
-            <a:extLst>
-              <a:ext uri="{28A0092B-C50C-407E-A947-70E740481C1C}">
-                <a14:useLocalDpi xmlns:a14="http://schemas.microsoft.com/office/drawing/2010/main" val="0"/>
-              </a:ext>
-            </a:extLst>
-          </a:blip>
-          <a:stretch>
-            <a:fillRect/>
-          </a:stretch>
-        </p:blipFill>
-        <p:spPr>
-          <a:xfrm>
-            <a:off x="10985091" y="47938"/>
-            <a:ext cx="1137468" cy="820345"/>
+            <a:off x="4285969" y="4399579"/>
+            <a:ext cx="3619260" cy="2035834"/>
           </a:xfrm>
           <a:prstGeom prst="rect">
             <a:avLst/>
@@ -8540,7 +6824,7 @@
     </p:spTree>
     <p:extLst>
       <p:ext uri="{BB962C8B-B14F-4D97-AF65-F5344CB8AC3E}">
-        <p14:creationId xmlns:p14="http://schemas.microsoft.com/office/powerpoint/2010/main" val="3548737912"/>
+        <p14:creationId xmlns:p14="http://schemas.microsoft.com/office/powerpoint/2010/main" val="2190682535"/>
       </p:ext>
     </p:extLst>
   </p:cSld>
@@ -8580,184 +6864,12 @@
           <a:chExt cx="0" cy="0"/>
         </a:xfrm>
       </p:grpSpPr>
-      <p:sp>
-        <p:nvSpPr>
-          <p:cNvPr id="13" name="TextBox 12">
-            <a:extLst>
-              <a:ext uri="{FF2B5EF4-FFF2-40B4-BE49-F238E27FC236}">
-                <a16:creationId xmlns="" xmlns:a16="http://schemas.microsoft.com/office/drawing/2014/main" id="{EFD37F5C-B498-7E9E-7268-B898BED7C5C1}"/>
-              </a:ext>
-            </a:extLst>
-          </p:cNvPr>
-          <p:cNvSpPr txBox="1"/>
-          <p:nvPr/>
-        </p:nvSpPr>
-        <p:spPr>
-          <a:xfrm>
-            <a:off x="2670913" y="3293972"/>
-            <a:ext cx="6849373" cy="1015663"/>
-          </a:xfrm>
-          <a:prstGeom prst="rect">
-            <a:avLst/>
-          </a:prstGeom>
-          <a:noFill/>
-        </p:spPr>
-        <p:txBody>
-          <a:bodyPr wrap="square" rtlCol="0">
-            <a:spAutoFit/>
-          </a:bodyPr>
-          <a:lstStyle/>
-          <a:p>
-            <a:pPr algn="ctr"/>
-            <a:r>
-              <a:rPr lang="en-IN" sz="6000" dirty="0">
-                <a:solidFill>
-                  <a:schemeClr val="bg1"/>
-                </a:solidFill>
-                <a:latin typeface="Lato Black" panose="020F0A02020204030203" pitchFamily="34" charset="0"/>
-              </a:rPr>
-              <a:t>POWER BI</a:t>
-            </a:r>
-          </a:p>
-        </p:txBody>
-      </p:sp>
-      <p:sp>
-        <p:nvSpPr>
-          <p:cNvPr id="17" name="TextBox 16">
-            <a:extLst>
-              <a:ext uri="{FF2B5EF4-FFF2-40B4-BE49-F238E27FC236}">
-                <a16:creationId xmlns="" xmlns:a16="http://schemas.microsoft.com/office/drawing/2014/main" id="{23AE5A38-1C90-91C3-C264-017362FE588D}"/>
-              </a:ext>
-            </a:extLst>
-          </p:cNvPr>
-          <p:cNvSpPr txBox="1"/>
-          <p:nvPr/>
-        </p:nvSpPr>
-        <p:spPr>
-          <a:xfrm>
-            <a:off x="4990697" y="2194695"/>
-            <a:ext cx="2209804" cy="830997"/>
-          </a:xfrm>
-          <a:prstGeom prst="rect">
-            <a:avLst/>
-          </a:prstGeom>
-          <a:noFill/>
-        </p:spPr>
-        <p:txBody>
-          <a:bodyPr wrap="square" rtlCol="0">
-            <a:spAutoFit/>
-          </a:bodyPr>
-          <a:lstStyle/>
-          <a:p>
-            <a:r>
-              <a:rPr lang="en-IN" sz="4800" dirty="0">
-                <a:solidFill>
-                  <a:srgbClr val="00B0F0"/>
-                </a:solidFill>
-                <a:latin typeface="Lato Black" panose="020F0A02020204030203" pitchFamily="34" charset="0"/>
-              </a:rPr>
-              <a:t>PART 2</a:t>
-            </a:r>
-          </a:p>
-        </p:txBody>
-      </p:sp>
-      <p:sp>
-        <p:nvSpPr>
-          <p:cNvPr id="18" name="TextBox 17">
-            <a:extLst>
-              <a:ext uri="{FF2B5EF4-FFF2-40B4-BE49-F238E27FC236}">
-                <a16:creationId xmlns="" xmlns:a16="http://schemas.microsoft.com/office/drawing/2014/main" id="{01F6CB98-36C5-38E5-0DF0-29D3168418DC}"/>
-              </a:ext>
-            </a:extLst>
-          </p:cNvPr>
-          <p:cNvSpPr txBox="1"/>
-          <p:nvPr/>
-        </p:nvSpPr>
-        <p:spPr>
-          <a:xfrm>
-            <a:off x="0" y="157641"/>
-            <a:ext cx="12192000" cy="646331"/>
-          </a:xfrm>
-          <a:prstGeom prst="rect">
-            <a:avLst/>
-          </a:prstGeom>
-          <a:noFill/>
-        </p:spPr>
-        <p:txBody>
-          <a:bodyPr wrap="square" rtlCol="0">
-            <a:spAutoFit/>
-          </a:bodyPr>
-          <a:lstStyle/>
-          <a:p>
-            <a:pPr algn="ctr"/>
-            <a:r>
-              <a:rPr lang="en-IN" sz="3600" dirty="0">
-                <a:solidFill>
-                  <a:srgbClr val="00B0F0"/>
-                </a:solidFill>
-                <a:latin typeface="Lato Black" panose="020F0A02020204030203" pitchFamily="34" charset="0"/>
-              </a:rPr>
-              <a:t>DATA ANALYST </a:t>
-            </a:r>
-            <a:r>
-              <a:rPr lang="en-IN" sz="3600" dirty="0">
-                <a:solidFill>
-                  <a:schemeClr val="bg1"/>
-                </a:solidFill>
-                <a:latin typeface="Lato Black" panose="020F0A02020204030203" pitchFamily="34" charset="0"/>
-              </a:rPr>
-              <a:t>PORTFOLIO PROJECT</a:t>
-            </a:r>
-          </a:p>
-        </p:txBody>
-      </p:sp>
-      <p:sp>
-        <p:nvSpPr>
-          <p:cNvPr id="19" name="TextBox 18">
-            <a:extLst>
-              <a:ext uri="{FF2B5EF4-FFF2-40B4-BE49-F238E27FC236}">
-                <a16:creationId xmlns="" xmlns:a16="http://schemas.microsoft.com/office/drawing/2014/main" id="{E8907EC3-CB54-081F-6806-59FB3EDC3F65}"/>
-              </a:ext>
-            </a:extLst>
-          </p:cNvPr>
-          <p:cNvSpPr txBox="1"/>
-          <p:nvPr/>
-        </p:nvSpPr>
-        <p:spPr>
-          <a:xfrm>
-            <a:off x="475491" y="1102030"/>
-            <a:ext cx="11240219" cy="1015663"/>
-          </a:xfrm>
-          <a:prstGeom prst="rect">
-            <a:avLst/>
-          </a:prstGeom>
-          <a:noFill/>
-        </p:spPr>
-        <p:txBody>
-          <a:bodyPr wrap="square" rtlCol="0">
-            <a:spAutoFit/>
-          </a:bodyPr>
-          <a:lstStyle/>
-          <a:p>
-            <a:pPr algn="ctr"/>
-            <a:r>
-              <a:rPr lang="en-IN" sz="6000" dirty="0">
-                <a:solidFill>
-                  <a:srgbClr val="FFFF00"/>
-                </a:solidFill>
-                <a:latin typeface="Lato Black" panose="020F0A02020204030203" pitchFamily="34" charset="0"/>
-              </a:rPr>
-              <a:t>BANK LOAN ANALYSIS</a:t>
-            </a:r>
-          </a:p>
-        </p:txBody>
-      </p:sp>
       <p:pic>
         <p:nvPicPr>
           <p:cNvPr id="20" name="Picture 19">
             <a:extLst>
               <a:ext uri="{FF2B5EF4-FFF2-40B4-BE49-F238E27FC236}">
-                <a16:creationId xmlns="" xmlns:a16="http://schemas.microsoft.com/office/drawing/2014/main" id="{FE325C91-5367-908E-9FBA-338517C802F7}"/>
+                <a16:creationId xmlns:a16="http://schemas.microsoft.com/office/drawing/2014/main" xmlns="" id="{FE325C91-5367-908E-9FBA-338517C802F7}"/>
               </a:ext>
             </a:extLst>
           </p:cNvPr>
@@ -8795,12 +6907,215 @@
           </a:prstGeom>
         </p:spPr>
       </p:pic>
+      <p:sp>
+        <p:nvSpPr>
+          <p:cNvPr id="2" name="TextBox 1">
+            <a:extLst>
+              <a:ext uri="{FF2B5EF4-FFF2-40B4-BE49-F238E27FC236}">
+                <a16:creationId xmlns:a16="http://schemas.microsoft.com/office/drawing/2014/main" xmlns="" id="{BE5492AE-9AD7-DEAB-9741-FFEB9D5B71D4}"/>
+              </a:ext>
+            </a:extLst>
+          </p:cNvPr>
+          <p:cNvSpPr txBox="1"/>
+          <p:nvPr/>
+        </p:nvSpPr>
+        <p:spPr>
+          <a:xfrm>
+            <a:off x="436352" y="1232497"/>
+            <a:ext cx="3471414" cy="646331"/>
+          </a:xfrm>
+          <a:prstGeom prst="rect">
+            <a:avLst/>
+          </a:prstGeom>
+          <a:solidFill>
+            <a:schemeClr val="accent1">
+              <a:lumMod val="75000"/>
+            </a:schemeClr>
+          </a:solidFill>
+        </p:spPr>
+        <p:txBody>
+          <a:bodyPr wrap="square" rtlCol="0">
+            <a:spAutoFit/>
+          </a:bodyPr>
+          <a:lstStyle/>
+          <a:p>
+            <a:pPr algn="r"/>
+            <a:r>
+              <a:rPr lang="en-IN" sz="3600" b="1" dirty="0">
+                <a:solidFill>
+                  <a:schemeClr val="accent4"/>
+                </a:solidFill>
+              </a:rPr>
+              <a:t>CONNECTING TO</a:t>
+            </a:r>
+          </a:p>
+        </p:txBody>
+      </p:sp>
+      <p:sp>
+        <p:nvSpPr>
+          <p:cNvPr id="3" name="TextBox 2">
+            <a:extLst>
+              <a:ext uri="{FF2B5EF4-FFF2-40B4-BE49-F238E27FC236}">
+                <a16:creationId xmlns:a16="http://schemas.microsoft.com/office/drawing/2014/main" xmlns="" id="{F2B21082-DB76-800E-F7F3-8336A6EA7FD6}"/>
+              </a:ext>
+            </a:extLst>
+          </p:cNvPr>
+          <p:cNvSpPr txBox="1"/>
+          <p:nvPr/>
+        </p:nvSpPr>
+        <p:spPr>
+          <a:xfrm>
+            <a:off x="3914583" y="1235891"/>
+            <a:ext cx="3204184" cy="646331"/>
+          </a:xfrm>
+          <a:prstGeom prst="rect">
+            <a:avLst/>
+          </a:prstGeom>
+          <a:solidFill>
+            <a:schemeClr val="accent4">
+              <a:lumMod val="75000"/>
+            </a:schemeClr>
+          </a:solidFill>
+        </p:spPr>
+        <p:txBody>
+          <a:bodyPr wrap="square" rtlCol="0">
+            <a:spAutoFit/>
+          </a:bodyPr>
+          <a:lstStyle/>
+          <a:p>
+            <a:r>
+              <a:rPr lang="en-IN" sz="3600" b="1" dirty="0" smtClean="0">
+                <a:solidFill>
+                  <a:schemeClr val="accent1">
+                    <a:lumMod val="75000"/>
+                  </a:schemeClr>
+                </a:solidFill>
+              </a:rPr>
+              <a:t>MySQL </a:t>
+            </a:r>
+            <a:r>
+              <a:rPr lang="en-IN" sz="3600" b="1" dirty="0">
+                <a:solidFill>
+                  <a:schemeClr val="accent1">
+                    <a:lumMod val="75000"/>
+                  </a:schemeClr>
+                </a:solidFill>
+              </a:rPr>
+              <a:t>SERVER</a:t>
+            </a:r>
+          </a:p>
+        </p:txBody>
+      </p:sp>
       <p:pic>
         <p:nvPicPr>
-          <p:cNvPr id="2" name="Picture 1">
-            <a:extLst>
-              <a:ext uri="{FF2B5EF4-FFF2-40B4-BE49-F238E27FC236}">
-                <a16:creationId xmlns="" xmlns:a16="http://schemas.microsoft.com/office/drawing/2014/main" id="{B565E50B-F93A-78F0-AFD4-036E6BED0EB1}"/>
+          <p:cNvPr id="5" name="Picture 4" descr="Plugs connection outline symbol in a circle - Free interface icons">
+            <a:extLst>
+              <a:ext uri="{FF2B5EF4-FFF2-40B4-BE49-F238E27FC236}">
+                <a16:creationId xmlns:a16="http://schemas.microsoft.com/office/drawing/2014/main" xmlns="" id="{D843DAAA-B6CB-2BDC-8B67-6C86E9DBE4D3}"/>
+              </a:ext>
+            </a:extLst>
+          </p:cNvPr>
+          <p:cNvPicPr>
+            <a:picLocks noChangeAspect="1" noChangeArrowheads="1"/>
+          </p:cNvPicPr>
+          <p:nvPr/>
+        </p:nvPicPr>
+        <p:blipFill rotWithShape="1">
+          <a:blip r:embed="rId3">
+            <a:duotone>
+              <a:schemeClr val="accent2">
+                <a:shade val="45000"/>
+                <a:satMod val="135000"/>
+              </a:schemeClr>
+              <a:prstClr val="white"/>
+            </a:duotone>
+            <a:extLst>
+              <a:ext uri="{28A0092B-C50C-407E-A947-70E740481C1C}">
+                <a14:useLocalDpi xmlns:a14="http://schemas.microsoft.com/office/drawing/2010/main" val="0"/>
+              </a:ext>
+            </a:extLst>
+          </a:blip>
+          <a:srcRect r="44257"/>
+          <a:stretch/>
+        </p:blipFill>
+        <p:spPr bwMode="auto">
+          <a:xfrm>
+            <a:off x="4051861" y="2176897"/>
+            <a:ext cx="1631368" cy="3510451"/>
+          </a:xfrm>
+          <a:prstGeom prst="rect">
+            <a:avLst/>
+          </a:prstGeom>
+          <a:noFill/>
+          <a:extLst>
+            <a:ext uri="{909E8E84-426E-40DD-AFC4-6F175D3DCCD1}">
+              <a14:hiddenFill xmlns:a14="http://schemas.microsoft.com/office/drawing/2010/main">
+                <a:solidFill>
+                  <a:srgbClr val="FFFFFF"/>
+                </a:solidFill>
+              </a14:hiddenFill>
+            </a:ext>
+          </a:extLst>
+        </p:spPr>
+      </p:pic>
+      <p:pic>
+        <p:nvPicPr>
+          <p:cNvPr id="6" name="Picture 4" descr="Plugs connection outline symbol in a circle - Free interface icons">
+            <a:extLst>
+              <a:ext uri="{FF2B5EF4-FFF2-40B4-BE49-F238E27FC236}">
+                <a16:creationId xmlns:a16="http://schemas.microsoft.com/office/drawing/2014/main" xmlns="" id="{E6AE5A0C-BEA4-521E-FE4C-84F4DDA317BD}"/>
+              </a:ext>
+            </a:extLst>
+          </p:cNvPr>
+          <p:cNvPicPr>
+            <a:picLocks noChangeAspect="1" noChangeArrowheads="1"/>
+          </p:cNvPicPr>
+          <p:nvPr/>
+        </p:nvPicPr>
+        <p:blipFill rotWithShape="1">
+          <a:blip r:embed="rId3">
+            <a:duotone>
+              <a:schemeClr val="accent4">
+                <a:shade val="45000"/>
+                <a:satMod val="135000"/>
+              </a:schemeClr>
+              <a:prstClr val="white"/>
+            </a:duotone>
+            <a:extLst>
+              <a:ext uri="{28A0092B-C50C-407E-A947-70E740481C1C}">
+                <a14:useLocalDpi xmlns:a14="http://schemas.microsoft.com/office/drawing/2010/main" val="0"/>
+              </a:ext>
+            </a:extLst>
+          </a:blip>
+          <a:srcRect l="54627"/>
+          <a:stretch/>
+        </p:blipFill>
+        <p:spPr bwMode="auto">
+          <a:xfrm>
+            <a:off x="5238731" y="2246965"/>
+            <a:ext cx="1327880" cy="3510451"/>
+          </a:xfrm>
+          <a:prstGeom prst="rect">
+            <a:avLst/>
+          </a:prstGeom>
+          <a:noFill/>
+          <a:extLst>
+            <a:ext uri="{909E8E84-426E-40DD-AFC4-6F175D3DCCD1}">
+              <a14:hiddenFill xmlns:a14="http://schemas.microsoft.com/office/drawing/2010/main">
+                <a:solidFill>
+                  <a:srgbClr val="FFFFFF"/>
+                </a:solidFill>
+              </a14:hiddenFill>
+            </a:ext>
+          </a:extLst>
+        </p:spPr>
+      </p:pic>
+      <p:pic>
+        <p:nvPicPr>
+          <p:cNvPr id="7" name="Picture 6">
+            <a:extLst>
+              <a:ext uri="{FF2B5EF4-FFF2-40B4-BE49-F238E27FC236}">
+                <a16:creationId xmlns:a16="http://schemas.microsoft.com/office/drawing/2014/main" xmlns="" id="{461A663B-B474-C93D-79E3-4C1BA09D561F}"/>
               </a:ext>
             </a:extLst>
           </p:cNvPr>
@@ -8810,7 +7125,7 @@
           <p:nvPr/>
         </p:nvPicPr>
         <p:blipFill>
-          <a:blip r:embed="rId3" cstate="print">
+          <a:blip r:embed="rId4" cstate="print">
             <a:extLst>
               <a:ext uri="{28A0092B-C50C-407E-A947-70E740481C1C}">
                 <a14:useLocalDpi xmlns:a14="http://schemas.microsoft.com/office/drawing/2010/main" val="0"/>
@@ -8823,18 +7138,162 @@
         </p:blipFill>
         <p:spPr>
           <a:xfrm>
-            <a:off x="4285969" y="4399579"/>
-            <a:ext cx="3619260" cy="2035834"/>
+            <a:off x="7308984" y="2734715"/>
+            <a:ext cx="4095498" cy="2303718"/>
           </a:xfrm>
           <a:prstGeom prst="rect">
             <a:avLst/>
           </a:prstGeom>
+        </p:spPr>
+      </p:pic>
+      <p:grpSp>
+        <p:nvGrpSpPr>
+          <p:cNvPr id="8" name="Group 7">
+            <a:extLst>
+              <a:ext uri="{FF2B5EF4-FFF2-40B4-BE49-F238E27FC236}">
+                <a16:creationId xmlns:a16="http://schemas.microsoft.com/office/drawing/2014/main" xmlns="" id="{4D6708C9-92D4-A8AB-D92C-7739A128687A}"/>
+              </a:ext>
+            </a:extLst>
+          </p:cNvPr>
+          <p:cNvGrpSpPr/>
+          <p:nvPr/>
+        </p:nvGrpSpPr>
+        <p:grpSpPr>
+          <a:xfrm>
+            <a:off x="373261" y="119959"/>
+            <a:ext cx="5164897" cy="830997"/>
+            <a:chOff x="373261" y="119959"/>
+            <a:chExt cx="5164897" cy="830997"/>
+          </a:xfrm>
+        </p:grpSpPr>
+        <p:sp>
+          <p:nvSpPr>
+            <p:cNvPr id="9" name="TextBox 8">
+              <a:extLst>
+                <a:ext uri="{FF2B5EF4-FFF2-40B4-BE49-F238E27FC236}">
+                  <a16:creationId xmlns:a16="http://schemas.microsoft.com/office/drawing/2014/main" xmlns="" id="{105B791A-4265-ACD2-ED42-7D2A386E758E}"/>
+                </a:ext>
+              </a:extLst>
+            </p:cNvPr>
+            <p:cNvSpPr txBox="1"/>
+            <p:nvPr/>
+          </p:nvSpPr>
+          <p:spPr>
+            <a:xfrm>
+              <a:off x="1508184" y="119959"/>
+              <a:ext cx="4029974" cy="830997"/>
+            </a:xfrm>
+            <a:prstGeom prst="rect">
+              <a:avLst/>
+            </a:prstGeom>
+            <a:noFill/>
+          </p:spPr>
+          <p:txBody>
+            <a:bodyPr wrap="square" rtlCol="0">
+              <a:spAutoFit/>
+            </a:bodyPr>
+            <a:lstStyle/>
+            <a:p>
+              <a:r>
+                <a:rPr lang="en-IN" sz="4800" dirty="0">
+                  <a:solidFill>
+                    <a:srgbClr val="FFFF00"/>
+                  </a:solidFill>
+                  <a:latin typeface="Lato Black" panose="020F0A02020204030203" pitchFamily="34" charset="0"/>
+                </a:rPr>
+                <a:t>POWER BI</a:t>
+              </a:r>
+            </a:p>
+          </p:txBody>
+        </p:sp>
+        <p:pic>
+          <p:nvPicPr>
+            <p:cNvPr id="10" name="Picture 9">
+              <a:extLst>
+                <a:ext uri="{FF2B5EF4-FFF2-40B4-BE49-F238E27FC236}">
+                  <a16:creationId xmlns:a16="http://schemas.microsoft.com/office/drawing/2014/main" xmlns="" id="{CB691991-C41B-CFEF-7AEE-431CB4C11ACB}"/>
+                </a:ext>
+              </a:extLst>
+            </p:cNvPr>
+            <p:cNvPicPr>
+              <a:picLocks noChangeAspect="1"/>
+            </p:cNvPicPr>
+            <p:nvPr/>
+          </p:nvPicPr>
+          <p:blipFill>
+            <a:blip r:embed="rId4" cstate="print">
+              <a:extLst>
+                <a:ext uri="{28A0092B-C50C-407E-A947-70E740481C1C}">
+                  <a14:useLocalDpi xmlns:a14="http://schemas.microsoft.com/office/drawing/2010/main" val="0"/>
+                </a:ext>
+              </a:extLst>
+            </a:blip>
+            <a:stretch>
+              <a:fillRect/>
+            </a:stretch>
+          </p:blipFill>
+          <p:spPr>
+            <a:xfrm>
+              <a:off x="373261" y="185235"/>
+              <a:ext cx="1245234" cy="700444"/>
+            </a:xfrm>
+            <a:prstGeom prst="rect">
+              <a:avLst/>
+            </a:prstGeom>
+          </p:spPr>
+        </p:pic>
+      </p:grpSp>
+      <p:pic>
+        <p:nvPicPr>
+          <p:cNvPr id="12" name="Picture 11" descr="Logo Mysql PNG Images, Free Download - Free Transparent PNG Logos">
+            <a:extLst>
+              <a:ext uri="{FF2B5EF4-FFF2-40B4-BE49-F238E27FC236}">
+                <a16:creationId xmlns:a16="http://schemas.microsoft.com/office/drawing/2014/main" xmlns="" id="{20D987B5-B900-B9DD-C73E-1C07E5E44ED9}"/>
+              </a:ext>
+            </a:extLst>
+          </p:cNvPr>
+          <p:cNvPicPr>
+            <a:picLocks noChangeAspect="1" noChangeArrowheads="1"/>
+          </p:cNvPicPr>
+          <p:nvPr/>
+        </p:nvPicPr>
+        <p:blipFill>
+          <a:blip r:embed="rId5" cstate="print">
+            <a:extLst>
+              <a:ext uri="{28A0092B-C50C-407E-A947-70E740481C1C}">
+                <a14:useLocalDpi xmlns:a14="http://schemas.microsoft.com/office/drawing/2010/main" val="0"/>
+              </a:ext>
+            </a:extLst>
+          </a:blip>
+          <a:srcRect/>
+          <a:stretch>
+            <a:fillRect/>
+          </a:stretch>
+        </p:blipFill>
+        <p:spPr bwMode="auto">
+          <a:xfrm>
+            <a:off x="1857202" y="3150190"/>
+            <a:ext cx="1601224" cy="1563863"/>
+          </a:xfrm>
+          <a:prstGeom prst="rect">
+            <a:avLst/>
+          </a:prstGeom>
+          <a:noFill/>
+          <a:extLst>
+            <a:ext uri="{909E8E84-426E-40DD-AFC4-6F175D3DCCD1}">
+              <a14:hiddenFill xmlns:a14="http://schemas.microsoft.com/office/drawing/2010/main">
+                <a:solidFill>
+                  <a:srgbClr val="FFFFFF"/>
+                </a:solidFill>
+              </a14:hiddenFill>
+            </a:ext>
+          </a:extLst>
         </p:spPr>
       </p:pic>
     </p:spTree>
     <p:extLst>
       <p:ext uri="{BB962C8B-B14F-4D97-AF65-F5344CB8AC3E}">
-        <p14:creationId xmlns:p14="http://schemas.microsoft.com/office/powerpoint/2010/main" val="2190682535"/>
+        <p14:creationId xmlns:p14="http://schemas.microsoft.com/office/powerpoint/2010/main" val="2559948971"/>
       </p:ext>
     </p:extLst>
   </p:cSld>
@@ -8874,12 +7333,54 @@
           <a:chExt cx="0" cy="0"/>
         </a:xfrm>
       </p:grpSpPr>
+      <p:sp>
+        <p:nvSpPr>
+          <p:cNvPr id="5" name="TextBox 4">
+            <a:extLst>
+              <a:ext uri="{FF2B5EF4-FFF2-40B4-BE49-F238E27FC236}">
+                <a16:creationId xmlns:a16="http://schemas.microsoft.com/office/drawing/2014/main" xmlns="" id="{CB8C99B5-5307-E4E4-0E72-DE3504B0A583}"/>
+              </a:ext>
+            </a:extLst>
+          </p:cNvPr>
+          <p:cNvSpPr txBox="1"/>
+          <p:nvPr/>
+        </p:nvSpPr>
+        <p:spPr>
+          <a:xfrm>
+            <a:off x="157903" y="185738"/>
+            <a:ext cx="1943416" cy="584775"/>
+          </a:xfrm>
+          <a:prstGeom prst="rect">
+            <a:avLst/>
+          </a:prstGeom>
+          <a:solidFill>
+            <a:schemeClr val="tx1"/>
+          </a:solidFill>
+        </p:spPr>
+        <p:txBody>
+          <a:bodyPr wrap="square" rtlCol="0">
+            <a:spAutoFit/>
+          </a:bodyPr>
+          <a:lstStyle/>
+          <a:p>
+            <a:pPr algn="ctr"/>
+            <a:r>
+              <a:rPr lang="en-IN" sz="3200" b="1" dirty="0">
+                <a:solidFill>
+                  <a:srgbClr val="FFFF00"/>
+                </a:solidFill>
+              </a:rPr>
+              <a:t>POWER BI</a:t>
+            </a:r>
+          </a:p>
+        </p:txBody>
+      </p:sp>
       <p:pic>
         <p:nvPicPr>
-          <p:cNvPr id="20" name="Picture 19">
-            <a:extLst>
-              <a:ext uri="{FF2B5EF4-FFF2-40B4-BE49-F238E27FC236}">
-                <a16:creationId xmlns="" xmlns:a16="http://schemas.microsoft.com/office/drawing/2014/main" id="{FE325C91-5367-908E-9FBA-338517C802F7}"/>
+          <p:cNvPr id="6" name="Picture 5">
+            <a:extLst>
+              <a:ext uri="{FF2B5EF4-FFF2-40B4-BE49-F238E27FC236}">
+                <a16:creationId xmlns:a16="http://schemas.microsoft.com/office/drawing/2014/main" xmlns="" id="{EE843937-0252-6408-B4D5-06B6D9531E56}"/>
               </a:ext>
             </a:extLst>
           </p:cNvPr>
@@ -8890,6 +7391,73 @@
         </p:nvPicPr>
         <p:blipFill>
           <a:blip r:embed="rId2" cstate="print">
+            <a:extLst>
+              <a:ext uri="{28A0092B-C50C-407E-A947-70E740481C1C}">
+                <a14:useLocalDpi xmlns:a14="http://schemas.microsoft.com/office/drawing/2010/main" val="0"/>
+              </a:ext>
+            </a:extLst>
+          </a:blip>
+          <a:stretch>
+            <a:fillRect/>
+          </a:stretch>
+        </p:blipFill>
+        <p:spPr>
+          <a:xfrm>
+            <a:off x="1996544" y="185738"/>
+            <a:ext cx="1039601" cy="584775"/>
+          </a:xfrm>
+          <a:prstGeom prst="rect">
+            <a:avLst/>
+          </a:prstGeom>
+          <a:effectLst/>
+        </p:spPr>
+      </p:pic>
+      <p:pic>
+        <p:nvPicPr>
+          <p:cNvPr id="8" name="Picture 7">
+            <a:extLst>
+              <a:ext uri="{FF2B5EF4-FFF2-40B4-BE49-F238E27FC236}">
+                <a16:creationId xmlns:a16="http://schemas.microsoft.com/office/drawing/2014/main" xmlns="" id="{D0964A68-B481-FDBC-FBB9-52425E65C659}"/>
+              </a:ext>
+            </a:extLst>
+          </p:cNvPr>
+          <p:cNvPicPr>
+            <a:picLocks noChangeAspect="1"/>
+          </p:cNvPicPr>
+          <p:nvPr/>
+        </p:nvPicPr>
+        <p:blipFill>
+          <a:blip r:embed="rId3"/>
+          <a:stretch>
+            <a:fillRect/>
+          </a:stretch>
+        </p:blipFill>
+        <p:spPr>
+          <a:xfrm>
+            <a:off x="1278912" y="770513"/>
+            <a:ext cx="10438229" cy="5860893"/>
+          </a:xfrm>
+          <a:prstGeom prst="rect">
+            <a:avLst/>
+          </a:prstGeom>
+        </p:spPr>
+      </p:pic>
+      <p:pic>
+        <p:nvPicPr>
+          <p:cNvPr id="9" name="Picture 8">
+            <a:extLst>
+              <a:ext uri="{FF2B5EF4-FFF2-40B4-BE49-F238E27FC236}">
+                <a16:creationId xmlns:a16="http://schemas.microsoft.com/office/drawing/2014/main" xmlns="" id="{61182BE8-DA25-2F0A-6FC9-D781928C7BD4}"/>
+              </a:ext>
+            </a:extLst>
+          </p:cNvPr>
+          <p:cNvPicPr>
+            <a:picLocks noChangeAspect="1"/>
+          </p:cNvPicPr>
+          <p:nvPr/>
+        </p:nvPicPr>
+        <p:blipFill>
+          <a:blip r:embed="rId4" cstate="print">
             <a:duotone>
               <a:prstClr val="black"/>
               <a:schemeClr val="accent4">
@@ -8909,401 +7477,18 @@
         </p:blipFill>
         <p:spPr>
           <a:xfrm>
-            <a:off x="10749750" y="157641"/>
-            <a:ext cx="1309464" cy="944389"/>
+            <a:off x="11311725" y="47938"/>
+            <a:ext cx="810833" cy="584775"/>
           </a:xfrm>
           <a:prstGeom prst="rect">
             <a:avLst/>
           </a:prstGeom>
         </p:spPr>
       </p:pic>
-      <p:sp>
-        <p:nvSpPr>
-          <p:cNvPr id="2" name="TextBox 1">
-            <a:extLst>
-              <a:ext uri="{FF2B5EF4-FFF2-40B4-BE49-F238E27FC236}">
-                <a16:creationId xmlns="" xmlns:a16="http://schemas.microsoft.com/office/drawing/2014/main" id="{BE5492AE-9AD7-DEAB-9741-FFEB9D5B71D4}"/>
-              </a:ext>
-            </a:extLst>
-          </p:cNvPr>
-          <p:cNvSpPr txBox="1"/>
-          <p:nvPr/>
-        </p:nvSpPr>
-        <p:spPr>
-          <a:xfrm>
-            <a:off x="436352" y="1232497"/>
-            <a:ext cx="3471414" cy="646331"/>
-          </a:xfrm>
-          <a:prstGeom prst="rect">
-            <a:avLst/>
-          </a:prstGeom>
-          <a:solidFill>
-            <a:schemeClr val="accent1">
-              <a:lumMod val="75000"/>
-            </a:schemeClr>
-          </a:solidFill>
-        </p:spPr>
-        <p:txBody>
-          <a:bodyPr wrap="square" rtlCol="0">
-            <a:spAutoFit/>
-          </a:bodyPr>
-          <a:lstStyle/>
-          <a:p>
-            <a:pPr algn="r"/>
-            <a:r>
-              <a:rPr lang="en-IN" sz="3600" b="1" dirty="0">
-                <a:solidFill>
-                  <a:schemeClr val="accent4"/>
-                </a:solidFill>
-              </a:rPr>
-              <a:t>CONNECTING TO</a:t>
-            </a:r>
-          </a:p>
-        </p:txBody>
-      </p:sp>
-      <p:sp>
-        <p:nvSpPr>
-          <p:cNvPr id="3" name="TextBox 2">
-            <a:extLst>
-              <a:ext uri="{FF2B5EF4-FFF2-40B4-BE49-F238E27FC236}">
-                <a16:creationId xmlns="" xmlns:a16="http://schemas.microsoft.com/office/drawing/2014/main" id="{F2B21082-DB76-800E-F7F3-8336A6EA7FD6}"/>
-              </a:ext>
-            </a:extLst>
-          </p:cNvPr>
-          <p:cNvSpPr txBox="1"/>
-          <p:nvPr/>
-        </p:nvSpPr>
-        <p:spPr>
-          <a:xfrm>
-            <a:off x="3914583" y="1235891"/>
-            <a:ext cx="3204184" cy="646331"/>
-          </a:xfrm>
-          <a:prstGeom prst="rect">
-            <a:avLst/>
-          </a:prstGeom>
-          <a:solidFill>
-            <a:schemeClr val="accent4">
-              <a:lumMod val="75000"/>
-            </a:schemeClr>
-          </a:solidFill>
-        </p:spPr>
-        <p:txBody>
-          <a:bodyPr wrap="square" rtlCol="0">
-            <a:spAutoFit/>
-          </a:bodyPr>
-          <a:lstStyle/>
-          <a:p>
-            <a:r>
-              <a:rPr lang="en-IN" sz="3600" b="1" dirty="0">
-                <a:solidFill>
-                  <a:schemeClr val="accent1">
-                    <a:lumMod val="75000"/>
-                  </a:schemeClr>
-                </a:solidFill>
-              </a:rPr>
-              <a:t>MS SQL SERVER</a:t>
-            </a:r>
-          </a:p>
-        </p:txBody>
-      </p:sp>
-      <p:pic>
-        <p:nvPicPr>
-          <p:cNvPr id="4" name="Picture 12" descr="Sql server - Free logo icons">
-            <a:extLst>
-              <a:ext uri="{FF2B5EF4-FFF2-40B4-BE49-F238E27FC236}">
-                <a16:creationId xmlns="" xmlns:a16="http://schemas.microsoft.com/office/drawing/2014/main" id="{530262F7-0CF1-8814-2372-D74F015AA73E}"/>
-              </a:ext>
-            </a:extLst>
-          </p:cNvPr>
-          <p:cNvPicPr>
-            <a:picLocks noChangeAspect="1" noChangeArrowheads="1"/>
-          </p:cNvPicPr>
-          <p:nvPr/>
-        </p:nvPicPr>
-        <p:blipFill>
-          <a:blip r:embed="rId3">
-            <a:lum bright="70000" contrast="-70000"/>
-            <a:extLst>
-              <a:ext uri="{BEBA8EAE-BF5A-486C-A8C5-ECC9F3942E4B}">
-                <a14:imgProps xmlns:a14="http://schemas.microsoft.com/office/drawing/2010/main">
-                  <a14:imgLayer r:embed="rId4">
-                    <a14:imgEffect>
-                      <a14:colorTemperature colorTemp="4700"/>
-                    </a14:imgEffect>
-                  </a14:imgLayer>
-                </a14:imgProps>
-              </a:ext>
-              <a:ext uri="{28A0092B-C50C-407E-A947-70E740481C1C}">
-                <a14:useLocalDpi xmlns:a14="http://schemas.microsoft.com/office/drawing/2010/main" val="0"/>
-              </a:ext>
-            </a:extLst>
-          </a:blip>
-          <a:srcRect/>
-          <a:stretch>
-            <a:fillRect/>
-          </a:stretch>
-        </p:blipFill>
-        <p:spPr bwMode="auto">
-          <a:xfrm>
-            <a:off x="1867409" y="2494495"/>
-            <a:ext cx="2513849" cy="3015392"/>
-          </a:xfrm>
-          <a:prstGeom prst="rect">
-            <a:avLst/>
-          </a:prstGeom>
-          <a:noFill/>
-          <a:extLst>
-            <a:ext uri="{909E8E84-426E-40DD-AFC4-6F175D3DCCD1}">
-              <a14:hiddenFill xmlns:a14="http://schemas.microsoft.com/office/drawing/2010/main">
-                <a:solidFill>
-                  <a:srgbClr val="FFFFFF"/>
-                </a:solidFill>
-              </a14:hiddenFill>
-            </a:ext>
-          </a:extLst>
-        </p:spPr>
-      </p:pic>
-      <p:pic>
-        <p:nvPicPr>
-          <p:cNvPr id="5" name="Picture 4" descr="Plugs connection outline symbol in a circle - Free interface icons">
-            <a:extLst>
-              <a:ext uri="{FF2B5EF4-FFF2-40B4-BE49-F238E27FC236}">
-                <a16:creationId xmlns="" xmlns:a16="http://schemas.microsoft.com/office/drawing/2014/main" id="{D843DAAA-B6CB-2BDC-8B67-6C86E9DBE4D3}"/>
-              </a:ext>
-            </a:extLst>
-          </p:cNvPr>
-          <p:cNvPicPr>
-            <a:picLocks noChangeAspect="1" noChangeArrowheads="1"/>
-          </p:cNvPicPr>
-          <p:nvPr/>
-        </p:nvPicPr>
-        <p:blipFill rotWithShape="1">
-          <a:blip r:embed="rId5">
-            <a:duotone>
-              <a:schemeClr val="accent2">
-                <a:shade val="45000"/>
-                <a:satMod val="135000"/>
-              </a:schemeClr>
-              <a:prstClr val="white"/>
-            </a:duotone>
-            <a:extLst>
-              <a:ext uri="{28A0092B-C50C-407E-A947-70E740481C1C}">
-                <a14:useLocalDpi xmlns:a14="http://schemas.microsoft.com/office/drawing/2010/main" val="0"/>
-              </a:ext>
-            </a:extLst>
-          </a:blip>
-          <a:srcRect r="44257"/>
-          <a:stretch/>
-        </p:blipFill>
-        <p:spPr bwMode="auto">
-          <a:xfrm>
-            <a:off x="4675950" y="2246966"/>
-            <a:ext cx="1631368" cy="3510451"/>
-          </a:xfrm>
-          <a:prstGeom prst="rect">
-            <a:avLst/>
-          </a:prstGeom>
-          <a:noFill/>
-          <a:extLst>
-            <a:ext uri="{909E8E84-426E-40DD-AFC4-6F175D3DCCD1}">
-              <a14:hiddenFill xmlns:a14="http://schemas.microsoft.com/office/drawing/2010/main">
-                <a:solidFill>
-                  <a:srgbClr val="FFFFFF"/>
-                </a:solidFill>
-              </a14:hiddenFill>
-            </a:ext>
-          </a:extLst>
-        </p:spPr>
-      </p:pic>
-      <p:pic>
-        <p:nvPicPr>
-          <p:cNvPr id="6" name="Picture 4" descr="Plugs connection outline symbol in a circle - Free interface icons">
-            <a:extLst>
-              <a:ext uri="{FF2B5EF4-FFF2-40B4-BE49-F238E27FC236}">
-                <a16:creationId xmlns="" xmlns:a16="http://schemas.microsoft.com/office/drawing/2014/main" id="{E6AE5A0C-BEA4-521E-FE4C-84F4DDA317BD}"/>
-              </a:ext>
-            </a:extLst>
-          </p:cNvPr>
-          <p:cNvPicPr>
-            <a:picLocks noChangeAspect="1" noChangeArrowheads="1"/>
-          </p:cNvPicPr>
-          <p:nvPr/>
-        </p:nvPicPr>
-        <p:blipFill rotWithShape="1">
-          <a:blip r:embed="rId5">
-            <a:duotone>
-              <a:schemeClr val="accent4">
-                <a:shade val="45000"/>
-                <a:satMod val="135000"/>
-              </a:schemeClr>
-              <a:prstClr val="white"/>
-            </a:duotone>
-            <a:extLst>
-              <a:ext uri="{28A0092B-C50C-407E-A947-70E740481C1C}">
-                <a14:useLocalDpi xmlns:a14="http://schemas.microsoft.com/office/drawing/2010/main" val="0"/>
-              </a:ext>
-            </a:extLst>
-          </a:blip>
-          <a:srcRect l="54627"/>
-          <a:stretch/>
-        </p:blipFill>
-        <p:spPr bwMode="auto">
-          <a:xfrm>
-            <a:off x="5961956" y="2246966"/>
-            <a:ext cx="1327880" cy="3510451"/>
-          </a:xfrm>
-          <a:prstGeom prst="rect">
-            <a:avLst/>
-          </a:prstGeom>
-          <a:noFill/>
-          <a:extLst>
-            <a:ext uri="{909E8E84-426E-40DD-AFC4-6F175D3DCCD1}">
-              <a14:hiddenFill xmlns:a14="http://schemas.microsoft.com/office/drawing/2010/main">
-                <a:solidFill>
-                  <a:srgbClr val="FFFFFF"/>
-                </a:solidFill>
-              </a14:hiddenFill>
-            </a:ext>
-          </a:extLst>
-        </p:spPr>
-      </p:pic>
-      <p:pic>
-        <p:nvPicPr>
-          <p:cNvPr id="7" name="Picture 6">
-            <a:extLst>
-              <a:ext uri="{FF2B5EF4-FFF2-40B4-BE49-F238E27FC236}">
-                <a16:creationId xmlns="" xmlns:a16="http://schemas.microsoft.com/office/drawing/2014/main" id="{461A663B-B474-C93D-79E3-4C1BA09D561F}"/>
-              </a:ext>
-            </a:extLst>
-          </p:cNvPr>
-          <p:cNvPicPr>
-            <a:picLocks noChangeAspect="1"/>
-          </p:cNvPicPr>
-          <p:nvPr/>
-        </p:nvPicPr>
-        <p:blipFill>
-          <a:blip r:embed="rId6" cstate="print">
-            <a:extLst>
-              <a:ext uri="{28A0092B-C50C-407E-A947-70E740481C1C}">
-                <a14:useLocalDpi xmlns:a14="http://schemas.microsoft.com/office/drawing/2010/main" val="0"/>
-              </a:ext>
-            </a:extLst>
-          </a:blip>
-          <a:stretch>
-            <a:fillRect/>
-          </a:stretch>
-        </p:blipFill>
-        <p:spPr>
-          <a:xfrm>
-            <a:off x="6954866" y="2863504"/>
-            <a:ext cx="4095498" cy="2303718"/>
-          </a:xfrm>
-          <a:prstGeom prst="rect">
-            <a:avLst/>
-          </a:prstGeom>
-        </p:spPr>
-      </p:pic>
-      <p:grpSp>
-        <p:nvGrpSpPr>
-          <p:cNvPr id="8" name="Group 7">
-            <a:extLst>
-              <a:ext uri="{FF2B5EF4-FFF2-40B4-BE49-F238E27FC236}">
-                <a16:creationId xmlns="" xmlns:a16="http://schemas.microsoft.com/office/drawing/2014/main" id="{4D6708C9-92D4-A8AB-D92C-7739A128687A}"/>
-              </a:ext>
-            </a:extLst>
-          </p:cNvPr>
-          <p:cNvGrpSpPr/>
-          <p:nvPr/>
-        </p:nvGrpSpPr>
-        <p:grpSpPr>
-          <a:xfrm>
-            <a:off x="373261" y="119959"/>
-            <a:ext cx="5164897" cy="830997"/>
-            <a:chOff x="373261" y="119959"/>
-            <a:chExt cx="5164897" cy="830997"/>
-          </a:xfrm>
-        </p:grpSpPr>
-        <p:sp>
-          <p:nvSpPr>
-            <p:cNvPr id="9" name="TextBox 8">
-              <a:extLst>
-                <a:ext uri="{FF2B5EF4-FFF2-40B4-BE49-F238E27FC236}">
-                  <a16:creationId xmlns="" xmlns:a16="http://schemas.microsoft.com/office/drawing/2014/main" id="{105B791A-4265-ACD2-ED42-7D2A386E758E}"/>
-                </a:ext>
-              </a:extLst>
-            </p:cNvPr>
-            <p:cNvSpPr txBox="1"/>
-            <p:nvPr/>
-          </p:nvSpPr>
-          <p:spPr>
-            <a:xfrm>
-              <a:off x="1508184" y="119959"/>
-              <a:ext cx="4029974" cy="830997"/>
-            </a:xfrm>
-            <a:prstGeom prst="rect">
-              <a:avLst/>
-            </a:prstGeom>
-            <a:noFill/>
-          </p:spPr>
-          <p:txBody>
-            <a:bodyPr wrap="square" rtlCol="0">
-              <a:spAutoFit/>
-            </a:bodyPr>
-            <a:lstStyle/>
-            <a:p>
-              <a:r>
-                <a:rPr lang="en-IN" sz="4800" dirty="0">
-                  <a:solidFill>
-                    <a:srgbClr val="FFFF00"/>
-                  </a:solidFill>
-                  <a:latin typeface="Lato Black" panose="020F0A02020204030203" pitchFamily="34" charset="0"/>
-                </a:rPr>
-                <a:t>POWER BI</a:t>
-              </a:r>
-            </a:p>
-          </p:txBody>
-        </p:sp>
-        <p:pic>
-          <p:nvPicPr>
-            <p:cNvPr id="10" name="Picture 9">
-              <a:extLst>
-                <a:ext uri="{FF2B5EF4-FFF2-40B4-BE49-F238E27FC236}">
-                  <a16:creationId xmlns="" xmlns:a16="http://schemas.microsoft.com/office/drawing/2014/main" id="{CB691991-C41B-CFEF-7AEE-431CB4C11ACB}"/>
-                </a:ext>
-              </a:extLst>
-            </p:cNvPr>
-            <p:cNvPicPr>
-              <a:picLocks noChangeAspect="1"/>
-            </p:cNvPicPr>
-            <p:nvPr/>
-          </p:nvPicPr>
-          <p:blipFill>
-            <a:blip r:embed="rId6" cstate="print">
-              <a:extLst>
-                <a:ext uri="{28A0092B-C50C-407E-A947-70E740481C1C}">
-                  <a14:useLocalDpi xmlns:a14="http://schemas.microsoft.com/office/drawing/2010/main" val="0"/>
-                </a:ext>
-              </a:extLst>
-            </a:blip>
-            <a:stretch>
-              <a:fillRect/>
-            </a:stretch>
-          </p:blipFill>
-          <p:spPr>
-            <a:xfrm>
-              <a:off x="373261" y="185235"/>
-              <a:ext cx="1245234" cy="700444"/>
-            </a:xfrm>
-            <a:prstGeom prst="rect">
-              <a:avLst/>
-            </a:prstGeom>
-          </p:spPr>
-        </p:pic>
-      </p:grpSp>
     </p:spTree>
     <p:extLst>
       <p:ext uri="{BB962C8B-B14F-4D97-AF65-F5344CB8AC3E}">
-        <p14:creationId xmlns:p14="http://schemas.microsoft.com/office/powerpoint/2010/main" val="2559948971"/>
+        <p14:creationId xmlns:p14="http://schemas.microsoft.com/office/powerpoint/2010/main" val="4022926839"/>
       </p:ext>
     </p:extLst>
   </p:cSld>
@@ -9348,7 +7533,7 @@
           <p:cNvPr id="5" name="TextBox 4">
             <a:extLst>
               <a:ext uri="{FF2B5EF4-FFF2-40B4-BE49-F238E27FC236}">
-                <a16:creationId xmlns="" xmlns:a16="http://schemas.microsoft.com/office/drawing/2014/main" id="{CB8C99B5-5307-E4E4-0E72-DE3504B0A583}"/>
+                <a16:creationId xmlns:a16="http://schemas.microsoft.com/office/drawing/2014/main" xmlns="" id="{CB8C99B5-5307-E4E4-0E72-DE3504B0A583}"/>
               </a:ext>
             </a:extLst>
           </p:cNvPr>
@@ -9390,7 +7575,7 @@
           <p:cNvPr id="6" name="Picture 5">
             <a:extLst>
               <a:ext uri="{FF2B5EF4-FFF2-40B4-BE49-F238E27FC236}">
-                <a16:creationId xmlns="" xmlns:a16="http://schemas.microsoft.com/office/drawing/2014/main" id="{EE843937-0252-6408-B4D5-06B6D9531E56}"/>
+                <a16:creationId xmlns:a16="http://schemas.microsoft.com/office/drawing/2014/main" xmlns="" id="{EE843937-0252-6408-B4D5-06B6D9531E56}"/>
               </a:ext>
             </a:extLst>
           </p:cNvPr>
@@ -9424,10 +7609,10 @@
       </p:pic>
       <p:pic>
         <p:nvPicPr>
-          <p:cNvPr id="8" name="Picture 7">
-            <a:extLst>
-              <a:ext uri="{FF2B5EF4-FFF2-40B4-BE49-F238E27FC236}">
-                <a16:creationId xmlns="" xmlns:a16="http://schemas.microsoft.com/office/drawing/2014/main" id="{D0964A68-B481-FDBC-FBB9-52425E65C659}"/>
+          <p:cNvPr id="3" name="Picture 2">
+            <a:extLst>
+              <a:ext uri="{FF2B5EF4-FFF2-40B4-BE49-F238E27FC236}">
+                <a16:creationId xmlns:a16="http://schemas.microsoft.com/office/drawing/2014/main" xmlns="" id="{73AA4628-0EE3-7EC4-C370-2A0B2BE6484D}"/>
               </a:ext>
             </a:extLst>
           </p:cNvPr>
@@ -9444,8 +7629,8 @@
         </p:blipFill>
         <p:spPr>
           <a:xfrm>
-            <a:off x="896049" y="832889"/>
-            <a:ext cx="10399902" cy="5839373"/>
+            <a:off x="1129611" y="1036078"/>
+            <a:ext cx="10380852" cy="5821922"/>
           </a:xfrm>
           <a:prstGeom prst="rect">
             <a:avLst/>
@@ -9454,10 +7639,10 @@
       </p:pic>
       <p:pic>
         <p:nvPicPr>
-          <p:cNvPr id="9" name="Picture 8">
-            <a:extLst>
-              <a:ext uri="{FF2B5EF4-FFF2-40B4-BE49-F238E27FC236}">
-                <a16:creationId xmlns="" xmlns:a16="http://schemas.microsoft.com/office/drawing/2014/main" id="{61182BE8-DA25-2F0A-6FC9-D781928C7BD4}"/>
+          <p:cNvPr id="4" name="Picture 3">
+            <a:extLst>
+              <a:ext uri="{FF2B5EF4-FFF2-40B4-BE49-F238E27FC236}">
+                <a16:creationId xmlns:a16="http://schemas.microsoft.com/office/drawing/2014/main" xmlns="" id="{DF94FEC7-38DB-BB24-114F-273EF90A7BB5}"/>
               </a:ext>
             </a:extLst>
           </p:cNvPr>
@@ -9498,7 +7683,7 @@
     </p:spTree>
     <p:extLst>
       <p:ext uri="{BB962C8B-B14F-4D97-AF65-F5344CB8AC3E}">
-        <p14:creationId xmlns:p14="http://schemas.microsoft.com/office/powerpoint/2010/main" val="4022926839"/>
+        <p14:creationId xmlns:p14="http://schemas.microsoft.com/office/powerpoint/2010/main" val="3679719717"/>
       </p:ext>
     </p:extLst>
   </p:cSld>
@@ -9543,7 +7728,7 @@
           <p:cNvPr id="5" name="TextBox 4">
             <a:extLst>
               <a:ext uri="{FF2B5EF4-FFF2-40B4-BE49-F238E27FC236}">
-                <a16:creationId xmlns="" xmlns:a16="http://schemas.microsoft.com/office/drawing/2014/main" id="{CB8C99B5-5307-E4E4-0E72-DE3504B0A583}"/>
+                <a16:creationId xmlns:a16="http://schemas.microsoft.com/office/drawing/2014/main" xmlns="" id="{CB8C99B5-5307-E4E4-0E72-DE3504B0A583}"/>
               </a:ext>
             </a:extLst>
           </p:cNvPr>
@@ -9585,7 +7770,7 @@
           <p:cNvPr id="6" name="Picture 5">
             <a:extLst>
               <a:ext uri="{FF2B5EF4-FFF2-40B4-BE49-F238E27FC236}">
-                <a16:creationId xmlns="" xmlns:a16="http://schemas.microsoft.com/office/drawing/2014/main" id="{EE843937-0252-6408-B4D5-06B6D9531E56}"/>
+                <a16:creationId xmlns:a16="http://schemas.microsoft.com/office/drawing/2014/main" xmlns="" id="{EE843937-0252-6408-B4D5-06B6D9531E56}"/>
               </a:ext>
             </a:extLst>
           </p:cNvPr>
@@ -9619,10 +7804,10 @@
       </p:pic>
       <p:pic>
         <p:nvPicPr>
-          <p:cNvPr id="3" name="Picture 2">
-            <a:extLst>
-              <a:ext uri="{FF2B5EF4-FFF2-40B4-BE49-F238E27FC236}">
-                <a16:creationId xmlns="" xmlns:a16="http://schemas.microsoft.com/office/drawing/2014/main" id="{73AA4628-0EE3-7EC4-C370-2A0B2BE6484D}"/>
+          <p:cNvPr id="4" name="Picture 3">
+            <a:extLst>
+              <a:ext uri="{FF2B5EF4-FFF2-40B4-BE49-F238E27FC236}">
+                <a16:creationId xmlns:a16="http://schemas.microsoft.com/office/drawing/2014/main" xmlns="" id="{A90D7939-6504-7430-B6E9-29AEB10BAE2E}"/>
               </a:ext>
             </a:extLst>
           </p:cNvPr>
@@ -9639,8 +7824,8 @@
         </p:blipFill>
         <p:spPr>
           <a:xfrm>
-            <a:off x="905574" y="850340"/>
-            <a:ext cx="10380852" cy="5821922"/>
+            <a:off x="891286" y="827541"/>
+            <a:ext cx="10409427" cy="5844721"/>
           </a:xfrm>
           <a:prstGeom prst="rect">
             <a:avLst/>
@@ -9649,10 +7834,10 @@
       </p:pic>
       <p:pic>
         <p:nvPicPr>
-          <p:cNvPr id="4" name="Picture 3">
-            <a:extLst>
-              <a:ext uri="{FF2B5EF4-FFF2-40B4-BE49-F238E27FC236}">
-                <a16:creationId xmlns="" xmlns:a16="http://schemas.microsoft.com/office/drawing/2014/main" id="{DF94FEC7-38DB-BB24-114F-273EF90A7BB5}"/>
+          <p:cNvPr id="7" name="Picture 6">
+            <a:extLst>
+              <a:ext uri="{FF2B5EF4-FFF2-40B4-BE49-F238E27FC236}">
+                <a16:creationId xmlns:a16="http://schemas.microsoft.com/office/drawing/2014/main" xmlns="" id="{03BC04EE-8041-7D9D-CA19-298D68483000}"/>
               </a:ext>
             </a:extLst>
           </p:cNvPr>
@@ -9693,7 +7878,7 @@
     </p:spTree>
     <p:extLst>
       <p:ext uri="{BB962C8B-B14F-4D97-AF65-F5344CB8AC3E}">
-        <p14:creationId xmlns:p14="http://schemas.microsoft.com/office/powerpoint/2010/main" val="3679719717"/>
+        <p14:creationId xmlns:p14="http://schemas.microsoft.com/office/powerpoint/2010/main" val="3528695337"/>
       </p:ext>
     </p:extLst>
   </p:cSld>
